--- a/presentation/unibrowser-presentation.pptx
+++ b/presentation/unibrowser-presentation.pptx
@@ -205,7 +205,7 @@
           <a:p>
             <a:fld id="{9EA79EC9-0526-4E66-A34B-727B0FF81E4E}" type="datetimeFigureOut">
               <a:rPr lang="de-DE" smtClean="0"/>
-              <a:t>06.10.2019</a:t>
+              <a:t>07.10.2019</a:t>
             </a:fld>
             <a:endParaRPr lang="de-DE"/>
           </a:p>
@@ -963,7 +963,7 @@
           <a:p>
             <a:fld id="{A5E38E11-CBD4-435C-90F6-BD52B6AE70AE}" type="datetimeFigureOut">
               <a:rPr lang="x-none" smtClean="0"/>
-              <a:t>10/6/2019</a:t>
+              <a:t>10/7/2019</a:t>
             </a:fld>
             <a:endParaRPr lang="x-none"/>
           </a:p>
@@ -2061,14 +2061,7 @@
           <a:p>
             <a:r>
               <a:rPr lang="en-GB" dirty="0"/>
-              <a:t>INITIAL SITUATION</a:t>
-            </a:r>
-            <a:br>
-              <a:rPr lang="en-GB" dirty="0"/>
-            </a:br>
-            <a:r>
-              <a:rPr lang="en-GB" dirty="0"/>
-              <a:t>INTRODUCTION…</a:t>
+              <a:t>INTRODUCTION</a:t>
             </a:r>
             <a:endParaRPr lang="x-none" dirty="0"/>
           </a:p>
@@ -2097,8 +2090,9 @@
           </a:bodyPr>
           <a:lstStyle/>
           <a:p>
-            <a:pPr marL="0" indent="0">
-              <a:buNone/>
+            <a:pPr>
+              <a:buFontTx/>
+              <a:buChar char="-"/>
             </a:pPr>
             <a:r>
               <a:rPr lang="de-DE" b="1" dirty="0">
@@ -2106,82 +2100,61 @@
                   <a:srgbClr val="FFFFFF"/>
                 </a:solidFill>
               </a:rPr>
-              <a:t>Description, </a:t>
-            </a:r>
-            <a:r>
-              <a:rPr lang="de-DE" b="1" dirty="0" err="1">
+              <a:t>Idea 1: Loclked-in dude wants to see movie/travel, forgot name. How vcould we help em? Ask cl;ever questions to narrow down quickly</a:t>
+            </a:r>
+          </a:p>
+          <a:p>
+            <a:pPr>
+              <a:buFontTx/>
+              <a:buChar char="-"/>
+            </a:pPr>
+            <a:r>
+              <a:rPr lang="de-DE" b="1" dirty="0">
                 <a:solidFill>
                   <a:srgbClr val="FFFFFF"/>
                 </a:solidFill>
               </a:rPr>
-              <a:t>visual</a:t>
-            </a:r>
+              <a:t>Machine finds out wehat user wnat qwuickly</a:t>
+            </a:r>
+          </a:p>
+          <a:p>
+            <a:pPr>
+              <a:buFontTx/>
+              <a:buChar char="-"/>
+            </a:pPr>
             <a:r>
               <a:rPr lang="de-DE" b="1" dirty="0">
                 <a:solidFill>
                   <a:srgbClr val="FFFFFF"/>
                 </a:solidFill>
               </a:rPr>
-              <a:t> </a:t>
-            </a:r>
-            <a:r>
-              <a:rPr lang="de-DE" b="1" dirty="0" err="1">
-                <a:solidFill>
-                  <a:srgbClr val="FFFFFF"/>
-                </a:solidFill>
-              </a:rPr>
-              <a:t>impressions</a:t>
-            </a:r>
-            <a:r>
-              <a:rPr lang="de-DE" b="1" dirty="0">
-                <a:solidFill>
-                  <a:srgbClr val="FFFFFF"/>
-                </a:solidFill>
-              </a:rPr>
-              <a:t> (</a:t>
-            </a:r>
-            <a:r>
-              <a:rPr lang="de-DE" b="1" dirty="0" err="1">
-                <a:solidFill>
-                  <a:srgbClr val="FFFFFF"/>
-                </a:solidFill>
-              </a:rPr>
-              <a:t>photos</a:t>
-            </a:r>
-            <a:r>
-              <a:rPr lang="de-DE" b="1" dirty="0">
-                <a:solidFill>
-                  <a:srgbClr val="FFFFFF"/>
-                </a:solidFill>
-              </a:rPr>
-              <a:t>, </a:t>
-            </a:r>
-            <a:r>
-              <a:rPr lang="de-DE" b="1" dirty="0" err="1">
-                <a:solidFill>
-                  <a:srgbClr val="FFFFFF"/>
-                </a:solidFill>
-              </a:rPr>
-              <a:t>videos</a:t>
-            </a:r>
-            <a:r>
-              <a:rPr lang="de-DE" b="1" dirty="0">
-                <a:solidFill>
-                  <a:srgbClr val="FFFFFF"/>
-                </a:solidFill>
-              </a:rPr>
-              <a:t>)</a:t>
-            </a:r>
-          </a:p>
-          <a:p>
-            <a:pPr marL="0" indent="0">
-              <a:buNone/>
+              <a:t>Needs two parts: question asking intell;igence, and readout.</a:t>
+            </a:r>
+          </a:p>
+          <a:p>
+            <a:pPr>
+              <a:buFontTx/>
+              <a:buChar char="-"/>
             </a:pPr>
             <a:endParaRPr lang="de-DE" b="1" dirty="0">
               <a:solidFill>
                 <a:srgbClr val="FFFFFF"/>
               </a:solidFill>
             </a:endParaRPr>
+          </a:p>
+          <a:p>
+            <a:pPr>
+              <a:buFontTx/>
+              <a:buChar char="-"/>
+            </a:pPr>
+            <a:r>
+              <a:rPr lang="de-DE" b="1" dirty="0">
+                <a:solidFill>
+                  <a:srgbClr val="FFFFFF"/>
+                </a:solidFill>
+              </a:rPr>
+              <a:t>Idea 2: 20 questions?</a:t>
+            </a:r>
           </a:p>
         </p:txBody>
       </p:sp>
@@ -2299,12 +2272,13 @@
         <p:spPr/>
         <p:txBody>
           <a:bodyPr>
-            <a:normAutofit/>
+            <a:normAutofit fontScale="92500" lnSpcReduction="10000"/>
           </a:bodyPr>
           <a:lstStyle/>
           <a:p>
-            <a:pPr marL="0" indent="0">
-              <a:buNone/>
+            <a:pPr>
+              <a:buFontTx/>
+              <a:buChar char="-"/>
             </a:pPr>
             <a:r>
               <a:rPr lang="de-DE" b="1" dirty="0">
@@ -2312,16 +2286,84 @@
                   <a:srgbClr val="FFFFFF"/>
                 </a:solidFill>
               </a:rPr>
-              <a:t>Description, </a:t>
-            </a:r>
-            <a:r>
-              <a:rPr lang="de-DE" b="1" dirty="0" err="1">
+              <a:t>Questions such that they ,maximally reduce uncertainty (example, think number between 1 and 100. Then ask: below ett/c.)</a:t>
+            </a:r>
+          </a:p>
+          <a:p>
+            <a:pPr>
+              <a:buFontTx/>
+              <a:buChar char="-"/>
+            </a:pPr>
+            <a:r>
+              <a:rPr lang="de-DE" b="1" dirty="0">
                 <a:solidFill>
                   <a:srgbClr val="FFFFFF"/>
                 </a:solidFill>
               </a:rPr>
-              <a:t>visual</a:t>
-            </a:r>
+              <a:t>Can generalise that to almost everything, using fancy ass [prob bayseian nn quantum model]</a:t>
+            </a:r>
+          </a:p>
+          <a:p>
+            <a:pPr>
+              <a:buFontTx/>
+              <a:buChar char="-"/>
+            </a:pPr>
+            <a:r>
+              <a:rPr lang="de-DE" b="1" dirty="0">
+                <a:solidFill>
+                  <a:srgbClr val="FFFFFF"/>
+                </a:solidFill>
+              </a:rPr>
+              <a:t>Hard to ask right questions, but also hard to interpret answerts! Users are ignoramnt, and eeg is noisy. </a:t>
+            </a:r>
+          </a:p>
+          <a:p>
+            <a:pPr>
+              <a:buFontTx/>
+              <a:buChar char="-"/>
+            </a:pPr>
+            <a:r>
+              <a:rPr lang="de-DE" b="1" dirty="0">
+                <a:solidFill>
+                  <a:srgbClr val="FFFFFF"/>
+                </a:solidFill>
+              </a:rPr>
+              <a:t>All this can be taken care of.</a:t>
+            </a:r>
+          </a:p>
+          <a:p>
+            <a:pPr>
+              <a:buFontTx/>
+              <a:buChar char="-"/>
+            </a:pPr>
+            <a:r>
+              <a:rPr lang="de-DE" b="1" dirty="0">
+                <a:solidFill>
+                  <a:srgbClr val="FFFFFF"/>
+                </a:solidFill>
+              </a:rPr>
+              <a:t>Secomndly, need read out answers using EEG. One=quick way to do it SSVEP.</a:t>
+            </a:r>
+          </a:p>
+          <a:p>
+            <a:pPr>
+              <a:buFontTx/>
+              <a:buChar char="-"/>
+            </a:pPr>
+            <a:r>
+              <a:rPr lang="de-DE" b="1" dirty="0">
+                <a:solidFill>
+                  <a:srgbClr val="FFFFFF"/>
+                </a:solidFill>
+              </a:rPr>
+              <a:t>Look at both things </a:t>
+            </a:r>
+          </a:p>
+          <a:p>
+            <a:pPr>
+              <a:buFontTx/>
+              <a:buChar char="-"/>
+            </a:pPr>
             <a:r>
               <a:rPr lang="de-DE" b="1" dirty="0">
                 <a:solidFill>
@@ -2329,54 +2371,6 @@
                 </a:solidFill>
               </a:rPr>
               <a:t> </a:t>
-            </a:r>
-            <a:r>
-              <a:rPr lang="de-DE" b="1" dirty="0" err="1">
-                <a:solidFill>
-                  <a:srgbClr val="FFFFFF"/>
-                </a:solidFill>
-              </a:rPr>
-              <a:t>impressions</a:t>
-            </a:r>
-            <a:r>
-              <a:rPr lang="de-DE" b="1" dirty="0">
-                <a:solidFill>
-                  <a:srgbClr val="FFFFFF"/>
-                </a:solidFill>
-              </a:rPr>
-              <a:t> (</a:t>
-            </a:r>
-            <a:r>
-              <a:rPr lang="de-DE" b="1" dirty="0" err="1">
-                <a:solidFill>
-                  <a:srgbClr val="FFFFFF"/>
-                </a:solidFill>
-              </a:rPr>
-              <a:t>photos</a:t>
-            </a:r>
-            <a:r>
-              <a:rPr lang="de-DE" b="1" dirty="0">
-                <a:solidFill>
-                  <a:srgbClr val="FFFFFF"/>
-                </a:solidFill>
-              </a:rPr>
-              <a:t>, </a:t>
-            </a:r>
-            <a:r>
-              <a:rPr lang="de-DE" b="1" dirty="0" err="1">
-                <a:solidFill>
-                  <a:srgbClr val="FFFFFF"/>
-                </a:solidFill>
-              </a:rPr>
-              <a:t>videos</a:t>
-            </a:r>
-            <a:r>
-              <a:rPr lang="de-DE" b="1" dirty="0">
-                <a:solidFill>
-                  <a:srgbClr val="FFFFFF"/>
-                </a:solidFill>
-              </a:rPr>
-              <a:t>)</a:t>
             </a:r>
           </a:p>
         </p:txBody>
@@ -2515,71 +2509,20 @@
                   <a:srgbClr val="FFFFFF"/>
                 </a:solidFill>
               </a:rPr>
-              <a:t>Description, </a:t>
-            </a:r>
-            <a:r>
-              <a:rPr lang="de-DE" b="1" dirty="0" err="1">
+              <a:t>Show both imnterfaces</a:t>
+            </a:r>
+          </a:p>
+          <a:p>
+            <a:pPr marL="0" indent="0">
+              <a:buNone/>
+            </a:pPr>
+            <a:r>
+              <a:rPr lang="de-DE" b="1" dirty="0">
                 <a:solidFill>
                   <a:srgbClr val="FFFFFF"/>
                 </a:solidFill>
               </a:rPr>
-              <a:t>visual</a:t>
-            </a:r>
-            <a:r>
-              <a:rPr lang="de-DE" b="1" dirty="0">
-                <a:solidFill>
-                  <a:srgbClr val="FFFFFF"/>
-                </a:solidFill>
-              </a:rPr>
-              <a:t> </a:t>
-            </a:r>
-            <a:r>
-              <a:rPr lang="de-DE" b="1" dirty="0" err="1">
-                <a:solidFill>
-                  <a:srgbClr val="FFFFFF"/>
-                </a:solidFill>
-              </a:rPr>
-              <a:t>impressions</a:t>
-            </a:r>
-            <a:r>
-              <a:rPr lang="de-DE" b="1" dirty="0">
-                <a:solidFill>
-                  <a:srgbClr val="FFFFFF"/>
-                </a:solidFill>
-              </a:rPr>
-              <a:t> (</a:t>
-            </a:r>
-            <a:r>
-              <a:rPr lang="de-DE" b="1" dirty="0" err="1">
-                <a:solidFill>
-                  <a:srgbClr val="FFFFFF"/>
-                </a:solidFill>
-              </a:rPr>
-              <a:t>photos</a:t>
-            </a:r>
-            <a:r>
-              <a:rPr lang="de-DE" b="1" dirty="0">
-                <a:solidFill>
-                  <a:srgbClr val="FFFFFF"/>
-                </a:solidFill>
-              </a:rPr>
-              <a:t>, </a:t>
-            </a:r>
-            <a:r>
-              <a:rPr lang="de-DE" b="1" dirty="0" err="1">
-                <a:solidFill>
-                  <a:srgbClr val="FFFFFF"/>
-                </a:solidFill>
-              </a:rPr>
-              <a:t>videos</a:t>
-            </a:r>
-            <a:r>
-              <a:rPr lang="de-DE" b="1" dirty="0">
-                <a:solidFill>
-                  <a:srgbClr val="FFFFFF"/>
-                </a:solidFill>
-              </a:rPr>
-              <a:t>)</a:t>
+              <a:t>Show picture of leeway </a:t>
             </a:r>
           </a:p>
           <a:p>

--- a/presentation/unibrowser-presentation.pptx
+++ b/presentation/unibrowser-presentation.pptx
@@ -117,7 +117,7 @@
   </p:defaultTextStyle>
   <p:extLst>
     <p:ext uri="{EFAFB233-063F-42B5-8137-9DF3F51BA10A}">
-      <p15:sldGuideLst xmlns:p15="http://schemas.microsoft.com/office/powerpoint/2012/main"/>
+      <p15:sldGuideLst xmlns:p15="http://schemas.microsoft.com/office/powerpoint/2012/main" xmlns=""/>
     </p:ext>
   </p:extLst>
 </p:presentation>
@@ -205,6 +205,7 @@
           <a:p>
             <a:fld id="{9EA79EC9-0526-4E66-A34B-727B0FF81E4E}" type="datetimeFigureOut">
               <a:rPr lang="de-DE" smtClean="0"/>
+              <a:pPr/>
               <a:t>07.10.2019</a:t>
             </a:fld>
             <a:endParaRPr lang="de-DE"/>
@@ -363,6 +364,7 @@
           <a:p>
             <a:fld id="{F71A8555-5A0A-44CC-9DDD-AC67622E4BAC}" type="slidenum">
               <a:rPr lang="de-DE" smtClean="0"/>
+              <a:pPr/>
               <a:t>‹#›</a:t>
             </a:fld>
             <a:endParaRPr lang="de-DE"/>
@@ -372,7 +374,7 @@
     </p:spTree>
     <p:extLst>
       <p:ext uri="{BB962C8B-B14F-4D97-AF65-F5344CB8AC3E}">
-        <p14:creationId xmlns:p14="http://schemas.microsoft.com/office/powerpoint/2010/main" val="709189723"/>
+        <p14:creationId xmlns:p14="http://schemas.microsoft.com/office/powerpoint/2010/main" xmlns="" val="709189723"/>
       </p:ext>
     </p:extLst>
   </p:cSld>
@@ -502,7 +504,7 @@
           <p:cNvPr id="2" name="Titel 1">
             <a:extLst>
               <a:ext uri="{FF2B5EF4-FFF2-40B4-BE49-F238E27FC236}">
-                <a16:creationId xmlns:a16="http://schemas.microsoft.com/office/drawing/2014/main" id="{C809B7F9-4F10-4592-8C6D-559EC9AFB7F3}"/>
+                <a16:creationId xmlns:a16="http://schemas.microsoft.com/office/drawing/2014/main" xmlns="" id="{C809B7F9-4F10-4592-8C6D-559EC9AFB7F3}"/>
               </a:ext>
             </a:extLst>
           </p:cNvPr>
@@ -540,7 +542,7 @@
           <p:cNvPr id="3" name="Untertitel 2">
             <a:extLst>
               <a:ext uri="{FF2B5EF4-FFF2-40B4-BE49-F238E27FC236}">
-                <a16:creationId xmlns:a16="http://schemas.microsoft.com/office/drawing/2014/main" id="{4BE7CFED-2918-4411-876A-1A61023A72BD}"/>
+                <a16:creationId xmlns:a16="http://schemas.microsoft.com/office/drawing/2014/main" xmlns="" id="{4BE7CFED-2918-4411-876A-1A61023A72BD}"/>
               </a:ext>
             </a:extLst>
           </p:cNvPr>
@@ -609,7 +611,7 @@
     </p:spTree>
     <p:extLst>
       <p:ext uri="{BB962C8B-B14F-4D97-AF65-F5344CB8AC3E}">
-        <p14:creationId xmlns:p14="http://schemas.microsoft.com/office/powerpoint/2010/main" val="3627766916"/>
+        <p14:creationId xmlns:p14="http://schemas.microsoft.com/office/powerpoint/2010/main" xmlns="" val="3627766916"/>
       </p:ext>
     </p:extLst>
   </p:cSld>
@@ -649,7 +651,7 @@
           <p:cNvPr id="2" name="Titel 1">
             <a:extLst>
               <a:ext uri="{FF2B5EF4-FFF2-40B4-BE49-F238E27FC236}">
-                <a16:creationId xmlns:a16="http://schemas.microsoft.com/office/drawing/2014/main" id="{310E1DF0-5330-4BFD-88E2-0B38EC1E4E57}"/>
+                <a16:creationId xmlns:a16="http://schemas.microsoft.com/office/drawing/2014/main" xmlns="" id="{310E1DF0-5330-4BFD-88E2-0B38EC1E4E57}"/>
               </a:ext>
             </a:extLst>
           </p:cNvPr>
@@ -678,7 +680,7 @@
           <p:cNvPr id="3" name="Inhaltsplatzhalter 2">
             <a:extLst>
               <a:ext uri="{FF2B5EF4-FFF2-40B4-BE49-F238E27FC236}">
-                <a16:creationId xmlns:a16="http://schemas.microsoft.com/office/drawing/2014/main" id="{8CBBD72A-6111-4CF1-BA2C-E718A94ECCDC}"/>
+                <a16:creationId xmlns:a16="http://schemas.microsoft.com/office/drawing/2014/main" xmlns="" id="{8CBBD72A-6111-4CF1-BA2C-E718A94ECCDC}"/>
               </a:ext>
             </a:extLst>
           </p:cNvPr>
@@ -734,7 +736,7 @@
     </p:spTree>
     <p:extLst>
       <p:ext uri="{BB962C8B-B14F-4D97-AF65-F5344CB8AC3E}">
-        <p14:creationId xmlns:p14="http://schemas.microsoft.com/office/powerpoint/2010/main" val="2109447741"/>
+        <p14:creationId xmlns:p14="http://schemas.microsoft.com/office/powerpoint/2010/main" xmlns="" val="2109447741"/>
       </p:ext>
     </p:extLst>
   </p:cSld>
@@ -774,7 +776,7 @@
           <p:cNvPr id="2" name="Titel 1">
             <a:extLst>
               <a:ext uri="{FF2B5EF4-FFF2-40B4-BE49-F238E27FC236}">
-                <a16:creationId xmlns:a16="http://schemas.microsoft.com/office/drawing/2014/main" id="{63E4985F-13D5-49BC-889F-73761FE13198}"/>
+                <a16:creationId xmlns:a16="http://schemas.microsoft.com/office/drawing/2014/main" xmlns="" id="{63E4985F-13D5-49BC-889F-73761FE13198}"/>
               </a:ext>
             </a:extLst>
           </p:cNvPr>
@@ -812,7 +814,7 @@
           <p:cNvPr id="3" name="Textplatzhalter 2">
             <a:extLst>
               <a:ext uri="{FF2B5EF4-FFF2-40B4-BE49-F238E27FC236}">
-                <a16:creationId xmlns:a16="http://schemas.microsoft.com/office/drawing/2014/main" id="{A0D6C83C-56BF-474C-8657-0BA3611D613C}"/>
+                <a16:creationId xmlns:a16="http://schemas.microsoft.com/office/drawing/2014/main" xmlns="" id="{A0D6C83C-56BF-474C-8657-0BA3611D613C}"/>
               </a:ext>
             </a:extLst>
           </p:cNvPr>
@@ -937,7 +939,7 @@
           <p:cNvPr id="4" name="Datumsplatzhalter 3">
             <a:extLst>
               <a:ext uri="{FF2B5EF4-FFF2-40B4-BE49-F238E27FC236}">
-                <a16:creationId xmlns:a16="http://schemas.microsoft.com/office/drawing/2014/main" id="{F16B5144-C347-497E-A9FE-8BBE7CE87B6A}"/>
+                <a16:creationId xmlns:a16="http://schemas.microsoft.com/office/drawing/2014/main" xmlns="" id="{F16B5144-C347-497E-A9FE-8BBE7CE87B6A}"/>
               </a:ext>
             </a:extLst>
           </p:cNvPr>
@@ -963,7 +965,8 @@
           <a:p>
             <a:fld id="{A5E38E11-CBD4-435C-90F6-BD52B6AE70AE}" type="datetimeFigureOut">
               <a:rPr lang="x-none" smtClean="0"/>
-              <a:t>10/7/2019</a:t>
+              <a:pPr/>
+              <a:t>07/10/2019</a:t>
             </a:fld>
             <a:endParaRPr lang="x-none"/>
           </a:p>
@@ -974,7 +977,7 @@
           <p:cNvPr id="5" name="Fußzeilenplatzhalter 4">
             <a:extLst>
               <a:ext uri="{FF2B5EF4-FFF2-40B4-BE49-F238E27FC236}">
-                <a16:creationId xmlns:a16="http://schemas.microsoft.com/office/drawing/2014/main" id="{0F507366-DE50-49F6-9EBE-7146FEE5D241}"/>
+                <a16:creationId xmlns:a16="http://schemas.microsoft.com/office/drawing/2014/main" xmlns="" id="{0F507366-DE50-49F6-9EBE-7146FEE5D241}"/>
               </a:ext>
             </a:extLst>
           </p:cNvPr>
@@ -1007,7 +1010,7 @@
           <p:cNvPr id="6" name="Foliennummernplatzhalter 5">
             <a:extLst>
               <a:ext uri="{FF2B5EF4-FFF2-40B4-BE49-F238E27FC236}">
-                <a16:creationId xmlns:a16="http://schemas.microsoft.com/office/drawing/2014/main" id="{D36ABCD9-777D-4B92-8F30-3FF548A238FC}"/>
+                <a16:creationId xmlns:a16="http://schemas.microsoft.com/office/drawing/2014/main" xmlns="" id="{D36ABCD9-777D-4B92-8F30-3FF548A238FC}"/>
               </a:ext>
             </a:extLst>
           </p:cNvPr>
@@ -1033,6 +1036,7 @@
           <a:p>
             <a:fld id="{F688C2AE-4FAA-4BB4-A432-5AE7E02740A1}" type="slidenum">
               <a:rPr lang="x-none" smtClean="0"/>
+              <a:pPr/>
               <a:t>‹#›</a:t>
             </a:fld>
             <a:endParaRPr lang="x-none"/>
@@ -1042,7 +1046,7 @@
     </p:spTree>
     <p:extLst>
       <p:ext uri="{BB962C8B-B14F-4D97-AF65-F5344CB8AC3E}">
-        <p14:creationId xmlns:p14="http://schemas.microsoft.com/office/powerpoint/2010/main" val="2038512978"/>
+        <p14:creationId xmlns:p14="http://schemas.microsoft.com/office/powerpoint/2010/main" xmlns="" val="2038512978"/>
       </p:ext>
     </p:extLst>
   </p:cSld>
@@ -1082,7 +1086,7 @@
           <p:cNvPr id="2" name="Titel 1">
             <a:extLst>
               <a:ext uri="{FF2B5EF4-FFF2-40B4-BE49-F238E27FC236}">
-                <a16:creationId xmlns:a16="http://schemas.microsoft.com/office/drawing/2014/main" id="{A30C2CED-11A1-497E-99AB-6D227123B117}"/>
+                <a16:creationId xmlns:a16="http://schemas.microsoft.com/office/drawing/2014/main" xmlns="" id="{A30C2CED-11A1-497E-99AB-6D227123B117}"/>
               </a:ext>
             </a:extLst>
           </p:cNvPr>
@@ -1120,7 +1124,7 @@
           <p:cNvPr id="3" name="Inhaltsplatzhalter 2">
             <a:extLst>
               <a:ext uri="{FF2B5EF4-FFF2-40B4-BE49-F238E27FC236}">
-                <a16:creationId xmlns:a16="http://schemas.microsoft.com/office/drawing/2014/main" id="{986E38F5-F409-48C9-B29B-969FE245AA45}"/>
+                <a16:creationId xmlns:a16="http://schemas.microsoft.com/office/drawing/2014/main" xmlns="" id="{986E38F5-F409-48C9-B29B-969FE245AA45}"/>
               </a:ext>
             </a:extLst>
           </p:cNvPr>
@@ -1211,7 +1215,7 @@
           <p:cNvPr id="4" name="Textplatzhalter 3">
             <a:extLst>
               <a:ext uri="{FF2B5EF4-FFF2-40B4-BE49-F238E27FC236}">
-                <a16:creationId xmlns:a16="http://schemas.microsoft.com/office/drawing/2014/main" id="{56CC2ABE-71CD-49F3-8C4D-E4ED1DA196B4}"/>
+                <a16:creationId xmlns:a16="http://schemas.microsoft.com/office/drawing/2014/main" xmlns="" id="{56CC2ABE-71CD-49F3-8C4D-E4ED1DA196B4}"/>
               </a:ext>
             </a:extLst>
           </p:cNvPr>
@@ -1280,7 +1284,7 @@
     </p:spTree>
     <p:extLst>
       <p:ext uri="{BB962C8B-B14F-4D97-AF65-F5344CB8AC3E}">
-        <p14:creationId xmlns:p14="http://schemas.microsoft.com/office/powerpoint/2010/main" val="277812240"/>
+        <p14:creationId xmlns:p14="http://schemas.microsoft.com/office/powerpoint/2010/main" xmlns="" val="277812240"/>
       </p:ext>
     </p:extLst>
   </p:cSld>
@@ -1320,7 +1324,7 @@
           <p:cNvPr id="2" name="Titelplatzhalter 1">
             <a:extLst>
               <a:ext uri="{FF2B5EF4-FFF2-40B4-BE49-F238E27FC236}">
-                <a16:creationId xmlns:a16="http://schemas.microsoft.com/office/drawing/2014/main" id="{881F9FD2-61D8-497C-B9D7-2514A8F14D65}"/>
+                <a16:creationId xmlns:a16="http://schemas.microsoft.com/office/drawing/2014/main" xmlns="" id="{881F9FD2-61D8-497C-B9D7-2514A8F14D65}"/>
               </a:ext>
             </a:extLst>
           </p:cNvPr>
@@ -1359,7 +1363,7 @@
           <p:cNvPr id="3" name="Textplatzhalter 2">
             <a:extLst>
               <a:ext uri="{FF2B5EF4-FFF2-40B4-BE49-F238E27FC236}">
-                <a16:creationId xmlns:a16="http://schemas.microsoft.com/office/drawing/2014/main" id="{7076A25D-6B07-459F-8705-679FD15E7C73}"/>
+                <a16:creationId xmlns:a16="http://schemas.microsoft.com/office/drawing/2014/main" xmlns="" id="{7076A25D-6B07-459F-8705-679FD15E7C73}"/>
               </a:ext>
             </a:extLst>
           </p:cNvPr>
@@ -1425,7 +1429,7 @@
     </p:spTree>
     <p:extLst>
       <p:ext uri="{BB962C8B-B14F-4D97-AF65-F5344CB8AC3E}">
-        <p14:creationId xmlns:p14="http://schemas.microsoft.com/office/powerpoint/2010/main" val="231580317"/>
+        <p14:creationId xmlns:p14="http://schemas.microsoft.com/office/powerpoint/2010/main" xmlns="" val="231580317"/>
       </p:ext>
     </p:extLst>
   </p:cSld>
@@ -1741,7 +1745,7 @@
           <p:cNvPr id="6" name="Grafik 5">
             <a:extLst>
               <a:ext uri="{FF2B5EF4-FFF2-40B4-BE49-F238E27FC236}">
-                <a16:creationId xmlns:a16="http://schemas.microsoft.com/office/drawing/2014/main" id="{E45AE606-05AD-4310-A9E7-58A3E4831537}"/>
+                <a16:creationId xmlns:a16="http://schemas.microsoft.com/office/drawing/2014/main" xmlns="" id="{E45AE606-05AD-4310-A9E7-58A3E4831537}"/>
               </a:ext>
             </a:extLst>
           </p:cNvPr>
@@ -1751,10 +1755,10 @@
           <p:nvPr/>
         </p:nvPicPr>
         <p:blipFill>
-          <a:blip r:embed="rId2">
+          <a:blip r:embed="rId2" cstate="print">
             <a:extLst>
               <a:ext uri="{28A0092B-C50C-407E-A947-70E740481C1C}">
-                <a14:useLocalDpi xmlns:a14="http://schemas.microsoft.com/office/drawing/2010/main" val="0"/>
+                <a14:useLocalDpi xmlns:a14="http://schemas.microsoft.com/office/drawing/2010/main" xmlns="" val="0"/>
               </a:ext>
             </a:extLst>
           </a:blip>
@@ -1777,7 +1781,7 @@
           <p:cNvPr id="9" name="Grafik 8">
             <a:extLst>
               <a:ext uri="{FF2B5EF4-FFF2-40B4-BE49-F238E27FC236}">
-                <a16:creationId xmlns:a16="http://schemas.microsoft.com/office/drawing/2014/main" id="{BDE6BFD7-C3AF-4092-9CC3-B0309073A821}"/>
+                <a16:creationId xmlns:a16="http://schemas.microsoft.com/office/drawing/2014/main" xmlns="" id="{BDE6BFD7-C3AF-4092-9CC3-B0309073A821}"/>
               </a:ext>
             </a:extLst>
           </p:cNvPr>
@@ -1790,7 +1794,7 @@
           <a:blip r:embed="rId3" cstate="print">
             <a:extLst>
               <a:ext uri="{28A0092B-C50C-407E-A947-70E740481C1C}">
-                <a14:useLocalDpi xmlns:a14="http://schemas.microsoft.com/office/drawing/2010/main" val="0"/>
+                <a14:useLocalDpi xmlns:a14="http://schemas.microsoft.com/office/drawing/2010/main" xmlns="" val="0"/>
               </a:ext>
             </a:extLst>
           </a:blip>
@@ -1810,7 +1814,7 @@
     </p:spTree>
     <p:extLst>
       <p:ext uri="{BB962C8B-B14F-4D97-AF65-F5344CB8AC3E}">
-        <p14:creationId xmlns:p14="http://schemas.microsoft.com/office/powerpoint/2010/main" val="3514297850"/>
+        <p14:creationId xmlns:p14="http://schemas.microsoft.com/office/powerpoint/2010/main" xmlns="" val="3514297850"/>
       </p:ext>
     </p:extLst>
   </p:cSld>
@@ -1842,7 +1846,7 @@
           <p:cNvPr id="5" name="Grafik 4">
             <a:extLst>
               <a:ext uri="{FF2B5EF4-FFF2-40B4-BE49-F238E27FC236}">
-                <a16:creationId xmlns:a16="http://schemas.microsoft.com/office/drawing/2014/main" id="{59FD2549-F0A0-4ABD-9D12-AE6FE6FCB00F}"/>
+                <a16:creationId xmlns:a16="http://schemas.microsoft.com/office/drawing/2014/main" xmlns="" id="{59FD2549-F0A0-4ABD-9D12-AE6FE6FCB00F}"/>
               </a:ext>
             </a:extLst>
           </p:cNvPr>
@@ -1852,10 +1856,10 @@
           <p:nvPr/>
         </p:nvPicPr>
         <p:blipFill rotWithShape="1">
-          <a:blip r:embed="rId2">
+          <a:blip r:embed="rId2" cstate="print">
             <a:extLst>
               <a:ext uri="{28A0092B-C50C-407E-A947-70E740481C1C}">
-                <a14:useLocalDpi xmlns:a14="http://schemas.microsoft.com/office/drawing/2010/main" val="0"/>
+                <a14:useLocalDpi xmlns:a14="http://schemas.microsoft.com/office/drawing/2010/main" xmlns="" val="0"/>
               </a:ext>
             </a:extLst>
           </a:blip>
@@ -1877,7 +1881,7 @@
           <p:cNvPr id="7" name="Grafik 6">
             <a:extLst>
               <a:ext uri="{FF2B5EF4-FFF2-40B4-BE49-F238E27FC236}">
-                <a16:creationId xmlns:a16="http://schemas.microsoft.com/office/drawing/2014/main" id="{44BE2D65-01C5-488E-9B3D-B9F150682BF7}"/>
+                <a16:creationId xmlns:a16="http://schemas.microsoft.com/office/drawing/2014/main" xmlns="" id="{44BE2D65-01C5-488E-9B3D-B9F150682BF7}"/>
               </a:ext>
             </a:extLst>
           </p:cNvPr>
@@ -1890,7 +1894,7 @@
           <a:blip r:embed="rId3" cstate="print">
             <a:extLst>
               <a:ext uri="{28A0092B-C50C-407E-A947-70E740481C1C}">
-                <a14:useLocalDpi xmlns:a14="http://schemas.microsoft.com/office/drawing/2010/main" val="0"/>
+                <a14:useLocalDpi xmlns:a14="http://schemas.microsoft.com/office/drawing/2010/main" xmlns="" val="0"/>
               </a:ext>
             </a:extLst>
           </a:blip>
@@ -1913,7 +1917,7 @@
           <p:cNvPr id="11" name="Titel 10">
             <a:extLst>
               <a:ext uri="{FF2B5EF4-FFF2-40B4-BE49-F238E27FC236}">
-                <a16:creationId xmlns:a16="http://schemas.microsoft.com/office/drawing/2014/main" id="{85220CF1-8FE4-4682-994B-810D27DEEEE1}"/>
+                <a16:creationId xmlns:a16="http://schemas.microsoft.com/office/drawing/2014/main" xmlns="" id="{85220CF1-8FE4-4682-994B-810D27DEEEE1}"/>
               </a:ext>
             </a:extLst>
           </p:cNvPr>
@@ -1955,7 +1959,7 @@
           <p:cNvPr id="12" name="Titel 10">
             <a:extLst>
               <a:ext uri="{FF2B5EF4-FFF2-40B4-BE49-F238E27FC236}">
-                <a16:creationId xmlns:a16="http://schemas.microsoft.com/office/drawing/2014/main" id="{46B7087B-F65C-4B3F-A506-3CE91575FA17}"/>
+                <a16:creationId xmlns:a16="http://schemas.microsoft.com/office/drawing/2014/main" xmlns="" id="{46B7087B-F65C-4B3F-A506-3CE91575FA17}"/>
               </a:ext>
             </a:extLst>
           </p:cNvPr>
@@ -1975,7 +1979,7 @@
         </p:spPr>
         <p:txBody>
           <a:bodyPr vert="horz" lIns="91440" tIns="45720" rIns="91440" bIns="45720" rtlCol="0" anchor="b">
-            <a:normAutofit/>
+            <a:normAutofit fontScale="92500" lnSpcReduction="20000"/>
           </a:bodyPr>
           <a:lstStyle>
             <a:lvl1pPr algn="ctr" defTabSz="914400" rtl="0" eaLnBrk="1" latinLnBrk="0" hangingPunct="1">
@@ -1998,8 +2002,34 @@
           </a:lstStyle>
           <a:p>
             <a:r>
+              <a:rPr lang="en-GB" sz="3200" dirty="0" smtClean="0"/>
+              <a:t>Li Wei</a:t>
+            </a:r>
+          </a:p>
+          <a:p>
+            <a:r>
+              <a:rPr lang="en-GB" sz="3200" dirty="0" smtClean="0"/>
+              <a:t>Michael Golden</a:t>
+            </a:r>
+          </a:p>
+          <a:p>
+            <a:r>
+              <a:rPr lang="en-GB" sz="3200" dirty="0" smtClean="0"/>
+              <a:t>Moritz Moeller</a:t>
+            </a:r>
+          </a:p>
+          <a:p>
+            <a:r>
+              <a:rPr lang="en-GB" sz="3200" dirty="0" smtClean="0"/>
+              <a:t>James </a:t>
+            </a:r>
+            <a:r>
+              <a:rPr lang="en-GB" sz="3200" dirty="0" err="1" smtClean="0"/>
+              <a:t>Wilsenach</a:t>
+            </a:r>
+            <a:r>
               <a:rPr lang="en-GB" sz="3200" dirty="0"/>
-              <a:t>NAMES OF GROUP MEMBERS</a:t>
+              <a:t/>
             </a:r>
             <a:br>
               <a:rPr lang="en-GB" sz="3200" dirty="0"/>
@@ -2011,7 +2041,7 @@
     </p:spTree>
     <p:extLst>
       <p:ext uri="{BB962C8B-B14F-4D97-AF65-F5344CB8AC3E}">
-        <p14:creationId xmlns:p14="http://schemas.microsoft.com/office/powerpoint/2010/main" val="3751392105"/>
+        <p14:creationId xmlns:p14="http://schemas.microsoft.com/office/powerpoint/2010/main" xmlns="" val="3751392105"/>
       </p:ext>
     </p:extLst>
   </p:cSld>
@@ -2043,7 +2073,7 @@
           <p:cNvPr id="2" name="Titel 1">
             <a:extLst>
               <a:ext uri="{FF2B5EF4-FFF2-40B4-BE49-F238E27FC236}">
-                <a16:creationId xmlns:a16="http://schemas.microsoft.com/office/drawing/2014/main" id="{B95BCD18-302D-4FB0-B92D-F59B773B6833}"/>
+                <a16:creationId xmlns:a16="http://schemas.microsoft.com/office/drawing/2014/main" xmlns="" id="{B95BCD18-302D-4FB0-B92D-F59B773B6833}"/>
               </a:ext>
             </a:extLst>
           </p:cNvPr>
@@ -2072,7 +2102,7 @@
           <p:cNvPr id="3" name="Inhaltsplatzhalter 2">
             <a:extLst>
               <a:ext uri="{FF2B5EF4-FFF2-40B4-BE49-F238E27FC236}">
-                <a16:creationId xmlns:a16="http://schemas.microsoft.com/office/drawing/2014/main" id="{E59E5E55-ADA9-4327-85CF-331D2393859F}"/>
+                <a16:creationId xmlns:a16="http://schemas.microsoft.com/office/drawing/2014/main" xmlns="" id="{E59E5E55-ADA9-4327-85CF-331D2393859F}"/>
               </a:ext>
             </a:extLst>
           </p:cNvPr>
@@ -2163,7 +2193,7 @@
           <p:cNvPr id="4" name="Grafik 3">
             <a:extLst>
               <a:ext uri="{FF2B5EF4-FFF2-40B4-BE49-F238E27FC236}">
-                <a16:creationId xmlns:a16="http://schemas.microsoft.com/office/drawing/2014/main" id="{300411DF-B2A6-4A2A-8E76-2F8AA3F86A8B}"/>
+                <a16:creationId xmlns:a16="http://schemas.microsoft.com/office/drawing/2014/main" xmlns="" id="{300411DF-B2A6-4A2A-8E76-2F8AA3F86A8B}"/>
               </a:ext>
             </a:extLst>
           </p:cNvPr>
@@ -2176,7 +2206,7 @@
           <a:blip r:embed="rId2" cstate="print">
             <a:extLst>
               <a:ext uri="{28A0092B-C50C-407E-A947-70E740481C1C}">
-                <a14:useLocalDpi xmlns:a14="http://schemas.microsoft.com/office/drawing/2010/main" val="0"/>
+                <a14:useLocalDpi xmlns:a14="http://schemas.microsoft.com/office/drawing/2010/main" xmlns="" val="0"/>
               </a:ext>
             </a:extLst>
           </a:blip>
@@ -2197,7 +2227,7 @@
     </p:spTree>
     <p:extLst>
       <p:ext uri="{BB962C8B-B14F-4D97-AF65-F5344CB8AC3E}">
-        <p14:creationId xmlns:p14="http://schemas.microsoft.com/office/powerpoint/2010/main" val="2789252034"/>
+        <p14:creationId xmlns:p14="http://schemas.microsoft.com/office/powerpoint/2010/main" xmlns="" val="2789252034"/>
       </p:ext>
     </p:extLst>
   </p:cSld>
@@ -2229,7 +2259,7 @@
           <p:cNvPr id="2" name="Titel 1">
             <a:extLst>
               <a:ext uri="{FF2B5EF4-FFF2-40B4-BE49-F238E27FC236}">
-                <a16:creationId xmlns:a16="http://schemas.microsoft.com/office/drawing/2014/main" id="{B95BCD18-302D-4FB0-B92D-F59B773B6833}"/>
+                <a16:creationId xmlns:a16="http://schemas.microsoft.com/office/drawing/2014/main" xmlns="" id="{B95BCD18-302D-4FB0-B92D-F59B773B6833}"/>
               </a:ext>
             </a:extLst>
           </p:cNvPr>
@@ -2258,7 +2288,7 @@
           <p:cNvPr id="3" name="Inhaltsplatzhalter 2">
             <a:extLst>
               <a:ext uri="{FF2B5EF4-FFF2-40B4-BE49-F238E27FC236}">
-                <a16:creationId xmlns:a16="http://schemas.microsoft.com/office/drawing/2014/main" id="{E59E5E55-ADA9-4327-85CF-331D2393859F}"/>
+                <a16:creationId xmlns:a16="http://schemas.microsoft.com/office/drawing/2014/main" xmlns="" id="{E59E5E55-ADA9-4327-85CF-331D2393859F}"/>
               </a:ext>
             </a:extLst>
           </p:cNvPr>
@@ -2380,7 +2410,7 @@
           <p:cNvPr id="4" name="Grafik 3">
             <a:extLst>
               <a:ext uri="{FF2B5EF4-FFF2-40B4-BE49-F238E27FC236}">
-                <a16:creationId xmlns:a16="http://schemas.microsoft.com/office/drawing/2014/main" id="{300411DF-B2A6-4A2A-8E76-2F8AA3F86A8B}"/>
+                <a16:creationId xmlns:a16="http://schemas.microsoft.com/office/drawing/2014/main" xmlns="" id="{300411DF-B2A6-4A2A-8E76-2F8AA3F86A8B}"/>
               </a:ext>
             </a:extLst>
           </p:cNvPr>
@@ -2393,7 +2423,7 @@
           <a:blip r:embed="rId2" cstate="print">
             <a:extLst>
               <a:ext uri="{28A0092B-C50C-407E-A947-70E740481C1C}">
-                <a14:useLocalDpi xmlns:a14="http://schemas.microsoft.com/office/drawing/2010/main" val="0"/>
+                <a14:useLocalDpi xmlns:a14="http://schemas.microsoft.com/office/drawing/2010/main" xmlns="" val="0"/>
               </a:ext>
             </a:extLst>
           </a:blip>
@@ -2414,7 +2444,7 @@
     </p:spTree>
     <p:extLst>
       <p:ext uri="{BB962C8B-B14F-4D97-AF65-F5344CB8AC3E}">
-        <p14:creationId xmlns:p14="http://schemas.microsoft.com/office/powerpoint/2010/main" val="2600432059"/>
+        <p14:creationId xmlns:p14="http://schemas.microsoft.com/office/powerpoint/2010/main" xmlns="" val="2600432059"/>
       </p:ext>
     </p:extLst>
   </p:cSld>
@@ -2446,7 +2476,7 @@
           <p:cNvPr id="2" name="Titel 1">
             <a:extLst>
               <a:ext uri="{FF2B5EF4-FFF2-40B4-BE49-F238E27FC236}">
-                <a16:creationId xmlns:a16="http://schemas.microsoft.com/office/drawing/2014/main" id="{B95BCD18-302D-4FB0-B92D-F59B773B6833}"/>
+                <a16:creationId xmlns:a16="http://schemas.microsoft.com/office/drawing/2014/main" xmlns="" id="{B95BCD18-302D-4FB0-B92D-F59B773B6833}"/>
               </a:ext>
             </a:extLst>
           </p:cNvPr>
@@ -2482,7 +2512,7 @@
           <p:cNvPr id="3" name="Inhaltsplatzhalter 2">
             <a:extLst>
               <a:ext uri="{FF2B5EF4-FFF2-40B4-BE49-F238E27FC236}">
-                <a16:creationId xmlns:a16="http://schemas.microsoft.com/office/drawing/2014/main" id="{E59E5E55-ADA9-4327-85CF-331D2393859F}"/>
+                <a16:creationId xmlns:a16="http://schemas.microsoft.com/office/drawing/2014/main" xmlns="" id="{E59E5E55-ADA9-4327-85CF-331D2393859F}"/>
               </a:ext>
             </a:extLst>
           </p:cNvPr>
@@ -2522,8 +2552,47 @@
                   <a:srgbClr val="FFFFFF"/>
                 </a:solidFill>
               </a:rPr>
-              <a:t>Show picture of leeway </a:t>
-            </a:r>
+              <a:t>Show picture of </a:t>
+            </a:r>
+            <a:r>
+              <a:rPr lang="de-DE" b="1" dirty="0" smtClean="0">
+                <a:solidFill>
+                  <a:srgbClr val="FFFFFF"/>
+                </a:solidFill>
+              </a:rPr>
+              <a:t>leeway</a:t>
+            </a:r>
+          </a:p>
+          <a:p>
+            <a:pPr marL="0" indent="0">
+              <a:buNone/>
+            </a:pPr>
+            <a:r>
+              <a:rPr lang="de-DE" b="1" dirty="0" smtClean="0">
+                <a:solidFill>
+                  <a:srgbClr val="FFFFFF"/>
+                </a:solidFill>
+              </a:rPr>
+              <a:t>Method works for web data</a:t>
+            </a:r>
+          </a:p>
+          <a:p>
+            <a:pPr marL="0" indent="0">
+              <a:buNone/>
+            </a:pPr>
+            <a:r>
+              <a:rPr lang="de-DE" b="1" dirty="0" smtClean="0">
+                <a:solidFill>
+                  <a:srgbClr val="FFFFFF"/>
+                </a:solidFill>
+              </a:rPr>
+              <a:t> </a:t>
+            </a:r>
+            <a:endParaRPr lang="de-DE" b="1" dirty="0">
+              <a:solidFill>
+                <a:srgbClr val="FFFFFF"/>
+              </a:solidFill>
+            </a:endParaRPr>
           </a:p>
           <a:p>
             <a:pPr marL="0" indent="0">
@@ -2542,7 +2611,7 @@
           <p:cNvPr id="4" name="Grafik 3">
             <a:extLst>
               <a:ext uri="{FF2B5EF4-FFF2-40B4-BE49-F238E27FC236}">
-                <a16:creationId xmlns:a16="http://schemas.microsoft.com/office/drawing/2014/main" id="{300411DF-B2A6-4A2A-8E76-2F8AA3F86A8B}"/>
+                <a16:creationId xmlns:a16="http://schemas.microsoft.com/office/drawing/2014/main" xmlns="" id="{300411DF-B2A6-4A2A-8E76-2F8AA3F86A8B}"/>
               </a:ext>
             </a:extLst>
           </p:cNvPr>
@@ -2555,7 +2624,7 @@
           <a:blip r:embed="rId2" cstate="print">
             <a:extLst>
               <a:ext uri="{28A0092B-C50C-407E-A947-70E740481C1C}">
-                <a14:useLocalDpi xmlns:a14="http://schemas.microsoft.com/office/drawing/2010/main" val="0"/>
+                <a14:useLocalDpi xmlns:a14="http://schemas.microsoft.com/office/drawing/2010/main" xmlns="" val="0"/>
               </a:ext>
             </a:extLst>
           </a:blip>
@@ -2573,10 +2642,42 @@
           </a:prstGeom>
         </p:spPr>
       </p:pic>
+      <p:pic>
+        <p:nvPicPr>
+          <p:cNvPr id="1026" name="Picture 2"/>
+          <p:cNvPicPr>
+            <a:picLocks noChangeAspect="1" noChangeArrowheads="1"/>
+          </p:cNvPicPr>
+          <p:nvPr/>
+        </p:nvPicPr>
+        <p:blipFill>
+          <a:blip r:embed="rId3" cstate="print"/>
+          <a:srcRect/>
+          <a:stretch>
+            <a:fillRect/>
+          </a:stretch>
+        </p:blipFill>
+        <p:spPr bwMode="auto">
+          <a:xfrm>
+            <a:off x="5909094" y="1959904"/>
+            <a:ext cx="6066527" cy="3422979"/>
+          </a:xfrm>
+          <a:prstGeom prst="rect">
+            <a:avLst/>
+          </a:prstGeom>
+          <a:noFill/>
+          <a:ln w="9525">
+            <a:noFill/>
+            <a:miter lim="800000"/>
+            <a:headEnd/>
+            <a:tailEnd/>
+          </a:ln>
+        </p:spPr>
+      </p:pic>
     </p:spTree>
     <p:extLst>
       <p:ext uri="{BB962C8B-B14F-4D97-AF65-F5344CB8AC3E}">
-        <p14:creationId xmlns:p14="http://schemas.microsoft.com/office/powerpoint/2010/main" val="2798779998"/>
+        <p14:creationId xmlns:p14="http://schemas.microsoft.com/office/powerpoint/2010/main" xmlns="" val="2798779998"/>
       </p:ext>
     </p:extLst>
   </p:cSld>
@@ -2608,7 +2709,7 @@
           <p:cNvPr id="2" name="Titel 1">
             <a:extLst>
               <a:ext uri="{FF2B5EF4-FFF2-40B4-BE49-F238E27FC236}">
-                <a16:creationId xmlns:a16="http://schemas.microsoft.com/office/drawing/2014/main" id="{B95BCD18-302D-4FB0-B92D-F59B773B6833}"/>
+                <a16:creationId xmlns:a16="http://schemas.microsoft.com/office/drawing/2014/main" xmlns="" id="{B95BCD18-302D-4FB0-B92D-F59B773B6833}"/>
               </a:ext>
             </a:extLst>
           </p:cNvPr>
@@ -2644,7 +2745,7 @@
           <p:cNvPr id="3" name="Inhaltsplatzhalter 2">
             <a:extLst>
               <a:ext uri="{FF2B5EF4-FFF2-40B4-BE49-F238E27FC236}">
-                <a16:creationId xmlns:a16="http://schemas.microsoft.com/office/drawing/2014/main" id="{E59E5E55-ADA9-4327-85CF-331D2393859F}"/>
+                <a16:creationId xmlns:a16="http://schemas.microsoft.com/office/drawing/2014/main" xmlns="" id="{E59E5E55-ADA9-4327-85CF-331D2393859F}"/>
               </a:ext>
             </a:extLst>
           </p:cNvPr>
@@ -2755,7 +2856,7 @@
           <p:cNvPr id="4" name="Grafik 3">
             <a:extLst>
               <a:ext uri="{FF2B5EF4-FFF2-40B4-BE49-F238E27FC236}">
-                <a16:creationId xmlns:a16="http://schemas.microsoft.com/office/drawing/2014/main" id="{300411DF-B2A6-4A2A-8E76-2F8AA3F86A8B}"/>
+                <a16:creationId xmlns:a16="http://schemas.microsoft.com/office/drawing/2014/main" xmlns="" id="{300411DF-B2A6-4A2A-8E76-2F8AA3F86A8B}"/>
               </a:ext>
             </a:extLst>
           </p:cNvPr>
@@ -2768,7 +2869,7 @@
           <a:blip r:embed="rId2" cstate="print">
             <a:extLst>
               <a:ext uri="{28A0092B-C50C-407E-A947-70E740481C1C}">
-                <a14:useLocalDpi xmlns:a14="http://schemas.microsoft.com/office/drawing/2010/main" val="0"/>
+                <a14:useLocalDpi xmlns:a14="http://schemas.microsoft.com/office/drawing/2010/main" xmlns="" val="0"/>
               </a:ext>
             </a:extLst>
           </a:blip>
@@ -2786,10 +2887,102 @@
           </a:prstGeom>
         </p:spPr>
       </p:pic>
+      <p:sp>
+        <p:nvSpPr>
+          <p:cNvPr id="5122" name="AutoShape 2" descr="https://mail.google.com/mail/u/0?ui=2&amp;ik=ecd4b1839f&amp;attid=0.1&amp;permmsgid=msg-a:r6466515364856659731&amp;th=16da5736c29dae07&amp;view=fimg&amp;sz=s0-l75-ft&amp;attbid=ANGjdJ8hMKbv2aLR9UpA03j1XnXLtOBC76QskiYaNYnBA8P3g2urWT119LdXiVRA-DKa5gNB9Kb9Euh7vaa3oQM608r2Inr9GsR8O3Xzrhn5hArxk5-DMiTSI1NXyJg&amp;disp=emb&amp;realattid=16da5732ebb8b09ad291"/>
+          <p:cNvSpPr>
+            <a:spLocks noChangeAspect="1" noChangeArrowheads="1"/>
+          </p:cNvSpPr>
+          <p:nvPr/>
+        </p:nvSpPr>
+        <p:spPr bwMode="auto">
+          <a:xfrm>
+            <a:off x="155575" y="-144463"/>
+            <a:ext cx="304800" cy="304801"/>
+          </a:xfrm>
+          <a:prstGeom prst="rect">
+            <a:avLst/>
+          </a:prstGeom>
+          <a:noFill/>
+        </p:spPr>
+        <p:txBody>
+          <a:bodyPr vert="horz" wrap="square" lIns="91440" tIns="45720" rIns="91440" bIns="45720" numCol="1" anchor="t" anchorCtr="0" compatLnSpc="1">
+            <a:prstTxWarp prst="textNoShape">
+              <a:avLst/>
+            </a:prstTxWarp>
+          </a:bodyPr>
+          <a:lstStyle/>
+          <a:p>
+            <a:endParaRPr lang="en-GB"/>
+          </a:p>
+        </p:txBody>
+      </p:sp>
+      <p:sp>
+        <p:nvSpPr>
+          <p:cNvPr id="5124" name="AutoShape 4" descr="https://mail.google.com/mail/u/0?ui=2&amp;ik=ecd4b1839f&amp;attid=0.1&amp;permmsgid=msg-a:r6466515364856659731&amp;th=16da5736c29dae07&amp;view=fimg&amp;sz=s0-l75-ft&amp;attbid=ANGjdJ8hMKbv2aLR9UpA03j1XnXLtOBC76QskiYaNYnBA8P3g2urWT119LdXiVRA-DKa5gNB9Kb9Euh7vaa3oQM608r2Inr9GsR8O3Xzrhn5hArxk5-DMiTSI1NXyJg&amp;disp=emb&amp;realattid=16da5732ebb8b09ad291"/>
+          <p:cNvSpPr>
+            <a:spLocks noChangeAspect="1" noChangeArrowheads="1"/>
+          </p:cNvSpPr>
+          <p:nvPr/>
+        </p:nvSpPr>
+        <p:spPr bwMode="auto">
+          <a:xfrm>
+            <a:off x="155575" y="-144463"/>
+            <a:ext cx="304800" cy="304801"/>
+          </a:xfrm>
+          <a:prstGeom prst="rect">
+            <a:avLst/>
+          </a:prstGeom>
+          <a:noFill/>
+        </p:spPr>
+        <p:txBody>
+          <a:bodyPr vert="horz" wrap="square" lIns="91440" tIns="45720" rIns="91440" bIns="45720" numCol="1" anchor="t" anchorCtr="0" compatLnSpc="1">
+            <a:prstTxWarp prst="textNoShape">
+              <a:avLst/>
+            </a:prstTxWarp>
+          </a:bodyPr>
+          <a:lstStyle/>
+          <a:p>
+            <a:endParaRPr lang="en-GB"/>
+          </a:p>
+        </p:txBody>
+      </p:sp>
+      <p:pic>
+        <p:nvPicPr>
+          <p:cNvPr id="5126" name="Picture 6"/>
+          <p:cNvPicPr>
+            <a:picLocks noChangeAspect="1" noChangeArrowheads="1"/>
+          </p:cNvPicPr>
+          <p:nvPr/>
+        </p:nvPicPr>
+        <p:blipFill>
+          <a:blip r:embed="rId3" cstate="print"/>
+          <a:srcRect/>
+          <a:stretch>
+            <a:fillRect/>
+          </a:stretch>
+        </p:blipFill>
+        <p:spPr bwMode="auto">
+          <a:xfrm>
+            <a:off x="8050601" y="1604513"/>
+            <a:ext cx="3509872" cy="4813539"/>
+          </a:xfrm>
+          <a:prstGeom prst="rect">
+            <a:avLst/>
+          </a:prstGeom>
+          <a:noFill/>
+          <a:ln w="9525">
+            <a:noFill/>
+            <a:miter lim="800000"/>
+            <a:headEnd/>
+            <a:tailEnd/>
+          </a:ln>
+        </p:spPr>
+      </p:pic>
     </p:spTree>
     <p:extLst>
       <p:ext uri="{BB962C8B-B14F-4D97-AF65-F5344CB8AC3E}">
-        <p14:creationId xmlns:p14="http://schemas.microsoft.com/office/powerpoint/2010/main" val="3829638140"/>
+        <p14:creationId xmlns:p14="http://schemas.microsoft.com/office/powerpoint/2010/main" xmlns="" val="3829638140"/>
       </p:ext>
     </p:extLst>
   </p:cSld>
@@ -2821,7 +3014,7 @@
           <p:cNvPr id="2" name="Titel 1">
             <a:extLst>
               <a:ext uri="{FF2B5EF4-FFF2-40B4-BE49-F238E27FC236}">
-                <a16:creationId xmlns:a16="http://schemas.microsoft.com/office/drawing/2014/main" id="{B95BCD18-302D-4FB0-B92D-F59B773B6833}"/>
+                <a16:creationId xmlns:a16="http://schemas.microsoft.com/office/drawing/2014/main" xmlns="" id="{B95BCD18-302D-4FB0-B92D-F59B773B6833}"/>
               </a:ext>
             </a:extLst>
           </p:cNvPr>
@@ -2850,7 +3043,7 @@
           <p:cNvPr id="3" name="Inhaltsplatzhalter 2">
             <a:extLst>
               <a:ext uri="{FF2B5EF4-FFF2-40B4-BE49-F238E27FC236}">
-                <a16:creationId xmlns:a16="http://schemas.microsoft.com/office/drawing/2014/main" id="{E59E5E55-ADA9-4327-85CF-331D2393859F}"/>
+                <a16:creationId xmlns:a16="http://schemas.microsoft.com/office/drawing/2014/main" xmlns="" id="{E59E5E55-ADA9-4327-85CF-331D2393859F}"/>
               </a:ext>
             </a:extLst>
           </p:cNvPr>
@@ -2961,7 +3154,7 @@
           <p:cNvPr id="4" name="Grafik 3">
             <a:extLst>
               <a:ext uri="{FF2B5EF4-FFF2-40B4-BE49-F238E27FC236}">
-                <a16:creationId xmlns:a16="http://schemas.microsoft.com/office/drawing/2014/main" id="{300411DF-B2A6-4A2A-8E76-2F8AA3F86A8B}"/>
+                <a16:creationId xmlns:a16="http://schemas.microsoft.com/office/drawing/2014/main" xmlns="" id="{300411DF-B2A6-4A2A-8E76-2F8AA3F86A8B}"/>
               </a:ext>
             </a:extLst>
           </p:cNvPr>
@@ -2974,7 +3167,7 @@
           <a:blip r:embed="rId2" cstate="print">
             <a:extLst>
               <a:ext uri="{28A0092B-C50C-407E-A947-70E740481C1C}">
-                <a14:useLocalDpi xmlns:a14="http://schemas.microsoft.com/office/drawing/2010/main" val="0"/>
+                <a14:useLocalDpi xmlns:a14="http://schemas.microsoft.com/office/drawing/2010/main" xmlns="" val="0"/>
               </a:ext>
             </a:extLst>
           </a:blip>
@@ -2995,7 +3188,7 @@
     </p:spTree>
     <p:extLst>
       <p:ext uri="{BB962C8B-B14F-4D97-AF65-F5344CB8AC3E}">
-        <p14:creationId xmlns:p14="http://schemas.microsoft.com/office/powerpoint/2010/main" val="640049257"/>
+        <p14:creationId xmlns:p14="http://schemas.microsoft.com/office/powerpoint/2010/main" xmlns="" val="640049257"/>
       </p:ext>
     </p:extLst>
   </p:cSld>
@@ -3027,7 +3220,7 @@
           <p:cNvPr id="2" name="Titel 1">
             <a:extLst>
               <a:ext uri="{FF2B5EF4-FFF2-40B4-BE49-F238E27FC236}">
-                <a16:creationId xmlns:a16="http://schemas.microsoft.com/office/drawing/2014/main" id="{B95BCD18-302D-4FB0-B92D-F59B773B6833}"/>
+                <a16:creationId xmlns:a16="http://schemas.microsoft.com/office/drawing/2014/main" xmlns="" id="{B95BCD18-302D-4FB0-B92D-F59B773B6833}"/>
               </a:ext>
             </a:extLst>
           </p:cNvPr>
@@ -3063,7 +3256,7 @@
           <p:cNvPr id="3" name="Inhaltsplatzhalter 2">
             <a:extLst>
               <a:ext uri="{FF2B5EF4-FFF2-40B4-BE49-F238E27FC236}">
-                <a16:creationId xmlns:a16="http://schemas.microsoft.com/office/drawing/2014/main" id="{E59E5E55-ADA9-4327-85CF-331D2393859F}"/>
+                <a16:creationId xmlns:a16="http://schemas.microsoft.com/office/drawing/2014/main" xmlns="" id="{E59E5E55-ADA9-4327-85CF-331D2393859F}"/>
               </a:ext>
             </a:extLst>
           </p:cNvPr>
@@ -3097,7 +3290,7 @@
           <p:cNvPr id="4" name="Grafik 3">
             <a:extLst>
               <a:ext uri="{FF2B5EF4-FFF2-40B4-BE49-F238E27FC236}">
-                <a16:creationId xmlns:a16="http://schemas.microsoft.com/office/drawing/2014/main" id="{300411DF-B2A6-4A2A-8E76-2F8AA3F86A8B}"/>
+                <a16:creationId xmlns:a16="http://schemas.microsoft.com/office/drawing/2014/main" xmlns="" id="{300411DF-B2A6-4A2A-8E76-2F8AA3F86A8B}"/>
               </a:ext>
             </a:extLst>
           </p:cNvPr>
@@ -3110,7 +3303,7 @@
           <a:blip r:embed="rId2" cstate="print">
             <a:extLst>
               <a:ext uri="{28A0092B-C50C-407E-A947-70E740481C1C}">
-                <a14:useLocalDpi xmlns:a14="http://schemas.microsoft.com/office/drawing/2010/main" val="0"/>
+                <a14:useLocalDpi xmlns:a14="http://schemas.microsoft.com/office/drawing/2010/main" xmlns="" val="0"/>
               </a:ext>
             </a:extLst>
           </a:blip>
@@ -3131,7 +3324,7 @@
     </p:spTree>
     <p:extLst>
       <p:ext uri="{BB962C8B-B14F-4D97-AF65-F5344CB8AC3E}">
-        <p14:creationId xmlns:p14="http://schemas.microsoft.com/office/powerpoint/2010/main" val="606855018"/>
+        <p14:creationId xmlns:p14="http://schemas.microsoft.com/office/powerpoint/2010/main" xmlns="" val="606855018"/>
       </p:ext>
     </p:extLst>
   </p:cSld>
@@ -3163,7 +3356,7 @@
           <p:cNvPr id="5" name="Grafik 4">
             <a:extLst>
               <a:ext uri="{FF2B5EF4-FFF2-40B4-BE49-F238E27FC236}">
-                <a16:creationId xmlns:a16="http://schemas.microsoft.com/office/drawing/2014/main" id="{59FD2549-F0A0-4ABD-9D12-AE6FE6FCB00F}"/>
+                <a16:creationId xmlns:a16="http://schemas.microsoft.com/office/drawing/2014/main" xmlns="" id="{59FD2549-F0A0-4ABD-9D12-AE6FE6FCB00F}"/>
               </a:ext>
             </a:extLst>
           </p:cNvPr>
@@ -3173,10 +3366,10 @@
           <p:nvPr/>
         </p:nvPicPr>
         <p:blipFill rotWithShape="1">
-          <a:blip r:embed="rId2">
+          <a:blip r:embed="rId2" cstate="print">
             <a:extLst>
               <a:ext uri="{28A0092B-C50C-407E-A947-70E740481C1C}">
-                <a14:useLocalDpi xmlns:a14="http://schemas.microsoft.com/office/drawing/2010/main" val="0"/>
+                <a14:useLocalDpi xmlns:a14="http://schemas.microsoft.com/office/drawing/2010/main" xmlns="" val="0"/>
               </a:ext>
             </a:extLst>
           </a:blip>
@@ -3198,7 +3391,7 @@
           <p:cNvPr id="7" name="Grafik 6">
             <a:extLst>
               <a:ext uri="{FF2B5EF4-FFF2-40B4-BE49-F238E27FC236}">
-                <a16:creationId xmlns:a16="http://schemas.microsoft.com/office/drawing/2014/main" id="{44BE2D65-01C5-488E-9B3D-B9F150682BF7}"/>
+                <a16:creationId xmlns:a16="http://schemas.microsoft.com/office/drawing/2014/main" xmlns="" id="{44BE2D65-01C5-488E-9B3D-B9F150682BF7}"/>
               </a:ext>
             </a:extLst>
           </p:cNvPr>
@@ -3211,7 +3404,7 @@
           <a:blip r:embed="rId3" cstate="print">
             <a:extLst>
               <a:ext uri="{28A0092B-C50C-407E-A947-70E740481C1C}">
-                <a14:useLocalDpi xmlns:a14="http://schemas.microsoft.com/office/drawing/2010/main" val="0"/>
+                <a14:useLocalDpi xmlns:a14="http://schemas.microsoft.com/office/drawing/2010/main" xmlns="" val="0"/>
               </a:ext>
             </a:extLst>
           </a:blip>
@@ -3234,7 +3427,7 @@
           <p:cNvPr id="11" name="Titel 10">
             <a:extLst>
               <a:ext uri="{FF2B5EF4-FFF2-40B4-BE49-F238E27FC236}">
-                <a16:creationId xmlns:a16="http://schemas.microsoft.com/office/drawing/2014/main" id="{85220CF1-8FE4-4682-994B-810D27DEEEE1}"/>
+                <a16:creationId xmlns:a16="http://schemas.microsoft.com/office/drawing/2014/main" xmlns="" id="{85220CF1-8FE4-4682-994B-810D27DEEEE1}"/>
               </a:ext>
             </a:extLst>
           </p:cNvPr>
@@ -3276,7 +3469,7 @@
           <p:cNvPr id="12" name="Titel 10">
             <a:extLst>
               <a:ext uri="{FF2B5EF4-FFF2-40B4-BE49-F238E27FC236}">
-                <a16:creationId xmlns:a16="http://schemas.microsoft.com/office/drawing/2014/main" id="{46B7087B-F65C-4B3F-A506-3CE91575FA17}"/>
+                <a16:creationId xmlns:a16="http://schemas.microsoft.com/office/drawing/2014/main" xmlns="" id="{46B7087B-F65C-4B3F-A506-3CE91575FA17}"/>
               </a:ext>
             </a:extLst>
           </p:cNvPr>
@@ -3332,7 +3525,7 @@
     </p:spTree>
     <p:extLst>
       <p:ext uri="{BB962C8B-B14F-4D97-AF65-F5344CB8AC3E}">
-        <p14:creationId xmlns:p14="http://schemas.microsoft.com/office/powerpoint/2010/main" val="3489794051"/>
+        <p14:creationId xmlns:p14="http://schemas.microsoft.com/office/powerpoint/2010/main" xmlns="" val="3489794051"/>
       </p:ext>
     </p:extLst>
   </p:cSld>
@@ -3385,7 +3578,7 @@
     </a:clrScheme>
     <a:fontScheme name="Office">
       <a:majorFont>
-        <a:latin typeface="Calibri Light" panose="020F0302020204030204"/>
+        <a:latin typeface="Calibri Light"/>
         <a:ea typeface=""/>
         <a:cs typeface=""/>
         <a:font script="Jpan" typeface="游ゴシック Light"/>
@@ -3437,7 +3630,7 @@
         <a:font script="Tfng" typeface="Ebrima"/>
       </a:majorFont>
       <a:minorFont>
-        <a:latin typeface="Calibri" panose="020F0502020204030204"/>
+        <a:latin typeface="Calibri"/>
         <a:ea typeface=""/>
         <a:cs typeface=""/>
         <a:font script="Jpan" typeface="游ゴシック"/>
@@ -3631,7 +3824,7 @@
   <a:extraClrSchemeLst/>
   <a:extLst>
     <a:ext uri="{05A4C25C-085E-4340-85A3-A5531E510DB2}">
-      <thm15:themeFamily xmlns:thm15="http://schemas.microsoft.com/office/thememl/2012/main" name="Office Theme" id="{62F939B6-93AF-4DB8-9C6B-D6C7DFDC589F}" vid="{4A3C46E8-61CC-4603-A589-7422A47A8E4A}"/>
+      <thm15:themeFamily xmlns:thm15="http://schemas.microsoft.com/office/thememl/2012/main" xmlns="" name="Office Theme" id="{62F939B6-93AF-4DB8-9C6B-D6C7DFDC589F}" vid="{4A3C46E8-61CC-4603-A589-7422A47A8E4A}"/>
     </a:ext>
   </a:extLst>
 </a:theme>
@@ -3680,7 +3873,7 @@
     </a:clrScheme>
     <a:fontScheme name="Office">
       <a:majorFont>
-        <a:latin typeface="Calibri Light" panose="020F0302020204030204"/>
+        <a:latin typeface="Calibri Light"/>
         <a:ea typeface=""/>
         <a:cs typeface=""/>
         <a:font script="Jpan" typeface="ＭＳ Ｐゴシック"/>
@@ -3715,7 +3908,7 @@
         <a:font script="Geor" typeface="Sylfaen"/>
       </a:majorFont>
       <a:minorFont>
-        <a:latin typeface="Calibri" panose="020F0502020204030204"/>
+        <a:latin typeface="Calibri"/>
         <a:ea typeface=""/>
         <a:cs typeface=""/>
         <a:font script="Jpan" typeface="ＭＳ Ｐゴシック"/>
@@ -3892,7 +4085,7 @@
   <a:extraClrSchemeLst/>
   <a:extLst>
     <a:ext uri="{05A4C25C-085E-4340-85A3-A5531E510DB2}">
-      <thm15:themeFamily xmlns:thm15="http://schemas.microsoft.com/office/thememl/2012/main" name="Office Theme" id="{62F939B6-93AF-4DB8-9C6B-D6C7DFDC589F}" vid="{4A3C46E8-61CC-4603-A589-7422A47A8E4A}"/>
+      <thm15:themeFamily xmlns:thm15="http://schemas.microsoft.com/office/thememl/2012/main" xmlns="" name="Office Theme" id="{62F939B6-93AF-4DB8-9C6B-D6C7DFDC589F}" vid="{4A3C46E8-61CC-4603-A589-7422A47A8E4A}"/>
     </a:ext>
   </a:extLst>
 </a:theme>

--- a/presentation/unibrowser-presentation.pptx
+++ b/presentation/unibrowser-presentation.pptx
@@ -5,18 +5,20 @@
     <p:sldMasterId id="2147483648" r:id="rId1"/>
   </p:sldMasterIdLst>
   <p:notesMasterIdLst>
-    <p:notesMasterId r:id="rId11"/>
+    <p:notesMasterId r:id="rId13"/>
   </p:notesMasterIdLst>
   <p:sldIdLst>
     <p:sldId id="256" r:id="rId2"/>
     <p:sldId id="262" r:id="rId3"/>
     <p:sldId id="263" r:id="rId4"/>
     <p:sldId id="287" r:id="rId5"/>
-    <p:sldId id="288" r:id="rId6"/>
-    <p:sldId id="289" r:id="rId7"/>
-    <p:sldId id="290" r:id="rId8"/>
-    <p:sldId id="291" r:id="rId9"/>
-    <p:sldId id="292" r:id="rId10"/>
+    <p:sldId id="293" r:id="rId6"/>
+    <p:sldId id="288" r:id="rId7"/>
+    <p:sldId id="294" r:id="rId8"/>
+    <p:sldId id="289" r:id="rId9"/>
+    <p:sldId id="290" r:id="rId10"/>
+    <p:sldId id="291" r:id="rId11"/>
+    <p:sldId id="292" r:id="rId12"/>
   </p:sldIdLst>
   <p:sldSz cx="12192000" cy="6858000"/>
   <p:notesSz cx="6858000" cy="9144000"/>
@@ -117,7 +119,7 @@
   </p:defaultTextStyle>
   <p:extLst>
     <p:ext uri="{EFAFB233-063F-42B5-8137-9DF3F51BA10A}">
-      <p15:sldGuideLst xmlns:p15="http://schemas.microsoft.com/office/powerpoint/2012/main" xmlns=""/>
+      <p15:sldGuideLst xmlns="" xmlns:p15="http://schemas.microsoft.com/office/powerpoint/2012/main"/>
     </p:ext>
   </p:extLst>
 </p:presentation>
@@ -374,7 +376,7 @@
     </p:spTree>
     <p:extLst>
       <p:ext uri="{BB962C8B-B14F-4D97-AF65-F5344CB8AC3E}">
-        <p14:creationId xmlns:p14="http://schemas.microsoft.com/office/powerpoint/2010/main" xmlns="" val="709189723"/>
+        <p14:creationId xmlns="" xmlns:p14="http://schemas.microsoft.com/office/powerpoint/2010/main" val="709189723"/>
       </p:ext>
     </p:extLst>
   </p:cSld>
@@ -504,7 +506,7 @@
           <p:cNvPr id="2" name="Titel 1">
             <a:extLst>
               <a:ext uri="{FF2B5EF4-FFF2-40B4-BE49-F238E27FC236}">
-                <a16:creationId xmlns:a16="http://schemas.microsoft.com/office/drawing/2014/main" xmlns="" id="{C809B7F9-4F10-4592-8C6D-559EC9AFB7F3}"/>
+                <a16:creationId xmlns="" xmlns:a16="http://schemas.microsoft.com/office/drawing/2014/main" id="{C809B7F9-4F10-4592-8C6D-559EC9AFB7F3}"/>
               </a:ext>
             </a:extLst>
           </p:cNvPr>
@@ -542,7 +544,7 @@
           <p:cNvPr id="3" name="Untertitel 2">
             <a:extLst>
               <a:ext uri="{FF2B5EF4-FFF2-40B4-BE49-F238E27FC236}">
-                <a16:creationId xmlns:a16="http://schemas.microsoft.com/office/drawing/2014/main" xmlns="" id="{4BE7CFED-2918-4411-876A-1A61023A72BD}"/>
+                <a16:creationId xmlns="" xmlns:a16="http://schemas.microsoft.com/office/drawing/2014/main" id="{4BE7CFED-2918-4411-876A-1A61023A72BD}"/>
               </a:ext>
             </a:extLst>
           </p:cNvPr>
@@ -611,7 +613,7 @@
     </p:spTree>
     <p:extLst>
       <p:ext uri="{BB962C8B-B14F-4D97-AF65-F5344CB8AC3E}">
-        <p14:creationId xmlns:p14="http://schemas.microsoft.com/office/powerpoint/2010/main" xmlns="" val="3627766916"/>
+        <p14:creationId xmlns="" xmlns:p14="http://schemas.microsoft.com/office/powerpoint/2010/main" val="3627766916"/>
       </p:ext>
     </p:extLst>
   </p:cSld>
@@ -651,7 +653,7 @@
           <p:cNvPr id="2" name="Titel 1">
             <a:extLst>
               <a:ext uri="{FF2B5EF4-FFF2-40B4-BE49-F238E27FC236}">
-                <a16:creationId xmlns:a16="http://schemas.microsoft.com/office/drawing/2014/main" xmlns="" id="{310E1DF0-5330-4BFD-88E2-0B38EC1E4E57}"/>
+                <a16:creationId xmlns="" xmlns:a16="http://schemas.microsoft.com/office/drawing/2014/main" id="{310E1DF0-5330-4BFD-88E2-0B38EC1E4E57}"/>
               </a:ext>
             </a:extLst>
           </p:cNvPr>
@@ -680,7 +682,7 @@
           <p:cNvPr id="3" name="Inhaltsplatzhalter 2">
             <a:extLst>
               <a:ext uri="{FF2B5EF4-FFF2-40B4-BE49-F238E27FC236}">
-                <a16:creationId xmlns:a16="http://schemas.microsoft.com/office/drawing/2014/main" xmlns="" id="{8CBBD72A-6111-4CF1-BA2C-E718A94ECCDC}"/>
+                <a16:creationId xmlns="" xmlns:a16="http://schemas.microsoft.com/office/drawing/2014/main" id="{8CBBD72A-6111-4CF1-BA2C-E718A94ECCDC}"/>
               </a:ext>
             </a:extLst>
           </p:cNvPr>
@@ -736,7 +738,7 @@
     </p:spTree>
     <p:extLst>
       <p:ext uri="{BB962C8B-B14F-4D97-AF65-F5344CB8AC3E}">
-        <p14:creationId xmlns:p14="http://schemas.microsoft.com/office/powerpoint/2010/main" xmlns="" val="2109447741"/>
+        <p14:creationId xmlns="" xmlns:p14="http://schemas.microsoft.com/office/powerpoint/2010/main" val="2109447741"/>
       </p:ext>
     </p:extLst>
   </p:cSld>
@@ -776,7 +778,7 @@
           <p:cNvPr id="2" name="Titel 1">
             <a:extLst>
               <a:ext uri="{FF2B5EF4-FFF2-40B4-BE49-F238E27FC236}">
-                <a16:creationId xmlns:a16="http://schemas.microsoft.com/office/drawing/2014/main" xmlns="" id="{63E4985F-13D5-49BC-889F-73761FE13198}"/>
+                <a16:creationId xmlns="" xmlns:a16="http://schemas.microsoft.com/office/drawing/2014/main" id="{63E4985F-13D5-49BC-889F-73761FE13198}"/>
               </a:ext>
             </a:extLst>
           </p:cNvPr>
@@ -814,7 +816,7 @@
           <p:cNvPr id="3" name="Textplatzhalter 2">
             <a:extLst>
               <a:ext uri="{FF2B5EF4-FFF2-40B4-BE49-F238E27FC236}">
-                <a16:creationId xmlns:a16="http://schemas.microsoft.com/office/drawing/2014/main" xmlns="" id="{A0D6C83C-56BF-474C-8657-0BA3611D613C}"/>
+                <a16:creationId xmlns="" xmlns:a16="http://schemas.microsoft.com/office/drawing/2014/main" id="{A0D6C83C-56BF-474C-8657-0BA3611D613C}"/>
               </a:ext>
             </a:extLst>
           </p:cNvPr>
@@ -939,7 +941,7 @@
           <p:cNvPr id="4" name="Datumsplatzhalter 3">
             <a:extLst>
               <a:ext uri="{FF2B5EF4-FFF2-40B4-BE49-F238E27FC236}">
-                <a16:creationId xmlns:a16="http://schemas.microsoft.com/office/drawing/2014/main" xmlns="" id="{F16B5144-C347-497E-A9FE-8BBE7CE87B6A}"/>
+                <a16:creationId xmlns="" xmlns:a16="http://schemas.microsoft.com/office/drawing/2014/main" id="{F16B5144-C347-497E-A9FE-8BBE7CE87B6A}"/>
               </a:ext>
             </a:extLst>
           </p:cNvPr>
@@ -977,7 +979,7 @@
           <p:cNvPr id="5" name="Fußzeilenplatzhalter 4">
             <a:extLst>
               <a:ext uri="{FF2B5EF4-FFF2-40B4-BE49-F238E27FC236}">
-                <a16:creationId xmlns:a16="http://schemas.microsoft.com/office/drawing/2014/main" xmlns="" id="{0F507366-DE50-49F6-9EBE-7146FEE5D241}"/>
+                <a16:creationId xmlns="" xmlns:a16="http://schemas.microsoft.com/office/drawing/2014/main" id="{0F507366-DE50-49F6-9EBE-7146FEE5D241}"/>
               </a:ext>
             </a:extLst>
           </p:cNvPr>
@@ -1010,7 +1012,7 @@
           <p:cNvPr id="6" name="Foliennummernplatzhalter 5">
             <a:extLst>
               <a:ext uri="{FF2B5EF4-FFF2-40B4-BE49-F238E27FC236}">
-                <a16:creationId xmlns:a16="http://schemas.microsoft.com/office/drawing/2014/main" xmlns="" id="{D36ABCD9-777D-4B92-8F30-3FF548A238FC}"/>
+                <a16:creationId xmlns="" xmlns:a16="http://schemas.microsoft.com/office/drawing/2014/main" id="{D36ABCD9-777D-4B92-8F30-3FF548A238FC}"/>
               </a:ext>
             </a:extLst>
           </p:cNvPr>
@@ -1046,7 +1048,7 @@
     </p:spTree>
     <p:extLst>
       <p:ext uri="{BB962C8B-B14F-4D97-AF65-F5344CB8AC3E}">
-        <p14:creationId xmlns:p14="http://schemas.microsoft.com/office/powerpoint/2010/main" xmlns="" val="2038512978"/>
+        <p14:creationId xmlns="" xmlns:p14="http://schemas.microsoft.com/office/powerpoint/2010/main" val="2038512978"/>
       </p:ext>
     </p:extLst>
   </p:cSld>
@@ -1086,7 +1088,7 @@
           <p:cNvPr id="2" name="Titel 1">
             <a:extLst>
               <a:ext uri="{FF2B5EF4-FFF2-40B4-BE49-F238E27FC236}">
-                <a16:creationId xmlns:a16="http://schemas.microsoft.com/office/drawing/2014/main" xmlns="" id="{A30C2CED-11A1-497E-99AB-6D227123B117}"/>
+                <a16:creationId xmlns="" xmlns:a16="http://schemas.microsoft.com/office/drawing/2014/main" id="{A30C2CED-11A1-497E-99AB-6D227123B117}"/>
               </a:ext>
             </a:extLst>
           </p:cNvPr>
@@ -1124,7 +1126,7 @@
           <p:cNvPr id="3" name="Inhaltsplatzhalter 2">
             <a:extLst>
               <a:ext uri="{FF2B5EF4-FFF2-40B4-BE49-F238E27FC236}">
-                <a16:creationId xmlns:a16="http://schemas.microsoft.com/office/drawing/2014/main" xmlns="" id="{986E38F5-F409-48C9-B29B-969FE245AA45}"/>
+                <a16:creationId xmlns="" xmlns:a16="http://schemas.microsoft.com/office/drawing/2014/main" id="{986E38F5-F409-48C9-B29B-969FE245AA45}"/>
               </a:ext>
             </a:extLst>
           </p:cNvPr>
@@ -1215,7 +1217,7 @@
           <p:cNvPr id="4" name="Textplatzhalter 3">
             <a:extLst>
               <a:ext uri="{FF2B5EF4-FFF2-40B4-BE49-F238E27FC236}">
-                <a16:creationId xmlns:a16="http://schemas.microsoft.com/office/drawing/2014/main" xmlns="" id="{56CC2ABE-71CD-49F3-8C4D-E4ED1DA196B4}"/>
+                <a16:creationId xmlns="" xmlns:a16="http://schemas.microsoft.com/office/drawing/2014/main" id="{56CC2ABE-71CD-49F3-8C4D-E4ED1DA196B4}"/>
               </a:ext>
             </a:extLst>
           </p:cNvPr>
@@ -1284,7 +1286,7 @@
     </p:spTree>
     <p:extLst>
       <p:ext uri="{BB962C8B-B14F-4D97-AF65-F5344CB8AC3E}">
-        <p14:creationId xmlns:p14="http://schemas.microsoft.com/office/powerpoint/2010/main" xmlns="" val="277812240"/>
+        <p14:creationId xmlns="" xmlns:p14="http://schemas.microsoft.com/office/powerpoint/2010/main" val="277812240"/>
       </p:ext>
     </p:extLst>
   </p:cSld>
@@ -1324,7 +1326,7 @@
           <p:cNvPr id="2" name="Titelplatzhalter 1">
             <a:extLst>
               <a:ext uri="{FF2B5EF4-FFF2-40B4-BE49-F238E27FC236}">
-                <a16:creationId xmlns:a16="http://schemas.microsoft.com/office/drawing/2014/main" xmlns="" id="{881F9FD2-61D8-497C-B9D7-2514A8F14D65}"/>
+                <a16:creationId xmlns="" xmlns:a16="http://schemas.microsoft.com/office/drawing/2014/main" id="{881F9FD2-61D8-497C-B9D7-2514A8F14D65}"/>
               </a:ext>
             </a:extLst>
           </p:cNvPr>
@@ -1363,7 +1365,7 @@
           <p:cNvPr id="3" name="Textplatzhalter 2">
             <a:extLst>
               <a:ext uri="{FF2B5EF4-FFF2-40B4-BE49-F238E27FC236}">
-                <a16:creationId xmlns:a16="http://schemas.microsoft.com/office/drawing/2014/main" xmlns="" id="{7076A25D-6B07-459F-8705-679FD15E7C73}"/>
+                <a16:creationId xmlns="" xmlns:a16="http://schemas.microsoft.com/office/drawing/2014/main" id="{7076A25D-6B07-459F-8705-679FD15E7C73}"/>
               </a:ext>
             </a:extLst>
           </p:cNvPr>
@@ -1429,7 +1431,7 @@
     </p:spTree>
     <p:extLst>
       <p:ext uri="{BB962C8B-B14F-4D97-AF65-F5344CB8AC3E}">
-        <p14:creationId xmlns:p14="http://schemas.microsoft.com/office/powerpoint/2010/main" xmlns="" val="231580317"/>
+        <p14:creationId xmlns="" xmlns:p14="http://schemas.microsoft.com/office/powerpoint/2010/main" val="231580317"/>
       </p:ext>
     </p:extLst>
   </p:cSld>
@@ -1745,7 +1747,7 @@
           <p:cNvPr id="6" name="Grafik 5">
             <a:extLst>
               <a:ext uri="{FF2B5EF4-FFF2-40B4-BE49-F238E27FC236}">
-                <a16:creationId xmlns:a16="http://schemas.microsoft.com/office/drawing/2014/main" xmlns="" id="{E45AE606-05AD-4310-A9E7-58A3E4831537}"/>
+                <a16:creationId xmlns="" xmlns:a16="http://schemas.microsoft.com/office/drawing/2014/main" id="{E45AE606-05AD-4310-A9E7-58A3E4831537}"/>
               </a:ext>
             </a:extLst>
           </p:cNvPr>
@@ -1758,7 +1760,7 @@
           <a:blip r:embed="rId2" cstate="print">
             <a:extLst>
               <a:ext uri="{28A0092B-C50C-407E-A947-70E740481C1C}">
-                <a14:useLocalDpi xmlns:a14="http://schemas.microsoft.com/office/drawing/2010/main" xmlns="" val="0"/>
+                <a14:useLocalDpi xmlns="" xmlns:a14="http://schemas.microsoft.com/office/drawing/2010/main" val="0"/>
               </a:ext>
             </a:extLst>
           </a:blip>
@@ -1781,7 +1783,7 @@
           <p:cNvPr id="9" name="Grafik 8">
             <a:extLst>
               <a:ext uri="{FF2B5EF4-FFF2-40B4-BE49-F238E27FC236}">
-                <a16:creationId xmlns:a16="http://schemas.microsoft.com/office/drawing/2014/main" xmlns="" id="{BDE6BFD7-C3AF-4092-9CC3-B0309073A821}"/>
+                <a16:creationId xmlns="" xmlns:a16="http://schemas.microsoft.com/office/drawing/2014/main" id="{BDE6BFD7-C3AF-4092-9CC3-B0309073A821}"/>
               </a:ext>
             </a:extLst>
           </p:cNvPr>
@@ -1794,7 +1796,7 @@
           <a:blip r:embed="rId3" cstate="print">
             <a:extLst>
               <a:ext uri="{28A0092B-C50C-407E-A947-70E740481C1C}">
-                <a14:useLocalDpi xmlns:a14="http://schemas.microsoft.com/office/drawing/2010/main" xmlns="" val="0"/>
+                <a14:useLocalDpi xmlns="" xmlns:a14="http://schemas.microsoft.com/office/drawing/2010/main" val="0"/>
               </a:ext>
             </a:extLst>
           </a:blip>
@@ -1814,7 +1816,344 @@
     </p:spTree>
     <p:extLst>
       <p:ext uri="{BB962C8B-B14F-4D97-AF65-F5344CB8AC3E}">
-        <p14:creationId xmlns:p14="http://schemas.microsoft.com/office/powerpoint/2010/main" xmlns="" val="3514297850"/>
+        <p14:creationId xmlns="" xmlns:p14="http://schemas.microsoft.com/office/powerpoint/2010/main" val="3514297850"/>
+      </p:ext>
+    </p:extLst>
+  </p:cSld>
+  <p:clrMapOvr>
+    <a:masterClrMapping/>
+  </p:clrMapOvr>
+</p:sld>
+</file>
+
+<file path=ppt/slides/slide10.xml><?xml version="1.0" encoding="utf-8"?>
+<p:sld xmlns:a="http://schemas.openxmlformats.org/drawingml/2006/main" xmlns:r="http://schemas.openxmlformats.org/officeDocument/2006/relationships" xmlns:p="http://schemas.openxmlformats.org/presentationml/2006/main">
+  <p:cSld>
+    <p:spTree>
+      <p:nvGrpSpPr>
+        <p:cNvPr id="1" name=""/>
+        <p:cNvGrpSpPr/>
+        <p:nvPr/>
+      </p:nvGrpSpPr>
+      <p:grpSpPr>
+        <a:xfrm>
+          <a:off x="0" y="0"/>
+          <a:ext cx="0" cy="0"/>
+          <a:chOff x="0" y="0"/>
+          <a:chExt cx="0" cy="0"/>
+        </a:xfrm>
+      </p:grpSpPr>
+      <p:sp>
+        <p:nvSpPr>
+          <p:cNvPr id="2" name="Titel 1">
+            <a:extLst>
+              <a:ext uri="{FF2B5EF4-FFF2-40B4-BE49-F238E27FC236}">
+                <a16:creationId xmlns="" xmlns:a16="http://schemas.microsoft.com/office/drawing/2014/main" id="{B95BCD18-302D-4FB0-B92D-F59B773B6833}"/>
+              </a:ext>
+            </a:extLst>
+          </p:cNvPr>
+          <p:cNvSpPr>
+            <a:spLocks noGrp="1"/>
+          </p:cNvSpPr>
+          <p:nvPr>
+            <p:ph type="title"/>
+          </p:nvPr>
+        </p:nvSpPr>
+        <p:spPr/>
+        <p:txBody>
+          <a:bodyPr/>
+          <a:lstStyle/>
+          <a:p>
+            <a:r>
+              <a:rPr lang="en-GB" dirty="0"/>
+              <a:t>GROUP PICTURE</a:t>
+            </a:r>
+            <a:br>
+              <a:rPr lang="en-GB" dirty="0"/>
+            </a:br>
+            <a:r>
+              <a:rPr lang="en-GB" dirty="0"/>
+              <a:t>PICS OF YOU WORKING…</a:t>
+            </a:r>
+            <a:endParaRPr lang="x-none" dirty="0"/>
+          </a:p>
+        </p:txBody>
+      </p:sp>
+      <p:sp>
+        <p:nvSpPr>
+          <p:cNvPr id="3" name="Inhaltsplatzhalter 2">
+            <a:extLst>
+              <a:ext uri="{FF2B5EF4-FFF2-40B4-BE49-F238E27FC236}">
+                <a16:creationId xmlns="" xmlns:a16="http://schemas.microsoft.com/office/drawing/2014/main" id="{E59E5E55-ADA9-4327-85CF-331D2393859F}"/>
+              </a:ext>
+            </a:extLst>
+          </p:cNvPr>
+          <p:cNvSpPr>
+            <a:spLocks noGrp="1"/>
+          </p:cNvSpPr>
+          <p:nvPr>
+            <p:ph idx="1"/>
+          </p:nvPr>
+        </p:nvSpPr>
+        <p:spPr/>
+        <p:txBody>
+          <a:bodyPr>
+            <a:normAutofit/>
+          </a:bodyPr>
+          <a:lstStyle/>
+          <a:p>
+            <a:pPr marL="0" indent="0">
+              <a:buNone/>
+            </a:pPr>
+            <a:endParaRPr lang="de-DE" b="1" dirty="0">
+              <a:solidFill>
+                <a:srgbClr val="FFFFFF"/>
+              </a:solidFill>
+            </a:endParaRPr>
+          </a:p>
+        </p:txBody>
+      </p:sp>
+      <p:pic>
+        <p:nvPicPr>
+          <p:cNvPr id="4" name="Grafik 3">
+            <a:extLst>
+              <a:ext uri="{FF2B5EF4-FFF2-40B4-BE49-F238E27FC236}">
+                <a16:creationId xmlns="" xmlns:a16="http://schemas.microsoft.com/office/drawing/2014/main" id="{300411DF-B2A6-4A2A-8E76-2F8AA3F86A8B}"/>
+              </a:ext>
+            </a:extLst>
+          </p:cNvPr>
+          <p:cNvPicPr>
+            <a:picLocks noChangeAspect="1"/>
+          </p:cNvPicPr>
+          <p:nvPr/>
+        </p:nvPicPr>
+        <p:blipFill>
+          <a:blip r:embed="rId2" cstate="print">
+            <a:extLst>
+              <a:ext uri="{28A0092B-C50C-407E-A947-70E740481C1C}">
+                <a14:useLocalDpi xmlns="" xmlns:a14="http://schemas.microsoft.com/office/drawing/2010/main" val="0"/>
+              </a:ext>
+            </a:extLst>
+          </a:blip>
+          <a:stretch>
+            <a:fillRect/>
+          </a:stretch>
+        </p:blipFill>
+        <p:spPr>
+          <a:xfrm>
+            <a:off x="8937343" y="230188"/>
+            <a:ext cx="2338636" cy="644624"/>
+          </a:xfrm>
+          <a:prstGeom prst="rect">
+            <a:avLst/>
+          </a:prstGeom>
+        </p:spPr>
+      </p:pic>
+    </p:spTree>
+    <p:extLst>
+      <p:ext uri="{BB962C8B-B14F-4D97-AF65-F5344CB8AC3E}">
+        <p14:creationId xmlns="" xmlns:p14="http://schemas.microsoft.com/office/powerpoint/2010/main" val="606855018"/>
+      </p:ext>
+    </p:extLst>
+  </p:cSld>
+  <p:clrMapOvr>
+    <a:masterClrMapping/>
+  </p:clrMapOvr>
+</p:sld>
+</file>
+
+<file path=ppt/slides/slide11.xml><?xml version="1.0" encoding="utf-8"?>
+<p:sld xmlns:a="http://schemas.openxmlformats.org/drawingml/2006/main" xmlns:r="http://schemas.openxmlformats.org/officeDocument/2006/relationships" xmlns:p="http://schemas.openxmlformats.org/presentationml/2006/main">
+  <p:cSld>
+    <p:spTree>
+      <p:nvGrpSpPr>
+        <p:cNvPr id="1" name=""/>
+        <p:cNvGrpSpPr/>
+        <p:nvPr/>
+      </p:nvGrpSpPr>
+      <p:grpSpPr>
+        <a:xfrm>
+          <a:off x="0" y="0"/>
+          <a:ext cx="0" cy="0"/>
+          <a:chOff x="0" y="0"/>
+          <a:chExt cx="0" cy="0"/>
+        </a:xfrm>
+      </p:grpSpPr>
+      <p:pic>
+        <p:nvPicPr>
+          <p:cNvPr id="5" name="Grafik 4">
+            <a:extLst>
+              <a:ext uri="{FF2B5EF4-FFF2-40B4-BE49-F238E27FC236}">
+                <a16:creationId xmlns="" xmlns:a16="http://schemas.microsoft.com/office/drawing/2014/main" id="{59FD2549-F0A0-4ABD-9D12-AE6FE6FCB00F}"/>
+              </a:ext>
+            </a:extLst>
+          </p:cNvPr>
+          <p:cNvPicPr>
+            <a:picLocks noChangeAspect="1"/>
+          </p:cNvPicPr>
+          <p:nvPr/>
+        </p:nvPicPr>
+        <p:blipFill rotWithShape="1">
+          <a:blip r:embed="rId2" cstate="print">
+            <a:extLst>
+              <a:ext uri="{28A0092B-C50C-407E-A947-70E740481C1C}">
+                <a14:useLocalDpi xmlns="" xmlns:a14="http://schemas.microsoft.com/office/drawing/2010/main" val="0"/>
+              </a:ext>
+            </a:extLst>
+          </a:blip>
+          <a:srcRect l="74920" r="7580" b="357"/>
+          <a:stretch/>
+        </p:blipFill>
+        <p:spPr>
+          <a:xfrm>
+            <a:off x="-1" y="-6761"/>
+            <a:ext cx="3942735" cy="6869677"/>
+          </a:xfrm>
+          <a:prstGeom prst="rect">
+            <a:avLst/>
+          </a:prstGeom>
+        </p:spPr>
+      </p:pic>
+      <p:pic>
+        <p:nvPicPr>
+          <p:cNvPr id="7" name="Grafik 6">
+            <a:extLst>
+              <a:ext uri="{FF2B5EF4-FFF2-40B4-BE49-F238E27FC236}">
+                <a16:creationId xmlns="" xmlns:a16="http://schemas.microsoft.com/office/drawing/2014/main" id="{44BE2D65-01C5-488E-9B3D-B9F150682BF7}"/>
+              </a:ext>
+            </a:extLst>
+          </p:cNvPr>
+          <p:cNvPicPr>
+            <a:picLocks noChangeAspect="1"/>
+          </p:cNvPicPr>
+          <p:nvPr/>
+        </p:nvPicPr>
+        <p:blipFill>
+          <a:blip r:embed="rId3" cstate="print">
+            <a:extLst>
+              <a:ext uri="{28A0092B-C50C-407E-A947-70E740481C1C}">
+                <a14:useLocalDpi xmlns="" xmlns:a14="http://schemas.microsoft.com/office/drawing/2010/main" val="0"/>
+              </a:ext>
+            </a:extLst>
+          </a:blip>
+          <a:stretch>
+            <a:fillRect/>
+          </a:stretch>
+        </p:blipFill>
+        <p:spPr>
+          <a:xfrm>
+            <a:off x="6780062" y="741725"/>
+            <a:ext cx="2338636" cy="644624"/>
+          </a:xfrm>
+          <a:prstGeom prst="rect">
+            <a:avLst/>
+          </a:prstGeom>
+        </p:spPr>
+      </p:pic>
+      <p:sp>
+        <p:nvSpPr>
+          <p:cNvPr id="11" name="Titel 10">
+            <a:extLst>
+              <a:ext uri="{FF2B5EF4-FFF2-40B4-BE49-F238E27FC236}">
+                <a16:creationId xmlns="" xmlns:a16="http://schemas.microsoft.com/office/drawing/2014/main" id="{85220CF1-8FE4-4682-994B-810D27DEEEE1}"/>
+              </a:ext>
+            </a:extLst>
+          </p:cNvPr>
+          <p:cNvSpPr>
+            <a:spLocks noGrp="1"/>
+          </p:cNvSpPr>
+          <p:nvPr>
+            <p:ph type="ctrTitle"/>
+          </p:nvPr>
+        </p:nvSpPr>
+        <p:spPr>
+          <a:xfrm>
+            <a:off x="4385186" y="1720644"/>
+            <a:ext cx="7128388" cy="2418737"/>
+          </a:xfrm>
+        </p:spPr>
+        <p:txBody>
+          <a:bodyPr>
+            <a:normAutofit/>
+          </a:bodyPr>
+          <a:lstStyle/>
+          <a:p>
+            <a:r>
+              <a:rPr lang="en-GB" sz="6600">
+                <a:latin typeface="Segoe UI Black" panose="020B0A02040204020203" pitchFamily="34" charset="0"/>
+                <a:ea typeface="Segoe UI Black" panose="020B0A02040204020203" pitchFamily="34" charset="0"/>
+              </a:rPr>
+              <a:t>UNIBROWSER</a:t>
+            </a:r>
+            <a:endParaRPr lang="x-none" sz="6600" dirty="0">
+              <a:latin typeface="Segoe UI Black" panose="020B0A02040204020203" pitchFamily="34" charset="0"/>
+              <a:ea typeface="Segoe UI Black" panose="020B0A02040204020203" pitchFamily="34" charset="0"/>
+            </a:endParaRPr>
+          </a:p>
+        </p:txBody>
+      </p:sp>
+      <p:sp>
+        <p:nvSpPr>
+          <p:cNvPr id="12" name="Titel 10">
+            <a:extLst>
+              <a:ext uri="{FF2B5EF4-FFF2-40B4-BE49-F238E27FC236}">
+                <a16:creationId xmlns="" xmlns:a16="http://schemas.microsoft.com/office/drawing/2014/main" id="{46B7087B-F65C-4B3F-A506-3CE91575FA17}"/>
+              </a:ext>
+            </a:extLst>
+          </p:cNvPr>
+          <p:cNvSpPr txBox="1">
+            <a:spLocks/>
+          </p:cNvSpPr>
+          <p:nvPr/>
+        </p:nvSpPr>
+        <p:spPr>
+          <a:xfrm>
+            <a:off x="4385186" y="4493341"/>
+            <a:ext cx="7128388" cy="1907459"/>
+          </a:xfrm>
+          <a:prstGeom prst="rect">
+            <a:avLst/>
+          </a:prstGeom>
+        </p:spPr>
+        <p:txBody>
+          <a:bodyPr vert="horz" lIns="91440" tIns="45720" rIns="91440" bIns="45720" rtlCol="0" anchor="b">
+            <a:normAutofit/>
+          </a:bodyPr>
+          <a:lstStyle>
+            <a:lvl1pPr algn="ctr" defTabSz="914400" rtl="0" eaLnBrk="1" latinLnBrk="0" hangingPunct="1">
+              <a:lnSpc>
+                <a:spcPct val="90000"/>
+              </a:lnSpc>
+              <a:spcBef>
+                <a:spcPct val="0"/>
+              </a:spcBef>
+              <a:buNone/>
+              <a:defRPr sz="6000" kern="1200">
+                <a:solidFill>
+                  <a:schemeClr val="bg1"/>
+                </a:solidFill>
+                <a:latin typeface="Segoe UI Semibold" panose="020B0702040204020203" pitchFamily="34" charset="0"/>
+                <a:ea typeface="+mj-ea"/>
+                <a:cs typeface="Segoe UI Semibold" panose="020B0702040204020203" pitchFamily="34" charset="0"/>
+              </a:defRPr>
+            </a:lvl1pPr>
+          </a:lstStyle>
+          <a:p>
+            <a:r>
+              <a:rPr lang="en-GB" sz="3200" dirty="0"/>
+              <a:t>NAMES OF GROUP MEMBERS</a:t>
+            </a:r>
+            <a:br>
+              <a:rPr lang="en-GB" sz="3200" dirty="0"/>
+            </a:br>
+            <a:endParaRPr lang="en-GB" sz="3200" dirty="0"/>
+          </a:p>
+        </p:txBody>
+      </p:sp>
+    </p:spTree>
+    <p:extLst>
+      <p:ext uri="{BB962C8B-B14F-4D97-AF65-F5344CB8AC3E}">
+        <p14:creationId xmlns="" xmlns:p14="http://schemas.microsoft.com/office/powerpoint/2010/main" val="3489794051"/>
       </p:ext>
     </p:extLst>
   </p:cSld>
@@ -1846,7 +2185,7 @@
           <p:cNvPr id="5" name="Grafik 4">
             <a:extLst>
               <a:ext uri="{FF2B5EF4-FFF2-40B4-BE49-F238E27FC236}">
-                <a16:creationId xmlns:a16="http://schemas.microsoft.com/office/drawing/2014/main" xmlns="" id="{59FD2549-F0A0-4ABD-9D12-AE6FE6FCB00F}"/>
+                <a16:creationId xmlns="" xmlns:a16="http://schemas.microsoft.com/office/drawing/2014/main" id="{59FD2549-F0A0-4ABD-9D12-AE6FE6FCB00F}"/>
               </a:ext>
             </a:extLst>
           </p:cNvPr>
@@ -1859,7 +2198,7 @@
           <a:blip r:embed="rId2" cstate="print">
             <a:extLst>
               <a:ext uri="{28A0092B-C50C-407E-A947-70E740481C1C}">
-                <a14:useLocalDpi xmlns:a14="http://schemas.microsoft.com/office/drawing/2010/main" xmlns="" val="0"/>
+                <a14:useLocalDpi xmlns="" xmlns:a14="http://schemas.microsoft.com/office/drawing/2010/main" val="0"/>
               </a:ext>
             </a:extLst>
           </a:blip>
@@ -1881,7 +2220,7 @@
           <p:cNvPr id="7" name="Grafik 6">
             <a:extLst>
               <a:ext uri="{FF2B5EF4-FFF2-40B4-BE49-F238E27FC236}">
-                <a16:creationId xmlns:a16="http://schemas.microsoft.com/office/drawing/2014/main" xmlns="" id="{44BE2D65-01C5-488E-9B3D-B9F150682BF7}"/>
+                <a16:creationId xmlns="" xmlns:a16="http://schemas.microsoft.com/office/drawing/2014/main" id="{44BE2D65-01C5-488E-9B3D-B9F150682BF7}"/>
               </a:ext>
             </a:extLst>
           </p:cNvPr>
@@ -1894,7 +2233,7 @@
           <a:blip r:embed="rId3" cstate="print">
             <a:extLst>
               <a:ext uri="{28A0092B-C50C-407E-A947-70E740481C1C}">
-                <a14:useLocalDpi xmlns:a14="http://schemas.microsoft.com/office/drawing/2010/main" xmlns="" val="0"/>
+                <a14:useLocalDpi xmlns="" xmlns:a14="http://schemas.microsoft.com/office/drawing/2010/main" val="0"/>
               </a:ext>
             </a:extLst>
           </a:blip>
@@ -1917,7 +2256,7 @@
           <p:cNvPr id="11" name="Titel 10">
             <a:extLst>
               <a:ext uri="{FF2B5EF4-FFF2-40B4-BE49-F238E27FC236}">
-                <a16:creationId xmlns:a16="http://schemas.microsoft.com/office/drawing/2014/main" xmlns="" id="{85220CF1-8FE4-4682-994B-810D27DEEEE1}"/>
+                <a16:creationId xmlns="" xmlns:a16="http://schemas.microsoft.com/office/drawing/2014/main" id="{85220CF1-8FE4-4682-994B-810D27DEEEE1}"/>
               </a:ext>
             </a:extLst>
           </p:cNvPr>
@@ -1959,7 +2298,7 @@
           <p:cNvPr id="12" name="Titel 10">
             <a:extLst>
               <a:ext uri="{FF2B5EF4-FFF2-40B4-BE49-F238E27FC236}">
-                <a16:creationId xmlns:a16="http://schemas.microsoft.com/office/drawing/2014/main" xmlns="" id="{46B7087B-F65C-4B3F-A506-3CE91575FA17}"/>
+                <a16:creationId xmlns="" xmlns:a16="http://schemas.microsoft.com/office/drawing/2014/main" id="{46B7087B-F65C-4B3F-A506-3CE91575FA17}"/>
               </a:ext>
             </a:extLst>
           </p:cNvPr>
@@ -2041,7 +2380,7 @@
     </p:spTree>
     <p:extLst>
       <p:ext uri="{BB962C8B-B14F-4D97-AF65-F5344CB8AC3E}">
-        <p14:creationId xmlns:p14="http://schemas.microsoft.com/office/powerpoint/2010/main" xmlns="" val="3751392105"/>
+        <p14:creationId xmlns="" xmlns:p14="http://schemas.microsoft.com/office/powerpoint/2010/main" val="3751392105"/>
       </p:ext>
     </p:extLst>
   </p:cSld>
@@ -2073,7 +2412,7 @@
           <p:cNvPr id="2" name="Titel 1">
             <a:extLst>
               <a:ext uri="{FF2B5EF4-FFF2-40B4-BE49-F238E27FC236}">
-                <a16:creationId xmlns:a16="http://schemas.microsoft.com/office/drawing/2014/main" xmlns="" id="{B95BCD18-302D-4FB0-B92D-F59B773B6833}"/>
+                <a16:creationId xmlns="" xmlns:a16="http://schemas.microsoft.com/office/drawing/2014/main" id="{B95BCD18-302D-4FB0-B92D-F59B773B6833}"/>
               </a:ext>
             </a:extLst>
           </p:cNvPr>
@@ -2102,7 +2441,7 @@
           <p:cNvPr id="3" name="Inhaltsplatzhalter 2">
             <a:extLst>
               <a:ext uri="{FF2B5EF4-FFF2-40B4-BE49-F238E27FC236}">
-                <a16:creationId xmlns:a16="http://schemas.microsoft.com/office/drawing/2014/main" xmlns="" id="{E59E5E55-ADA9-4327-85CF-331D2393859F}"/>
+                <a16:creationId xmlns="" xmlns:a16="http://schemas.microsoft.com/office/drawing/2014/main" id="{E59E5E55-ADA9-4327-85CF-331D2393859F}"/>
               </a:ext>
             </a:extLst>
           </p:cNvPr>
@@ -2130,7 +2469,23 @@
                   <a:srgbClr val="FFFFFF"/>
                 </a:solidFill>
               </a:rPr>
-              <a:t>Idea 1: Loclked-in dude wants to see movie/travel, forgot name. How vcould we help em? Ask cl;ever questions to narrow down quickly</a:t>
+              <a:t>Idea 1: </a:t>
+            </a:r>
+            <a:r>
+              <a:rPr lang="de-DE" b="1" dirty="0" smtClean="0">
+                <a:solidFill>
+                  <a:srgbClr val="FFFFFF"/>
+                </a:solidFill>
+              </a:rPr>
+              <a:t>Locked-in </a:t>
+            </a:r>
+            <a:r>
+              <a:rPr lang="de-DE" b="1" dirty="0">
+                <a:solidFill>
+                  <a:srgbClr val="FFFFFF"/>
+                </a:solidFill>
+              </a:rPr>
+              <a:t>dude wants to see movie/travel, forgot name. How vcould we help em? Ask cl;ever questions to narrow down quickly</a:t>
             </a:r>
           </a:p>
           <a:p>
@@ -2193,7 +2548,7 @@
           <p:cNvPr id="4" name="Grafik 3">
             <a:extLst>
               <a:ext uri="{FF2B5EF4-FFF2-40B4-BE49-F238E27FC236}">
-                <a16:creationId xmlns:a16="http://schemas.microsoft.com/office/drawing/2014/main" xmlns="" id="{300411DF-B2A6-4A2A-8E76-2F8AA3F86A8B}"/>
+                <a16:creationId xmlns="" xmlns:a16="http://schemas.microsoft.com/office/drawing/2014/main" id="{300411DF-B2A6-4A2A-8E76-2F8AA3F86A8B}"/>
               </a:ext>
             </a:extLst>
           </p:cNvPr>
@@ -2206,7 +2561,7 @@
           <a:blip r:embed="rId2" cstate="print">
             <a:extLst>
               <a:ext uri="{28A0092B-C50C-407E-A947-70E740481C1C}">
-                <a14:useLocalDpi xmlns:a14="http://schemas.microsoft.com/office/drawing/2010/main" xmlns="" val="0"/>
+                <a14:useLocalDpi xmlns="" xmlns:a14="http://schemas.microsoft.com/office/drawing/2010/main" val="0"/>
               </a:ext>
             </a:extLst>
           </a:blip>
@@ -2227,7 +2582,7 @@
     </p:spTree>
     <p:extLst>
       <p:ext uri="{BB962C8B-B14F-4D97-AF65-F5344CB8AC3E}">
-        <p14:creationId xmlns:p14="http://schemas.microsoft.com/office/powerpoint/2010/main" xmlns="" val="2789252034"/>
+        <p14:creationId xmlns="" xmlns:p14="http://schemas.microsoft.com/office/powerpoint/2010/main" val="2789252034"/>
       </p:ext>
     </p:extLst>
   </p:cSld>
@@ -2259,7 +2614,7 @@
           <p:cNvPr id="2" name="Titel 1">
             <a:extLst>
               <a:ext uri="{FF2B5EF4-FFF2-40B4-BE49-F238E27FC236}">
-                <a16:creationId xmlns:a16="http://schemas.microsoft.com/office/drawing/2014/main" xmlns="" id="{B95BCD18-302D-4FB0-B92D-F59B773B6833}"/>
+                <a16:creationId xmlns="" xmlns:a16="http://schemas.microsoft.com/office/drawing/2014/main" id="{B95BCD18-302D-4FB0-B92D-F59B773B6833}"/>
               </a:ext>
             </a:extLst>
           </p:cNvPr>
@@ -2288,7 +2643,7 @@
           <p:cNvPr id="3" name="Inhaltsplatzhalter 2">
             <a:extLst>
               <a:ext uri="{FF2B5EF4-FFF2-40B4-BE49-F238E27FC236}">
-                <a16:creationId xmlns:a16="http://schemas.microsoft.com/office/drawing/2014/main" xmlns="" id="{E59E5E55-ADA9-4327-85CF-331D2393859F}"/>
+                <a16:creationId xmlns="" xmlns:a16="http://schemas.microsoft.com/office/drawing/2014/main" id="{E59E5E55-ADA9-4327-85CF-331D2393859F}"/>
               </a:ext>
             </a:extLst>
           </p:cNvPr>
@@ -2302,7 +2657,7 @@
         <p:spPr/>
         <p:txBody>
           <a:bodyPr>
-            <a:normAutofit fontScale="92500" lnSpcReduction="10000"/>
+            <a:normAutofit lnSpcReduction="10000"/>
           </a:bodyPr>
           <a:lstStyle/>
           <a:p>
@@ -2386,22 +2741,21 @@
                   <a:srgbClr val="FFFFFF"/>
                 </a:solidFill>
               </a:rPr>
-              <a:t>Look at both things </a:t>
-            </a:r>
-          </a:p>
-          <a:p>
-            <a:pPr>
-              <a:buFontTx/>
-              <a:buChar char="-"/>
-            </a:pPr>
-            <a:r>
-              <a:rPr lang="de-DE" b="1" dirty="0">
+              <a:t>Look at both </a:t>
+            </a:r>
+            <a:r>
+              <a:rPr lang="de-DE" b="1" dirty="0" smtClean="0">
                 <a:solidFill>
                   <a:srgbClr val="FFFFFF"/>
                 </a:solidFill>
               </a:rPr>
-              <a:t> </a:t>
-            </a:r>
+              <a:t>things</a:t>
+            </a:r>
+            <a:endParaRPr lang="de-DE" b="1" dirty="0">
+              <a:solidFill>
+                <a:srgbClr val="FFFFFF"/>
+              </a:solidFill>
+            </a:endParaRPr>
           </a:p>
         </p:txBody>
       </p:sp>
@@ -2410,7 +2764,7 @@
           <p:cNvPr id="4" name="Grafik 3">
             <a:extLst>
               <a:ext uri="{FF2B5EF4-FFF2-40B4-BE49-F238E27FC236}">
-                <a16:creationId xmlns:a16="http://schemas.microsoft.com/office/drawing/2014/main" xmlns="" id="{300411DF-B2A6-4A2A-8E76-2F8AA3F86A8B}"/>
+                <a16:creationId xmlns="" xmlns:a16="http://schemas.microsoft.com/office/drawing/2014/main" id="{300411DF-B2A6-4A2A-8E76-2F8AA3F86A8B}"/>
               </a:ext>
             </a:extLst>
           </p:cNvPr>
@@ -2423,7 +2777,7 @@
           <a:blip r:embed="rId2" cstate="print">
             <a:extLst>
               <a:ext uri="{28A0092B-C50C-407E-A947-70E740481C1C}">
-                <a14:useLocalDpi xmlns:a14="http://schemas.microsoft.com/office/drawing/2010/main" xmlns="" val="0"/>
+                <a14:useLocalDpi xmlns="" xmlns:a14="http://schemas.microsoft.com/office/drawing/2010/main" val="0"/>
               </a:ext>
             </a:extLst>
           </a:blip>
@@ -2444,7 +2798,7 @@
     </p:spTree>
     <p:extLst>
       <p:ext uri="{BB962C8B-B14F-4D97-AF65-F5344CB8AC3E}">
-        <p14:creationId xmlns:p14="http://schemas.microsoft.com/office/powerpoint/2010/main" xmlns="" val="2600432059"/>
+        <p14:creationId xmlns="" xmlns:p14="http://schemas.microsoft.com/office/powerpoint/2010/main" val="2600432059"/>
       </p:ext>
     </p:extLst>
   </p:cSld>
@@ -2476,7 +2830,7 @@
           <p:cNvPr id="2" name="Titel 1">
             <a:extLst>
               <a:ext uri="{FF2B5EF4-FFF2-40B4-BE49-F238E27FC236}">
-                <a16:creationId xmlns:a16="http://schemas.microsoft.com/office/drawing/2014/main" xmlns="" id="{B95BCD18-302D-4FB0-B92D-F59B773B6833}"/>
+                <a16:creationId xmlns="" xmlns:a16="http://schemas.microsoft.com/office/drawing/2014/main" id="{B95BCD18-302D-4FB0-B92D-F59B773B6833}"/>
               </a:ext>
             </a:extLst>
           </p:cNvPr>
@@ -2493,15 +2847,166 @@
           <a:lstStyle/>
           <a:p>
             <a:r>
-              <a:rPr lang="en-GB" dirty="0"/>
-              <a:t>IMPLEMENTATION</a:t>
-            </a:r>
-            <a:br>
-              <a:rPr lang="en-GB" dirty="0"/>
-            </a:br>
-            <a:r>
-              <a:rPr lang="en-GB" dirty="0"/>
-              <a:t>REALIZATION…</a:t>
+              <a:rPr lang="en-GB" dirty="0" smtClean="0"/>
+              <a:t>Our </a:t>
+            </a:r>
+            <a:r>
+              <a:rPr lang="en-GB" dirty="0" err="1" smtClean="0"/>
+              <a:t>ssvep</a:t>
+            </a:r>
+            <a:r>
+              <a:rPr lang="en-GB" dirty="0" smtClean="0"/>
+              <a:t> work</a:t>
+            </a:r>
+            <a:endParaRPr lang="x-none" dirty="0"/>
+          </a:p>
+        </p:txBody>
+      </p:sp>
+      <p:pic>
+        <p:nvPicPr>
+          <p:cNvPr id="4" name="Grafik 3">
+            <a:extLst>
+              <a:ext uri="{FF2B5EF4-FFF2-40B4-BE49-F238E27FC236}">
+                <a16:creationId xmlns="" xmlns:a16="http://schemas.microsoft.com/office/drawing/2014/main" id="{300411DF-B2A6-4A2A-8E76-2F8AA3F86A8B}"/>
+              </a:ext>
+            </a:extLst>
+          </p:cNvPr>
+          <p:cNvPicPr>
+            <a:picLocks noChangeAspect="1"/>
+          </p:cNvPicPr>
+          <p:nvPr/>
+        </p:nvPicPr>
+        <p:blipFill>
+          <a:blip r:embed="rId2" cstate="print">
+            <a:extLst>
+              <a:ext uri="{28A0092B-C50C-407E-A947-70E740481C1C}">
+                <a14:useLocalDpi xmlns="" xmlns:a14="http://schemas.microsoft.com/office/drawing/2010/main" val="0"/>
+              </a:ext>
+            </a:extLst>
+          </a:blip>
+          <a:stretch>
+            <a:fillRect/>
+          </a:stretch>
+        </p:blipFill>
+        <p:spPr>
+          <a:xfrm>
+            <a:off x="8937343" y="230188"/>
+            <a:ext cx="2338636" cy="644624"/>
+          </a:xfrm>
+          <a:prstGeom prst="rect">
+            <a:avLst/>
+          </a:prstGeom>
+        </p:spPr>
+      </p:pic>
+      <p:sp>
+        <p:nvSpPr>
+          <p:cNvPr id="5" name="Content Placeholder 4"/>
+          <p:cNvSpPr>
+            <a:spLocks noGrp="1"/>
+          </p:cNvSpPr>
+          <p:nvPr>
+            <p:ph idx="1"/>
+          </p:nvPr>
+        </p:nvSpPr>
+        <p:spPr/>
+        <p:txBody>
+          <a:bodyPr/>
+          <a:lstStyle/>
+          <a:p>
+            <a:r>
+              <a:rPr lang="en-GB" dirty="0" smtClean="0"/>
+              <a:t>Interface</a:t>
+            </a:r>
+          </a:p>
+          <a:p>
+            <a:r>
+              <a:rPr lang="en-GB" dirty="0" smtClean="0"/>
+              <a:t>Data</a:t>
+            </a:r>
+          </a:p>
+          <a:p>
+            <a:r>
+              <a:rPr lang="en-GB" dirty="0" smtClean="0"/>
+              <a:t>Result</a:t>
+            </a:r>
+          </a:p>
+          <a:p>
+            <a:r>
+              <a:rPr lang="en-GB" dirty="0" smtClean="0"/>
+              <a:t>Result from internet data</a:t>
+            </a:r>
+          </a:p>
+          <a:p>
+            <a:r>
+              <a:rPr lang="en-GB" dirty="0" smtClean="0"/>
+              <a:t>Picture of flashing stimulus</a:t>
+            </a:r>
+            <a:endParaRPr lang="en-GB" dirty="0"/>
+          </a:p>
+        </p:txBody>
+      </p:sp>
+    </p:spTree>
+    <p:extLst>
+      <p:ext uri="{BB962C8B-B14F-4D97-AF65-F5344CB8AC3E}">
+        <p14:creationId xmlns="" xmlns:p14="http://schemas.microsoft.com/office/powerpoint/2010/main" val="2600432059"/>
+      </p:ext>
+    </p:extLst>
+  </p:cSld>
+  <p:clrMapOvr>
+    <a:masterClrMapping/>
+  </p:clrMapOvr>
+</p:sld>
+</file>
+
+<file path=ppt/slides/slide6.xml><?xml version="1.0" encoding="utf-8"?>
+<p:sld xmlns:a="http://schemas.openxmlformats.org/drawingml/2006/main" xmlns:r="http://schemas.openxmlformats.org/officeDocument/2006/relationships" xmlns:p="http://schemas.openxmlformats.org/presentationml/2006/main">
+  <p:cSld>
+    <p:spTree>
+      <p:nvGrpSpPr>
+        <p:cNvPr id="1" name=""/>
+        <p:cNvGrpSpPr/>
+        <p:nvPr/>
+      </p:nvGrpSpPr>
+      <p:grpSpPr>
+        <a:xfrm>
+          <a:off x="0" y="0"/>
+          <a:ext cx="0" cy="0"/>
+          <a:chOff x="0" y="0"/>
+          <a:chExt cx="0" cy="0"/>
+        </a:xfrm>
+      </p:grpSpPr>
+      <p:sp>
+        <p:nvSpPr>
+          <p:cNvPr id="2" name="Titel 1">
+            <a:extLst>
+              <a:ext uri="{FF2B5EF4-FFF2-40B4-BE49-F238E27FC236}">
+                <a16:creationId xmlns="" xmlns:a16="http://schemas.microsoft.com/office/drawing/2014/main" id="{B95BCD18-302D-4FB0-B92D-F59B773B6833}"/>
+              </a:ext>
+            </a:extLst>
+          </p:cNvPr>
+          <p:cNvSpPr>
+            <a:spLocks noGrp="1"/>
+          </p:cNvSpPr>
+          <p:nvPr>
+            <p:ph type="title"/>
+          </p:nvPr>
+        </p:nvSpPr>
+        <p:spPr/>
+        <p:txBody>
+          <a:bodyPr/>
+          <a:lstStyle/>
+          <a:p>
+            <a:r>
+              <a:rPr lang="en-GB" dirty="0" smtClean="0"/>
+              <a:t>Results </a:t>
+            </a:r>
+            <a:r>
+              <a:rPr lang="en-GB" dirty="0" err="1" smtClean="0"/>
+              <a:t>ssvep</a:t>
+            </a:r>
+            <a:r>
+              <a:rPr lang="en-GB" dirty="0" smtClean="0"/>
+              <a:t> so far</a:t>
             </a:r>
             <a:endParaRPr lang="x-none" dirty="0"/>
           </a:p>
@@ -2512,7 +3017,7 @@
           <p:cNvPr id="3" name="Inhaltsplatzhalter 2">
             <a:extLst>
               <a:ext uri="{FF2B5EF4-FFF2-40B4-BE49-F238E27FC236}">
-                <a16:creationId xmlns:a16="http://schemas.microsoft.com/office/drawing/2014/main" xmlns="" id="{E59E5E55-ADA9-4327-85CF-331D2393859F}"/>
+                <a16:creationId xmlns="" xmlns:a16="http://schemas.microsoft.com/office/drawing/2014/main" id="{E59E5E55-ADA9-4327-85CF-331D2393859F}"/>
               </a:ext>
             </a:extLst>
           </p:cNvPr>
@@ -2611,7 +3116,7 @@
           <p:cNvPr id="4" name="Grafik 3">
             <a:extLst>
               <a:ext uri="{FF2B5EF4-FFF2-40B4-BE49-F238E27FC236}">
-                <a16:creationId xmlns:a16="http://schemas.microsoft.com/office/drawing/2014/main" xmlns="" id="{300411DF-B2A6-4A2A-8E76-2F8AA3F86A8B}"/>
+                <a16:creationId xmlns="" xmlns:a16="http://schemas.microsoft.com/office/drawing/2014/main" id="{300411DF-B2A6-4A2A-8E76-2F8AA3F86A8B}"/>
               </a:ext>
             </a:extLst>
           </p:cNvPr>
@@ -2624,7 +3129,7 @@
           <a:blip r:embed="rId2" cstate="print">
             <a:extLst>
               <a:ext uri="{28A0092B-C50C-407E-A947-70E740481C1C}">
-                <a14:useLocalDpi xmlns:a14="http://schemas.microsoft.com/office/drawing/2010/main" xmlns="" val="0"/>
+                <a14:useLocalDpi xmlns="" xmlns:a14="http://schemas.microsoft.com/office/drawing/2010/main" val="0"/>
               </a:ext>
             </a:extLst>
           </a:blip>
@@ -2677,7 +3182,7 @@
     </p:spTree>
     <p:extLst>
       <p:ext uri="{BB962C8B-B14F-4D97-AF65-F5344CB8AC3E}">
-        <p14:creationId xmlns:p14="http://schemas.microsoft.com/office/powerpoint/2010/main" xmlns="" val="2798779998"/>
+        <p14:creationId xmlns="" xmlns:p14="http://schemas.microsoft.com/office/powerpoint/2010/main" val="2798779998"/>
       </p:ext>
     </p:extLst>
   </p:cSld>
@@ -2687,7 +3192,7 @@
 </p:sld>
 </file>
 
-<file path=ppt/slides/slide6.xml><?xml version="1.0" encoding="utf-8"?>
+<file path=ppt/slides/slide7.xml><?xml version="1.0" encoding="utf-8"?>
 <p:sld xmlns:a="http://schemas.openxmlformats.org/drawingml/2006/main" xmlns:r="http://schemas.openxmlformats.org/officeDocument/2006/relationships" xmlns:p="http://schemas.openxmlformats.org/presentationml/2006/main">
   <p:cSld>
     <p:spTree>
@@ -2709,7 +3214,7 @@
           <p:cNvPr id="2" name="Titel 1">
             <a:extLst>
               <a:ext uri="{FF2B5EF4-FFF2-40B4-BE49-F238E27FC236}">
-                <a16:creationId xmlns:a16="http://schemas.microsoft.com/office/drawing/2014/main" xmlns="" id="{B95BCD18-302D-4FB0-B92D-F59B773B6833}"/>
+                <a16:creationId xmlns="" xmlns:a16="http://schemas.microsoft.com/office/drawing/2014/main" id="{B95BCD18-302D-4FB0-B92D-F59B773B6833}"/>
               </a:ext>
             </a:extLst>
           </p:cNvPr>
@@ -2726,6 +3231,146 @@
           <a:lstStyle/>
           <a:p>
             <a:r>
+              <a:rPr lang="en-GB" dirty="0" smtClean="0"/>
+              <a:t>video!/question asking </a:t>
+            </a:r>
+            <a:r>
+              <a:rPr lang="en-GB" dirty="0" err="1" smtClean="0"/>
+              <a:t>agorithm</a:t>
+            </a:r>
+            <a:endParaRPr lang="x-none" dirty="0"/>
+          </a:p>
+        </p:txBody>
+      </p:sp>
+      <p:pic>
+        <p:nvPicPr>
+          <p:cNvPr id="4" name="Grafik 3">
+            <a:extLst>
+              <a:ext uri="{FF2B5EF4-FFF2-40B4-BE49-F238E27FC236}">
+                <a16:creationId xmlns="" xmlns:a16="http://schemas.microsoft.com/office/drawing/2014/main" id="{300411DF-B2A6-4A2A-8E76-2F8AA3F86A8B}"/>
+              </a:ext>
+            </a:extLst>
+          </p:cNvPr>
+          <p:cNvPicPr>
+            <a:picLocks noChangeAspect="1"/>
+          </p:cNvPicPr>
+          <p:nvPr/>
+        </p:nvPicPr>
+        <p:blipFill>
+          <a:blip r:embed="rId2" cstate="print">
+            <a:extLst>
+              <a:ext uri="{28A0092B-C50C-407E-A947-70E740481C1C}">
+                <a14:useLocalDpi xmlns="" xmlns:a14="http://schemas.microsoft.com/office/drawing/2010/main" val="0"/>
+              </a:ext>
+            </a:extLst>
+          </a:blip>
+          <a:stretch>
+            <a:fillRect/>
+          </a:stretch>
+        </p:blipFill>
+        <p:spPr>
+          <a:xfrm>
+            <a:off x="8937343" y="230188"/>
+            <a:ext cx="2338636" cy="644624"/>
+          </a:xfrm>
+          <a:prstGeom prst="rect">
+            <a:avLst/>
+          </a:prstGeom>
+        </p:spPr>
+      </p:pic>
+      <p:sp>
+        <p:nvSpPr>
+          <p:cNvPr id="5" name="Content Placeholder 4"/>
+          <p:cNvSpPr>
+            <a:spLocks noGrp="1"/>
+          </p:cNvSpPr>
+          <p:nvPr>
+            <p:ph idx="1"/>
+          </p:nvPr>
+        </p:nvSpPr>
+        <p:spPr/>
+        <p:txBody>
+          <a:bodyPr/>
+          <a:lstStyle/>
+          <a:p>
+            <a:r>
+              <a:rPr lang="en-GB" dirty="0" smtClean="0"/>
+              <a:t>Example</a:t>
+            </a:r>
+          </a:p>
+          <a:p>
+            <a:r>
+              <a:rPr lang="en-GB" dirty="0" smtClean="0"/>
+              <a:t>Data</a:t>
+            </a:r>
+          </a:p>
+          <a:p>
+            <a:r>
+              <a:rPr lang="en-GB" dirty="0" smtClean="0"/>
+              <a:t>Result</a:t>
+            </a:r>
+          </a:p>
+          <a:p>
+            <a:r>
+              <a:rPr lang="en-GB" dirty="0" smtClean="0"/>
+              <a:t>Result from internet data</a:t>
+            </a:r>
+            <a:endParaRPr lang="en-GB" dirty="0"/>
+          </a:p>
+        </p:txBody>
+      </p:sp>
+    </p:spTree>
+    <p:extLst>
+      <p:ext uri="{BB962C8B-B14F-4D97-AF65-F5344CB8AC3E}">
+        <p14:creationId xmlns="" xmlns:p14="http://schemas.microsoft.com/office/powerpoint/2010/main" val="2600432059"/>
+      </p:ext>
+    </p:extLst>
+  </p:cSld>
+  <p:clrMapOvr>
+    <a:masterClrMapping/>
+  </p:clrMapOvr>
+</p:sld>
+</file>
+
+<file path=ppt/slides/slide8.xml><?xml version="1.0" encoding="utf-8"?>
+<p:sld xmlns:a="http://schemas.openxmlformats.org/drawingml/2006/main" xmlns:r="http://schemas.openxmlformats.org/officeDocument/2006/relationships" xmlns:p="http://schemas.openxmlformats.org/presentationml/2006/main">
+  <p:cSld>
+    <p:spTree>
+      <p:nvGrpSpPr>
+        <p:cNvPr id="1" name=""/>
+        <p:cNvGrpSpPr/>
+        <p:nvPr/>
+      </p:nvGrpSpPr>
+      <p:grpSpPr>
+        <a:xfrm>
+          <a:off x="0" y="0"/>
+          <a:ext cx="0" cy="0"/>
+          <a:chOff x="0" y="0"/>
+          <a:chExt cx="0" cy="0"/>
+        </a:xfrm>
+      </p:grpSpPr>
+      <p:sp>
+        <p:nvSpPr>
+          <p:cNvPr id="2" name="Titel 1">
+            <a:extLst>
+              <a:ext uri="{FF2B5EF4-FFF2-40B4-BE49-F238E27FC236}">
+                <a16:creationId xmlns="" xmlns:a16="http://schemas.microsoft.com/office/drawing/2014/main" id="{B95BCD18-302D-4FB0-B92D-F59B773B6833}"/>
+              </a:ext>
+            </a:extLst>
+          </p:cNvPr>
+          <p:cNvSpPr>
+            <a:spLocks noGrp="1"/>
+          </p:cNvSpPr>
+          <p:nvPr>
+            <p:ph type="title"/>
+          </p:nvPr>
+        </p:nvSpPr>
+        <p:spPr/>
+        <p:txBody>
+          <a:bodyPr/>
+          <a:lstStyle/>
+          <a:p>
+            <a:r>
               <a:rPr lang="en-GB" dirty="0"/>
               <a:t>RESULTS</a:t>
             </a:r>
@@ -2745,7 +3390,7 @@
           <p:cNvPr id="3" name="Inhaltsplatzhalter 2">
             <a:extLst>
               <a:ext uri="{FF2B5EF4-FFF2-40B4-BE49-F238E27FC236}">
-                <a16:creationId xmlns:a16="http://schemas.microsoft.com/office/drawing/2014/main" xmlns="" id="{E59E5E55-ADA9-4327-85CF-331D2393859F}"/>
+                <a16:creationId xmlns="" xmlns:a16="http://schemas.microsoft.com/office/drawing/2014/main" id="{E59E5E55-ADA9-4327-85CF-331D2393859F}"/>
               </a:ext>
             </a:extLst>
           </p:cNvPr>
@@ -2856,7 +3501,7 @@
           <p:cNvPr id="4" name="Grafik 3">
             <a:extLst>
               <a:ext uri="{FF2B5EF4-FFF2-40B4-BE49-F238E27FC236}">
-                <a16:creationId xmlns:a16="http://schemas.microsoft.com/office/drawing/2014/main" xmlns="" id="{300411DF-B2A6-4A2A-8E76-2F8AA3F86A8B}"/>
+                <a16:creationId xmlns="" xmlns:a16="http://schemas.microsoft.com/office/drawing/2014/main" id="{300411DF-B2A6-4A2A-8E76-2F8AA3F86A8B}"/>
               </a:ext>
             </a:extLst>
           </p:cNvPr>
@@ -2869,7 +3514,7 @@
           <a:blip r:embed="rId2" cstate="print">
             <a:extLst>
               <a:ext uri="{28A0092B-C50C-407E-A947-70E740481C1C}">
-                <a14:useLocalDpi xmlns:a14="http://schemas.microsoft.com/office/drawing/2010/main" xmlns="" val="0"/>
+                <a14:useLocalDpi xmlns="" xmlns:a14="http://schemas.microsoft.com/office/drawing/2010/main" val="0"/>
               </a:ext>
             </a:extLst>
           </a:blip>
@@ -2982,349 +3627,7 @@
     </p:spTree>
     <p:extLst>
       <p:ext uri="{BB962C8B-B14F-4D97-AF65-F5344CB8AC3E}">
-        <p14:creationId xmlns:p14="http://schemas.microsoft.com/office/powerpoint/2010/main" xmlns="" val="3829638140"/>
-      </p:ext>
-    </p:extLst>
-  </p:cSld>
-  <p:clrMapOvr>
-    <a:masterClrMapping/>
-  </p:clrMapOvr>
-</p:sld>
-</file>
-
-<file path=ppt/slides/slide7.xml><?xml version="1.0" encoding="utf-8"?>
-<p:sld xmlns:a="http://schemas.openxmlformats.org/drawingml/2006/main" xmlns:r="http://schemas.openxmlformats.org/officeDocument/2006/relationships" xmlns:p="http://schemas.openxmlformats.org/presentationml/2006/main">
-  <p:cSld>
-    <p:spTree>
-      <p:nvGrpSpPr>
-        <p:cNvPr id="1" name=""/>
-        <p:cNvGrpSpPr/>
-        <p:nvPr/>
-      </p:nvGrpSpPr>
-      <p:grpSpPr>
-        <a:xfrm>
-          <a:off x="0" y="0"/>
-          <a:ext cx="0" cy="0"/>
-          <a:chOff x="0" y="0"/>
-          <a:chExt cx="0" cy="0"/>
-        </a:xfrm>
-      </p:grpSpPr>
-      <p:sp>
-        <p:nvSpPr>
-          <p:cNvPr id="2" name="Titel 1">
-            <a:extLst>
-              <a:ext uri="{FF2B5EF4-FFF2-40B4-BE49-F238E27FC236}">
-                <a16:creationId xmlns:a16="http://schemas.microsoft.com/office/drawing/2014/main" xmlns="" id="{B95BCD18-302D-4FB0-B92D-F59B773B6833}"/>
-              </a:ext>
-            </a:extLst>
-          </p:cNvPr>
-          <p:cNvSpPr>
-            <a:spLocks noGrp="1"/>
-          </p:cNvSpPr>
-          <p:nvPr>
-            <p:ph type="title"/>
-          </p:nvPr>
-        </p:nvSpPr>
-        <p:spPr/>
-        <p:txBody>
-          <a:bodyPr/>
-          <a:lstStyle/>
-          <a:p>
-            <a:r>
-              <a:rPr lang="en-GB" dirty="0"/>
-              <a:t>REFLECTION…</a:t>
-            </a:r>
-            <a:endParaRPr lang="x-none" dirty="0"/>
-          </a:p>
-        </p:txBody>
-      </p:sp>
-      <p:sp>
-        <p:nvSpPr>
-          <p:cNvPr id="3" name="Inhaltsplatzhalter 2">
-            <a:extLst>
-              <a:ext uri="{FF2B5EF4-FFF2-40B4-BE49-F238E27FC236}">
-                <a16:creationId xmlns:a16="http://schemas.microsoft.com/office/drawing/2014/main" xmlns="" id="{E59E5E55-ADA9-4327-85CF-331D2393859F}"/>
-              </a:ext>
-            </a:extLst>
-          </p:cNvPr>
-          <p:cNvSpPr>
-            <a:spLocks noGrp="1"/>
-          </p:cNvSpPr>
-          <p:nvPr>
-            <p:ph idx="1"/>
-          </p:nvPr>
-        </p:nvSpPr>
-        <p:spPr/>
-        <p:txBody>
-          <a:bodyPr>
-            <a:normAutofit/>
-          </a:bodyPr>
-          <a:lstStyle/>
-          <a:p>
-            <a:pPr marL="0" indent="0">
-              <a:buNone/>
-            </a:pPr>
-            <a:r>
-              <a:rPr lang="de-DE" b="1" dirty="0">
-                <a:solidFill>
-                  <a:srgbClr val="FFFFFF"/>
-                </a:solidFill>
-              </a:rPr>
-              <a:t>Description, </a:t>
-            </a:r>
-            <a:r>
-              <a:rPr lang="de-DE" b="1" dirty="0" err="1">
-                <a:solidFill>
-                  <a:srgbClr val="FFFFFF"/>
-                </a:solidFill>
-              </a:rPr>
-              <a:t>visual</a:t>
-            </a:r>
-            <a:r>
-              <a:rPr lang="de-DE" b="1" dirty="0">
-                <a:solidFill>
-                  <a:srgbClr val="FFFFFF"/>
-                </a:solidFill>
-              </a:rPr>
-              <a:t> </a:t>
-            </a:r>
-            <a:r>
-              <a:rPr lang="de-DE" b="1" dirty="0" err="1">
-                <a:solidFill>
-                  <a:srgbClr val="FFFFFF"/>
-                </a:solidFill>
-              </a:rPr>
-              <a:t>impressions</a:t>
-            </a:r>
-            <a:r>
-              <a:rPr lang="de-DE" b="1" dirty="0">
-                <a:solidFill>
-                  <a:srgbClr val="FFFFFF"/>
-                </a:solidFill>
-              </a:rPr>
-              <a:t> (</a:t>
-            </a:r>
-            <a:r>
-              <a:rPr lang="de-DE" b="1" dirty="0" err="1">
-                <a:solidFill>
-                  <a:srgbClr val="FFFFFF"/>
-                </a:solidFill>
-              </a:rPr>
-              <a:t>photos</a:t>
-            </a:r>
-            <a:r>
-              <a:rPr lang="de-DE" b="1" dirty="0">
-                <a:solidFill>
-                  <a:srgbClr val="FFFFFF"/>
-                </a:solidFill>
-              </a:rPr>
-              <a:t>, </a:t>
-            </a:r>
-            <a:r>
-              <a:rPr lang="de-DE" b="1" dirty="0" err="1">
-                <a:solidFill>
-                  <a:srgbClr val="FFFFFF"/>
-                </a:solidFill>
-              </a:rPr>
-              <a:t>videos</a:t>
-            </a:r>
-            <a:r>
-              <a:rPr lang="de-DE" b="1" dirty="0">
-                <a:solidFill>
-                  <a:srgbClr val="FFFFFF"/>
-                </a:solidFill>
-              </a:rPr>
-              <a:t>)</a:t>
-            </a:r>
-          </a:p>
-          <a:p>
-            <a:pPr marL="0" indent="0">
-              <a:buNone/>
-            </a:pPr>
-            <a:endParaRPr lang="de-DE" b="1" dirty="0">
-              <a:solidFill>
-                <a:srgbClr val="FFFFFF"/>
-              </a:solidFill>
-            </a:endParaRPr>
-          </a:p>
-        </p:txBody>
-      </p:sp>
-      <p:pic>
-        <p:nvPicPr>
-          <p:cNvPr id="4" name="Grafik 3">
-            <a:extLst>
-              <a:ext uri="{FF2B5EF4-FFF2-40B4-BE49-F238E27FC236}">
-                <a16:creationId xmlns:a16="http://schemas.microsoft.com/office/drawing/2014/main" xmlns="" id="{300411DF-B2A6-4A2A-8E76-2F8AA3F86A8B}"/>
-              </a:ext>
-            </a:extLst>
-          </p:cNvPr>
-          <p:cNvPicPr>
-            <a:picLocks noChangeAspect="1"/>
-          </p:cNvPicPr>
-          <p:nvPr/>
-        </p:nvPicPr>
-        <p:blipFill>
-          <a:blip r:embed="rId2" cstate="print">
-            <a:extLst>
-              <a:ext uri="{28A0092B-C50C-407E-A947-70E740481C1C}">
-                <a14:useLocalDpi xmlns:a14="http://schemas.microsoft.com/office/drawing/2010/main" xmlns="" val="0"/>
-              </a:ext>
-            </a:extLst>
-          </a:blip>
-          <a:stretch>
-            <a:fillRect/>
-          </a:stretch>
-        </p:blipFill>
-        <p:spPr>
-          <a:xfrm>
-            <a:off x="8937343" y="230188"/>
-            <a:ext cx="2338636" cy="644624"/>
-          </a:xfrm>
-          <a:prstGeom prst="rect">
-            <a:avLst/>
-          </a:prstGeom>
-        </p:spPr>
-      </p:pic>
-    </p:spTree>
-    <p:extLst>
-      <p:ext uri="{BB962C8B-B14F-4D97-AF65-F5344CB8AC3E}">
-        <p14:creationId xmlns:p14="http://schemas.microsoft.com/office/powerpoint/2010/main" xmlns="" val="640049257"/>
-      </p:ext>
-    </p:extLst>
-  </p:cSld>
-  <p:clrMapOvr>
-    <a:masterClrMapping/>
-  </p:clrMapOvr>
-</p:sld>
-</file>
-
-<file path=ppt/slides/slide8.xml><?xml version="1.0" encoding="utf-8"?>
-<p:sld xmlns:a="http://schemas.openxmlformats.org/drawingml/2006/main" xmlns:r="http://schemas.openxmlformats.org/officeDocument/2006/relationships" xmlns:p="http://schemas.openxmlformats.org/presentationml/2006/main">
-  <p:cSld>
-    <p:spTree>
-      <p:nvGrpSpPr>
-        <p:cNvPr id="1" name=""/>
-        <p:cNvGrpSpPr/>
-        <p:nvPr/>
-      </p:nvGrpSpPr>
-      <p:grpSpPr>
-        <a:xfrm>
-          <a:off x="0" y="0"/>
-          <a:ext cx="0" cy="0"/>
-          <a:chOff x="0" y="0"/>
-          <a:chExt cx="0" cy="0"/>
-        </a:xfrm>
-      </p:grpSpPr>
-      <p:sp>
-        <p:nvSpPr>
-          <p:cNvPr id="2" name="Titel 1">
-            <a:extLst>
-              <a:ext uri="{FF2B5EF4-FFF2-40B4-BE49-F238E27FC236}">
-                <a16:creationId xmlns:a16="http://schemas.microsoft.com/office/drawing/2014/main" xmlns="" id="{B95BCD18-302D-4FB0-B92D-F59B773B6833}"/>
-              </a:ext>
-            </a:extLst>
-          </p:cNvPr>
-          <p:cNvSpPr>
-            <a:spLocks noGrp="1"/>
-          </p:cNvSpPr>
-          <p:nvPr>
-            <p:ph type="title"/>
-          </p:nvPr>
-        </p:nvSpPr>
-        <p:spPr/>
-        <p:txBody>
-          <a:bodyPr/>
-          <a:lstStyle/>
-          <a:p>
-            <a:r>
-              <a:rPr lang="en-GB" dirty="0"/>
-              <a:t>GROUP PICTURE</a:t>
-            </a:r>
-            <a:br>
-              <a:rPr lang="en-GB" dirty="0"/>
-            </a:br>
-            <a:r>
-              <a:rPr lang="en-GB" dirty="0"/>
-              <a:t>PICS OF YOU WORKING…</a:t>
-            </a:r>
-            <a:endParaRPr lang="x-none" dirty="0"/>
-          </a:p>
-        </p:txBody>
-      </p:sp>
-      <p:sp>
-        <p:nvSpPr>
-          <p:cNvPr id="3" name="Inhaltsplatzhalter 2">
-            <a:extLst>
-              <a:ext uri="{FF2B5EF4-FFF2-40B4-BE49-F238E27FC236}">
-                <a16:creationId xmlns:a16="http://schemas.microsoft.com/office/drawing/2014/main" xmlns="" id="{E59E5E55-ADA9-4327-85CF-331D2393859F}"/>
-              </a:ext>
-            </a:extLst>
-          </p:cNvPr>
-          <p:cNvSpPr>
-            <a:spLocks noGrp="1"/>
-          </p:cNvSpPr>
-          <p:nvPr>
-            <p:ph idx="1"/>
-          </p:nvPr>
-        </p:nvSpPr>
-        <p:spPr/>
-        <p:txBody>
-          <a:bodyPr>
-            <a:normAutofit/>
-          </a:bodyPr>
-          <a:lstStyle/>
-          <a:p>
-            <a:pPr marL="0" indent="0">
-              <a:buNone/>
-            </a:pPr>
-            <a:endParaRPr lang="de-DE" b="1" dirty="0">
-              <a:solidFill>
-                <a:srgbClr val="FFFFFF"/>
-              </a:solidFill>
-            </a:endParaRPr>
-          </a:p>
-        </p:txBody>
-      </p:sp>
-      <p:pic>
-        <p:nvPicPr>
-          <p:cNvPr id="4" name="Grafik 3">
-            <a:extLst>
-              <a:ext uri="{FF2B5EF4-FFF2-40B4-BE49-F238E27FC236}">
-                <a16:creationId xmlns:a16="http://schemas.microsoft.com/office/drawing/2014/main" xmlns="" id="{300411DF-B2A6-4A2A-8E76-2F8AA3F86A8B}"/>
-              </a:ext>
-            </a:extLst>
-          </p:cNvPr>
-          <p:cNvPicPr>
-            <a:picLocks noChangeAspect="1"/>
-          </p:cNvPicPr>
-          <p:nvPr/>
-        </p:nvPicPr>
-        <p:blipFill>
-          <a:blip r:embed="rId2" cstate="print">
-            <a:extLst>
-              <a:ext uri="{28A0092B-C50C-407E-A947-70E740481C1C}">
-                <a14:useLocalDpi xmlns:a14="http://schemas.microsoft.com/office/drawing/2010/main" xmlns="" val="0"/>
-              </a:ext>
-            </a:extLst>
-          </a:blip>
-          <a:stretch>
-            <a:fillRect/>
-          </a:stretch>
-        </p:blipFill>
-        <p:spPr>
-          <a:xfrm>
-            <a:off x="8937343" y="230188"/>
-            <a:ext cx="2338636" cy="644624"/>
-          </a:xfrm>
-          <a:prstGeom prst="rect">
-            <a:avLst/>
-          </a:prstGeom>
-        </p:spPr>
-      </p:pic>
-    </p:spTree>
-    <p:extLst>
-      <p:ext uri="{BB962C8B-B14F-4D97-AF65-F5344CB8AC3E}">
-        <p14:creationId xmlns:p14="http://schemas.microsoft.com/office/powerpoint/2010/main" xmlns="" val="606855018"/>
+        <p14:creationId xmlns="" xmlns:p14="http://schemas.microsoft.com/office/powerpoint/2010/main" val="3829638140"/>
       </p:ext>
     </p:extLst>
   </p:cSld>
@@ -3351,47 +3654,200 @@
           <a:chExt cx="0" cy="0"/>
         </a:xfrm>
       </p:grpSpPr>
+      <p:sp>
+        <p:nvSpPr>
+          <p:cNvPr id="2" name="Titel 1">
+            <a:extLst>
+              <a:ext uri="{FF2B5EF4-FFF2-40B4-BE49-F238E27FC236}">
+                <a16:creationId xmlns="" xmlns:a16="http://schemas.microsoft.com/office/drawing/2014/main" id="{B95BCD18-302D-4FB0-B92D-F59B773B6833}"/>
+              </a:ext>
+            </a:extLst>
+          </p:cNvPr>
+          <p:cNvSpPr>
+            <a:spLocks noGrp="1"/>
+          </p:cNvSpPr>
+          <p:nvPr>
+            <p:ph type="title"/>
+          </p:nvPr>
+        </p:nvSpPr>
+        <p:spPr/>
+        <p:txBody>
+          <a:bodyPr/>
+          <a:lstStyle/>
+          <a:p>
+            <a:r>
+              <a:rPr lang="en-GB" dirty="0"/>
+              <a:t>REFLECTION…</a:t>
+            </a:r>
+            <a:endParaRPr lang="x-none" dirty="0"/>
+          </a:p>
+        </p:txBody>
+      </p:sp>
+      <p:sp>
+        <p:nvSpPr>
+          <p:cNvPr id="3" name="Inhaltsplatzhalter 2">
+            <a:extLst>
+              <a:ext uri="{FF2B5EF4-FFF2-40B4-BE49-F238E27FC236}">
+                <a16:creationId xmlns="" xmlns:a16="http://schemas.microsoft.com/office/drawing/2014/main" id="{E59E5E55-ADA9-4327-85CF-331D2393859F}"/>
+              </a:ext>
+            </a:extLst>
+          </p:cNvPr>
+          <p:cNvSpPr>
+            <a:spLocks noGrp="1"/>
+          </p:cNvSpPr>
+          <p:nvPr>
+            <p:ph idx="1"/>
+          </p:nvPr>
+        </p:nvSpPr>
+        <p:spPr/>
+        <p:txBody>
+          <a:bodyPr>
+            <a:normAutofit lnSpcReduction="10000"/>
+          </a:bodyPr>
+          <a:lstStyle/>
+          <a:p>
+            <a:pPr marL="0" indent="0">
+              <a:buNone/>
+            </a:pPr>
+            <a:r>
+              <a:rPr lang="de-DE" b="1" dirty="0" smtClean="0">
+                <a:solidFill>
+                  <a:srgbClr val="FFFFFF"/>
+                </a:solidFill>
+              </a:rPr>
+              <a:t>Challenges:</a:t>
+            </a:r>
+          </a:p>
+          <a:p>
+            <a:pPr marL="0" indent="0">
+              <a:buNone/>
+            </a:pPr>
+            <a:r>
+              <a:rPr lang="de-DE" b="1" smtClean="0">
+                <a:solidFill>
+                  <a:srgbClr val="FFFFFF"/>
+                </a:solidFill>
+              </a:rPr>
+              <a:t>-SSVEP Yes/No classification difficulties</a:t>
+            </a:r>
+            <a:endParaRPr lang="de-DE" b="1" dirty="0" smtClean="0">
+              <a:solidFill>
+                <a:srgbClr val="FFFFFF"/>
+              </a:solidFill>
+            </a:endParaRPr>
+          </a:p>
+          <a:p>
+            <a:pPr marL="0" indent="0">
+              <a:buFontTx/>
+              <a:buChar char="-"/>
+            </a:pPr>
+            <a:r>
+              <a:rPr lang="de-DE" b="1" dirty="0" smtClean="0">
+                <a:solidFill>
+                  <a:srgbClr val="FFFFFF"/>
+                </a:solidFill>
+              </a:rPr>
+              <a:t> Other Input Modes Faster - Limits User Base</a:t>
+            </a:r>
+          </a:p>
+          <a:p>
+            <a:pPr marL="0" indent="0">
+              <a:buNone/>
+            </a:pPr>
+            <a:r>
+              <a:rPr lang="de-DE" b="1" dirty="0" smtClean="0">
+                <a:solidFill>
+                  <a:srgbClr val="FFFFFF"/>
+                </a:solidFill>
+              </a:rPr>
+              <a:t>Strengths:</a:t>
+            </a:r>
+          </a:p>
+          <a:p>
+            <a:pPr marL="0" indent="0">
+              <a:buNone/>
+            </a:pPr>
+            <a:r>
+              <a:rPr lang="de-DE" b="1" dirty="0" smtClean="0">
+                <a:solidFill>
+                  <a:srgbClr val="FFFFFF"/>
+                </a:solidFill>
+              </a:rPr>
+              <a:t>- Makes navigating/exploring simpler from an input perspective</a:t>
+            </a:r>
+          </a:p>
+          <a:p>
+            <a:pPr marL="0" indent="0">
+              <a:buNone/>
+            </a:pPr>
+            <a:r>
+              <a:rPr lang="de-DE" b="1" dirty="0" smtClean="0">
+                <a:solidFill>
+                  <a:srgbClr val="FFFFFF"/>
+                </a:solidFill>
+              </a:rPr>
+              <a:t>- </a:t>
+            </a:r>
+          </a:p>
+          <a:p>
+            <a:pPr marL="0" indent="0">
+              <a:buNone/>
+            </a:pPr>
+            <a:r>
+              <a:rPr lang="de-DE" b="1" dirty="0" smtClean="0">
+                <a:solidFill>
+                  <a:srgbClr val="FFFFFF"/>
+                </a:solidFill>
+              </a:rPr>
+              <a:t>Future Development:</a:t>
+            </a:r>
+          </a:p>
+          <a:p>
+            <a:pPr marL="0" indent="0">
+              <a:buNone/>
+            </a:pPr>
+            <a:r>
+              <a:rPr lang="de-DE" b="1" dirty="0" smtClean="0">
+                <a:solidFill>
+                  <a:srgbClr val="FFFFFF"/>
+                </a:solidFill>
+              </a:rPr>
+              <a:t>- Learn User EEG response/cluster questions to discover useful ones</a:t>
+            </a:r>
+          </a:p>
+          <a:p>
+            <a:pPr marL="0" indent="0">
+              <a:buFontTx/>
+              <a:buChar char="-"/>
+            </a:pPr>
+            <a:r>
+              <a:rPr lang="de-DE" b="1" dirty="0" smtClean="0">
+                <a:solidFill>
+                  <a:srgbClr val="FFFFFF"/>
+                </a:solidFill>
+              </a:rPr>
+              <a:t> Dev</a:t>
+            </a:r>
+          </a:p>
+          <a:p>
+            <a:pPr marL="0" indent="0">
+              <a:buFontTx/>
+              <a:buChar char="-"/>
+            </a:pPr>
+            <a:endParaRPr lang="de-DE" b="1" dirty="0" smtClean="0">
+              <a:solidFill>
+                <a:srgbClr val="FFFFFF"/>
+              </a:solidFill>
+            </a:endParaRPr>
+          </a:p>
+        </p:txBody>
+      </p:sp>
       <p:pic>
         <p:nvPicPr>
-          <p:cNvPr id="5" name="Grafik 4">
-            <a:extLst>
-              <a:ext uri="{FF2B5EF4-FFF2-40B4-BE49-F238E27FC236}">
-                <a16:creationId xmlns:a16="http://schemas.microsoft.com/office/drawing/2014/main" xmlns="" id="{59FD2549-F0A0-4ABD-9D12-AE6FE6FCB00F}"/>
-              </a:ext>
-            </a:extLst>
-          </p:cNvPr>
-          <p:cNvPicPr>
-            <a:picLocks noChangeAspect="1"/>
-          </p:cNvPicPr>
-          <p:nvPr/>
-        </p:nvPicPr>
-        <p:blipFill rotWithShape="1">
-          <a:blip r:embed="rId2" cstate="print">
-            <a:extLst>
-              <a:ext uri="{28A0092B-C50C-407E-A947-70E740481C1C}">
-                <a14:useLocalDpi xmlns:a14="http://schemas.microsoft.com/office/drawing/2010/main" xmlns="" val="0"/>
-              </a:ext>
-            </a:extLst>
-          </a:blip>
-          <a:srcRect l="74920" r="7580" b="357"/>
-          <a:stretch/>
-        </p:blipFill>
-        <p:spPr>
-          <a:xfrm>
-            <a:off x="-1" y="-6761"/>
-            <a:ext cx="3942735" cy="6869677"/>
-          </a:xfrm>
-          <a:prstGeom prst="rect">
-            <a:avLst/>
-          </a:prstGeom>
-        </p:spPr>
-      </p:pic>
-      <p:pic>
-        <p:nvPicPr>
-          <p:cNvPr id="7" name="Grafik 6">
-            <a:extLst>
-              <a:ext uri="{FF2B5EF4-FFF2-40B4-BE49-F238E27FC236}">
-                <a16:creationId xmlns:a16="http://schemas.microsoft.com/office/drawing/2014/main" xmlns="" id="{44BE2D65-01C5-488E-9B3D-B9F150682BF7}"/>
+          <p:cNvPr id="4" name="Grafik 3">
+            <a:extLst>
+              <a:ext uri="{FF2B5EF4-FFF2-40B4-BE49-F238E27FC236}">
+                <a16:creationId xmlns="" xmlns:a16="http://schemas.microsoft.com/office/drawing/2014/main" id="{300411DF-B2A6-4A2A-8E76-2F8AA3F86A8B}"/>
               </a:ext>
             </a:extLst>
           </p:cNvPr>
@@ -3401,10 +3857,10 @@
           <p:nvPr/>
         </p:nvPicPr>
         <p:blipFill>
-          <a:blip r:embed="rId3" cstate="print">
+          <a:blip r:embed="rId2" cstate="print">
             <a:extLst>
               <a:ext uri="{28A0092B-C50C-407E-A947-70E740481C1C}">
-                <a14:useLocalDpi xmlns:a14="http://schemas.microsoft.com/office/drawing/2010/main" xmlns="" val="0"/>
+                <a14:useLocalDpi xmlns="" xmlns:a14="http://schemas.microsoft.com/office/drawing/2010/main" val="0"/>
               </a:ext>
             </a:extLst>
           </a:blip>
@@ -3414,7 +3870,7 @@
         </p:blipFill>
         <p:spPr>
           <a:xfrm>
-            <a:off x="6780062" y="741725"/>
+            <a:off x="8937343" y="230188"/>
             <a:ext cx="2338636" cy="644624"/>
           </a:xfrm>
           <a:prstGeom prst="rect">
@@ -3422,110 +3878,10 @@
           </a:prstGeom>
         </p:spPr>
       </p:pic>
-      <p:sp>
-        <p:nvSpPr>
-          <p:cNvPr id="11" name="Titel 10">
-            <a:extLst>
-              <a:ext uri="{FF2B5EF4-FFF2-40B4-BE49-F238E27FC236}">
-                <a16:creationId xmlns:a16="http://schemas.microsoft.com/office/drawing/2014/main" xmlns="" id="{85220CF1-8FE4-4682-994B-810D27DEEEE1}"/>
-              </a:ext>
-            </a:extLst>
-          </p:cNvPr>
-          <p:cNvSpPr>
-            <a:spLocks noGrp="1"/>
-          </p:cNvSpPr>
-          <p:nvPr>
-            <p:ph type="ctrTitle"/>
-          </p:nvPr>
-        </p:nvSpPr>
-        <p:spPr>
-          <a:xfrm>
-            <a:off x="4385186" y="1720644"/>
-            <a:ext cx="7128388" cy="2418737"/>
-          </a:xfrm>
-        </p:spPr>
-        <p:txBody>
-          <a:bodyPr>
-            <a:normAutofit/>
-          </a:bodyPr>
-          <a:lstStyle/>
-          <a:p>
-            <a:r>
-              <a:rPr lang="en-GB" sz="6600">
-                <a:latin typeface="Segoe UI Black" panose="020B0A02040204020203" pitchFamily="34" charset="0"/>
-                <a:ea typeface="Segoe UI Black" panose="020B0A02040204020203" pitchFamily="34" charset="0"/>
-              </a:rPr>
-              <a:t>UNIBROWSER</a:t>
-            </a:r>
-            <a:endParaRPr lang="x-none" sz="6600" dirty="0">
-              <a:latin typeface="Segoe UI Black" panose="020B0A02040204020203" pitchFamily="34" charset="0"/>
-              <a:ea typeface="Segoe UI Black" panose="020B0A02040204020203" pitchFamily="34" charset="0"/>
-            </a:endParaRPr>
-          </a:p>
-        </p:txBody>
-      </p:sp>
-      <p:sp>
-        <p:nvSpPr>
-          <p:cNvPr id="12" name="Titel 10">
-            <a:extLst>
-              <a:ext uri="{FF2B5EF4-FFF2-40B4-BE49-F238E27FC236}">
-                <a16:creationId xmlns:a16="http://schemas.microsoft.com/office/drawing/2014/main" xmlns="" id="{46B7087B-F65C-4B3F-A506-3CE91575FA17}"/>
-              </a:ext>
-            </a:extLst>
-          </p:cNvPr>
-          <p:cNvSpPr txBox="1">
-            <a:spLocks/>
-          </p:cNvSpPr>
-          <p:nvPr/>
-        </p:nvSpPr>
-        <p:spPr>
-          <a:xfrm>
-            <a:off x="4385186" y="4493341"/>
-            <a:ext cx="7128388" cy="1907459"/>
-          </a:xfrm>
-          <a:prstGeom prst="rect">
-            <a:avLst/>
-          </a:prstGeom>
-        </p:spPr>
-        <p:txBody>
-          <a:bodyPr vert="horz" lIns="91440" tIns="45720" rIns="91440" bIns="45720" rtlCol="0" anchor="b">
-            <a:normAutofit/>
-          </a:bodyPr>
-          <a:lstStyle>
-            <a:lvl1pPr algn="ctr" defTabSz="914400" rtl="0" eaLnBrk="1" latinLnBrk="0" hangingPunct="1">
-              <a:lnSpc>
-                <a:spcPct val="90000"/>
-              </a:lnSpc>
-              <a:spcBef>
-                <a:spcPct val="0"/>
-              </a:spcBef>
-              <a:buNone/>
-              <a:defRPr sz="6000" kern="1200">
-                <a:solidFill>
-                  <a:schemeClr val="bg1"/>
-                </a:solidFill>
-                <a:latin typeface="Segoe UI Semibold" panose="020B0702040204020203" pitchFamily="34" charset="0"/>
-                <a:ea typeface="+mj-ea"/>
-                <a:cs typeface="Segoe UI Semibold" panose="020B0702040204020203" pitchFamily="34" charset="0"/>
-              </a:defRPr>
-            </a:lvl1pPr>
-          </a:lstStyle>
-          <a:p>
-            <a:r>
-              <a:rPr lang="en-GB" sz="3200" dirty="0"/>
-              <a:t>NAMES OF GROUP MEMBERS</a:t>
-            </a:r>
-            <a:br>
-              <a:rPr lang="en-GB" sz="3200" dirty="0"/>
-            </a:br>
-            <a:endParaRPr lang="en-GB" sz="3200" dirty="0"/>
-          </a:p>
-        </p:txBody>
-      </p:sp>
     </p:spTree>
     <p:extLst>
       <p:ext uri="{BB962C8B-B14F-4D97-AF65-F5344CB8AC3E}">
-        <p14:creationId xmlns:p14="http://schemas.microsoft.com/office/powerpoint/2010/main" xmlns="" val="3489794051"/>
+        <p14:creationId xmlns="" xmlns:p14="http://schemas.microsoft.com/office/powerpoint/2010/main" val="640049257"/>
       </p:ext>
     </p:extLst>
   </p:cSld>
@@ -3824,7 +4180,7 @@
   <a:extraClrSchemeLst/>
   <a:extLst>
     <a:ext uri="{05A4C25C-085E-4340-85A3-A5531E510DB2}">
-      <thm15:themeFamily xmlns:thm15="http://schemas.microsoft.com/office/thememl/2012/main" xmlns="" name="Office Theme" id="{62F939B6-93AF-4DB8-9C6B-D6C7DFDC589F}" vid="{4A3C46E8-61CC-4603-A589-7422A47A8E4A}"/>
+      <thm15:themeFamily xmlns="" xmlns:thm15="http://schemas.microsoft.com/office/thememl/2012/main" name="Office Theme" id="{62F939B6-93AF-4DB8-9C6B-D6C7DFDC589F}" vid="{4A3C46E8-61CC-4603-A589-7422A47A8E4A}"/>
     </a:ext>
   </a:extLst>
 </a:theme>
@@ -4085,7 +4441,7 @@
   <a:extraClrSchemeLst/>
   <a:extLst>
     <a:ext uri="{05A4C25C-085E-4340-85A3-A5531E510DB2}">
-      <thm15:themeFamily xmlns:thm15="http://schemas.microsoft.com/office/thememl/2012/main" xmlns="" name="Office Theme" id="{62F939B6-93AF-4DB8-9C6B-D6C7DFDC589F}" vid="{4A3C46E8-61CC-4603-A589-7422A47A8E4A}"/>
+      <thm15:themeFamily xmlns="" xmlns:thm15="http://schemas.microsoft.com/office/thememl/2012/main" name="Office Theme" id="{62F939B6-93AF-4DB8-9C6B-D6C7DFDC589F}" vid="{4A3C46E8-61CC-4603-A589-7422A47A8E4A}"/>
     </a:ext>
   </a:extLst>
 </a:theme>

--- a/presentation/unibrowser-presentation.pptx
+++ b/presentation/unibrowser-presentation.pptx
@@ -5,7 +5,7 @@
     <p:sldMasterId id="2147483648" r:id="rId1"/>
   </p:sldMasterIdLst>
   <p:notesMasterIdLst>
-    <p:notesMasterId r:id="rId13"/>
+    <p:notesMasterId r:id="rId12"/>
   </p:notesMasterIdLst>
   <p:sldIdLst>
     <p:sldId id="256" r:id="rId2"/>
@@ -14,11 +14,10 @@
     <p:sldId id="287" r:id="rId5"/>
     <p:sldId id="293" r:id="rId6"/>
     <p:sldId id="288" r:id="rId7"/>
-    <p:sldId id="294" r:id="rId8"/>
-    <p:sldId id="289" r:id="rId9"/>
-    <p:sldId id="290" r:id="rId10"/>
-    <p:sldId id="291" r:id="rId11"/>
-    <p:sldId id="292" r:id="rId12"/>
+    <p:sldId id="289" r:id="rId8"/>
+    <p:sldId id="290" r:id="rId9"/>
+    <p:sldId id="291" r:id="rId10"/>
+    <p:sldId id="292" r:id="rId11"/>
   </p:sldIdLst>
   <p:sldSz cx="12192000" cy="6858000"/>
   <p:notesSz cx="6858000" cy="9144000"/>
@@ -119,7 +118,7 @@
   </p:defaultTextStyle>
   <p:extLst>
     <p:ext uri="{EFAFB233-063F-42B5-8137-9DF3F51BA10A}">
-      <p15:sldGuideLst xmlns="" xmlns:p15="http://schemas.microsoft.com/office/powerpoint/2012/main"/>
+      <p15:sldGuideLst xmlns:p15="http://schemas.microsoft.com/office/powerpoint/2012/main" xmlns=""/>
     </p:ext>
   </p:extLst>
 </p:presentation>
@@ -376,7 +375,7 @@
     </p:spTree>
     <p:extLst>
       <p:ext uri="{BB962C8B-B14F-4D97-AF65-F5344CB8AC3E}">
-        <p14:creationId xmlns="" xmlns:p14="http://schemas.microsoft.com/office/powerpoint/2010/main" val="709189723"/>
+        <p14:creationId xmlns:p14="http://schemas.microsoft.com/office/powerpoint/2010/main" xmlns="" val="709189723"/>
       </p:ext>
     </p:extLst>
   </p:cSld>
@@ -506,7 +505,7 @@
           <p:cNvPr id="2" name="Titel 1">
             <a:extLst>
               <a:ext uri="{FF2B5EF4-FFF2-40B4-BE49-F238E27FC236}">
-                <a16:creationId xmlns="" xmlns:a16="http://schemas.microsoft.com/office/drawing/2014/main" id="{C809B7F9-4F10-4592-8C6D-559EC9AFB7F3}"/>
+                <a16:creationId xmlns:a16="http://schemas.microsoft.com/office/drawing/2014/main" xmlns="" id="{C809B7F9-4F10-4592-8C6D-559EC9AFB7F3}"/>
               </a:ext>
             </a:extLst>
           </p:cNvPr>
@@ -544,7 +543,7 @@
           <p:cNvPr id="3" name="Untertitel 2">
             <a:extLst>
               <a:ext uri="{FF2B5EF4-FFF2-40B4-BE49-F238E27FC236}">
-                <a16:creationId xmlns="" xmlns:a16="http://schemas.microsoft.com/office/drawing/2014/main" id="{4BE7CFED-2918-4411-876A-1A61023A72BD}"/>
+                <a16:creationId xmlns:a16="http://schemas.microsoft.com/office/drawing/2014/main" xmlns="" id="{4BE7CFED-2918-4411-876A-1A61023A72BD}"/>
               </a:ext>
             </a:extLst>
           </p:cNvPr>
@@ -613,7 +612,7 @@
     </p:spTree>
     <p:extLst>
       <p:ext uri="{BB962C8B-B14F-4D97-AF65-F5344CB8AC3E}">
-        <p14:creationId xmlns="" xmlns:p14="http://schemas.microsoft.com/office/powerpoint/2010/main" val="3627766916"/>
+        <p14:creationId xmlns:p14="http://schemas.microsoft.com/office/powerpoint/2010/main" xmlns="" val="3627766916"/>
       </p:ext>
     </p:extLst>
   </p:cSld>
@@ -653,7 +652,7 @@
           <p:cNvPr id="2" name="Titel 1">
             <a:extLst>
               <a:ext uri="{FF2B5EF4-FFF2-40B4-BE49-F238E27FC236}">
-                <a16:creationId xmlns="" xmlns:a16="http://schemas.microsoft.com/office/drawing/2014/main" id="{310E1DF0-5330-4BFD-88E2-0B38EC1E4E57}"/>
+                <a16:creationId xmlns:a16="http://schemas.microsoft.com/office/drawing/2014/main" xmlns="" id="{310E1DF0-5330-4BFD-88E2-0B38EC1E4E57}"/>
               </a:ext>
             </a:extLst>
           </p:cNvPr>
@@ -682,7 +681,7 @@
           <p:cNvPr id="3" name="Inhaltsplatzhalter 2">
             <a:extLst>
               <a:ext uri="{FF2B5EF4-FFF2-40B4-BE49-F238E27FC236}">
-                <a16:creationId xmlns="" xmlns:a16="http://schemas.microsoft.com/office/drawing/2014/main" id="{8CBBD72A-6111-4CF1-BA2C-E718A94ECCDC}"/>
+                <a16:creationId xmlns:a16="http://schemas.microsoft.com/office/drawing/2014/main" xmlns="" id="{8CBBD72A-6111-4CF1-BA2C-E718A94ECCDC}"/>
               </a:ext>
             </a:extLst>
           </p:cNvPr>
@@ -738,7 +737,7 @@
     </p:spTree>
     <p:extLst>
       <p:ext uri="{BB962C8B-B14F-4D97-AF65-F5344CB8AC3E}">
-        <p14:creationId xmlns="" xmlns:p14="http://schemas.microsoft.com/office/powerpoint/2010/main" val="2109447741"/>
+        <p14:creationId xmlns:p14="http://schemas.microsoft.com/office/powerpoint/2010/main" xmlns="" val="2109447741"/>
       </p:ext>
     </p:extLst>
   </p:cSld>
@@ -778,7 +777,7 @@
           <p:cNvPr id="2" name="Titel 1">
             <a:extLst>
               <a:ext uri="{FF2B5EF4-FFF2-40B4-BE49-F238E27FC236}">
-                <a16:creationId xmlns="" xmlns:a16="http://schemas.microsoft.com/office/drawing/2014/main" id="{63E4985F-13D5-49BC-889F-73761FE13198}"/>
+                <a16:creationId xmlns:a16="http://schemas.microsoft.com/office/drawing/2014/main" xmlns="" id="{63E4985F-13D5-49BC-889F-73761FE13198}"/>
               </a:ext>
             </a:extLst>
           </p:cNvPr>
@@ -816,7 +815,7 @@
           <p:cNvPr id="3" name="Textplatzhalter 2">
             <a:extLst>
               <a:ext uri="{FF2B5EF4-FFF2-40B4-BE49-F238E27FC236}">
-                <a16:creationId xmlns="" xmlns:a16="http://schemas.microsoft.com/office/drawing/2014/main" id="{A0D6C83C-56BF-474C-8657-0BA3611D613C}"/>
+                <a16:creationId xmlns:a16="http://schemas.microsoft.com/office/drawing/2014/main" xmlns="" id="{A0D6C83C-56BF-474C-8657-0BA3611D613C}"/>
               </a:ext>
             </a:extLst>
           </p:cNvPr>
@@ -941,7 +940,7 @@
           <p:cNvPr id="4" name="Datumsplatzhalter 3">
             <a:extLst>
               <a:ext uri="{FF2B5EF4-FFF2-40B4-BE49-F238E27FC236}">
-                <a16:creationId xmlns="" xmlns:a16="http://schemas.microsoft.com/office/drawing/2014/main" id="{F16B5144-C347-497E-A9FE-8BBE7CE87B6A}"/>
+                <a16:creationId xmlns:a16="http://schemas.microsoft.com/office/drawing/2014/main" xmlns="" id="{F16B5144-C347-497E-A9FE-8BBE7CE87B6A}"/>
               </a:ext>
             </a:extLst>
           </p:cNvPr>
@@ -979,7 +978,7 @@
           <p:cNvPr id="5" name="Fußzeilenplatzhalter 4">
             <a:extLst>
               <a:ext uri="{FF2B5EF4-FFF2-40B4-BE49-F238E27FC236}">
-                <a16:creationId xmlns="" xmlns:a16="http://schemas.microsoft.com/office/drawing/2014/main" id="{0F507366-DE50-49F6-9EBE-7146FEE5D241}"/>
+                <a16:creationId xmlns:a16="http://schemas.microsoft.com/office/drawing/2014/main" xmlns="" id="{0F507366-DE50-49F6-9EBE-7146FEE5D241}"/>
               </a:ext>
             </a:extLst>
           </p:cNvPr>
@@ -1012,7 +1011,7 @@
           <p:cNvPr id="6" name="Foliennummernplatzhalter 5">
             <a:extLst>
               <a:ext uri="{FF2B5EF4-FFF2-40B4-BE49-F238E27FC236}">
-                <a16:creationId xmlns="" xmlns:a16="http://schemas.microsoft.com/office/drawing/2014/main" id="{D36ABCD9-777D-4B92-8F30-3FF548A238FC}"/>
+                <a16:creationId xmlns:a16="http://schemas.microsoft.com/office/drawing/2014/main" xmlns="" id="{D36ABCD9-777D-4B92-8F30-3FF548A238FC}"/>
               </a:ext>
             </a:extLst>
           </p:cNvPr>
@@ -1048,7 +1047,7 @@
     </p:spTree>
     <p:extLst>
       <p:ext uri="{BB962C8B-B14F-4D97-AF65-F5344CB8AC3E}">
-        <p14:creationId xmlns="" xmlns:p14="http://schemas.microsoft.com/office/powerpoint/2010/main" val="2038512978"/>
+        <p14:creationId xmlns:p14="http://schemas.microsoft.com/office/powerpoint/2010/main" xmlns="" val="2038512978"/>
       </p:ext>
     </p:extLst>
   </p:cSld>
@@ -1088,7 +1087,7 @@
           <p:cNvPr id="2" name="Titel 1">
             <a:extLst>
               <a:ext uri="{FF2B5EF4-FFF2-40B4-BE49-F238E27FC236}">
-                <a16:creationId xmlns="" xmlns:a16="http://schemas.microsoft.com/office/drawing/2014/main" id="{A30C2CED-11A1-497E-99AB-6D227123B117}"/>
+                <a16:creationId xmlns:a16="http://schemas.microsoft.com/office/drawing/2014/main" xmlns="" id="{A30C2CED-11A1-497E-99AB-6D227123B117}"/>
               </a:ext>
             </a:extLst>
           </p:cNvPr>
@@ -1126,7 +1125,7 @@
           <p:cNvPr id="3" name="Inhaltsplatzhalter 2">
             <a:extLst>
               <a:ext uri="{FF2B5EF4-FFF2-40B4-BE49-F238E27FC236}">
-                <a16:creationId xmlns="" xmlns:a16="http://schemas.microsoft.com/office/drawing/2014/main" id="{986E38F5-F409-48C9-B29B-969FE245AA45}"/>
+                <a16:creationId xmlns:a16="http://schemas.microsoft.com/office/drawing/2014/main" xmlns="" id="{986E38F5-F409-48C9-B29B-969FE245AA45}"/>
               </a:ext>
             </a:extLst>
           </p:cNvPr>
@@ -1217,7 +1216,7 @@
           <p:cNvPr id="4" name="Textplatzhalter 3">
             <a:extLst>
               <a:ext uri="{FF2B5EF4-FFF2-40B4-BE49-F238E27FC236}">
-                <a16:creationId xmlns="" xmlns:a16="http://schemas.microsoft.com/office/drawing/2014/main" id="{56CC2ABE-71CD-49F3-8C4D-E4ED1DA196B4}"/>
+                <a16:creationId xmlns:a16="http://schemas.microsoft.com/office/drawing/2014/main" xmlns="" id="{56CC2ABE-71CD-49F3-8C4D-E4ED1DA196B4}"/>
               </a:ext>
             </a:extLst>
           </p:cNvPr>
@@ -1286,7 +1285,7 @@
     </p:spTree>
     <p:extLst>
       <p:ext uri="{BB962C8B-B14F-4D97-AF65-F5344CB8AC3E}">
-        <p14:creationId xmlns="" xmlns:p14="http://schemas.microsoft.com/office/powerpoint/2010/main" val="277812240"/>
+        <p14:creationId xmlns:p14="http://schemas.microsoft.com/office/powerpoint/2010/main" xmlns="" val="277812240"/>
       </p:ext>
     </p:extLst>
   </p:cSld>
@@ -1326,7 +1325,7 @@
           <p:cNvPr id="2" name="Titelplatzhalter 1">
             <a:extLst>
               <a:ext uri="{FF2B5EF4-FFF2-40B4-BE49-F238E27FC236}">
-                <a16:creationId xmlns="" xmlns:a16="http://schemas.microsoft.com/office/drawing/2014/main" id="{881F9FD2-61D8-497C-B9D7-2514A8F14D65}"/>
+                <a16:creationId xmlns:a16="http://schemas.microsoft.com/office/drawing/2014/main" xmlns="" id="{881F9FD2-61D8-497C-B9D7-2514A8F14D65}"/>
               </a:ext>
             </a:extLst>
           </p:cNvPr>
@@ -1365,7 +1364,7 @@
           <p:cNvPr id="3" name="Textplatzhalter 2">
             <a:extLst>
               <a:ext uri="{FF2B5EF4-FFF2-40B4-BE49-F238E27FC236}">
-                <a16:creationId xmlns="" xmlns:a16="http://schemas.microsoft.com/office/drawing/2014/main" id="{7076A25D-6B07-459F-8705-679FD15E7C73}"/>
+                <a16:creationId xmlns:a16="http://schemas.microsoft.com/office/drawing/2014/main" xmlns="" id="{7076A25D-6B07-459F-8705-679FD15E7C73}"/>
               </a:ext>
             </a:extLst>
           </p:cNvPr>
@@ -1431,7 +1430,7 @@
     </p:spTree>
     <p:extLst>
       <p:ext uri="{BB962C8B-B14F-4D97-AF65-F5344CB8AC3E}">
-        <p14:creationId xmlns="" xmlns:p14="http://schemas.microsoft.com/office/powerpoint/2010/main" val="231580317"/>
+        <p14:creationId xmlns:p14="http://schemas.microsoft.com/office/powerpoint/2010/main" xmlns="" val="231580317"/>
       </p:ext>
     </p:extLst>
   </p:cSld>
@@ -1747,7 +1746,7 @@
           <p:cNvPr id="6" name="Grafik 5">
             <a:extLst>
               <a:ext uri="{FF2B5EF4-FFF2-40B4-BE49-F238E27FC236}">
-                <a16:creationId xmlns="" xmlns:a16="http://schemas.microsoft.com/office/drawing/2014/main" id="{E45AE606-05AD-4310-A9E7-58A3E4831537}"/>
+                <a16:creationId xmlns:a16="http://schemas.microsoft.com/office/drawing/2014/main" xmlns="" id="{E45AE606-05AD-4310-A9E7-58A3E4831537}"/>
               </a:ext>
             </a:extLst>
           </p:cNvPr>
@@ -1760,7 +1759,7 @@
           <a:blip r:embed="rId2" cstate="print">
             <a:extLst>
               <a:ext uri="{28A0092B-C50C-407E-A947-70E740481C1C}">
-                <a14:useLocalDpi xmlns="" xmlns:a14="http://schemas.microsoft.com/office/drawing/2010/main" val="0"/>
+                <a14:useLocalDpi xmlns:a14="http://schemas.microsoft.com/office/drawing/2010/main" xmlns="" val="0"/>
               </a:ext>
             </a:extLst>
           </a:blip>
@@ -1783,7 +1782,7 @@
           <p:cNvPr id="9" name="Grafik 8">
             <a:extLst>
               <a:ext uri="{FF2B5EF4-FFF2-40B4-BE49-F238E27FC236}">
-                <a16:creationId xmlns="" xmlns:a16="http://schemas.microsoft.com/office/drawing/2014/main" id="{BDE6BFD7-C3AF-4092-9CC3-B0309073A821}"/>
+                <a16:creationId xmlns:a16="http://schemas.microsoft.com/office/drawing/2014/main" xmlns="" id="{BDE6BFD7-C3AF-4092-9CC3-B0309073A821}"/>
               </a:ext>
             </a:extLst>
           </p:cNvPr>
@@ -1796,7 +1795,7 @@
           <a:blip r:embed="rId3" cstate="print">
             <a:extLst>
               <a:ext uri="{28A0092B-C50C-407E-A947-70E740481C1C}">
-                <a14:useLocalDpi xmlns="" xmlns:a14="http://schemas.microsoft.com/office/drawing/2010/main" val="0"/>
+                <a14:useLocalDpi xmlns:a14="http://schemas.microsoft.com/office/drawing/2010/main" xmlns="" val="0"/>
               </a:ext>
             </a:extLst>
           </a:blip>
@@ -1816,7 +1815,7 @@
     </p:spTree>
     <p:extLst>
       <p:ext uri="{BB962C8B-B14F-4D97-AF65-F5344CB8AC3E}">
-        <p14:creationId xmlns="" xmlns:p14="http://schemas.microsoft.com/office/powerpoint/2010/main" val="3514297850"/>
+        <p14:creationId xmlns:p14="http://schemas.microsoft.com/office/powerpoint/2010/main" xmlns="" val="3514297850"/>
       </p:ext>
     </p:extLst>
   </p:cSld>
@@ -1843,148 +1842,12 @@
           <a:chExt cx="0" cy="0"/>
         </a:xfrm>
       </p:grpSpPr>
-      <p:sp>
-        <p:nvSpPr>
-          <p:cNvPr id="2" name="Titel 1">
-            <a:extLst>
-              <a:ext uri="{FF2B5EF4-FFF2-40B4-BE49-F238E27FC236}">
-                <a16:creationId xmlns="" xmlns:a16="http://schemas.microsoft.com/office/drawing/2014/main" id="{B95BCD18-302D-4FB0-B92D-F59B773B6833}"/>
-              </a:ext>
-            </a:extLst>
-          </p:cNvPr>
-          <p:cNvSpPr>
-            <a:spLocks noGrp="1"/>
-          </p:cNvSpPr>
-          <p:nvPr>
-            <p:ph type="title"/>
-          </p:nvPr>
-        </p:nvSpPr>
-        <p:spPr/>
-        <p:txBody>
-          <a:bodyPr/>
-          <a:lstStyle/>
-          <a:p>
-            <a:r>
-              <a:rPr lang="en-GB" dirty="0"/>
-              <a:t>GROUP PICTURE</a:t>
-            </a:r>
-            <a:br>
-              <a:rPr lang="en-GB" dirty="0"/>
-            </a:br>
-            <a:r>
-              <a:rPr lang="en-GB" dirty="0"/>
-              <a:t>PICS OF YOU WORKING…</a:t>
-            </a:r>
-            <a:endParaRPr lang="x-none" dirty="0"/>
-          </a:p>
-        </p:txBody>
-      </p:sp>
-      <p:sp>
-        <p:nvSpPr>
-          <p:cNvPr id="3" name="Inhaltsplatzhalter 2">
-            <a:extLst>
-              <a:ext uri="{FF2B5EF4-FFF2-40B4-BE49-F238E27FC236}">
-                <a16:creationId xmlns="" xmlns:a16="http://schemas.microsoft.com/office/drawing/2014/main" id="{E59E5E55-ADA9-4327-85CF-331D2393859F}"/>
-              </a:ext>
-            </a:extLst>
-          </p:cNvPr>
-          <p:cNvSpPr>
-            <a:spLocks noGrp="1"/>
-          </p:cNvSpPr>
-          <p:nvPr>
-            <p:ph idx="1"/>
-          </p:nvPr>
-        </p:nvSpPr>
-        <p:spPr/>
-        <p:txBody>
-          <a:bodyPr>
-            <a:normAutofit/>
-          </a:bodyPr>
-          <a:lstStyle/>
-          <a:p>
-            <a:pPr marL="0" indent="0">
-              <a:buNone/>
-            </a:pPr>
-            <a:endParaRPr lang="de-DE" b="1" dirty="0">
-              <a:solidFill>
-                <a:srgbClr val="FFFFFF"/>
-              </a:solidFill>
-            </a:endParaRPr>
-          </a:p>
-        </p:txBody>
-      </p:sp>
-      <p:pic>
-        <p:nvPicPr>
-          <p:cNvPr id="4" name="Grafik 3">
-            <a:extLst>
-              <a:ext uri="{FF2B5EF4-FFF2-40B4-BE49-F238E27FC236}">
-                <a16:creationId xmlns="" xmlns:a16="http://schemas.microsoft.com/office/drawing/2014/main" id="{300411DF-B2A6-4A2A-8E76-2F8AA3F86A8B}"/>
-              </a:ext>
-            </a:extLst>
-          </p:cNvPr>
-          <p:cNvPicPr>
-            <a:picLocks noChangeAspect="1"/>
-          </p:cNvPicPr>
-          <p:nvPr/>
-        </p:nvPicPr>
-        <p:blipFill>
-          <a:blip r:embed="rId2" cstate="print">
-            <a:extLst>
-              <a:ext uri="{28A0092B-C50C-407E-A947-70E740481C1C}">
-                <a14:useLocalDpi xmlns="" xmlns:a14="http://schemas.microsoft.com/office/drawing/2010/main" val="0"/>
-              </a:ext>
-            </a:extLst>
-          </a:blip>
-          <a:stretch>
-            <a:fillRect/>
-          </a:stretch>
-        </p:blipFill>
-        <p:spPr>
-          <a:xfrm>
-            <a:off x="8937343" y="230188"/>
-            <a:ext cx="2338636" cy="644624"/>
-          </a:xfrm>
-          <a:prstGeom prst="rect">
-            <a:avLst/>
-          </a:prstGeom>
-        </p:spPr>
-      </p:pic>
-    </p:spTree>
-    <p:extLst>
-      <p:ext uri="{BB962C8B-B14F-4D97-AF65-F5344CB8AC3E}">
-        <p14:creationId xmlns="" xmlns:p14="http://schemas.microsoft.com/office/powerpoint/2010/main" val="606855018"/>
-      </p:ext>
-    </p:extLst>
-  </p:cSld>
-  <p:clrMapOvr>
-    <a:masterClrMapping/>
-  </p:clrMapOvr>
-</p:sld>
-</file>
-
-<file path=ppt/slides/slide11.xml><?xml version="1.0" encoding="utf-8"?>
-<p:sld xmlns:a="http://schemas.openxmlformats.org/drawingml/2006/main" xmlns:r="http://schemas.openxmlformats.org/officeDocument/2006/relationships" xmlns:p="http://schemas.openxmlformats.org/presentationml/2006/main">
-  <p:cSld>
-    <p:spTree>
-      <p:nvGrpSpPr>
-        <p:cNvPr id="1" name=""/>
-        <p:cNvGrpSpPr/>
-        <p:nvPr/>
-      </p:nvGrpSpPr>
-      <p:grpSpPr>
-        <a:xfrm>
-          <a:off x="0" y="0"/>
-          <a:ext cx="0" cy="0"/>
-          <a:chOff x="0" y="0"/>
-          <a:chExt cx="0" cy="0"/>
-        </a:xfrm>
-      </p:grpSpPr>
       <p:pic>
         <p:nvPicPr>
           <p:cNvPr id="5" name="Grafik 4">
             <a:extLst>
               <a:ext uri="{FF2B5EF4-FFF2-40B4-BE49-F238E27FC236}">
-                <a16:creationId xmlns="" xmlns:a16="http://schemas.microsoft.com/office/drawing/2014/main" id="{59FD2549-F0A0-4ABD-9D12-AE6FE6FCB00F}"/>
+                <a16:creationId xmlns:a16="http://schemas.microsoft.com/office/drawing/2014/main" xmlns="" id="{59FD2549-F0A0-4ABD-9D12-AE6FE6FCB00F}"/>
               </a:ext>
             </a:extLst>
           </p:cNvPr>
@@ -1997,7 +1860,7 @@
           <a:blip r:embed="rId2" cstate="print">
             <a:extLst>
               <a:ext uri="{28A0092B-C50C-407E-A947-70E740481C1C}">
-                <a14:useLocalDpi xmlns="" xmlns:a14="http://schemas.microsoft.com/office/drawing/2010/main" val="0"/>
+                <a14:useLocalDpi xmlns:a14="http://schemas.microsoft.com/office/drawing/2010/main" xmlns="" val="0"/>
               </a:ext>
             </a:extLst>
           </a:blip>
@@ -2019,7 +1882,7 @@
           <p:cNvPr id="7" name="Grafik 6">
             <a:extLst>
               <a:ext uri="{FF2B5EF4-FFF2-40B4-BE49-F238E27FC236}">
-                <a16:creationId xmlns="" xmlns:a16="http://schemas.microsoft.com/office/drawing/2014/main" id="{44BE2D65-01C5-488E-9B3D-B9F150682BF7}"/>
+                <a16:creationId xmlns:a16="http://schemas.microsoft.com/office/drawing/2014/main" xmlns="" id="{44BE2D65-01C5-488E-9B3D-B9F150682BF7}"/>
               </a:ext>
             </a:extLst>
           </p:cNvPr>
@@ -2032,7 +1895,7 @@
           <a:blip r:embed="rId3" cstate="print">
             <a:extLst>
               <a:ext uri="{28A0092B-C50C-407E-A947-70E740481C1C}">
-                <a14:useLocalDpi xmlns="" xmlns:a14="http://schemas.microsoft.com/office/drawing/2010/main" val="0"/>
+                <a14:useLocalDpi xmlns:a14="http://schemas.microsoft.com/office/drawing/2010/main" xmlns="" val="0"/>
               </a:ext>
             </a:extLst>
           </a:blip>
@@ -2055,7 +1918,7 @@
           <p:cNvPr id="11" name="Titel 10">
             <a:extLst>
               <a:ext uri="{FF2B5EF4-FFF2-40B4-BE49-F238E27FC236}">
-                <a16:creationId xmlns="" xmlns:a16="http://schemas.microsoft.com/office/drawing/2014/main" id="{85220CF1-8FE4-4682-994B-810D27DEEEE1}"/>
+                <a16:creationId xmlns:a16="http://schemas.microsoft.com/office/drawing/2014/main" xmlns="" id="{85220CF1-8FE4-4682-994B-810D27DEEEE1}"/>
               </a:ext>
             </a:extLst>
           </p:cNvPr>
@@ -2097,7 +1960,7 @@
           <p:cNvPr id="12" name="Titel 10">
             <a:extLst>
               <a:ext uri="{FF2B5EF4-FFF2-40B4-BE49-F238E27FC236}">
-                <a16:creationId xmlns="" xmlns:a16="http://schemas.microsoft.com/office/drawing/2014/main" id="{46B7087B-F65C-4B3F-A506-3CE91575FA17}"/>
+                <a16:creationId xmlns:a16="http://schemas.microsoft.com/office/drawing/2014/main" xmlns="" id="{46B7087B-F65C-4B3F-A506-3CE91575FA17}"/>
               </a:ext>
             </a:extLst>
           </p:cNvPr>
@@ -2153,7 +2016,7 @@
     </p:spTree>
     <p:extLst>
       <p:ext uri="{BB962C8B-B14F-4D97-AF65-F5344CB8AC3E}">
-        <p14:creationId xmlns="" xmlns:p14="http://schemas.microsoft.com/office/powerpoint/2010/main" val="3489794051"/>
+        <p14:creationId xmlns:p14="http://schemas.microsoft.com/office/powerpoint/2010/main" xmlns="" val="3489794051"/>
       </p:ext>
     </p:extLst>
   </p:cSld>
@@ -2185,7 +2048,7 @@
           <p:cNvPr id="5" name="Grafik 4">
             <a:extLst>
               <a:ext uri="{FF2B5EF4-FFF2-40B4-BE49-F238E27FC236}">
-                <a16:creationId xmlns="" xmlns:a16="http://schemas.microsoft.com/office/drawing/2014/main" id="{59FD2549-F0A0-4ABD-9D12-AE6FE6FCB00F}"/>
+                <a16:creationId xmlns:a16="http://schemas.microsoft.com/office/drawing/2014/main" xmlns="" id="{59FD2549-F0A0-4ABD-9D12-AE6FE6FCB00F}"/>
               </a:ext>
             </a:extLst>
           </p:cNvPr>
@@ -2198,7 +2061,7 @@
           <a:blip r:embed="rId2" cstate="print">
             <a:extLst>
               <a:ext uri="{28A0092B-C50C-407E-A947-70E740481C1C}">
-                <a14:useLocalDpi xmlns="" xmlns:a14="http://schemas.microsoft.com/office/drawing/2010/main" val="0"/>
+                <a14:useLocalDpi xmlns:a14="http://schemas.microsoft.com/office/drawing/2010/main" xmlns="" val="0"/>
               </a:ext>
             </a:extLst>
           </a:blip>
@@ -2220,7 +2083,7 @@
           <p:cNvPr id="7" name="Grafik 6">
             <a:extLst>
               <a:ext uri="{FF2B5EF4-FFF2-40B4-BE49-F238E27FC236}">
-                <a16:creationId xmlns="" xmlns:a16="http://schemas.microsoft.com/office/drawing/2014/main" id="{44BE2D65-01C5-488E-9B3D-B9F150682BF7}"/>
+                <a16:creationId xmlns:a16="http://schemas.microsoft.com/office/drawing/2014/main" xmlns="" id="{44BE2D65-01C5-488E-9B3D-B9F150682BF7}"/>
               </a:ext>
             </a:extLst>
           </p:cNvPr>
@@ -2233,7 +2096,7 @@
           <a:blip r:embed="rId3" cstate="print">
             <a:extLst>
               <a:ext uri="{28A0092B-C50C-407E-A947-70E740481C1C}">
-                <a14:useLocalDpi xmlns="" xmlns:a14="http://schemas.microsoft.com/office/drawing/2010/main" val="0"/>
+                <a14:useLocalDpi xmlns:a14="http://schemas.microsoft.com/office/drawing/2010/main" xmlns="" val="0"/>
               </a:ext>
             </a:extLst>
           </a:blip>
@@ -2256,7 +2119,7 @@
           <p:cNvPr id="11" name="Titel 10">
             <a:extLst>
               <a:ext uri="{FF2B5EF4-FFF2-40B4-BE49-F238E27FC236}">
-                <a16:creationId xmlns="" xmlns:a16="http://schemas.microsoft.com/office/drawing/2014/main" id="{85220CF1-8FE4-4682-994B-810D27DEEEE1}"/>
+                <a16:creationId xmlns:a16="http://schemas.microsoft.com/office/drawing/2014/main" xmlns="" id="{85220CF1-8FE4-4682-994B-810D27DEEEE1}"/>
               </a:ext>
             </a:extLst>
           </p:cNvPr>
@@ -2298,7 +2161,7 @@
           <p:cNvPr id="12" name="Titel 10">
             <a:extLst>
               <a:ext uri="{FF2B5EF4-FFF2-40B4-BE49-F238E27FC236}">
-                <a16:creationId xmlns="" xmlns:a16="http://schemas.microsoft.com/office/drawing/2014/main" id="{46B7087B-F65C-4B3F-A506-3CE91575FA17}"/>
+                <a16:creationId xmlns:a16="http://schemas.microsoft.com/office/drawing/2014/main" xmlns="" id="{46B7087B-F65C-4B3F-A506-3CE91575FA17}"/>
               </a:ext>
             </a:extLst>
           </p:cNvPr>
@@ -2318,7 +2181,7 @@
         </p:spPr>
         <p:txBody>
           <a:bodyPr vert="horz" lIns="91440" tIns="45720" rIns="91440" bIns="45720" rtlCol="0" anchor="b">
-            <a:normAutofit fontScale="92500" lnSpcReduction="20000"/>
+            <a:normAutofit fontScale="70000" lnSpcReduction="20000"/>
           </a:bodyPr>
           <a:lstStyle>
             <a:lvl1pPr algn="ctr" defTabSz="914400" rtl="0" eaLnBrk="1" latinLnBrk="0" hangingPunct="1">
@@ -2341,8 +2204,21 @@
           </a:lstStyle>
           <a:p>
             <a:r>
+              <a:rPr lang="en-GB" sz="3200" u="sng" dirty="0" smtClean="0"/>
+              <a:t>GROUP 7</a:t>
+            </a:r>
+          </a:p>
+          <a:p>
+            <a:endParaRPr lang="en-GB" sz="3200" dirty="0" smtClean="0"/>
+          </a:p>
+          <a:p>
+            <a:r>
               <a:rPr lang="en-GB" sz="3200" dirty="0" smtClean="0"/>
-              <a:t>Li Wei</a:t>
+              <a:t>Li </a:t>
+            </a:r>
+            <a:r>
+              <a:rPr lang="en-GB" sz="3200" dirty="0" smtClean="0"/>
+              <a:t>Wei</a:t>
             </a:r>
           </a:p>
           <a:p>
@@ -2380,7 +2256,7 @@
     </p:spTree>
     <p:extLst>
       <p:ext uri="{BB962C8B-B14F-4D97-AF65-F5344CB8AC3E}">
-        <p14:creationId xmlns="" xmlns:p14="http://schemas.microsoft.com/office/powerpoint/2010/main" val="3751392105"/>
+        <p14:creationId xmlns:p14="http://schemas.microsoft.com/office/powerpoint/2010/main" xmlns="" val="3751392105"/>
       </p:ext>
     </p:extLst>
   </p:cSld>
@@ -2412,7 +2288,7 @@
           <p:cNvPr id="2" name="Titel 1">
             <a:extLst>
               <a:ext uri="{FF2B5EF4-FFF2-40B4-BE49-F238E27FC236}">
-                <a16:creationId xmlns="" xmlns:a16="http://schemas.microsoft.com/office/drawing/2014/main" id="{B95BCD18-302D-4FB0-B92D-F59B773B6833}"/>
+                <a16:creationId xmlns:a16="http://schemas.microsoft.com/office/drawing/2014/main" xmlns="" id="{B95BCD18-302D-4FB0-B92D-F59B773B6833}"/>
               </a:ext>
             </a:extLst>
           </p:cNvPr>
@@ -2441,7 +2317,7 @@
           <p:cNvPr id="3" name="Inhaltsplatzhalter 2">
             <a:extLst>
               <a:ext uri="{FF2B5EF4-FFF2-40B4-BE49-F238E27FC236}">
-                <a16:creationId xmlns="" xmlns:a16="http://schemas.microsoft.com/office/drawing/2014/main" id="{E59E5E55-ADA9-4327-85CF-331D2393859F}"/>
+                <a16:creationId xmlns:a16="http://schemas.microsoft.com/office/drawing/2014/main" xmlns="" id="{E59E5E55-ADA9-4327-85CF-331D2393859F}"/>
               </a:ext>
             </a:extLst>
           </p:cNvPr>
@@ -2548,7 +2424,7 @@
           <p:cNvPr id="4" name="Grafik 3">
             <a:extLst>
               <a:ext uri="{FF2B5EF4-FFF2-40B4-BE49-F238E27FC236}">
-                <a16:creationId xmlns="" xmlns:a16="http://schemas.microsoft.com/office/drawing/2014/main" id="{300411DF-B2A6-4A2A-8E76-2F8AA3F86A8B}"/>
+                <a16:creationId xmlns:a16="http://schemas.microsoft.com/office/drawing/2014/main" xmlns="" id="{300411DF-B2A6-4A2A-8E76-2F8AA3F86A8B}"/>
               </a:ext>
             </a:extLst>
           </p:cNvPr>
@@ -2561,7 +2437,7 @@
           <a:blip r:embed="rId2" cstate="print">
             <a:extLst>
               <a:ext uri="{28A0092B-C50C-407E-A947-70E740481C1C}">
-                <a14:useLocalDpi xmlns="" xmlns:a14="http://schemas.microsoft.com/office/drawing/2010/main" val="0"/>
+                <a14:useLocalDpi xmlns:a14="http://schemas.microsoft.com/office/drawing/2010/main" xmlns="" val="0"/>
               </a:ext>
             </a:extLst>
           </a:blip>
@@ -2582,7 +2458,7 @@
     </p:spTree>
     <p:extLst>
       <p:ext uri="{BB962C8B-B14F-4D97-AF65-F5344CB8AC3E}">
-        <p14:creationId xmlns="" xmlns:p14="http://schemas.microsoft.com/office/powerpoint/2010/main" val="2789252034"/>
+        <p14:creationId xmlns:p14="http://schemas.microsoft.com/office/powerpoint/2010/main" xmlns="" val="2789252034"/>
       </p:ext>
     </p:extLst>
   </p:cSld>
@@ -2614,7 +2490,7 @@
           <p:cNvPr id="2" name="Titel 1">
             <a:extLst>
               <a:ext uri="{FF2B5EF4-FFF2-40B4-BE49-F238E27FC236}">
-                <a16:creationId xmlns="" xmlns:a16="http://schemas.microsoft.com/office/drawing/2014/main" id="{B95BCD18-302D-4FB0-B92D-F59B773B6833}"/>
+                <a16:creationId xmlns:a16="http://schemas.microsoft.com/office/drawing/2014/main" xmlns="" id="{B95BCD18-302D-4FB0-B92D-F59B773B6833}"/>
               </a:ext>
             </a:extLst>
           </p:cNvPr>
@@ -2643,7 +2519,7 @@
           <p:cNvPr id="3" name="Inhaltsplatzhalter 2">
             <a:extLst>
               <a:ext uri="{FF2B5EF4-FFF2-40B4-BE49-F238E27FC236}">
-                <a16:creationId xmlns="" xmlns:a16="http://schemas.microsoft.com/office/drawing/2014/main" id="{E59E5E55-ADA9-4327-85CF-331D2393859F}"/>
+                <a16:creationId xmlns:a16="http://schemas.microsoft.com/office/drawing/2014/main" xmlns="" id="{E59E5E55-ADA9-4327-85CF-331D2393859F}"/>
               </a:ext>
             </a:extLst>
           </p:cNvPr>
@@ -2764,7 +2640,7 @@
           <p:cNvPr id="4" name="Grafik 3">
             <a:extLst>
               <a:ext uri="{FF2B5EF4-FFF2-40B4-BE49-F238E27FC236}">
-                <a16:creationId xmlns="" xmlns:a16="http://schemas.microsoft.com/office/drawing/2014/main" id="{300411DF-B2A6-4A2A-8E76-2F8AA3F86A8B}"/>
+                <a16:creationId xmlns:a16="http://schemas.microsoft.com/office/drawing/2014/main" xmlns="" id="{300411DF-B2A6-4A2A-8E76-2F8AA3F86A8B}"/>
               </a:ext>
             </a:extLst>
           </p:cNvPr>
@@ -2777,7 +2653,7 @@
           <a:blip r:embed="rId2" cstate="print">
             <a:extLst>
               <a:ext uri="{28A0092B-C50C-407E-A947-70E740481C1C}">
-                <a14:useLocalDpi xmlns="" xmlns:a14="http://schemas.microsoft.com/office/drawing/2010/main" val="0"/>
+                <a14:useLocalDpi xmlns:a14="http://schemas.microsoft.com/office/drawing/2010/main" xmlns="" val="0"/>
               </a:ext>
             </a:extLst>
           </a:blip>
@@ -2798,7 +2674,7 @@
     </p:spTree>
     <p:extLst>
       <p:ext uri="{BB962C8B-B14F-4D97-AF65-F5344CB8AC3E}">
-        <p14:creationId xmlns="" xmlns:p14="http://schemas.microsoft.com/office/powerpoint/2010/main" val="2600432059"/>
+        <p14:creationId xmlns:p14="http://schemas.microsoft.com/office/powerpoint/2010/main" xmlns="" val="2600432059"/>
       </p:ext>
     </p:extLst>
   </p:cSld>
@@ -2830,7 +2706,7 @@
           <p:cNvPr id="2" name="Titel 1">
             <a:extLst>
               <a:ext uri="{FF2B5EF4-FFF2-40B4-BE49-F238E27FC236}">
-                <a16:creationId xmlns="" xmlns:a16="http://schemas.microsoft.com/office/drawing/2014/main" id="{B95BCD18-302D-4FB0-B92D-F59B773B6833}"/>
+                <a16:creationId xmlns:a16="http://schemas.microsoft.com/office/drawing/2014/main" xmlns="" id="{B95BCD18-302D-4FB0-B92D-F59B773B6833}"/>
               </a:ext>
             </a:extLst>
           </p:cNvPr>
@@ -2867,7 +2743,7 @@
           <p:cNvPr id="4" name="Grafik 3">
             <a:extLst>
               <a:ext uri="{FF2B5EF4-FFF2-40B4-BE49-F238E27FC236}">
-                <a16:creationId xmlns="" xmlns:a16="http://schemas.microsoft.com/office/drawing/2014/main" id="{300411DF-B2A6-4A2A-8E76-2F8AA3F86A8B}"/>
+                <a16:creationId xmlns:a16="http://schemas.microsoft.com/office/drawing/2014/main" xmlns="" id="{300411DF-B2A6-4A2A-8E76-2F8AA3F86A8B}"/>
               </a:ext>
             </a:extLst>
           </p:cNvPr>
@@ -2880,7 +2756,7 @@
           <a:blip r:embed="rId2" cstate="print">
             <a:extLst>
               <a:ext uri="{28A0092B-C50C-407E-A947-70E740481C1C}">
-                <a14:useLocalDpi xmlns="" xmlns:a14="http://schemas.microsoft.com/office/drawing/2010/main" val="0"/>
+                <a14:useLocalDpi xmlns:a14="http://schemas.microsoft.com/office/drawing/2010/main" xmlns="" val="0"/>
               </a:ext>
             </a:extLst>
           </a:blip>
@@ -2948,7 +2824,7 @@
     </p:spTree>
     <p:extLst>
       <p:ext uri="{BB962C8B-B14F-4D97-AF65-F5344CB8AC3E}">
-        <p14:creationId xmlns="" xmlns:p14="http://schemas.microsoft.com/office/powerpoint/2010/main" val="2600432059"/>
+        <p14:creationId xmlns:p14="http://schemas.microsoft.com/office/powerpoint/2010/main" xmlns="" val="2600432059"/>
       </p:ext>
     </p:extLst>
   </p:cSld>
@@ -2980,7 +2856,7 @@
           <p:cNvPr id="2" name="Titel 1">
             <a:extLst>
               <a:ext uri="{FF2B5EF4-FFF2-40B4-BE49-F238E27FC236}">
-                <a16:creationId xmlns="" xmlns:a16="http://schemas.microsoft.com/office/drawing/2014/main" id="{B95BCD18-302D-4FB0-B92D-F59B773B6833}"/>
+                <a16:creationId xmlns:a16="http://schemas.microsoft.com/office/drawing/2014/main" xmlns="" id="{B95BCD18-302D-4FB0-B92D-F59B773B6833}"/>
               </a:ext>
             </a:extLst>
           </p:cNvPr>
@@ -3017,7 +2893,7 @@
           <p:cNvPr id="3" name="Inhaltsplatzhalter 2">
             <a:extLst>
               <a:ext uri="{FF2B5EF4-FFF2-40B4-BE49-F238E27FC236}">
-                <a16:creationId xmlns="" xmlns:a16="http://schemas.microsoft.com/office/drawing/2014/main" id="{E59E5E55-ADA9-4327-85CF-331D2393859F}"/>
+                <a16:creationId xmlns:a16="http://schemas.microsoft.com/office/drawing/2014/main" xmlns="" id="{E59E5E55-ADA9-4327-85CF-331D2393859F}"/>
               </a:ext>
             </a:extLst>
           </p:cNvPr>
@@ -3116,7 +2992,7 @@
           <p:cNvPr id="4" name="Grafik 3">
             <a:extLst>
               <a:ext uri="{FF2B5EF4-FFF2-40B4-BE49-F238E27FC236}">
-                <a16:creationId xmlns="" xmlns:a16="http://schemas.microsoft.com/office/drawing/2014/main" id="{300411DF-B2A6-4A2A-8E76-2F8AA3F86A8B}"/>
+                <a16:creationId xmlns:a16="http://schemas.microsoft.com/office/drawing/2014/main" xmlns="" id="{300411DF-B2A6-4A2A-8E76-2F8AA3F86A8B}"/>
               </a:ext>
             </a:extLst>
           </p:cNvPr>
@@ -3129,7 +3005,7 @@
           <a:blip r:embed="rId2" cstate="print">
             <a:extLst>
               <a:ext uri="{28A0092B-C50C-407E-A947-70E740481C1C}">
-                <a14:useLocalDpi xmlns="" xmlns:a14="http://schemas.microsoft.com/office/drawing/2010/main" val="0"/>
+                <a14:useLocalDpi xmlns:a14="http://schemas.microsoft.com/office/drawing/2010/main" xmlns="" val="0"/>
               </a:ext>
             </a:extLst>
           </a:blip>
@@ -3164,8 +3040,8 @@
         </p:blipFill>
         <p:spPr bwMode="auto">
           <a:xfrm>
-            <a:off x="5909094" y="1959904"/>
-            <a:ext cx="6066527" cy="3422979"/>
+            <a:off x="6185140" y="1959904"/>
+            <a:ext cx="5790481" cy="3267223"/>
           </a:xfrm>
           <a:prstGeom prst="rect">
             <a:avLst/>
@@ -3182,7 +3058,7 @@
     </p:spTree>
     <p:extLst>
       <p:ext uri="{BB962C8B-B14F-4D97-AF65-F5344CB8AC3E}">
-        <p14:creationId xmlns="" xmlns:p14="http://schemas.microsoft.com/office/powerpoint/2010/main" val="2798779998"/>
+        <p14:creationId xmlns:p14="http://schemas.microsoft.com/office/powerpoint/2010/main" xmlns="" val="2798779998"/>
       </p:ext>
     </p:extLst>
   </p:cSld>
@@ -3214,7 +3090,7 @@
           <p:cNvPr id="2" name="Titel 1">
             <a:extLst>
               <a:ext uri="{FF2B5EF4-FFF2-40B4-BE49-F238E27FC236}">
-                <a16:creationId xmlns="" xmlns:a16="http://schemas.microsoft.com/office/drawing/2014/main" id="{B95BCD18-302D-4FB0-B92D-F59B773B6833}"/>
+                <a16:creationId xmlns:a16="http://schemas.microsoft.com/office/drawing/2014/main" xmlns="" id="{B95BCD18-302D-4FB0-B92D-F59B773B6833}"/>
               </a:ext>
             </a:extLst>
           </p:cNvPr>
@@ -3232,154 +3108,7 @@
           <a:p>
             <a:r>
               <a:rPr lang="en-GB" dirty="0" smtClean="0"/>
-              <a:t>video!/question asking </a:t>
-            </a:r>
-            <a:r>
-              <a:rPr lang="en-GB" dirty="0" err="1" smtClean="0"/>
-              <a:t>agorithm</a:t>
-            </a:r>
-            <a:endParaRPr lang="x-none" dirty="0"/>
-          </a:p>
-        </p:txBody>
-      </p:sp>
-      <p:pic>
-        <p:nvPicPr>
-          <p:cNvPr id="4" name="Grafik 3">
-            <a:extLst>
-              <a:ext uri="{FF2B5EF4-FFF2-40B4-BE49-F238E27FC236}">
-                <a16:creationId xmlns="" xmlns:a16="http://schemas.microsoft.com/office/drawing/2014/main" id="{300411DF-B2A6-4A2A-8E76-2F8AA3F86A8B}"/>
-              </a:ext>
-            </a:extLst>
-          </p:cNvPr>
-          <p:cNvPicPr>
-            <a:picLocks noChangeAspect="1"/>
-          </p:cNvPicPr>
-          <p:nvPr/>
-        </p:nvPicPr>
-        <p:blipFill>
-          <a:blip r:embed="rId2" cstate="print">
-            <a:extLst>
-              <a:ext uri="{28A0092B-C50C-407E-A947-70E740481C1C}">
-                <a14:useLocalDpi xmlns="" xmlns:a14="http://schemas.microsoft.com/office/drawing/2010/main" val="0"/>
-              </a:ext>
-            </a:extLst>
-          </a:blip>
-          <a:stretch>
-            <a:fillRect/>
-          </a:stretch>
-        </p:blipFill>
-        <p:spPr>
-          <a:xfrm>
-            <a:off x="8937343" y="230188"/>
-            <a:ext cx="2338636" cy="644624"/>
-          </a:xfrm>
-          <a:prstGeom prst="rect">
-            <a:avLst/>
-          </a:prstGeom>
-        </p:spPr>
-      </p:pic>
-      <p:sp>
-        <p:nvSpPr>
-          <p:cNvPr id="5" name="Content Placeholder 4"/>
-          <p:cNvSpPr>
-            <a:spLocks noGrp="1"/>
-          </p:cNvSpPr>
-          <p:nvPr>
-            <p:ph idx="1"/>
-          </p:nvPr>
-        </p:nvSpPr>
-        <p:spPr/>
-        <p:txBody>
-          <a:bodyPr/>
-          <a:lstStyle/>
-          <a:p>
-            <a:r>
-              <a:rPr lang="en-GB" dirty="0" smtClean="0"/>
-              <a:t>Example</a:t>
-            </a:r>
-          </a:p>
-          <a:p>
-            <a:r>
-              <a:rPr lang="en-GB" dirty="0" smtClean="0"/>
-              <a:t>Data</a:t>
-            </a:r>
-          </a:p>
-          <a:p>
-            <a:r>
-              <a:rPr lang="en-GB" dirty="0" smtClean="0"/>
-              <a:t>Result</a:t>
-            </a:r>
-          </a:p>
-          <a:p>
-            <a:r>
-              <a:rPr lang="en-GB" dirty="0" smtClean="0"/>
-              <a:t>Result from internet data</a:t>
-            </a:r>
-            <a:endParaRPr lang="en-GB" dirty="0"/>
-          </a:p>
-        </p:txBody>
-      </p:sp>
-    </p:spTree>
-    <p:extLst>
-      <p:ext uri="{BB962C8B-B14F-4D97-AF65-F5344CB8AC3E}">
-        <p14:creationId xmlns="" xmlns:p14="http://schemas.microsoft.com/office/powerpoint/2010/main" val="2600432059"/>
-      </p:ext>
-    </p:extLst>
-  </p:cSld>
-  <p:clrMapOvr>
-    <a:masterClrMapping/>
-  </p:clrMapOvr>
-</p:sld>
-</file>
-
-<file path=ppt/slides/slide8.xml><?xml version="1.0" encoding="utf-8"?>
-<p:sld xmlns:a="http://schemas.openxmlformats.org/drawingml/2006/main" xmlns:r="http://schemas.openxmlformats.org/officeDocument/2006/relationships" xmlns:p="http://schemas.openxmlformats.org/presentationml/2006/main">
-  <p:cSld>
-    <p:spTree>
-      <p:nvGrpSpPr>
-        <p:cNvPr id="1" name=""/>
-        <p:cNvGrpSpPr/>
-        <p:nvPr/>
-      </p:nvGrpSpPr>
-      <p:grpSpPr>
-        <a:xfrm>
-          <a:off x="0" y="0"/>
-          <a:ext cx="0" cy="0"/>
-          <a:chOff x="0" y="0"/>
-          <a:chExt cx="0" cy="0"/>
-        </a:xfrm>
-      </p:grpSpPr>
-      <p:sp>
-        <p:nvSpPr>
-          <p:cNvPr id="2" name="Titel 1">
-            <a:extLst>
-              <a:ext uri="{FF2B5EF4-FFF2-40B4-BE49-F238E27FC236}">
-                <a16:creationId xmlns="" xmlns:a16="http://schemas.microsoft.com/office/drawing/2014/main" id="{B95BCD18-302D-4FB0-B92D-F59B773B6833}"/>
-              </a:ext>
-            </a:extLst>
-          </p:cNvPr>
-          <p:cNvSpPr>
-            <a:spLocks noGrp="1"/>
-          </p:cNvSpPr>
-          <p:nvPr>
-            <p:ph type="title"/>
-          </p:nvPr>
-        </p:nvSpPr>
-        <p:spPr/>
-        <p:txBody>
-          <a:bodyPr/>
-          <a:lstStyle/>
-          <a:p>
-            <a:r>
-              <a:rPr lang="en-GB" dirty="0"/>
-              <a:t>RESULTS</a:t>
-            </a:r>
-            <a:br>
-              <a:rPr lang="en-GB" dirty="0"/>
-            </a:br>
-            <a:r>
-              <a:rPr lang="en-GB" dirty="0"/>
-              <a:t>OUTCOME…</a:t>
+              <a:t>VIDEO…</a:t>
             </a:r>
             <a:endParaRPr lang="x-none" dirty="0"/>
           </a:p>
@@ -3390,7 +3119,7 @@
           <p:cNvPr id="3" name="Inhaltsplatzhalter 2">
             <a:extLst>
               <a:ext uri="{FF2B5EF4-FFF2-40B4-BE49-F238E27FC236}">
-                <a16:creationId xmlns="" xmlns:a16="http://schemas.microsoft.com/office/drawing/2014/main" id="{E59E5E55-ADA9-4327-85CF-331D2393859F}"/>
+                <a16:creationId xmlns:a16="http://schemas.microsoft.com/office/drawing/2014/main" xmlns="" id="{E59E5E55-ADA9-4327-85CF-331D2393859F}"/>
               </a:ext>
             </a:extLst>
           </p:cNvPr>
@@ -3411,83 +3140,6 @@
             <a:pPr marL="0" indent="0">
               <a:buNone/>
             </a:pPr>
-            <a:r>
-              <a:rPr lang="de-DE" b="1" dirty="0">
-                <a:solidFill>
-                  <a:srgbClr val="FFFFFF"/>
-                </a:solidFill>
-              </a:rPr>
-              <a:t>Description, </a:t>
-            </a:r>
-            <a:r>
-              <a:rPr lang="de-DE" b="1" dirty="0" err="1">
-                <a:solidFill>
-                  <a:srgbClr val="FFFFFF"/>
-                </a:solidFill>
-              </a:rPr>
-              <a:t>visual</a:t>
-            </a:r>
-            <a:r>
-              <a:rPr lang="de-DE" b="1" dirty="0">
-                <a:solidFill>
-                  <a:srgbClr val="FFFFFF"/>
-                </a:solidFill>
-              </a:rPr>
-              <a:t> </a:t>
-            </a:r>
-            <a:r>
-              <a:rPr lang="de-DE" b="1" dirty="0" err="1">
-                <a:solidFill>
-                  <a:srgbClr val="FFFFFF"/>
-                </a:solidFill>
-              </a:rPr>
-              <a:t>impressions</a:t>
-            </a:r>
-            <a:r>
-              <a:rPr lang="de-DE" b="1" dirty="0">
-                <a:solidFill>
-                  <a:srgbClr val="FFFFFF"/>
-                </a:solidFill>
-              </a:rPr>
-              <a:t> (</a:t>
-            </a:r>
-            <a:r>
-              <a:rPr lang="de-DE" b="1" dirty="0" err="1">
-                <a:solidFill>
-                  <a:srgbClr val="FFFFFF"/>
-                </a:solidFill>
-              </a:rPr>
-              <a:t>photos</a:t>
-            </a:r>
-            <a:r>
-              <a:rPr lang="de-DE" b="1" dirty="0">
-                <a:solidFill>
-                  <a:srgbClr val="FFFFFF"/>
-                </a:solidFill>
-              </a:rPr>
-              <a:t>, </a:t>
-            </a:r>
-            <a:r>
-              <a:rPr lang="de-DE" b="1" dirty="0" err="1">
-                <a:solidFill>
-                  <a:srgbClr val="FFFFFF"/>
-                </a:solidFill>
-              </a:rPr>
-              <a:t>videos</a:t>
-            </a:r>
-            <a:r>
-              <a:rPr lang="de-DE" b="1" dirty="0">
-                <a:solidFill>
-                  <a:srgbClr val="FFFFFF"/>
-                </a:solidFill>
-              </a:rPr>
-              <a:t>)</a:t>
-            </a:r>
-          </a:p>
-          <a:p>
-            <a:pPr marL="0" indent="0">
-              <a:buNone/>
-            </a:pPr>
             <a:endParaRPr lang="de-DE" b="1" dirty="0">
               <a:solidFill>
                 <a:srgbClr val="FFFFFF"/>
@@ -3501,7 +3153,7 @@
           <p:cNvPr id="4" name="Grafik 3">
             <a:extLst>
               <a:ext uri="{FF2B5EF4-FFF2-40B4-BE49-F238E27FC236}">
-                <a16:creationId xmlns="" xmlns:a16="http://schemas.microsoft.com/office/drawing/2014/main" id="{300411DF-B2A6-4A2A-8E76-2F8AA3F86A8B}"/>
+                <a16:creationId xmlns:a16="http://schemas.microsoft.com/office/drawing/2014/main" xmlns="" id="{300411DF-B2A6-4A2A-8E76-2F8AA3F86A8B}"/>
               </a:ext>
             </a:extLst>
           </p:cNvPr>
@@ -3514,7 +3166,7 @@
           <a:blip r:embed="rId2" cstate="print">
             <a:extLst>
               <a:ext uri="{28A0092B-C50C-407E-A947-70E740481C1C}">
-                <a14:useLocalDpi xmlns="" xmlns:a14="http://schemas.microsoft.com/office/drawing/2010/main" val="0"/>
+                <a14:useLocalDpi xmlns:a14="http://schemas.microsoft.com/office/drawing/2010/main" xmlns="" val="0"/>
               </a:ext>
             </a:extLst>
           </a:blip>
@@ -3609,7 +3261,7 @@
         </p:blipFill>
         <p:spPr bwMode="auto">
           <a:xfrm>
-            <a:off x="8050601" y="1604513"/>
+            <a:off x="8188623" y="1595887"/>
             <a:ext cx="3509872" cy="4813539"/>
           </a:xfrm>
           <a:prstGeom prst="rect">
@@ -3627,7 +3279,368 @@
     </p:spTree>
     <p:extLst>
       <p:ext uri="{BB962C8B-B14F-4D97-AF65-F5344CB8AC3E}">
-        <p14:creationId xmlns="" xmlns:p14="http://schemas.microsoft.com/office/powerpoint/2010/main" val="3829638140"/>
+        <p14:creationId xmlns:p14="http://schemas.microsoft.com/office/powerpoint/2010/main" xmlns="" val="3829638140"/>
+      </p:ext>
+    </p:extLst>
+  </p:cSld>
+  <p:clrMapOvr>
+    <a:masterClrMapping/>
+  </p:clrMapOvr>
+</p:sld>
+</file>
+
+<file path=ppt/slides/slide8.xml><?xml version="1.0" encoding="utf-8"?>
+<p:sld xmlns:a="http://schemas.openxmlformats.org/drawingml/2006/main" xmlns:r="http://schemas.openxmlformats.org/officeDocument/2006/relationships" xmlns:p="http://schemas.openxmlformats.org/presentationml/2006/main">
+  <p:cSld>
+    <p:spTree>
+      <p:nvGrpSpPr>
+        <p:cNvPr id="1" name=""/>
+        <p:cNvGrpSpPr/>
+        <p:nvPr/>
+      </p:nvGrpSpPr>
+      <p:grpSpPr>
+        <a:xfrm>
+          <a:off x="0" y="0"/>
+          <a:ext cx="0" cy="0"/>
+          <a:chOff x="0" y="0"/>
+          <a:chExt cx="0" cy="0"/>
+        </a:xfrm>
+      </p:grpSpPr>
+      <p:sp>
+        <p:nvSpPr>
+          <p:cNvPr id="2" name="Titel 1">
+            <a:extLst>
+              <a:ext uri="{FF2B5EF4-FFF2-40B4-BE49-F238E27FC236}">
+                <a16:creationId xmlns:a16="http://schemas.microsoft.com/office/drawing/2014/main" xmlns="" id="{B95BCD18-302D-4FB0-B92D-F59B773B6833}"/>
+              </a:ext>
+            </a:extLst>
+          </p:cNvPr>
+          <p:cNvSpPr>
+            <a:spLocks noGrp="1"/>
+          </p:cNvSpPr>
+          <p:nvPr>
+            <p:ph type="title"/>
+          </p:nvPr>
+        </p:nvSpPr>
+        <p:spPr/>
+        <p:txBody>
+          <a:bodyPr/>
+          <a:lstStyle/>
+          <a:p>
+            <a:r>
+              <a:rPr lang="en-GB" dirty="0"/>
+              <a:t>REFLECTION…</a:t>
+            </a:r>
+            <a:endParaRPr lang="x-none" dirty="0"/>
+          </a:p>
+        </p:txBody>
+      </p:sp>
+      <p:sp>
+        <p:nvSpPr>
+          <p:cNvPr id="3" name="Inhaltsplatzhalter 2">
+            <a:extLst>
+              <a:ext uri="{FF2B5EF4-FFF2-40B4-BE49-F238E27FC236}">
+                <a16:creationId xmlns:a16="http://schemas.microsoft.com/office/drawing/2014/main" xmlns="" id="{E59E5E55-ADA9-4327-85CF-331D2393859F}"/>
+              </a:ext>
+            </a:extLst>
+          </p:cNvPr>
+          <p:cNvSpPr>
+            <a:spLocks noGrp="1"/>
+          </p:cNvSpPr>
+          <p:nvPr>
+            <p:ph idx="1"/>
+          </p:nvPr>
+        </p:nvSpPr>
+        <p:spPr>
+          <a:xfrm>
+            <a:off x="838200" y="1825625"/>
+            <a:ext cx="10515600" cy="4730450"/>
+          </a:xfrm>
+        </p:spPr>
+        <p:txBody>
+          <a:bodyPr>
+            <a:normAutofit fontScale="77500" lnSpcReduction="20000"/>
+          </a:bodyPr>
+          <a:lstStyle/>
+          <a:p>
+            <a:pPr marL="0" indent="0">
+              <a:buNone/>
+            </a:pPr>
+            <a:r>
+              <a:rPr lang="de-DE" b="1" dirty="0" smtClean="0">
+                <a:solidFill>
+                  <a:srgbClr val="FFFFFF"/>
+                </a:solidFill>
+              </a:rPr>
+              <a:t>Challenges:</a:t>
+            </a:r>
+          </a:p>
+          <a:p>
+            <a:pPr marL="0" indent="0">
+              <a:buNone/>
+            </a:pPr>
+            <a:r>
+              <a:rPr lang="de-DE" b="1" dirty="0" smtClean="0">
+                <a:solidFill>
+                  <a:srgbClr val="FFFFFF"/>
+                </a:solidFill>
+              </a:rPr>
+              <a:t>-SSVEP Yes/No classification difficulties</a:t>
+            </a:r>
+          </a:p>
+          <a:p>
+            <a:pPr marL="0" indent="0">
+              <a:buFontTx/>
+              <a:buChar char="-"/>
+            </a:pPr>
+            <a:r>
+              <a:rPr lang="de-DE" b="1" dirty="0" smtClean="0">
+                <a:solidFill>
+                  <a:srgbClr val="FFFFFF"/>
+                </a:solidFill>
+              </a:rPr>
+              <a:t> Keyboard/Mouse Faster - </a:t>
+            </a:r>
+            <a:r>
+              <a:rPr lang="de-DE" b="1" dirty="0" smtClean="0">
+                <a:solidFill>
+                  <a:srgbClr val="FFFFFF"/>
+                </a:solidFill>
+              </a:rPr>
+              <a:t>Limits User </a:t>
+            </a:r>
+            <a:r>
+              <a:rPr lang="de-DE" b="1" dirty="0" smtClean="0">
+                <a:solidFill>
+                  <a:srgbClr val="FFFFFF"/>
+                </a:solidFill>
+              </a:rPr>
+              <a:t>Base</a:t>
+            </a:r>
+          </a:p>
+          <a:p>
+            <a:pPr marL="0" indent="0">
+              <a:buNone/>
+            </a:pPr>
+            <a:endParaRPr lang="de-DE" b="1" dirty="0" smtClean="0">
+              <a:solidFill>
+                <a:srgbClr val="FFFFFF"/>
+              </a:solidFill>
+            </a:endParaRPr>
+          </a:p>
+          <a:p>
+            <a:pPr marL="0" indent="0">
+              <a:buNone/>
+            </a:pPr>
+            <a:r>
+              <a:rPr lang="de-DE" b="1" dirty="0" smtClean="0">
+                <a:solidFill>
+                  <a:srgbClr val="FFFFFF"/>
+                </a:solidFill>
+              </a:rPr>
+              <a:t>Strengths:</a:t>
+            </a:r>
+          </a:p>
+          <a:p>
+            <a:pPr marL="0" indent="0">
+              <a:buNone/>
+            </a:pPr>
+            <a:r>
+              <a:rPr lang="de-DE" b="1" dirty="0" smtClean="0">
+                <a:solidFill>
+                  <a:srgbClr val="FFFFFF"/>
+                </a:solidFill>
+              </a:rPr>
+              <a:t>- Makes navigating/exploring </a:t>
+            </a:r>
+            <a:r>
+              <a:rPr lang="de-DE" b="1" dirty="0" smtClean="0">
+                <a:solidFill>
+                  <a:srgbClr val="FFFFFF"/>
+                </a:solidFill>
+              </a:rPr>
+              <a:t>UIs simpler </a:t>
+            </a:r>
+            <a:r>
+              <a:rPr lang="de-DE" b="1" dirty="0" smtClean="0">
+                <a:solidFill>
+                  <a:srgbClr val="FFFFFF"/>
+                </a:solidFill>
+              </a:rPr>
+              <a:t>from an input perspective</a:t>
+            </a:r>
+          </a:p>
+          <a:p>
+            <a:pPr marL="0" indent="0">
+              <a:buFontTx/>
+              <a:buChar char="-"/>
+            </a:pPr>
+            <a:r>
+              <a:rPr lang="de-DE" b="1" dirty="0" smtClean="0">
+                <a:solidFill>
+                  <a:srgbClr val="FFFFFF"/>
+                </a:solidFill>
+              </a:rPr>
+              <a:t>Optimal exploration</a:t>
+            </a:r>
+          </a:p>
+          <a:p>
+            <a:pPr marL="0" indent="0">
+              <a:buNone/>
+            </a:pPr>
+            <a:r>
+              <a:rPr lang="de-DE" b="1" dirty="0" smtClean="0">
+                <a:solidFill>
+                  <a:srgbClr val="FFFFFF"/>
+                </a:solidFill>
+              </a:rPr>
+              <a:t>- Gameification - Increases data availability</a:t>
+            </a:r>
+          </a:p>
+          <a:p>
+            <a:pPr marL="0" indent="0">
+              <a:buNone/>
+            </a:pPr>
+            <a:endParaRPr lang="de-DE" b="1" dirty="0" smtClean="0">
+              <a:solidFill>
+                <a:srgbClr val="FFFFFF"/>
+              </a:solidFill>
+            </a:endParaRPr>
+          </a:p>
+          <a:p>
+            <a:pPr marL="0" indent="0">
+              <a:buNone/>
+            </a:pPr>
+            <a:r>
+              <a:rPr lang="de-DE" b="1" dirty="0" smtClean="0">
+                <a:solidFill>
+                  <a:srgbClr val="FFFFFF"/>
+                </a:solidFill>
+              </a:rPr>
+              <a:t>Future Developments:</a:t>
+            </a:r>
+            <a:r>
+              <a:rPr lang="de-DE" b="1" dirty="0" smtClean="0">
+                <a:solidFill>
+                  <a:srgbClr val="FFFFFF"/>
+                </a:solidFill>
+              </a:rPr>
+              <a:t> </a:t>
+            </a:r>
+          </a:p>
+          <a:p>
+            <a:pPr marL="0" indent="0">
+              <a:buFontTx/>
+              <a:buChar char="-"/>
+            </a:pPr>
+            <a:r>
+              <a:rPr lang="de-DE" b="1" dirty="0" smtClean="0">
+                <a:solidFill>
+                  <a:srgbClr val="FFFFFF"/>
+                </a:solidFill>
+              </a:rPr>
+              <a:t> Learn And Cluster Questions That Produce Strong/Unusual EEG Responses</a:t>
+            </a:r>
+          </a:p>
+          <a:p>
+            <a:pPr marL="0" indent="0">
+              <a:buFontTx/>
+              <a:buChar char="-"/>
+            </a:pPr>
+            <a:r>
+              <a:rPr lang="de-DE" b="1" dirty="0" smtClean="0">
+                <a:solidFill>
+                  <a:srgbClr val="FFFFFF"/>
+                </a:solidFill>
+              </a:rPr>
+              <a:t> Make it possible to add new data by answering questions</a:t>
+            </a:r>
+            <a:endParaRPr lang="de-DE" b="1" dirty="0" smtClean="0">
+              <a:solidFill>
+                <a:srgbClr val="FFFFFF"/>
+              </a:solidFill>
+            </a:endParaRPr>
+          </a:p>
+          <a:p>
+            <a:pPr marL="0" indent="0">
+              <a:buFontTx/>
+              <a:buChar char="-"/>
+            </a:pPr>
+            <a:r>
+              <a:rPr lang="de-DE" b="1" dirty="0" smtClean="0">
+                <a:solidFill>
+                  <a:srgbClr val="FFFFFF"/>
+                </a:solidFill>
+              </a:rPr>
+              <a:t> </a:t>
+            </a:r>
+            <a:r>
+              <a:rPr lang="de-DE" b="1" dirty="0" smtClean="0">
+                <a:solidFill>
+                  <a:srgbClr val="FFFFFF"/>
+                </a:solidFill>
+              </a:rPr>
+              <a:t>Adapt Model for Making Recommendations</a:t>
+            </a:r>
+            <a:endParaRPr lang="de-DE" b="1" dirty="0" smtClean="0">
+              <a:solidFill>
+                <a:srgbClr val="FFFFFF"/>
+              </a:solidFill>
+            </a:endParaRPr>
+          </a:p>
+          <a:p>
+            <a:pPr marL="0" indent="0">
+              <a:buFontTx/>
+              <a:buChar char="-"/>
+            </a:pPr>
+            <a:endParaRPr lang="de-DE" b="1" dirty="0" smtClean="0">
+              <a:solidFill>
+                <a:srgbClr val="FFFFFF"/>
+              </a:solidFill>
+            </a:endParaRPr>
+          </a:p>
+        </p:txBody>
+      </p:sp>
+      <p:pic>
+        <p:nvPicPr>
+          <p:cNvPr id="4" name="Grafik 3">
+            <a:extLst>
+              <a:ext uri="{FF2B5EF4-FFF2-40B4-BE49-F238E27FC236}">
+                <a16:creationId xmlns:a16="http://schemas.microsoft.com/office/drawing/2014/main" xmlns="" id="{300411DF-B2A6-4A2A-8E76-2F8AA3F86A8B}"/>
+              </a:ext>
+            </a:extLst>
+          </p:cNvPr>
+          <p:cNvPicPr>
+            <a:picLocks noChangeAspect="1"/>
+          </p:cNvPicPr>
+          <p:nvPr/>
+        </p:nvPicPr>
+        <p:blipFill>
+          <a:blip r:embed="rId2" cstate="print">
+            <a:extLst>
+              <a:ext uri="{28A0092B-C50C-407E-A947-70E740481C1C}">
+                <a14:useLocalDpi xmlns:a14="http://schemas.microsoft.com/office/drawing/2010/main" xmlns="" val="0"/>
+              </a:ext>
+            </a:extLst>
+          </a:blip>
+          <a:stretch>
+            <a:fillRect/>
+          </a:stretch>
+        </p:blipFill>
+        <p:spPr>
+          <a:xfrm>
+            <a:off x="8937343" y="230188"/>
+            <a:ext cx="2338636" cy="644624"/>
+          </a:xfrm>
+          <a:prstGeom prst="rect">
+            <a:avLst/>
+          </a:prstGeom>
+        </p:spPr>
+      </p:pic>
+    </p:spTree>
+    <p:extLst>
+      <p:ext uri="{BB962C8B-B14F-4D97-AF65-F5344CB8AC3E}">
+        <p14:creationId xmlns:p14="http://schemas.microsoft.com/office/powerpoint/2010/main" xmlns="" val="640049257"/>
       </p:ext>
     </p:extLst>
   </p:cSld>
@@ -3659,7 +3672,7 @@
           <p:cNvPr id="2" name="Titel 1">
             <a:extLst>
               <a:ext uri="{FF2B5EF4-FFF2-40B4-BE49-F238E27FC236}">
-                <a16:creationId xmlns="" xmlns:a16="http://schemas.microsoft.com/office/drawing/2014/main" id="{B95BCD18-302D-4FB0-B92D-F59B773B6833}"/>
+                <a16:creationId xmlns:a16="http://schemas.microsoft.com/office/drawing/2014/main" xmlns="" id="{B95BCD18-302D-4FB0-B92D-F59B773B6833}"/>
               </a:ext>
             </a:extLst>
           </p:cNvPr>
@@ -3677,7 +3690,14 @@
           <a:p>
             <a:r>
               <a:rPr lang="en-GB" dirty="0"/>
-              <a:t>REFLECTION…</a:t>
+              <a:t>GROUP PICTURE</a:t>
+            </a:r>
+            <a:br>
+              <a:rPr lang="en-GB" dirty="0"/>
+            </a:br>
+            <a:r>
+              <a:rPr lang="en-GB" dirty="0"/>
+              <a:t>PICS OF YOU WORKING…</a:t>
             </a:r>
             <a:endParaRPr lang="x-none" dirty="0"/>
           </a:p>
@@ -3688,7 +3708,7 @@
           <p:cNvPr id="3" name="Inhaltsplatzhalter 2">
             <a:extLst>
               <a:ext uri="{FF2B5EF4-FFF2-40B4-BE49-F238E27FC236}">
-                <a16:creationId xmlns="" xmlns:a16="http://schemas.microsoft.com/office/drawing/2014/main" id="{E59E5E55-ADA9-4327-85CF-331D2393859F}"/>
+                <a16:creationId xmlns:a16="http://schemas.microsoft.com/office/drawing/2014/main" xmlns="" id="{E59E5E55-ADA9-4327-85CF-331D2393859F}"/>
               </a:ext>
             </a:extLst>
           </p:cNvPr>
@@ -3702,139 +3722,14 @@
         <p:spPr/>
         <p:txBody>
           <a:bodyPr>
-            <a:normAutofit lnSpcReduction="10000"/>
+            <a:normAutofit/>
           </a:bodyPr>
           <a:lstStyle/>
           <a:p>
             <a:pPr marL="0" indent="0">
               <a:buNone/>
             </a:pPr>
-            <a:r>
-              <a:rPr lang="de-DE" b="1" dirty="0" smtClean="0">
-                <a:solidFill>
-                  <a:srgbClr val="FFFFFF"/>
-                </a:solidFill>
-              </a:rPr>
-              <a:t>Challenges:</a:t>
-            </a:r>
-          </a:p>
-          <a:p>
-            <a:pPr marL="0" indent="0">
-              <a:buNone/>
-            </a:pPr>
-            <a:r>
-              <a:rPr lang="de-DE" b="1" smtClean="0">
-                <a:solidFill>
-                  <a:srgbClr val="FFFFFF"/>
-                </a:solidFill>
-              </a:rPr>
-              <a:t>-SSVEP Yes/No classification difficulties</a:t>
-            </a:r>
-            <a:endParaRPr lang="de-DE" b="1" dirty="0" smtClean="0">
-              <a:solidFill>
-                <a:srgbClr val="FFFFFF"/>
-              </a:solidFill>
-            </a:endParaRPr>
-          </a:p>
-          <a:p>
-            <a:pPr marL="0" indent="0">
-              <a:buFontTx/>
-              <a:buChar char="-"/>
-            </a:pPr>
-            <a:r>
-              <a:rPr lang="de-DE" b="1" dirty="0" smtClean="0">
-                <a:solidFill>
-                  <a:srgbClr val="FFFFFF"/>
-                </a:solidFill>
-              </a:rPr>
-              <a:t> Other Input Modes Faster - Limits User Base</a:t>
-            </a:r>
-          </a:p>
-          <a:p>
-            <a:pPr marL="0" indent="0">
-              <a:buNone/>
-            </a:pPr>
-            <a:r>
-              <a:rPr lang="de-DE" b="1" dirty="0" smtClean="0">
-                <a:solidFill>
-                  <a:srgbClr val="FFFFFF"/>
-                </a:solidFill>
-              </a:rPr>
-              <a:t>Strengths:</a:t>
-            </a:r>
-          </a:p>
-          <a:p>
-            <a:pPr marL="0" indent="0">
-              <a:buNone/>
-            </a:pPr>
-            <a:r>
-              <a:rPr lang="de-DE" b="1" dirty="0" smtClean="0">
-                <a:solidFill>
-                  <a:srgbClr val="FFFFFF"/>
-                </a:solidFill>
-              </a:rPr>
-              <a:t>- Makes navigating/exploring simpler from an input perspective</a:t>
-            </a:r>
-          </a:p>
-          <a:p>
-            <a:pPr marL="0" indent="0">
-              <a:buNone/>
-            </a:pPr>
-            <a:r>
-              <a:rPr lang="de-DE" b="1" dirty="0" smtClean="0">
-                <a:solidFill>
-                  <a:srgbClr val="FFFFFF"/>
-                </a:solidFill>
-              </a:rPr>
-              <a:t>- </a:t>
-            </a:r>
-          </a:p>
-          <a:p>
-            <a:pPr marL="0" indent="0">
-              <a:buNone/>
-            </a:pPr>
-            <a:r>
-              <a:rPr lang="de-DE" b="1" dirty="0" smtClean="0">
-                <a:solidFill>
-                  <a:srgbClr val="FFFFFF"/>
-                </a:solidFill>
-              </a:rPr>
-              <a:t>Future Development:</a:t>
-            </a:r>
-          </a:p>
-          <a:p>
-            <a:pPr marL="0" indent="0">
-              <a:buNone/>
-            </a:pPr>
-            <a:r>
-              <a:rPr lang="de-DE" b="1" dirty="0" smtClean="0">
-                <a:solidFill>
-                  <a:srgbClr val="FFFFFF"/>
-                </a:solidFill>
-              </a:rPr>
-              <a:t>- Learn User EEG response/cluster questions to discover useful ones</a:t>
-            </a:r>
-          </a:p>
-          <a:p>
-            <a:pPr marL="0" indent="0">
-              <a:buFontTx/>
-              <a:buChar char="-"/>
-            </a:pPr>
-            <a:r>
-              <a:rPr lang="de-DE" b="1" dirty="0" smtClean="0">
-                <a:solidFill>
-                  <a:srgbClr val="FFFFFF"/>
-                </a:solidFill>
-              </a:rPr>
-              <a:t> Dev</a:t>
-            </a:r>
-          </a:p>
-          <a:p>
-            <a:pPr marL="0" indent="0">
-              <a:buFontTx/>
-              <a:buChar char="-"/>
-            </a:pPr>
-            <a:endParaRPr lang="de-DE" b="1" dirty="0" smtClean="0">
+            <a:endParaRPr lang="de-DE" b="1" dirty="0">
               <a:solidFill>
                 <a:srgbClr val="FFFFFF"/>
               </a:solidFill>
@@ -3847,7 +3742,7 @@
           <p:cNvPr id="4" name="Grafik 3">
             <a:extLst>
               <a:ext uri="{FF2B5EF4-FFF2-40B4-BE49-F238E27FC236}">
-                <a16:creationId xmlns="" xmlns:a16="http://schemas.microsoft.com/office/drawing/2014/main" id="{300411DF-B2A6-4A2A-8E76-2F8AA3F86A8B}"/>
+                <a16:creationId xmlns:a16="http://schemas.microsoft.com/office/drawing/2014/main" xmlns="" id="{300411DF-B2A6-4A2A-8E76-2F8AA3F86A8B}"/>
               </a:ext>
             </a:extLst>
           </p:cNvPr>
@@ -3860,7 +3755,7 @@
           <a:blip r:embed="rId2" cstate="print">
             <a:extLst>
               <a:ext uri="{28A0092B-C50C-407E-A947-70E740481C1C}">
-                <a14:useLocalDpi xmlns="" xmlns:a14="http://schemas.microsoft.com/office/drawing/2010/main" val="0"/>
+                <a14:useLocalDpi xmlns:a14="http://schemas.microsoft.com/office/drawing/2010/main" xmlns="" val="0"/>
               </a:ext>
             </a:extLst>
           </a:blip>
@@ -3881,7 +3776,7 @@
     </p:spTree>
     <p:extLst>
       <p:ext uri="{BB962C8B-B14F-4D97-AF65-F5344CB8AC3E}">
-        <p14:creationId xmlns="" xmlns:p14="http://schemas.microsoft.com/office/powerpoint/2010/main" val="640049257"/>
+        <p14:creationId xmlns:p14="http://schemas.microsoft.com/office/powerpoint/2010/main" xmlns="" val="606855018"/>
       </p:ext>
     </p:extLst>
   </p:cSld>
@@ -4180,7 +4075,7 @@
   <a:extraClrSchemeLst/>
   <a:extLst>
     <a:ext uri="{05A4C25C-085E-4340-85A3-A5531E510DB2}">
-      <thm15:themeFamily xmlns="" xmlns:thm15="http://schemas.microsoft.com/office/thememl/2012/main" name="Office Theme" id="{62F939B6-93AF-4DB8-9C6B-D6C7DFDC589F}" vid="{4A3C46E8-61CC-4603-A589-7422A47A8E4A}"/>
+      <thm15:themeFamily xmlns:thm15="http://schemas.microsoft.com/office/thememl/2012/main" xmlns="" name="Office Theme" id="{62F939B6-93AF-4DB8-9C6B-D6C7DFDC589F}" vid="{4A3C46E8-61CC-4603-A589-7422A47A8E4A}"/>
     </a:ext>
   </a:extLst>
 </a:theme>
@@ -4441,7 +4336,7 @@
   <a:extraClrSchemeLst/>
   <a:extLst>
     <a:ext uri="{05A4C25C-085E-4340-85A3-A5531E510DB2}">
-      <thm15:themeFamily xmlns="" xmlns:thm15="http://schemas.microsoft.com/office/thememl/2012/main" name="Office Theme" id="{62F939B6-93AF-4DB8-9C6B-D6C7DFDC589F}" vid="{4A3C46E8-61CC-4603-A589-7422A47A8E4A}"/>
+      <thm15:themeFamily xmlns:thm15="http://schemas.microsoft.com/office/thememl/2012/main" xmlns="" name="Office Theme" id="{62F939B6-93AF-4DB8-9C6B-D6C7DFDC589F}" vid="{4A3C46E8-61CC-4603-A589-7422A47A8E4A}"/>
     </a:ext>
   </a:extLst>
 </a:theme>

--- a/presentation/unibrowser-presentation.pptx
+++ b/presentation/unibrowser-presentation.pptx
@@ -118,7 +118,7 @@
   </p:defaultTextStyle>
   <p:extLst>
     <p:ext uri="{EFAFB233-063F-42B5-8137-9DF3F51BA10A}">
-      <p15:sldGuideLst xmlns:p15="http://schemas.microsoft.com/office/powerpoint/2012/main" xmlns=""/>
+      <p15:sldGuideLst xmlns="" xmlns:p15="http://schemas.microsoft.com/office/powerpoint/2012/main"/>
     </p:ext>
   </p:extLst>
 </p:presentation>
@@ -375,7 +375,7 @@
     </p:spTree>
     <p:extLst>
       <p:ext uri="{BB962C8B-B14F-4D97-AF65-F5344CB8AC3E}">
-        <p14:creationId xmlns:p14="http://schemas.microsoft.com/office/powerpoint/2010/main" xmlns="" val="709189723"/>
+        <p14:creationId xmlns="" xmlns:p14="http://schemas.microsoft.com/office/powerpoint/2010/main" val="709189723"/>
       </p:ext>
     </p:extLst>
   </p:cSld>
@@ -505,7 +505,7 @@
           <p:cNvPr id="2" name="Titel 1">
             <a:extLst>
               <a:ext uri="{FF2B5EF4-FFF2-40B4-BE49-F238E27FC236}">
-                <a16:creationId xmlns:a16="http://schemas.microsoft.com/office/drawing/2014/main" xmlns="" id="{C809B7F9-4F10-4592-8C6D-559EC9AFB7F3}"/>
+                <a16:creationId xmlns="" xmlns:a16="http://schemas.microsoft.com/office/drawing/2014/main" id="{C809B7F9-4F10-4592-8C6D-559EC9AFB7F3}"/>
               </a:ext>
             </a:extLst>
           </p:cNvPr>
@@ -543,7 +543,7 @@
           <p:cNvPr id="3" name="Untertitel 2">
             <a:extLst>
               <a:ext uri="{FF2B5EF4-FFF2-40B4-BE49-F238E27FC236}">
-                <a16:creationId xmlns:a16="http://schemas.microsoft.com/office/drawing/2014/main" xmlns="" id="{4BE7CFED-2918-4411-876A-1A61023A72BD}"/>
+                <a16:creationId xmlns="" xmlns:a16="http://schemas.microsoft.com/office/drawing/2014/main" id="{4BE7CFED-2918-4411-876A-1A61023A72BD}"/>
               </a:ext>
             </a:extLst>
           </p:cNvPr>
@@ -612,7 +612,7 @@
     </p:spTree>
     <p:extLst>
       <p:ext uri="{BB962C8B-B14F-4D97-AF65-F5344CB8AC3E}">
-        <p14:creationId xmlns:p14="http://schemas.microsoft.com/office/powerpoint/2010/main" xmlns="" val="3627766916"/>
+        <p14:creationId xmlns="" xmlns:p14="http://schemas.microsoft.com/office/powerpoint/2010/main" val="3627766916"/>
       </p:ext>
     </p:extLst>
   </p:cSld>
@@ -652,7 +652,7 @@
           <p:cNvPr id="2" name="Titel 1">
             <a:extLst>
               <a:ext uri="{FF2B5EF4-FFF2-40B4-BE49-F238E27FC236}">
-                <a16:creationId xmlns:a16="http://schemas.microsoft.com/office/drawing/2014/main" xmlns="" id="{310E1DF0-5330-4BFD-88E2-0B38EC1E4E57}"/>
+                <a16:creationId xmlns="" xmlns:a16="http://schemas.microsoft.com/office/drawing/2014/main" id="{310E1DF0-5330-4BFD-88E2-0B38EC1E4E57}"/>
               </a:ext>
             </a:extLst>
           </p:cNvPr>
@@ -681,7 +681,7 @@
           <p:cNvPr id="3" name="Inhaltsplatzhalter 2">
             <a:extLst>
               <a:ext uri="{FF2B5EF4-FFF2-40B4-BE49-F238E27FC236}">
-                <a16:creationId xmlns:a16="http://schemas.microsoft.com/office/drawing/2014/main" xmlns="" id="{8CBBD72A-6111-4CF1-BA2C-E718A94ECCDC}"/>
+                <a16:creationId xmlns="" xmlns:a16="http://schemas.microsoft.com/office/drawing/2014/main" id="{8CBBD72A-6111-4CF1-BA2C-E718A94ECCDC}"/>
               </a:ext>
             </a:extLst>
           </p:cNvPr>
@@ -737,7 +737,7 @@
     </p:spTree>
     <p:extLst>
       <p:ext uri="{BB962C8B-B14F-4D97-AF65-F5344CB8AC3E}">
-        <p14:creationId xmlns:p14="http://schemas.microsoft.com/office/powerpoint/2010/main" xmlns="" val="2109447741"/>
+        <p14:creationId xmlns="" xmlns:p14="http://schemas.microsoft.com/office/powerpoint/2010/main" val="2109447741"/>
       </p:ext>
     </p:extLst>
   </p:cSld>
@@ -777,7 +777,7 @@
           <p:cNvPr id="2" name="Titel 1">
             <a:extLst>
               <a:ext uri="{FF2B5EF4-FFF2-40B4-BE49-F238E27FC236}">
-                <a16:creationId xmlns:a16="http://schemas.microsoft.com/office/drawing/2014/main" xmlns="" id="{63E4985F-13D5-49BC-889F-73761FE13198}"/>
+                <a16:creationId xmlns="" xmlns:a16="http://schemas.microsoft.com/office/drawing/2014/main" id="{63E4985F-13D5-49BC-889F-73761FE13198}"/>
               </a:ext>
             </a:extLst>
           </p:cNvPr>
@@ -815,7 +815,7 @@
           <p:cNvPr id="3" name="Textplatzhalter 2">
             <a:extLst>
               <a:ext uri="{FF2B5EF4-FFF2-40B4-BE49-F238E27FC236}">
-                <a16:creationId xmlns:a16="http://schemas.microsoft.com/office/drawing/2014/main" xmlns="" id="{A0D6C83C-56BF-474C-8657-0BA3611D613C}"/>
+                <a16:creationId xmlns="" xmlns:a16="http://schemas.microsoft.com/office/drawing/2014/main" id="{A0D6C83C-56BF-474C-8657-0BA3611D613C}"/>
               </a:ext>
             </a:extLst>
           </p:cNvPr>
@@ -940,7 +940,7 @@
           <p:cNvPr id="4" name="Datumsplatzhalter 3">
             <a:extLst>
               <a:ext uri="{FF2B5EF4-FFF2-40B4-BE49-F238E27FC236}">
-                <a16:creationId xmlns:a16="http://schemas.microsoft.com/office/drawing/2014/main" xmlns="" id="{F16B5144-C347-497E-A9FE-8BBE7CE87B6A}"/>
+                <a16:creationId xmlns="" xmlns:a16="http://schemas.microsoft.com/office/drawing/2014/main" id="{F16B5144-C347-497E-A9FE-8BBE7CE87B6A}"/>
               </a:ext>
             </a:extLst>
           </p:cNvPr>
@@ -978,7 +978,7 @@
           <p:cNvPr id="5" name="Fußzeilenplatzhalter 4">
             <a:extLst>
               <a:ext uri="{FF2B5EF4-FFF2-40B4-BE49-F238E27FC236}">
-                <a16:creationId xmlns:a16="http://schemas.microsoft.com/office/drawing/2014/main" xmlns="" id="{0F507366-DE50-49F6-9EBE-7146FEE5D241}"/>
+                <a16:creationId xmlns="" xmlns:a16="http://schemas.microsoft.com/office/drawing/2014/main" id="{0F507366-DE50-49F6-9EBE-7146FEE5D241}"/>
               </a:ext>
             </a:extLst>
           </p:cNvPr>
@@ -1011,7 +1011,7 @@
           <p:cNvPr id="6" name="Foliennummernplatzhalter 5">
             <a:extLst>
               <a:ext uri="{FF2B5EF4-FFF2-40B4-BE49-F238E27FC236}">
-                <a16:creationId xmlns:a16="http://schemas.microsoft.com/office/drawing/2014/main" xmlns="" id="{D36ABCD9-777D-4B92-8F30-3FF548A238FC}"/>
+                <a16:creationId xmlns="" xmlns:a16="http://schemas.microsoft.com/office/drawing/2014/main" id="{D36ABCD9-777D-4B92-8F30-3FF548A238FC}"/>
               </a:ext>
             </a:extLst>
           </p:cNvPr>
@@ -1047,7 +1047,7 @@
     </p:spTree>
     <p:extLst>
       <p:ext uri="{BB962C8B-B14F-4D97-AF65-F5344CB8AC3E}">
-        <p14:creationId xmlns:p14="http://schemas.microsoft.com/office/powerpoint/2010/main" xmlns="" val="2038512978"/>
+        <p14:creationId xmlns="" xmlns:p14="http://schemas.microsoft.com/office/powerpoint/2010/main" val="2038512978"/>
       </p:ext>
     </p:extLst>
   </p:cSld>
@@ -1087,7 +1087,7 @@
           <p:cNvPr id="2" name="Titel 1">
             <a:extLst>
               <a:ext uri="{FF2B5EF4-FFF2-40B4-BE49-F238E27FC236}">
-                <a16:creationId xmlns:a16="http://schemas.microsoft.com/office/drawing/2014/main" xmlns="" id="{A30C2CED-11A1-497E-99AB-6D227123B117}"/>
+                <a16:creationId xmlns="" xmlns:a16="http://schemas.microsoft.com/office/drawing/2014/main" id="{A30C2CED-11A1-497E-99AB-6D227123B117}"/>
               </a:ext>
             </a:extLst>
           </p:cNvPr>
@@ -1125,7 +1125,7 @@
           <p:cNvPr id="3" name="Inhaltsplatzhalter 2">
             <a:extLst>
               <a:ext uri="{FF2B5EF4-FFF2-40B4-BE49-F238E27FC236}">
-                <a16:creationId xmlns:a16="http://schemas.microsoft.com/office/drawing/2014/main" xmlns="" id="{986E38F5-F409-48C9-B29B-969FE245AA45}"/>
+                <a16:creationId xmlns="" xmlns:a16="http://schemas.microsoft.com/office/drawing/2014/main" id="{986E38F5-F409-48C9-B29B-969FE245AA45}"/>
               </a:ext>
             </a:extLst>
           </p:cNvPr>
@@ -1216,7 +1216,7 @@
           <p:cNvPr id="4" name="Textplatzhalter 3">
             <a:extLst>
               <a:ext uri="{FF2B5EF4-FFF2-40B4-BE49-F238E27FC236}">
-                <a16:creationId xmlns:a16="http://schemas.microsoft.com/office/drawing/2014/main" xmlns="" id="{56CC2ABE-71CD-49F3-8C4D-E4ED1DA196B4}"/>
+                <a16:creationId xmlns="" xmlns:a16="http://schemas.microsoft.com/office/drawing/2014/main" id="{56CC2ABE-71CD-49F3-8C4D-E4ED1DA196B4}"/>
               </a:ext>
             </a:extLst>
           </p:cNvPr>
@@ -1285,7 +1285,7 @@
     </p:spTree>
     <p:extLst>
       <p:ext uri="{BB962C8B-B14F-4D97-AF65-F5344CB8AC3E}">
-        <p14:creationId xmlns:p14="http://schemas.microsoft.com/office/powerpoint/2010/main" xmlns="" val="277812240"/>
+        <p14:creationId xmlns="" xmlns:p14="http://schemas.microsoft.com/office/powerpoint/2010/main" val="277812240"/>
       </p:ext>
     </p:extLst>
   </p:cSld>
@@ -1325,7 +1325,7 @@
           <p:cNvPr id="2" name="Titelplatzhalter 1">
             <a:extLst>
               <a:ext uri="{FF2B5EF4-FFF2-40B4-BE49-F238E27FC236}">
-                <a16:creationId xmlns:a16="http://schemas.microsoft.com/office/drawing/2014/main" xmlns="" id="{881F9FD2-61D8-497C-B9D7-2514A8F14D65}"/>
+                <a16:creationId xmlns="" xmlns:a16="http://schemas.microsoft.com/office/drawing/2014/main" id="{881F9FD2-61D8-497C-B9D7-2514A8F14D65}"/>
               </a:ext>
             </a:extLst>
           </p:cNvPr>
@@ -1364,7 +1364,7 @@
           <p:cNvPr id="3" name="Textplatzhalter 2">
             <a:extLst>
               <a:ext uri="{FF2B5EF4-FFF2-40B4-BE49-F238E27FC236}">
-                <a16:creationId xmlns:a16="http://schemas.microsoft.com/office/drawing/2014/main" xmlns="" id="{7076A25D-6B07-459F-8705-679FD15E7C73}"/>
+                <a16:creationId xmlns="" xmlns:a16="http://schemas.microsoft.com/office/drawing/2014/main" id="{7076A25D-6B07-459F-8705-679FD15E7C73}"/>
               </a:ext>
             </a:extLst>
           </p:cNvPr>
@@ -1430,7 +1430,7 @@
     </p:spTree>
     <p:extLst>
       <p:ext uri="{BB962C8B-B14F-4D97-AF65-F5344CB8AC3E}">
-        <p14:creationId xmlns:p14="http://schemas.microsoft.com/office/powerpoint/2010/main" xmlns="" val="231580317"/>
+        <p14:creationId xmlns="" xmlns:p14="http://schemas.microsoft.com/office/powerpoint/2010/main" val="231580317"/>
       </p:ext>
     </p:extLst>
   </p:cSld>
@@ -1746,7 +1746,7 @@
           <p:cNvPr id="6" name="Grafik 5">
             <a:extLst>
               <a:ext uri="{FF2B5EF4-FFF2-40B4-BE49-F238E27FC236}">
-                <a16:creationId xmlns:a16="http://schemas.microsoft.com/office/drawing/2014/main" xmlns="" id="{E45AE606-05AD-4310-A9E7-58A3E4831537}"/>
+                <a16:creationId xmlns="" xmlns:a16="http://schemas.microsoft.com/office/drawing/2014/main" id="{E45AE606-05AD-4310-A9E7-58A3E4831537}"/>
               </a:ext>
             </a:extLst>
           </p:cNvPr>
@@ -1759,7 +1759,7 @@
           <a:blip r:embed="rId2" cstate="print">
             <a:extLst>
               <a:ext uri="{28A0092B-C50C-407E-A947-70E740481C1C}">
-                <a14:useLocalDpi xmlns:a14="http://schemas.microsoft.com/office/drawing/2010/main" xmlns="" val="0"/>
+                <a14:useLocalDpi xmlns="" xmlns:a14="http://schemas.microsoft.com/office/drawing/2010/main" val="0"/>
               </a:ext>
             </a:extLst>
           </a:blip>
@@ -1782,7 +1782,7 @@
           <p:cNvPr id="9" name="Grafik 8">
             <a:extLst>
               <a:ext uri="{FF2B5EF4-FFF2-40B4-BE49-F238E27FC236}">
-                <a16:creationId xmlns:a16="http://schemas.microsoft.com/office/drawing/2014/main" xmlns="" id="{BDE6BFD7-C3AF-4092-9CC3-B0309073A821}"/>
+                <a16:creationId xmlns="" xmlns:a16="http://schemas.microsoft.com/office/drawing/2014/main" id="{BDE6BFD7-C3AF-4092-9CC3-B0309073A821}"/>
               </a:ext>
             </a:extLst>
           </p:cNvPr>
@@ -1795,7 +1795,7 @@
           <a:blip r:embed="rId3" cstate="print">
             <a:extLst>
               <a:ext uri="{28A0092B-C50C-407E-A947-70E740481C1C}">
-                <a14:useLocalDpi xmlns:a14="http://schemas.microsoft.com/office/drawing/2010/main" xmlns="" val="0"/>
+                <a14:useLocalDpi xmlns="" xmlns:a14="http://schemas.microsoft.com/office/drawing/2010/main" val="0"/>
               </a:ext>
             </a:extLst>
           </a:blip>
@@ -1815,7 +1815,7 @@
     </p:spTree>
     <p:extLst>
       <p:ext uri="{BB962C8B-B14F-4D97-AF65-F5344CB8AC3E}">
-        <p14:creationId xmlns:p14="http://schemas.microsoft.com/office/powerpoint/2010/main" xmlns="" val="3514297850"/>
+        <p14:creationId xmlns="" xmlns:p14="http://schemas.microsoft.com/office/powerpoint/2010/main" val="3514297850"/>
       </p:ext>
     </p:extLst>
   </p:cSld>
@@ -1847,7 +1847,7 @@
           <p:cNvPr id="5" name="Grafik 4">
             <a:extLst>
               <a:ext uri="{FF2B5EF4-FFF2-40B4-BE49-F238E27FC236}">
-                <a16:creationId xmlns:a16="http://schemas.microsoft.com/office/drawing/2014/main" xmlns="" id="{59FD2549-F0A0-4ABD-9D12-AE6FE6FCB00F}"/>
+                <a16:creationId xmlns="" xmlns:a16="http://schemas.microsoft.com/office/drawing/2014/main" id="{59FD2549-F0A0-4ABD-9D12-AE6FE6FCB00F}"/>
               </a:ext>
             </a:extLst>
           </p:cNvPr>
@@ -1860,7 +1860,7 @@
           <a:blip r:embed="rId2" cstate="print">
             <a:extLst>
               <a:ext uri="{28A0092B-C50C-407E-A947-70E740481C1C}">
-                <a14:useLocalDpi xmlns:a14="http://schemas.microsoft.com/office/drawing/2010/main" xmlns="" val="0"/>
+                <a14:useLocalDpi xmlns="" xmlns:a14="http://schemas.microsoft.com/office/drawing/2010/main" val="0"/>
               </a:ext>
             </a:extLst>
           </a:blip>
@@ -1882,7 +1882,7 @@
           <p:cNvPr id="7" name="Grafik 6">
             <a:extLst>
               <a:ext uri="{FF2B5EF4-FFF2-40B4-BE49-F238E27FC236}">
-                <a16:creationId xmlns:a16="http://schemas.microsoft.com/office/drawing/2014/main" xmlns="" id="{44BE2D65-01C5-488E-9B3D-B9F150682BF7}"/>
+                <a16:creationId xmlns="" xmlns:a16="http://schemas.microsoft.com/office/drawing/2014/main" id="{44BE2D65-01C5-488E-9B3D-B9F150682BF7}"/>
               </a:ext>
             </a:extLst>
           </p:cNvPr>
@@ -1895,7 +1895,7 @@
           <a:blip r:embed="rId3" cstate="print">
             <a:extLst>
               <a:ext uri="{28A0092B-C50C-407E-A947-70E740481C1C}">
-                <a14:useLocalDpi xmlns:a14="http://schemas.microsoft.com/office/drawing/2010/main" xmlns="" val="0"/>
+                <a14:useLocalDpi xmlns="" xmlns:a14="http://schemas.microsoft.com/office/drawing/2010/main" val="0"/>
               </a:ext>
             </a:extLst>
           </a:blip>
@@ -1918,7 +1918,7 @@
           <p:cNvPr id="11" name="Titel 10">
             <a:extLst>
               <a:ext uri="{FF2B5EF4-FFF2-40B4-BE49-F238E27FC236}">
-                <a16:creationId xmlns:a16="http://schemas.microsoft.com/office/drawing/2014/main" xmlns="" id="{85220CF1-8FE4-4682-994B-810D27DEEEE1}"/>
+                <a16:creationId xmlns="" xmlns:a16="http://schemas.microsoft.com/office/drawing/2014/main" id="{85220CF1-8FE4-4682-994B-810D27DEEEE1}"/>
               </a:ext>
             </a:extLst>
           </p:cNvPr>
@@ -1960,7 +1960,7 @@
           <p:cNvPr id="12" name="Titel 10">
             <a:extLst>
               <a:ext uri="{FF2B5EF4-FFF2-40B4-BE49-F238E27FC236}">
-                <a16:creationId xmlns:a16="http://schemas.microsoft.com/office/drawing/2014/main" xmlns="" id="{46B7087B-F65C-4B3F-A506-3CE91575FA17}"/>
+                <a16:creationId xmlns="" xmlns:a16="http://schemas.microsoft.com/office/drawing/2014/main" id="{46B7087B-F65C-4B3F-A506-3CE91575FA17}"/>
               </a:ext>
             </a:extLst>
           </p:cNvPr>
@@ -2016,7 +2016,7 @@
     </p:spTree>
     <p:extLst>
       <p:ext uri="{BB962C8B-B14F-4D97-AF65-F5344CB8AC3E}">
-        <p14:creationId xmlns:p14="http://schemas.microsoft.com/office/powerpoint/2010/main" xmlns="" val="3489794051"/>
+        <p14:creationId xmlns="" xmlns:p14="http://schemas.microsoft.com/office/powerpoint/2010/main" val="3489794051"/>
       </p:ext>
     </p:extLst>
   </p:cSld>
@@ -2048,7 +2048,7 @@
           <p:cNvPr id="5" name="Grafik 4">
             <a:extLst>
               <a:ext uri="{FF2B5EF4-FFF2-40B4-BE49-F238E27FC236}">
-                <a16:creationId xmlns:a16="http://schemas.microsoft.com/office/drawing/2014/main" xmlns="" id="{59FD2549-F0A0-4ABD-9D12-AE6FE6FCB00F}"/>
+                <a16:creationId xmlns="" xmlns:a16="http://schemas.microsoft.com/office/drawing/2014/main" id="{59FD2549-F0A0-4ABD-9D12-AE6FE6FCB00F}"/>
               </a:ext>
             </a:extLst>
           </p:cNvPr>
@@ -2061,7 +2061,7 @@
           <a:blip r:embed="rId2" cstate="print">
             <a:extLst>
               <a:ext uri="{28A0092B-C50C-407E-A947-70E740481C1C}">
-                <a14:useLocalDpi xmlns:a14="http://schemas.microsoft.com/office/drawing/2010/main" xmlns="" val="0"/>
+                <a14:useLocalDpi xmlns="" xmlns:a14="http://schemas.microsoft.com/office/drawing/2010/main" val="0"/>
               </a:ext>
             </a:extLst>
           </a:blip>
@@ -2083,7 +2083,7 @@
           <p:cNvPr id="7" name="Grafik 6">
             <a:extLst>
               <a:ext uri="{FF2B5EF4-FFF2-40B4-BE49-F238E27FC236}">
-                <a16:creationId xmlns:a16="http://schemas.microsoft.com/office/drawing/2014/main" xmlns="" id="{44BE2D65-01C5-488E-9B3D-B9F150682BF7}"/>
+                <a16:creationId xmlns="" xmlns:a16="http://schemas.microsoft.com/office/drawing/2014/main" id="{44BE2D65-01C5-488E-9B3D-B9F150682BF7}"/>
               </a:ext>
             </a:extLst>
           </p:cNvPr>
@@ -2096,7 +2096,7 @@
           <a:blip r:embed="rId3" cstate="print">
             <a:extLst>
               <a:ext uri="{28A0092B-C50C-407E-A947-70E740481C1C}">
-                <a14:useLocalDpi xmlns:a14="http://schemas.microsoft.com/office/drawing/2010/main" xmlns="" val="0"/>
+                <a14:useLocalDpi xmlns="" xmlns:a14="http://schemas.microsoft.com/office/drawing/2010/main" val="0"/>
               </a:ext>
             </a:extLst>
           </a:blip>
@@ -2119,7 +2119,7 @@
           <p:cNvPr id="11" name="Titel 10">
             <a:extLst>
               <a:ext uri="{FF2B5EF4-FFF2-40B4-BE49-F238E27FC236}">
-                <a16:creationId xmlns:a16="http://schemas.microsoft.com/office/drawing/2014/main" xmlns="" id="{85220CF1-8FE4-4682-994B-810D27DEEEE1}"/>
+                <a16:creationId xmlns="" xmlns:a16="http://schemas.microsoft.com/office/drawing/2014/main" id="{85220CF1-8FE4-4682-994B-810D27DEEEE1}"/>
               </a:ext>
             </a:extLst>
           </p:cNvPr>
@@ -2161,7 +2161,7 @@
           <p:cNvPr id="12" name="Titel 10">
             <a:extLst>
               <a:ext uri="{FF2B5EF4-FFF2-40B4-BE49-F238E27FC236}">
-                <a16:creationId xmlns:a16="http://schemas.microsoft.com/office/drawing/2014/main" xmlns="" id="{46B7087B-F65C-4B3F-A506-3CE91575FA17}"/>
+                <a16:creationId xmlns="" xmlns:a16="http://schemas.microsoft.com/office/drawing/2014/main" id="{46B7087B-F65C-4B3F-A506-3CE91575FA17}"/>
               </a:ext>
             </a:extLst>
           </p:cNvPr>
@@ -2214,11 +2214,7 @@
           <a:p>
             <a:r>
               <a:rPr lang="en-GB" sz="3200" dirty="0" smtClean="0"/>
-              <a:t>Li </a:t>
-            </a:r>
-            <a:r>
-              <a:rPr lang="en-GB" sz="3200" dirty="0" smtClean="0"/>
-              <a:t>Wei</a:t>
+              <a:t>Li Wei</a:t>
             </a:r>
           </a:p>
           <a:p>
@@ -2256,7 +2252,7 @@
     </p:spTree>
     <p:extLst>
       <p:ext uri="{BB962C8B-B14F-4D97-AF65-F5344CB8AC3E}">
-        <p14:creationId xmlns:p14="http://schemas.microsoft.com/office/powerpoint/2010/main" xmlns="" val="3751392105"/>
+        <p14:creationId xmlns="" xmlns:p14="http://schemas.microsoft.com/office/powerpoint/2010/main" val="3751392105"/>
       </p:ext>
     </p:extLst>
   </p:cSld>
@@ -2288,7 +2284,7 @@
           <p:cNvPr id="2" name="Titel 1">
             <a:extLst>
               <a:ext uri="{FF2B5EF4-FFF2-40B4-BE49-F238E27FC236}">
-                <a16:creationId xmlns:a16="http://schemas.microsoft.com/office/drawing/2014/main" xmlns="" id="{B95BCD18-302D-4FB0-B92D-F59B773B6833}"/>
+                <a16:creationId xmlns="" xmlns:a16="http://schemas.microsoft.com/office/drawing/2014/main" id="{B95BCD18-302D-4FB0-B92D-F59B773B6833}"/>
               </a:ext>
             </a:extLst>
           </p:cNvPr>
@@ -2317,7 +2313,7 @@
           <p:cNvPr id="3" name="Inhaltsplatzhalter 2">
             <a:extLst>
               <a:ext uri="{FF2B5EF4-FFF2-40B4-BE49-F238E27FC236}">
-                <a16:creationId xmlns:a16="http://schemas.microsoft.com/office/drawing/2014/main" xmlns="" id="{E59E5E55-ADA9-4327-85CF-331D2393859F}"/>
+                <a16:creationId xmlns="" xmlns:a16="http://schemas.microsoft.com/office/drawing/2014/main" id="{E59E5E55-ADA9-4327-85CF-331D2393859F}"/>
               </a:ext>
             </a:extLst>
           </p:cNvPr>
@@ -2424,7 +2420,7 @@
           <p:cNvPr id="4" name="Grafik 3">
             <a:extLst>
               <a:ext uri="{FF2B5EF4-FFF2-40B4-BE49-F238E27FC236}">
-                <a16:creationId xmlns:a16="http://schemas.microsoft.com/office/drawing/2014/main" xmlns="" id="{300411DF-B2A6-4A2A-8E76-2F8AA3F86A8B}"/>
+                <a16:creationId xmlns="" xmlns:a16="http://schemas.microsoft.com/office/drawing/2014/main" id="{300411DF-B2A6-4A2A-8E76-2F8AA3F86A8B}"/>
               </a:ext>
             </a:extLst>
           </p:cNvPr>
@@ -2437,7 +2433,7 @@
           <a:blip r:embed="rId2" cstate="print">
             <a:extLst>
               <a:ext uri="{28A0092B-C50C-407E-A947-70E740481C1C}">
-                <a14:useLocalDpi xmlns:a14="http://schemas.microsoft.com/office/drawing/2010/main" xmlns="" val="0"/>
+                <a14:useLocalDpi xmlns="" xmlns:a14="http://schemas.microsoft.com/office/drawing/2010/main" val="0"/>
               </a:ext>
             </a:extLst>
           </a:blip>
@@ -2458,7 +2454,7 @@
     </p:spTree>
     <p:extLst>
       <p:ext uri="{BB962C8B-B14F-4D97-AF65-F5344CB8AC3E}">
-        <p14:creationId xmlns:p14="http://schemas.microsoft.com/office/powerpoint/2010/main" xmlns="" val="2789252034"/>
+        <p14:creationId xmlns="" xmlns:p14="http://schemas.microsoft.com/office/powerpoint/2010/main" val="2789252034"/>
       </p:ext>
     </p:extLst>
   </p:cSld>
@@ -2490,7 +2486,7 @@
           <p:cNvPr id="2" name="Titel 1">
             <a:extLst>
               <a:ext uri="{FF2B5EF4-FFF2-40B4-BE49-F238E27FC236}">
-                <a16:creationId xmlns:a16="http://schemas.microsoft.com/office/drawing/2014/main" xmlns="" id="{B95BCD18-302D-4FB0-B92D-F59B773B6833}"/>
+                <a16:creationId xmlns="" xmlns:a16="http://schemas.microsoft.com/office/drawing/2014/main" id="{B95BCD18-302D-4FB0-B92D-F59B773B6833}"/>
               </a:ext>
             </a:extLst>
           </p:cNvPr>
@@ -2519,7 +2515,7 @@
           <p:cNvPr id="3" name="Inhaltsplatzhalter 2">
             <a:extLst>
               <a:ext uri="{FF2B5EF4-FFF2-40B4-BE49-F238E27FC236}">
-                <a16:creationId xmlns:a16="http://schemas.microsoft.com/office/drawing/2014/main" xmlns="" id="{E59E5E55-ADA9-4327-85CF-331D2393859F}"/>
+                <a16:creationId xmlns="" xmlns:a16="http://schemas.microsoft.com/office/drawing/2014/main" id="{E59E5E55-ADA9-4327-85CF-331D2393859F}"/>
               </a:ext>
             </a:extLst>
           </p:cNvPr>
@@ -2640,7 +2636,7 @@
           <p:cNvPr id="4" name="Grafik 3">
             <a:extLst>
               <a:ext uri="{FF2B5EF4-FFF2-40B4-BE49-F238E27FC236}">
-                <a16:creationId xmlns:a16="http://schemas.microsoft.com/office/drawing/2014/main" xmlns="" id="{300411DF-B2A6-4A2A-8E76-2F8AA3F86A8B}"/>
+                <a16:creationId xmlns="" xmlns:a16="http://schemas.microsoft.com/office/drawing/2014/main" id="{300411DF-B2A6-4A2A-8E76-2F8AA3F86A8B}"/>
               </a:ext>
             </a:extLst>
           </p:cNvPr>
@@ -2653,7 +2649,7 @@
           <a:blip r:embed="rId2" cstate="print">
             <a:extLst>
               <a:ext uri="{28A0092B-C50C-407E-A947-70E740481C1C}">
-                <a14:useLocalDpi xmlns:a14="http://schemas.microsoft.com/office/drawing/2010/main" xmlns="" val="0"/>
+                <a14:useLocalDpi xmlns="" xmlns:a14="http://schemas.microsoft.com/office/drawing/2010/main" val="0"/>
               </a:ext>
             </a:extLst>
           </a:blip>
@@ -2674,7 +2670,7 @@
     </p:spTree>
     <p:extLst>
       <p:ext uri="{BB962C8B-B14F-4D97-AF65-F5344CB8AC3E}">
-        <p14:creationId xmlns:p14="http://schemas.microsoft.com/office/powerpoint/2010/main" xmlns="" val="2600432059"/>
+        <p14:creationId xmlns="" xmlns:p14="http://schemas.microsoft.com/office/powerpoint/2010/main" val="2600432059"/>
       </p:ext>
     </p:extLst>
   </p:cSld>
@@ -2706,7 +2702,7 @@
           <p:cNvPr id="2" name="Titel 1">
             <a:extLst>
               <a:ext uri="{FF2B5EF4-FFF2-40B4-BE49-F238E27FC236}">
-                <a16:creationId xmlns:a16="http://schemas.microsoft.com/office/drawing/2014/main" xmlns="" id="{B95BCD18-302D-4FB0-B92D-F59B773B6833}"/>
+                <a16:creationId xmlns="" xmlns:a16="http://schemas.microsoft.com/office/drawing/2014/main" id="{B95BCD18-302D-4FB0-B92D-F59B773B6833}"/>
               </a:ext>
             </a:extLst>
           </p:cNvPr>
@@ -2743,7 +2739,7 @@
           <p:cNvPr id="4" name="Grafik 3">
             <a:extLst>
               <a:ext uri="{FF2B5EF4-FFF2-40B4-BE49-F238E27FC236}">
-                <a16:creationId xmlns:a16="http://schemas.microsoft.com/office/drawing/2014/main" xmlns="" id="{300411DF-B2A6-4A2A-8E76-2F8AA3F86A8B}"/>
+                <a16:creationId xmlns="" xmlns:a16="http://schemas.microsoft.com/office/drawing/2014/main" id="{300411DF-B2A6-4A2A-8E76-2F8AA3F86A8B}"/>
               </a:ext>
             </a:extLst>
           </p:cNvPr>
@@ -2756,7 +2752,7 @@
           <a:blip r:embed="rId2" cstate="print">
             <a:extLst>
               <a:ext uri="{28A0092B-C50C-407E-A947-70E740481C1C}">
-                <a14:useLocalDpi xmlns:a14="http://schemas.microsoft.com/office/drawing/2010/main" xmlns="" val="0"/>
+                <a14:useLocalDpi xmlns="" xmlns:a14="http://schemas.microsoft.com/office/drawing/2010/main" val="0"/>
               </a:ext>
             </a:extLst>
           </a:blip>
@@ -2824,7 +2820,7 @@
     </p:spTree>
     <p:extLst>
       <p:ext uri="{BB962C8B-B14F-4D97-AF65-F5344CB8AC3E}">
-        <p14:creationId xmlns:p14="http://schemas.microsoft.com/office/powerpoint/2010/main" xmlns="" val="2600432059"/>
+        <p14:creationId xmlns="" xmlns:p14="http://schemas.microsoft.com/office/powerpoint/2010/main" val="2600432059"/>
       </p:ext>
     </p:extLst>
   </p:cSld>
@@ -2856,7 +2852,7 @@
           <p:cNvPr id="2" name="Titel 1">
             <a:extLst>
               <a:ext uri="{FF2B5EF4-FFF2-40B4-BE49-F238E27FC236}">
-                <a16:creationId xmlns:a16="http://schemas.microsoft.com/office/drawing/2014/main" xmlns="" id="{B95BCD18-302D-4FB0-B92D-F59B773B6833}"/>
+                <a16:creationId xmlns="" xmlns:a16="http://schemas.microsoft.com/office/drawing/2014/main" id="{B95BCD18-302D-4FB0-B92D-F59B773B6833}"/>
               </a:ext>
             </a:extLst>
           </p:cNvPr>
@@ -2893,7 +2889,7 @@
           <p:cNvPr id="3" name="Inhaltsplatzhalter 2">
             <a:extLst>
               <a:ext uri="{FF2B5EF4-FFF2-40B4-BE49-F238E27FC236}">
-                <a16:creationId xmlns:a16="http://schemas.microsoft.com/office/drawing/2014/main" xmlns="" id="{E59E5E55-ADA9-4327-85CF-331D2393859F}"/>
+                <a16:creationId xmlns="" xmlns:a16="http://schemas.microsoft.com/office/drawing/2014/main" id="{E59E5E55-ADA9-4327-85CF-331D2393859F}"/>
               </a:ext>
             </a:extLst>
           </p:cNvPr>
@@ -2992,7 +2988,7 @@
           <p:cNvPr id="4" name="Grafik 3">
             <a:extLst>
               <a:ext uri="{FF2B5EF4-FFF2-40B4-BE49-F238E27FC236}">
-                <a16:creationId xmlns:a16="http://schemas.microsoft.com/office/drawing/2014/main" xmlns="" id="{300411DF-B2A6-4A2A-8E76-2F8AA3F86A8B}"/>
+                <a16:creationId xmlns="" xmlns:a16="http://schemas.microsoft.com/office/drawing/2014/main" id="{300411DF-B2A6-4A2A-8E76-2F8AA3F86A8B}"/>
               </a:ext>
             </a:extLst>
           </p:cNvPr>
@@ -3005,7 +3001,7 @@
           <a:blip r:embed="rId2" cstate="print">
             <a:extLst>
               <a:ext uri="{28A0092B-C50C-407E-A947-70E740481C1C}">
-                <a14:useLocalDpi xmlns:a14="http://schemas.microsoft.com/office/drawing/2010/main" xmlns="" val="0"/>
+                <a14:useLocalDpi xmlns="" xmlns:a14="http://schemas.microsoft.com/office/drawing/2010/main" val="0"/>
               </a:ext>
             </a:extLst>
           </a:blip>
@@ -3023,9 +3019,1237 @@
           </a:prstGeom>
         </p:spPr>
       </p:pic>
+      <p:sp>
+        <p:nvSpPr>
+          <p:cNvPr id="5121" name="Rectangle 1"/>
+          <p:cNvSpPr>
+            <a:spLocks noChangeArrowheads="1"/>
+          </p:cNvSpPr>
+          <p:nvPr/>
+        </p:nvSpPr>
+        <p:spPr bwMode="auto">
+          <a:xfrm>
+            <a:off x="0" y="0"/>
+            <a:ext cx="12192000" cy="457200"/>
+          </a:xfrm>
+          <a:prstGeom prst="rect">
+            <a:avLst/>
+          </a:prstGeom>
+          <a:noFill/>
+          <a:ln w="9525">
+            <a:noFill/>
+            <a:miter lim="800000"/>
+            <a:headEnd/>
+            <a:tailEnd/>
+          </a:ln>
+          <a:effectLst/>
+        </p:spPr>
+        <p:txBody>
+          <a:bodyPr vert="horz" wrap="none" lIns="91440" tIns="45720" rIns="91440" bIns="45720" numCol="1" anchor="ctr" anchorCtr="0" compatLnSpc="1">
+            <a:prstTxWarp prst="textNoShape">
+              <a:avLst/>
+            </a:prstTxWarp>
+            <a:spAutoFit/>
+          </a:bodyPr>
+          <a:lstStyle/>
+          <a:p>
+            <a:pPr marL="0" marR="0" lvl="0" indent="0" algn="l" defTabSz="914400" rtl="0" eaLnBrk="1" fontAlgn="base" latinLnBrk="0" hangingPunct="1">
+              <a:lnSpc>
+                <a:spcPct val="100000"/>
+              </a:lnSpc>
+              <a:spcBef>
+                <a:spcPct val="0"/>
+              </a:spcBef>
+              <a:spcAft>
+                <a:spcPct val="0"/>
+              </a:spcAft>
+              <a:buClrTx/>
+              <a:buSzTx/>
+              <a:buFontTx/>
+              <a:buNone/>
+              <a:tabLst/>
+            </a:pPr>
+            <a:r>
+              <a:rPr kumimoji="0" lang="en-US" sz="1800" b="0" i="0" u="none" strike="noStrike" cap="none" normalizeH="0" baseline="0" smtClean="0">
+                <a:ln>
+                  <a:noFill/>
+                </a:ln>
+                <a:solidFill>
+                  <a:schemeClr val="tx1"/>
+                </a:solidFill>
+                <a:effectLst/>
+                <a:latin typeface="Arial" pitchFamily="34" charset="0"/>
+                <a:cs typeface="Arial" pitchFamily="34" charset="0"/>
+              </a:rPr>
+              <a:t>  </a:t>
+            </a:r>
+            <a:r>
+              <a:rPr kumimoji="0" lang="en-US" sz="40500" b="0" i="0" u="none" strike="noStrike" cap="none" normalizeH="0" baseline="0" smtClean="0">
+                <a:ln>
+                  <a:noFill/>
+                </a:ln>
+                <a:solidFill>
+                  <a:schemeClr val="tx1"/>
+                </a:solidFill>
+                <a:effectLst/>
+                <a:latin typeface="Arial" pitchFamily="34" charset="0"/>
+                <a:cs typeface="Arial" pitchFamily="34" charset="0"/>
+              </a:rPr>
+              <a:t/>
+            </a:r>
+            <a:br>
+              <a:rPr kumimoji="0" lang="en-US" sz="40500" b="0" i="0" u="none" strike="noStrike" cap="none" normalizeH="0" baseline="0" smtClean="0">
+                <a:ln>
+                  <a:noFill/>
+                </a:ln>
+                <a:solidFill>
+                  <a:schemeClr val="tx1"/>
+                </a:solidFill>
+                <a:effectLst/>
+                <a:latin typeface="Arial" pitchFamily="34" charset="0"/>
+                <a:cs typeface="Arial" pitchFamily="34" charset="0"/>
+              </a:rPr>
+            </a:br>
+            <a:endParaRPr kumimoji="0" lang="en-US" sz="1800" b="0" i="0" u="none" strike="noStrike" cap="none" normalizeH="0" baseline="0" smtClean="0">
+              <a:ln>
+                <a:noFill/>
+              </a:ln>
+              <a:solidFill>
+                <a:schemeClr val="tx1"/>
+              </a:solidFill>
+              <a:effectLst/>
+              <a:latin typeface="Arial" pitchFamily="34" charset="0"/>
+              <a:cs typeface="Arial" pitchFamily="34" charset="0"/>
+            </a:endParaRPr>
+          </a:p>
+          <a:p>
+            <a:pPr marL="0" marR="0" lvl="0" indent="0" algn="l" defTabSz="914400" rtl="0" eaLnBrk="0" fontAlgn="base" latinLnBrk="0" hangingPunct="0">
+              <a:lnSpc>
+                <a:spcPct val="100000"/>
+              </a:lnSpc>
+              <a:spcBef>
+                <a:spcPct val="0"/>
+              </a:spcBef>
+              <a:spcAft>
+                <a:spcPct val="0"/>
+              </a:spcAft>
+              <a:buClrTx/>
+              <a:buSzTx/>
+              <a:buFontTx/>
+              <a:buNone/>
+              <a:tabLst/>
+            </a:pPr>
+            <a:r>
+              <a:rPr kumimoji="0" lang="en-US" sz="1800" b="0" i="0" u="none" strike="noStrike" cap="none" normalizeH="0" baseline="0" smtClean="0">
+                <a:ln>
+                  <a:noFill/>
+                </a:ln>
+                <a:solidFill>
+                  <a:srgbClr val="000000"/>
+                </a:solidFill>
+                <a:effectLst/>
+                <a:latin typeface="Arial" pitchFamily="34" charset="0"/>
+                <a:cs typeface="Arial" pitchFamily="34" charset="0"/>
+              </a:rPr>
+              <a:t>baseline</a:t>
+            </a:r>
+            <a:endParaRPr kumimoji="0" lang="en-US" sz="800" b="0" i="0" u="none" strike="noStrike" cap="none" normalizeH="0" baseline="0" smtClean="0">
+              <a:ln>
+                <a:noFill/>
+              </a:ln>
+              <a:solidFill>
+                <a:schemeClr val="tx1"/>
+              </a:solidFill>
+              <a:effectLst/>
+              <a:latin typeface="Arial" pitchFamily="34" charset="0"/>
+              <a:cs typeface="Arial" pitchFamily="34" charset="0"/>
+            </a:endParaRPr>
+          </a:p>
+          <a:p>
+            <a:pPr marL="0" marR="0" lvl="0" indent="0" algn="l" defTabSz="914400" rtl="0" eaLnBrk="0" fontAlgn="base" latinLnBrk="0" hangingPunct="0">
+              <a:lnSpc>
+                <a:spcPct val="100000"/>
+              </a:lnSpc>
+              <a:spcBef>
+                <a:spcPct val="0"/>
+              </a:spcBef>
+              <a:spcAft>
+                <a:spcPct val="0"/>
+              </a:spcAft>
+              <a:buClrTx/>
+              <a:buSzTx/>
+              <a:buFontTx/>
+              <a:buNone/>
+              <a:tabLst/>
+            </a:pPr>
+            <a:endParaRPr kumimoji="0" lang="en-US" sz="800" b="0" i="0" u="none" strike="noStrike" cap="none" normalizeH="0" baseline="0" smtClean="0">
+              <a:ln>
+                <a:noFill/>
+              </a:ln>
+              <a:solidFill>
+                <a:schemeClr val="tx1"/>
+              </a:solidFill>
+              <a:effectLst/>
+              <a:latin typeface="Arial" pitchFamily="34" charset="0"/>
+              <a:cs typeface="Arial" pitchFamily="34" charset="0"/>
+            </a:endParaRPr>
+          </a:p>
+          <a:p>
+            <a:pPr marL="0" marR="0" lvl="0" indent="0" algn="l" defTabSz="914400" rtl="0" eaLnBrk="0" fontAlgn="base" latinLnBrk="0" hangingPunct="0">
+              <a:lnSpc>
+                <a:spcPct val="100000"/>
+              </a:lnSpc>
+              <a:spcBef>
+                <a:spcPct val="0"/>
+              </a:spcBef>
+              <a:spcAft>
+                <a:spcPct val="0"/>
+              </a:spcAft>
+              <a:buClrTx/>
+              <a:buSzTx/>
+              <a:buFontTx/>
+              <a:buNone/>
+              <a:tabLst/>
+            </a:pPr>
+            <a:r>
+              <a:rPr kumimoji="0" lang="en-US" sz="1800" b="0" i="0" u="none" strike="noStrike" cap="none" normalizeH="0" baseline="0" smtClean="0">
+                <a:ln>
+                  <a:noFill/>
+                </a:ln>
+                <a:solidFill>
+                  <a:schemeClr val="tx1"/>
+                </a:solidFill>
+                <a:effectLst/>
+                <a:latin typeface="Arial" pitchFamily="34" charset="0"/>
+                <a:cs typeface="Arial" pitchFamily="34" charset="0"/>
+              </a:rPr>
+              <a:t/>
+            </a:r>
+            <a:br>
+              <a:rPr kumimoji="0" lang="en-US" sz="1800" b="0" i="0" u="none" strike="noStrike" cap="none" normalizeH="0" baseline="0" smtClean="0">
+                <a:ln>
+                  <a:noFill/>
+                </a:ln>
+                <a:solidFill>
+                  <a:schemeClr val="tx1"/>
+                </a:solidFill>
+                <a:effectLst/>
+                <a:latin typeface="Arial" pitchFamily="34" charset="0"/>
+                <a:cs typeface="Arial" pitchFamily="34" charset="0"/>
+              </a:rPr>
+            </a:br>
+            <a:endParaRPr kumimoji="0" lang="en-US" sz="1800" b="0" i="0" u="none" strike="noStrike" cap="none" normalizeH="0" baseline="0" smtClean="0">
+              <a:ln>
+                <a:noFill/>
+              </a:ln>
+              <a:solidFill>
+                <a:schemeClr val="tx1"/>
+              </a:solidFill>
+              <a:effectLst/>
+              <a:latin typeface="Arial" pitchFamily="34" charset="0"/>
+              <a:cs typeface="Arial" pitchFamily="34" charset="0"/>
+            </a:endParaRPr>
+          </a:p>
+          <a:p>
+            <a:pPr marL="0" marR="0" lvl="0" indent="0" algn="l" defTabSz="914400" rtl="0" eaLnBrk="0" fontAlgn="base" latinLnBrk="0" hangingPunct="0">
+              <a:lnSpc>
+                <a:spcPct val="100000"/>
+              </a:lnSpc>
+              <a:spcBef>
+                <a:spcPct val="0"/>
+              </a:spcBef>
+              <a:spcAft>
+                <a:spcPct val="0"/>
+              </a:spcAft>
+              <a:buClrTx/>
+              <a:buSzTx/>
+              <a:buFontTx/>
+              <a:buNone/>
+              <a:tabLst/>
+            </a:pPr>
+            <a:r>
+              <a:rPr kumimoji="0" lang="en-US" sz="1800" b="0" i="0" u="none" strike="noStrike" cap="none" normalizeH="0" baseline="0" smtClean="0">
+                <a:ln>
+                  <a:noFill/>
+                </a:ln>
+                <a:solidFill>
+                  <a:srgbClr val="000000"/>
+                </a:solidFill>
+                <a:effectLst/>
+                <a:latin typeface="Arial" pitchFamily="34" charset="0"/>
+                <a:cs typeface="Arial" pitchFamily="34" charset="0"/>
+              </a:rPr>
+              <a:t>baseline</a:t>
+            </a:r>
+            <a:endParaRPr kumimoji="0" lang="en-US" sz="800" b="0" i="0" u="none" strike="noStrike" cap="none" normalizeH="0" baseline="0" smtClean="0">
+              <a:ln>
+                <a:noFill/>
+              </a:ln>
+              <a:solidFill>
+                <a:schemeClr val="tx1"/>
+              </a:solidFill>
+              <a:effectLst/>
+              <a:latin typeface="Arial" pitchFamily="34" charset="0"/>
+              <a:cs typeface="Arial" pitchFamily="34" charset="0"/>
+            </a:endParaRPr>
+          </a:p>
+          <a:p>
+            <a:pPr marL="0" marR="0" lvl="0" indent="0" algn="l" defTabSz="914400" rtl="0" eaLnBrk="0" fontAlgn="base" latinLnBrk="0" hangingPunct="0">
+              <a:lnSpc>
+                <a:spcPct val="100000"/>
+              </a:lnSpc>
+              <a:spcBef>
+                <a:spcPct val="0"/>
+              </a:spcBef>
+              <a:spcAft>
+                <a:spcPct val="0"/>
+              </a:spcAft>
+              <a:buClrTx/>
+              <a:buSzTx/>
+              <a:buFontTx/>
+              <a:buNone/>
+              <a:tabLst/>
+            </a:pPr>
+            <a:endParaRPr kumimoji="0" lang="en-US" sz="800" b="0" i="0" u="none" strike="noStrike" cap="none" normalizeH="0" baseline="0" smtClean="0">
+              <a:ln>
+                <a:noFill/>
+              </a:ln>
+              <a:solidFill>
+                <a:schemeClr val="tx1"/>
+              </a:solidFill>
+              <a:effectLst/>
+              <a:latin typeface="Arial" pitchFamily="34" charset="0"/>
+              <a:cs typeface="Arial" pitchFamily="34" charset="0"/>
+            </a:endParaRPr>
+          </a:p>
+          <a:p>
+            <a:pPr marL="0" marR="0" lvl="0" indent="0" algn="l" defTabSz="914400" rtl="0" eaLnBrk="0" fontAlgn="base" latinLnBrk="0" hangingPunct="0">
+              <a:lnSpc>
+                <a:spcPct val="100000"/>
+              </a:lnSpc>
+              <a:spcBef>
+                <a:spcPct val="0"/>
+              </a:spcBef>
+              <a:spcAft>
+                <a:spcPct val="0"/>
+              </a:spcAft>
+              <a:buClrTx/>
+              <a:buSzTx/>
+              <a:buFontTx/>
+              <a:buNone/>
+              <a:tabLst/>
+            </a:pPr>
+            <a:r>
+              <a:rPr kumimoji="0" lang="en-US" sz="1800" b="0" i="0" u="none" strike="noStrike" cap="none" normalizeH="0" baseline="0" smtClean="0">
+                <a:ln>
+                  <a:noFill/>
+                </a:ln>
+                <a:solidFill>
+                  <a:schemeClr val="tx1"/>
+                </a:solidFill>
+                <a:effectLst/>
+                <a:latin typeface="Arial" pitchFamily="34" charset="0"/>
+                <a:cs typeface="Arial" pitchFamily="34" charset="0"/>
+              </a:rPr>
+              <a:t/>
+            </a:r>
+            <a:br>
+              <a:rPr kumimoji="0" lang="en-US" sz="1800" b="0" i="0" u="none" strike="noStrike" cap="none" normalizeH="0" baseline="0" smtClean="0">
+                <a:ln>
+                  <a:noFill/>
+                </a:ln>
+                <a:solidFill>
+                  <a:schemeClr val="tx1"/>
+                </a:solidFill>
+                <a:effectLst/>
+                <a:latin typeface="Arial" pitchFamily="34" charset="0"/>
+                <a:cs typeface="Arial" pitchFamily="34" charset="0"/>
+              </a:rPr>
+            </a:br>
+            <a:endParaRPr kumimoji="0" lang="en-US" sz="1800" b="0" i="0" u="none" strike="noStrike" cap="none" normalizeH="0" baseline="0" smtClean="0">
+              <a:ln>
+                <a:noFill/>
+              </a:ln>
+              <a:solidFill>
+                <a:schemeClr val="tx1"/>
+              </a:solidFill>
+              <a:effectLst/>
+              <a:latin typeface="Arial" pitchFamily="34" charset="0"/>
+              <a:cs typeface="Arial" pitchFamily="34" charset="0"/>
+            </a:endParaRPr>
+          </a:p>
+          <a:p>
+            <a:pPr marL="0" marR="0" lvl="0" indent="0" algn="l" defTabSz="914400" rtl="0" eaLnBrk="0" fontAlgn="base" latinLnBrk="0" hangingPunct="0">
+              <a:lnSpc>
+                <a:spcPct val="100000"/>
+              </a:lnSpc>
+              <a:spcBef>
+                <a:spcPct val="0"/>
+              </a:spcBef>
+              <a:spcAft>
+                <a:spcPct val="0"/>
+              </a:spcAft>
+              <a:buClrTx/>
+              <a:buSzTx/>
+              <a:buFontTx/>
+              <a:buNone/>
+              <a:tabLst/>
+            </a:pPr>
+            <a:r>
+              <a:rPr kumimoji="0" lang="en-US" sz="1800" b="0" i="0" u="none" strike="noStrike" cap="none" normalizeH="0" baseline="0" smtClean="0">
+                <a:ln>
+                  <a:noFill/>
+                </a:ln>
+                <a:solidFill>
+                  <a:srgbClr val="000000"/>
+                </a:solidFill>
+                <a:effectLst/>
+                <a:latin typeface="Arial" pitchFamily="34" charset="0"/>
+                <a:cs typeface="Arial" pitchFamily="34" charset="0"/>
+              </a:rPr>
+              <a:t>baseline</a:t>
+            </a:r>
+            <a:endParaRPr kumimoji="0" lang="en-US" sz="800" b="0" i="0" u="none" strike="noStrike" cap="none" normalizeH="0" baseline="0" smtClean="0">
+              <a:ln>
+                <a:noFill/>
+              </a:ln>
+              <a:solidFill>
+                <a:schemeClr val="tx1"/>
+              </a:solidFill>
+              <a:effectLst/>
+              <a:latin typeface="Arial" pitchFamily="34" charset="0"/>
+              <a:cs typeface="Arial" pitchFamily="34" charset="0"/>
+            </a:endParaRPr>
+          </a:p>
+          <a:p>
+            <a:pPr marL="0" marR="0" lvl="0" indent="0" algn="l" defTabSz="914400" rtl="0" eaLnBrk="0" fontAlgn="base" latinLnBrk="0" hangingPunct="0">
+              <a:lnSpc>
+                <a:spcPct val="100000"/>
+              </a:lnSpc>
+              <a:spcBef>
+                <a:spcPct val="0"/>
+              </a:spcBef>
+              <a:spcAft>
+                <a:spcPct val="0"/>
+              </a:spcAft>
+              <a:buClrTx/>
+              <a:buSzTx/>
+              <a:buFontTx/>
+              <a:buNone/>
+              <a:tabLst/>
+            </a:pPr>
+            <a:endParaRPr kumimoji="0" lang="en-US" sz="800" b="0" i="0" u="none" strike="noStrike" cap="none" normalizeH="0" baseline="0" smtClean="0">
+              <a:ln>
+                <a:noFill/>
+              </a:ln>
+              <a:solidFill>
+                <a:schemeClr val="tx1"/>
+              </a:solidFill>
+              <a:effectLst/>
+              <a:latin typeface="Arial" pitchFamily="34" charset="0"/>
+              <a:cs typeface="Arial" pitchFamily="34" charset="0"/>
+            </a:endParaRPr>
+          </a:p>
+          <a:p>
+            <a:pPr marL="0" marR="0" lvl="0" indent="0" algn="l" defTabSz="914400" rtl="0" eaLnBrk="0" fontAlgn="base" latinLnBrk="0" hangingPunct="0">
+              <a:lnSpc>
+                <a:spcPct val="100000"/>
+              </a:lnSpc>
+              <a:spcBef>
+                <a:spcPct val="0"/>
+              </a:spcBef>
+              <a:spcAft>
+                <a:spcPct val="0"/>
+              </a:spcAft>
+              <a:buClrTx/>
+              <a:buSzTx/>
+              <a:buFontTx/>
+              <a:buNone/>
+              <a:tabLst/>
+            </a:pPr>
+            <a:r>
+              <a:rPr kumimoji="0" lang="en-US" sz="1800" b="0" i="0" u="none" strike="noStrike" cap="none" normalizeH="0" baseline="0" smtClean="0">
+                <a:ln>
+                  <a:noFill/>
+                </a:ln>
+                <a:solidFill>
+                  <a:schemeClr val="tx1"/>
+                </a:solidFill>
+                <a:effectLst/>
+                <a:latin typeface="Arial" pitchFamily="34" charset="0"/>
+                <a:cs typeface="Arial" pitchFamily="34" charset="0"/>
+              </a:rPr>
+              <a:t/>
+            </a:r>
+            <a:br>
+              <a:rPr kumimoji="0" lang="en-US" sz="1800" b="0" i="0" u="none" strike="noStrike" cap="none" normalizeH="0" baseline="0" smtClean="0">
+                <a:ln>
+                  <a:noFill/>
+                </a:ln>
+                <a:solidFill>
+                  <a:schemeClr val="tx1"/>
+                </a:solidFill>
+                <a:effectLst/>
+                <a:latin typeface="Arial" pitchFamily="34" charset="0"/>
+                <a:cs typeface="Arial" pitchFamily="34" charset="0"/>
+              </a:rPr>
+            </a:br>
+            <a:endParaRPr kumimoji="0" lang="en-US" sz="1800" b="0" i="0" u="none" strike="noStrike" cap="none" normalizeH="0" baseline="0" smtClean="0">
+              <a:ln>
+                <a:noFill/>
+              </a:ln>
+              <a:solidFill>
+                <a:schemeClr val="tx1"/>
+              </a:solidFill>
+              <a:effectLst/>
+              <a:latin typeface="Arial" pitchFamily="34" charset="0"/>
+              <a:cs typeface="Arial" pitchFamily="34" charset="0"/>
+            </a:endParaRPr>
+          </a:p>
+          <a:p>
+            <a:pPr marL="0" marR="0" lvl="0" indent="0" algn="l" defTabSz="914400" rtl="0" eaLnBrk="0" fontAlgn="base" latinLnBrk="0" hangingPunct="0">
+              <a:lnSpc>
+                <a:spcPct val="100000"/>
+              </a:lnSpc>
+              <a:spcBef>
+                <a:spcPct val="0"/>
+              </a:spcBef>
+              <a:spcAft>
+                <a:spcPct val="0"/>
+              </a:spcAft>
+              <a:buClrTx/>
+              <a:buSzTx/>
+              <a:buFontTx/>
+              <a:buNone/>
+              <a:tabLst/>
+            </a:pPr>
+            <a:r>
+              <a:rPr kumimoji="0" lang="en-US" sz="1800" b="0" i="0" u="none" strike="noStrike" cap="none" normalizeH="0" baseline="0" smtClean="0">
+                <a:ln>
+                  <a:noFill/>
+                </a:ln>
+                <a:solidFill>
+                  <a:srgbClr val="000000"/>
+                </a:solidFill>
+                <a:effectLst/>
+                <a:latin typeface="Arial" pitchFamily="34" charset="0"/>
+                <a:cs typeface="Arial" pitchFamily="34" charset="0"/>
+              </a:rPr>
+              <a:t>6Hz</a:t>
+            </a:r>
+            <a:endParaRPr kumimoji="0" lang="en-US" sz="800" b="0" i="0" u="none" strike="noStrike" cap="none" normalizeH="0" baseline="0" smtClean="0">
+              <a:ln>
+                <a:noFill/>
+              </a:ln>
+              <a:solidFill>
+                <a:schemeClr val="tx1"/>
+              </a:solidFill>
+              <a:effectLst/>
+              <a:latin typeface="Arial" pitchFamily="34" charset="0"/>
+              <a:cs typeface="Arial" pitchFamily="34" charset="0"/>
+            </a:endParaRPr>
+          </a:p>
+          <a:p>
+            <a:pPr marL="0" marR="0" lvl="0" indent="0" algn="l" defTabSz="914400" rtl="0" eaLnBrk="0" fontAlgn="base" latinLnBrk="0" hangingPunct="0">
+              <a:lnSpc>
+                <a:spcPct val="100000"/>
+              </a:lnSpc>
+              <a:spcBef>
+                <a:spcPct val="0"/>
+              </a:spcBef>
+              <a:spcAft>
+                <a:spcPct val="0"/>
+              </a:spcAft>
+              <a:buClrTx/>
+              <a:buSzTx/>
+              <a:buFontTx/>
+              <a:buNone/>
+              <a:tabLst/>
+            </a:pPr>
+            <a:endParaRPr kumimoji="0" lang="en-US" sz="800" b="0" i="0" u="none" strike="noStrike" cap="none" normalizeH="0" baseline="0" smtClean="0">
+              <a:ln>
+                <a:noFill/>
+              </a:ln>
+              <a:solidFill>
+                <a:schemeClr val="tx1"/>
+              </a:solidFill>
+              <a:effectLst/>
+              <a:latin typeface="Arial" pitchFamily="34" charset="0"/>
+              <a:cs typeface="Arial" pitchFamily="34" charset="0"/>
+            </a:endParaRPr>
+          </a:p>
+          <a:p>
+            <a:pPr marL="0" marR="0" lvl="0" indent="0" algn="l" defTabSz="914400" rtl="0" eaLnBrk="0" fontAlgn="base" latinLnBrk="0" hangingPunct="0">
+              <a:lnSpc>
+                <a:spcPct val="100000"/>
+              </a:lnSpc>
+              <a:spcBef>
+                <a:spcPct val="0"/>
+              </a:spcBef>
+              <a:spcAft>
+                <a:spcPct val="0"/>
+              </a:spcAft>
+              <a:buClrTx/>
+              <a:buSzTx/>
+              <a:buFontTx/>
+              <a:buNone/>
+              <a:tabLst/>
+            </a:pPr>
+            <a:r>
+              <a:rPr kumimoji="0" lang="en-US" sz="1800" b="0" i="0" u="none" strike="noStrike" cap="none" normalizeH="0" baseline="0" smtClean="0">
+                <a:ln>
+                  <a:noFill/>
+                </a:ln>
+                <a:solidFill>
+                  <a:schemeClr val="tx1"/>
+                </a:solidFill>
+                <a:effectLst/>
+                <a:latin typeface="Arial" pitchFamily="34" charset="0"/>
+                <a:cs typeface="Arial" pitchFamily="34" charset="0"/>
+              </a:rPr>
+              <a:t/>
+            </a:r>
+            <a:br>
+              <a:rPr kumimoji="0" lang="en-US" sz="1800" b="0" i="0" u="none" strike="noStrike" cap="none" normalizeH="0" baseline="0" smtClean="0">
+                <a:ln>
+                  <a:noFill/>
+                </a:ln>
+                <a:solidFill>
+                  <a:schemeClr val="tx1"/>
+                </a:solidFill>
+                <a:effectLst/>
+                <a:latin typeface="Arial" pitchFamily="34" charset="0"/>
+                <a:cs typeface="Arial" pitchFamily="34" charset="0"/>
+              </a:rPr>
+            </a:br>
+            <a:endParaRPr kumimoji="0" lang="en-US" sz="1800" b="0" i="0" u="none" strike="noStrike" cap="none" normalizeH="0" baseline="0" smtClean="0">
+              <a:ln>
+                <a:noFill/>
+              </a:ln>
+              <a:solidFill>
+                <a:schemeClr val="tx1"/>
+              </a:solidFill>
+              <a:effectLst/>
+              <a:latin typeface="Arial" pitchFamily="34" charset="0"/>
+              <a:cs typeface="Arial" pitchFamily="34" charset="0"/>
+            </a:endParaRPr>
+          </a:p>
+          <a:p>
+            <a:pPr marL="0" marR="0" lvl="0" indent="0" algn="l" defTabSz="914400" rtl="0" eaLnBrk="0" fontAlgn="base" latinLnBrk="0" hangingPunct="0">
+              <a:lnSpc>
+                <a:spcPct val="100000"/>
+              </a:lnSpc>
+              <a:spcBef>
+                <a:spcPct val="0"/>
+              </a:spcBef>
+              <a:spcAft>
+                <a:spcPct val="0"/>
+              </a:spcAft>
+              <a:buClrTx/>
+              <a:buSzTx/>
+              <a:buFontTx/>
+              <a:buNone/>
+              <a:tabLst/>
+            </a:pPr>
+            <a:r>
+              <a:rPr kumimoji="0" lang="en-US" sz="1800" b="0" i="0" u="none" strike="noStrike" cap="none" normalizeH="0" baseline="0" smtClean="0">
+                <a:ln>
+                  <a:noFill/>
+                </a:ln>
+                <a:solidFill>
+                  <a:srgbClr val="000000"/>
+                </a:solidFill>
+                <a:effectLst/>
+                <a:latin typeface="Arial" pitchFamily="34" charset="0"/>
+                <a:cs typeface="Arial" pitchFamily="34" charset="0"/>
+              </a:rPr>
+              <a:t>6Hz</a:t>
+            </a:r>
+            <a:endParaRPr kumimoji="0" lang="en-US" sz="800" b="0" i="0" u="none" strike="noStrike" cap="none" normalizeH="0" baseline="0" smtClean="0">
+              <a:ln>
+                <a:noFill/>
+              </a:ln>
+              <a:solidFill>
+                <a:schemeClr val="tx1"/>
+              </a:solidFill>
+              <a:effectLst/>
+              <a:latin typeface="Arial" pitchFamily="34" charset="0"/>
+              <a:cs typeface="Arial" pitchFamily="34" charset="0"/>
+            </a:endParaRPr>
+          </a:p>
+          <a:p>
+            <a:pPr marL="0" marR="0" lvl="0" indent="0" algn="l" defTabSz="914400" rtl="0" eaLnBrk="0" fontAlgn="base" latinLnBrk="0" hangingPunct="0">
+              <a:lnSpc>
+                <a:spcPct val="100000"/>
+              </a:lnSpc>
+              <a:spcBef>
+                <a:spcPct val="0"/>
+              </a:spcBef>
+              <a:spcAft>
+                <a:spcPct val="0"/>
+              </a:spcAft>
+              <a:buClrTx/>
+              <a:buSzTx/>
+              <a:buFontTx/>
+              <a:buNone/>
+              <a:tabLst/>
+            </a:pPr>
+            <a:endParaRPr kumimoji="0" lang="en-US" sz="800" b="0" i="0" u="none" strike="noStrike" cap="none" normalizeH="0" baseline="0" smtClean="0">
+              <a:ln>
+                <a:noFill/>
+              </a:ln>
+              <a:solidFill>
+                <a:schemeClr val="tx1"/>
+              </a:solidFill>
+              <a:effectLst/>
+              <a:latin typeface="Arial" pitchFamily="34" charset="0"/>
+              <a:cs typeface="Arial" pitchFamily="34" charset="0"/>
+            </a:endParaRPr>
+          </a:p>
+          <a:p>
+            <a:pPr marL="0" marR="0" lvl="0" indent="0" algn="l" defTabSz="914400" rtl="0" eaLnBrk="0" fontAlgn="base" latinLnBrk="0" hangingPunct="0">
+              <a:lnSpc>
+                <a:spcPct val="100000"/>
+              </a:lnSpc>
+              <a:spcBef>
+                <a:spcPct val="0"/>
+              </a:spcBef>
+              <a:spcAft>
+                <a:spcPct val="0"/>
+              </a:spcAft>
+              <a:buClrTx/>
+              <a:buSzTx/>
+              <a:buFontTx/>
+              <a:buNone/>
+              <a:tabLst/>
+            </a:pPr>
+            <a:r>
+              <a:rPr kumimoji="0" lang="en-US" sz="1800" b="0" i="0" u="none" strike="noStrike" cap="none" normalizeH="0" baseline="0" smtClean="0">
+                <a:ln>
+                  <a:noFill/>
+                </a:ln>
+                <a:solidFill>
+                  <a:schemeClr val="tx1"/>
+                </a:solidFill>
+                <a:effectLst/>
+                <a:latin typeface="Arial" pitchFamily="34" charset="0"/>
+                <a:cs typeface="Arial" pitchFamily="34" charset="0"/>
+              </a:rPr>
+              <a:t/>
+            </a:r>
+            <a:br>
+              <a:rPr kumimoji="0" lang="en-US" sz="1800" b="0" i="0" u="none" strike="noStrike" cap="none" normalizeH="0" baseline="0" smtClean="0">
+                <a:ln>
+                  <a:noFill/>
+                </a:ln>
+                <a:solidFill>
+                  <a:schemeClr val="tx1"/>
+                </a:solidFill>
+                <a:effectLst/>
+                <a:latin typeface="Arial" pitchFamily="34" charset="0"/>
+                <a:cs typeface="Arial" pitchFamily="34" charset="0"/>
+              </a:rPr>
+            </a:br>
+            <a:endParaRPr kumimoji="0" lang="en-US" sz="1800" b="0" i="0" u="none" strike="noStrike" cap="none" normalizeH="0" baseline="0" smtClean="0">
+              <a:ln>
+                <a:noFill/>
+              </a:ln>
+              <a:solidFill>
+                <a:schemeClr val="tx1"/>
+              </a:solidFill>
+              <a:effectLst/>
+              <a:latin typeface="Arial" pitchFamily="34" charset="0"/>
+              <a:cs typeface="Arial" pitchFamily="34" charset="0"/>
+            </a:endParaRPr>
+          </a:p>
+          <a:p>
+            <a:pPr marL="0" marR="0" lvl="0" indent="0" algn="l" defTabSz="914400" rtl="0" eaLnBrk="0" fontAlgn="base" latinLnBrk="0" hangingPunct="0">
+              <a:lnSpc>
+                <a:spcPct val="100000"/>
+              </a:lnSpc>
+              <a:spcBef>
+                <a:spcPct val="0"/>
+              </a:spcBef>
+              <a:spcAft>
+                <a:spcPct val="0"/>
+              </a:spcAft>
+              <a:buClrTx/>
+              <a:buSzTx/>
+              <a:buFontTx/>
+              <a:buNone/>
+              <a:tabLst/>
+            </a:pPr>
+            <a:r>
+              <a:rPr kumimoji="0" lang="en-US" sz="1800" b="0" i="0" u="none" strike="noStrike" cap="none" normalizeH="0" baseline="0" smtClean="0">
+                <a:ln>
+                  <a:noFill/>
+                </a:ln>
+                <a:solidFill>
+                  <a:srgbClr val="000000"/>
+                </a:solidFill>
+                <a:effectLst/>
+                <a:latin typeface="Arial" pitchFamily="34" charset="0"/>
+                <a:cs typeface="Arial" pitchFamily="34" charset="0"/>
+              </a:rPr>
+              <a:t>10Hz</a:t>
+            </a:r>
+            <a:endParaRPr kumimoji="0" lang="en-US" sz="800" b="0" i="0" u="none" strike="noStrike" cap="none" normalizeH="0" baseline="0" smtClean="0">
+              <a:ln>
+                <a:noFill/>
+              </a:ln>
+              <a:solidFill>
+                <a:schemeClr val="tx1"/>
+              </a:solidFill>
+              <a:effectLst/>
+              <a:latin typeface="Arial" pitchFamily="34" charset="0"/>
+              <a:cs typeface="Arial" pitchFamily="34" charset="0"/>
+            </a:endParaRPr>
+          </a:p>
+          <a:p>
+            <a:pPr marL="0" marR="0" lvl="0" indent="0" algn="l" defTabSz="914400" rtl="0" eaLnBrk="0" fontAlgn="base" latinLnBrk="0" hangingPunct="0">
+              <a:lnSpc>
+                <a:spcPct val="100000"/>
+              </a:lnSpc>
+              <a:spcBef>
+                <a:spcPct val="0"/>
+              </a:spcBef>
+              <a:spcAft>
+                <a:spcPct val="0"/>
+              </a:spcAft>
+              <a:buClrTx/>
+              <a:buSzTx/>
+              <a:buFontTx/>
+              <a:buNone/>
+              <a:tabLst/>
+            </a:pPr>
+            <a:endParaRPr kumimoji="0" lang="en-US" sz="800" b="0" i="0" u="none" strike="noStrike" cap="none" normalizeH="0" baseline="0" smtClean="0">
+              <a:ln>
+                <a:noFill/>
+              </a:ln>
+              <a:solidFill>
+                <a:schemeClr val="tx1"/>
+              </a:solidFill>
+              <a:effectLst/>
+              <a:latin typeface="Arial" pitchFamily="34" charset="0"/>
+              <a:cs typeface="Arial" pitchFamily="34" charset="0"/>
+            </a:endParaRPr>
+          </a:p>
+          <a:p>
+            <a:pPr marL="0" marR="0" lvl="0" indent="0" algn="l" defTabSz="914400" rtl="0" eaLnBrk="0" fontAlgn="base" latinLnBrk="0" hangingPunct="0">
+              <a:lnSpc>
+                <a:spcPct val="100000"/>
+              </a:lnSpc>
+              <a:spcBef>
+                <a:spcPct val="0"/>
+              </a:spcBef>
+              <a:spcAft>
+                <a:spcPct val="0"/>
+              </a:spcAft>
+              <a:buClrTx/>
+              <a:buSzTx/>
+              <a:buFontTx/>
+              <a:buNone/>
+              <a:tabLst/>
+            </a:pPr>
+            <a:r>
+              <a:rPr kumimoji="0" lang="en-US" sz="1800" b="0" i="0" u="none" strike="noStrike" cap="none" normalizeH="0" baseline="0" smtClean="0">
+                <a:ln>
+                  <a:noFill/>
+                </a:ln>
+                <a:solidFill>
+                  <a:schemeClr val="tx1"/>
+                </a:solidFill>
+                <a:effectLst/>
+                <a:latin typeface="Arial" pitchFamily="34" charset="0"/>
+                <a:cs typeface="Arial" pitchFamily="34" charset="0"/>
+              </a:rPr>
+              <a:t/>
+            </a:r>
+            <a:br>
+              <a:rPr kumimoji="0" lang="en-US" sz="1800" b="0" i="0" u="none" strike="noStrike" cap="none" normalizeH="0" baseline="0" smtClean="0">
+                <a:ln>
+                  <a:noFill/>
+                </a:ln>
+                <a:solidFill>
+                  <a:schemeClr val="tx1"/>
+                </a:solidFill>
+                <a:effectLst/>
+                <a:latin typeface="Arial" pitchFamily="34" charset="0"/>
+                <a:cs typeface="Arial" pitchFamily="34" charset="0"/>
+              </a:rPr>
+            </a:br>
+            <a:endParaRPr kumimoji="0" lang="en-US" sz="1800" b="0" i="0" u="none" strike="noStrike" cap="none" normalizeH="0" baseline="0" smtClean="0">
+              <a:ln>
+                <a:noFill/>
+              </a:ln>
+              <a:solidFill>
+                <a:schemeClr val="tx1"/>
+              </a:solidFill>
+              <a:effectLst/>
+              <a:latin typeface="Arial" pitchFamily="34" charset="0"/>
+              <a:cs typeface="Arial" pitchFamily="34" charset="0"/>
+            </a:endParaRPr>
+          </a:p>
+          <a:p>
+            <a:pPr marL="0" marR="0" lvl="0" indent="0" algn="l" defTabSz="914400" rtl="0" eaLnBrk="0" fontAlgn="base" latinLnBrk="0" hangingPunct="0">
+              <a:lnSpc>
+                <a:spcPct val="100000"/>
+              </a:lnSpc>
+              <a:spcBef>
+                <a:spcPct val="0"/>
+              </a:spcBef>
+              <a:spcAft>
+                <a:spcPct val="0"/>
+              </a:spcAft>
+              <a:buClrTx/>
+              <a:buSzTx/>
+              <a:buFontTx/>
+              <a:buNone/>
+              <a:tabLst/>
+            </a:pPr>
+            <a:r>
+              <a:rPr kumimoji="0" lang="en-US" sz="1800" b="0" i="0" u="none" strike="noStrike" cap="none" normalizeH="0" baseline="0" smtClean="0">
+                <a:ln>
+                  <a:noFill/>
+                </a:ln>
+                <a:solidFill>
+                  <a:srgbClr val="000000"/>
+                </a:solidFill>
+                <a:effectLst/>
+                <a:latin typeface="Arial" pitchFamily="34" charset="0"/>
+                <a:cs typeface="Arial" pitchFamily="34" charset="0"/>
+              </a:rPr>
+              <a:t>10Hz</a:t>
+            </a:r>
+            <a:endParaRPr kumimoji="0" lang="en-US" sz="800" b="0" i="0" u="none" strike="noStrike" cap="none" normalizeH="0" baseline="0" smtClean="0">
+              <a:ln>
+                <a:noFill/>
+              </a:ln>
+              <a:solidFill>
+                <a:schemeClr val="tx1"/>
+              </a:solidFill>
+              <a:effectLst/>
+              <a:latin typeface="Arial" pitchFamily="34" charset="0"/>
+              <a:cs typeface="Arial" pitchFamily="34" charset="0"/>
+            </a:endParaRPr>
+          </a:p>
+          <a:p>
+            <a:pPr marL="0" marR="0" lvl="0" indent="0" algn="l" defTabSz="914400" rtl="0" eaLnBrk="0" fontAlgn="base" latinLnBrk="0" hangingPunct="0">
+              <a:lnSpc>
+                <a:spcPct val="100000"/>
+              </a:lnSpc>
+              <a:spcBef>
+                <a:spcPct val="0"/>
+              </a:spcBef>
+              <a:spcAft>
+                <a:spcPct val="0"/>
+              </a:spcAft>
+              <a:buClrTx/>
+              <a:buSzTx/>
+              <a:buFontTx/>
+              <a:buNone/>
+              <a:tabLst/>
+            </a:pPr>
+            <a:endParaRPr kumimoji="0" lang="en-US" sz="800" b="0" i="0" u="none" strike="noStrike" cap="none" normalizeH="0" baseline="0" smtClean="0">
+              <a:ln>
+                <a:noFill/>
+              </a:ln>
+              <a:solidFill>
+                <a:schemeClr val="tx1"/>
+              </a:solidFill>
+              <a:effectLst/>
+              <a:latin typeface="Arial" pitchFamily="34" charset="0"/>
+              <a:cs typeface="Arial" pitchFamily="34" charset="0"/>
+            </a:endParaRPr>
+          </a:p>
+          <a:p>
+            <a:pPr marL="0" marR="0" lvl="0" indent="0" algn="l" defTabSz="914400" rtl="0" eaLnBrk="0" fontAlgn="base" latinLnBrk="0" hangingPunct="0">
+              <a:lnSpc>
+                <a:spcPct val="100000"/>
+              </a:lnSpc>
+              <a:spcBef>
+                <a:spcPct val="0"/>
+              </a:spcBef>
+              <a:spcAft>
+                <a:spcPct val="0"/>
+              </a:spcAft>
+              <a:buClrTx/>
+              <a:buSzTx/>
+              <a:buFontTx/>
+              <a:buNone/>
+              <a:tabLst/>
+            </a:pPr>
+            <a:r>
+              <a:rPr kumimoji="0" lang="en-US" sz="1800" b="0" i="0" u="none" strike="noStrike" cap="none" normalizeH="0" baseline="0" smtClean="0">
+                <a:ln>
+                  <a:noFill/>
+                </a:ln>
+                <a:solidFill>
+                  <a:schemeClr val="tx1"/>
+                </a:solidFill>
+                <a:effectLst/>
+                <a:latin typeface="Arial" pitchFamily="34" charset="0"/>
+                <a:cs typeface="Arial" pitchFamily="34" charset="0"/>
+              </a:rPr>
+              <a:t/>
+            </a:r>
+            <a:br>
+              <a:rPr kumimoji="0" lang="en-US" sz="1800" b="0" i="0" u="none" strike="noStrike" cap="none" normalizeH="0" baseline="0" smtClean="0">
+                <a:ln>
+                  <a:noFill/>
+                </a:ln>
+                <a:solidFill>
+                  <a:schemeClr val="tx1"/>
+                </a:solidFill>
+                <a:effectLst/>
+                <a:latin typeface="Arial" pitchFamily="34" charset="0"/>
+                <a:cs typeface="Arial" pitchFamily="34" charset="0"/>
+              </a:rPr>
+            </a:br>
+            <a:endParaRPr kumimoji="0" lang="en-US" sz="1800" b="0" i="0" u="none" strike="noStrike" cap="none" normalizeH="0" baseline="0" smtClean="0">
+              <a:ln>
+                <a:noFill/>
+              </a:ln>
+              <a:solidFill>
+                <a:schemeClr val="tx1"/>
+              </a:solidFill>
+              <a:effectLst/>
+              <a:latin typeface="Arial" pitchFamily="34" charset="0"/>
+              <a:cs typeface="Arial" pitchFamily="34" charset="0"/>
+            </a:endParaRPr>
+          </a:p>
+          <a:p>
+            <a:pPr marL="0" marR="0" lvl="0" indent="0" algn="l" defTabSz="914400" rtl="0" eaLnBrk="0" fontAlgn="base" latinLnBrk="0" hangingPunct="0">
+              <a:lnSpc>
+                <a:spcPct val="100000"/>
+              </a:lnSpc>
+              <a:spcBef>
+                <a:spcPct val="0"/>
+              </a:spcBef>
+              <a:spcAft>
+                <a:spcPct val="0"/>
+              </a:spcAft>
+              <a:buClrTx/>
+              <a:buSzTx/>
+              <a:buFontTx/>
+              <a:buNone/>
+              <a:tabLst/>
+            </a:pPr>
+            <a:r>
+              <a:rPr kumimoji="0" lang="en-US" sz="1800" b="0" i="0" u="none" strike="noStrike" cap="none" normalizeH="0" baseline="0" smtClean="0">
+                <a:ln>
+                  <a:noFill/>
+                </a:ln>
+                <a:solidFill>
+                  <a:srgbClr val="000000"/>
+                </a:solidFill>
+                <a:effectLst/>
+                <a:latin typeface="Arial" pitchFamily="34" charset="0"/>
+                <a:cs typeface="Arial" pitchFamily="34" charset="0"/>
+              </a:rPr>
+              <a:t>15Hz</a:t>
+            </a:r>
+            <a:endParaRPr kumimoji="0" lang="en-US" sz="800" b="0" i="0" u="none" strike="noStrike" cap="none" normalizeH="0" baseline="0" smtClean="0">
+              <a:ln>
+                <a:noFill/>
+              </a:ln>
+              <a:solidFill>
+                <a:schemeClr val="tx1"/>
+              </a:solidFill>
+              <a:effectLst/>
+              <a:latin typeface="Arial" pitchFamily="34" charset="0"/>
+              <a:cs typeface="Arial" pitchFamily="34" charset="0"/>
+            </a:endParaRPr>
+          </a:p>
+          <a:p>
+            <a:pPr marL="0" marR="0" lvl="0" indent="0" algn="l" defTabSz="914400" rtl="0" eaLnBrk="0" fontAlgn="base" latinLnBrk="0" hangingPunct="0">
+              <a:lnSpc>
+                <a:spcPct val="100000"/>
+              </a:lnSpc>
+              <a:spcBef>
+                <a:spcPct val="0"/>
+              </a:spcBef>
+              <a:spcAft>
+                <a:spcPct val="0"/>
+              </a:spcAft>
+              <a:buClrTx/>
+              <a:buSzTx/>
+              <a:buFontTx/>
+              <a:buNone/>
+              <a:tabLst/>
+            </a:pPr>
+            <a:endParaRPr kumimoji="0" lang="en-US" sz="800" b="0" i="0" u="none" strike="noStrike" cap="none" normalizeH="0" baseline="0" smtClean="0">
+              <a:ln>
+                <a:noFill/>
+              </a:ln>
+              <a:solidFill>
+                <a:schemeClr val="tx1"/>
+              </a:solidFill>
+              <a:effectLst/>
+              <a:latin typeface="Arial" pitchFamily="34" charset="0"/>
+              <a:cs typeface="Arial" pitchFamily="34" charset="0"/>
+            </a:endParaRPr>
+          </a:p>
+          <a:p>
+            <a:pPr marL="0" marR="0" lvl="0" indent="0" algn="l" defTabSz="914400" rtl="0" eaLnBrk="0" fontAlgn="base" latinLnBrk="0" hangingPunct="0">
+              <a:lnSpc>
+                <a:spcPct val="100000"/>
+              </a:lnSpc>
+              <a:spcBef>
+                <a:spcPct val="0"/>
+              </a:spcBef>
+              <a:spcAft>
+                <a:spcPct val="0"/>
+              </a:spcAft>
+              <a:buClrTx/>
+              <a:buSzTx/>
+              <a:buFontTx/>
+              <a:buNone/>
+              <a:tabLst/>
+            </a:pPr>
+            <a:r>
+              <a:rPr kumimoji="0" lang="en-US" sz="1800" b="0" i="0" u="none" strike="noStrike" cap="none" normalizeH="0" baseline="0" smtClean="0">
+                <a:ln>
+                  <a:noFill/>
+                </a:ln>
+                <a:solidFill>
+                  <a:schemeClr val="tx1"/>
+                </a:solidFill>
+                <a:effectLst/>
+                <a:latin typeface="Arial" pitchFamily="34" charset="0"/>
+                <a:cs typeface="Arial" pitchFamily="34" charset="0"/>
+              </a:rPr>
+              <a:t/>
+            </a:r>
+            <a:br>
+              <a:rPr kumimoji="0" lang="en-US" sz="1800" b="0" i="0" u="none" strike="noStrike" cap="none" normalizeH="0" baseline="0" smtClean="0">
+                <a:ln>
+                  <a:noFill/>
+                </a:ln>
+                <a:solidFill>
+                  <a:schemeClr val="tx1"/>
+                </a:solidFill>
+                <a:effectLst/>
+                <a:latin typeface="Arial" pitchFamily="34" charset="0"/>
+                <a:cs typeface="Arial" pitchFamily="34" charset="0"/>
+              </a:rPr>
+            </a:br>
+            <a:endParaRPr kumimoji="0" lang="en-US" sz="1800" b="0" i="0" u="none" strike="noStrike" cap="none" normalizeH="0" baseline="0" smtClean="0">
+              <a:ln>
+                <a:noFill/>
+              </a:ln>
+              <a:solidFill>
+                <a:schemeClr val="tx1"/>
+              </a:solidFill>
+              <a:effectLst/>
+              <a:latin typeface="Arial" pitchFamily="34" charset="0"/>
+              <a:cs typeface="Arial" pitchFamily="34" charset="0"/>
+            </a:endParaRPr>
+          </a:p>
+          <a:p>
+            <a:pPr marL="0" marR="0" lvl="0" indent="0" algn="l" defTabSz="914400" rtl="0" eaLnBrk="0" fontAlgn="base" latinLnBrk="0" hangingPunct="0">
+              <a:lnSpc>
+                <a:spcPct val="100000"/>
+              </a:lnSpc>
+              <a:spcBef>
+                <a:spcPct val="0"/>
+              </a:spcBef>
+              <a:spcAft>
+                <a:spcPct val="0"/>
+              </a:spcAft>
+              <a:buClrTx/>
+              <a:buSzTx/>
+              <a:buFontTx/>
+              <a:buNone/>
+              <a:tabLst/>
+            </a:pPr>
+            <a:r>
+              <a:rPr kumimoji="0" lang="en-US" sz="1800" b="0" i="0" u="none" strike="noStrike" cap="none" normalizeH="0" baseline="0" smtClean="0">
+                <a:ln>
+                  <a:noFill/>
+                </a:ln>
+                <a:solidFill>
+                  <a:srgbClr val="000000"/>
+                </a:solidFill>
+                <a:effectLst/>
+                <a:latin typeface="Arial" pitchFamily="34" charset="0"/>
+                <a:cs typeface="Arial" pitchFamily="34" charset="0"/>
+              </a:rPr>
+              <a:t>15Hz</a:t>
+            </a:r>
+            <a:endParaRPr kumimoji="0" lang="en-US" sz="800" b="0" i="0" u="none" strike="noStrike" cap="none" normalizeH="0" baseline="0" smtClean="0">
+              <a:ln>
+                <a:noFill/>
+              </a:ln>
+              <a:solidFill>
+                <a:schemeClr val="tx1"/>
+              </a:solidFill>
+              <a:effectLst/>
+              <a:latin typeface="Arial" pitchFamily="34" charset="0"/>
+              <a:cs typeface="Arial" pitchFamily="34" charset="0"/>
+            </a:endParaRPr>
+          </a:p>
+          <a:p>
+            <a:pPr marL="0" marR="0" lvl="0" indent="0" algn="l" defTabSz="914400" rtl="0" eaLnBrk="0" fontAlgn="base" latinLnBrk="0" hangingPunct="0">
+              <a:lnSpc>
+                <a:spcPct val="100000"/>
+              </a:lnSpc>
+              <a:spcBef>
+                <a:spcPct val="0"/>
+              </a:spcBef>
+              <a:spcAft>
+                <a:spcPct val="0"/>
+              </a:spcAft>
+              <a:buClrTx/>
+              <a:buSzTx/>
+              <a:buFontTx/>
+              <a:buNone/>
+              <a:tabLst/>
+            </a:pPr>
+            <a:r>
+              <a:rPr kumimoji="0" lang="en-US" sz="1800" b="0" i="0" u="none" strike="noStrike" cap="none" normalizeH="0" baseline="0" smtClean="0">
+                <a:ln>
+                  <a:noFill/>
+                </a:ln>
+                <a:solidFill>
+                  <a:schemeClr val="tx1"/>
+                </a:solidFill>
+                <a:effectLst/>
+                <a:latin typeface="Arial" pitchFamily="34" charset="0"/>
+                <a:cs typeface="Arial" pitchFamily="34" charset="0"/>
+              </a:rPr>
+              <a:t/>
+            </a:r>
+            <a:br>
+              <a:rPr kumimoji="0" lang="en-US" sz="1800" b="0" i="0" u="none" strike="noStrike" cap="none" normalizeH="0" baseline="0" smtClean="0">
+                <a:ln>
+                  <a:noFill/>
+                </a:ln>
+                <a:solidFill>
+                  <a:schemeClr val="tx1"/>
+                </a:solidFill>
+                <a:effectLst/>
+                <a:latin typeface="Arial" pitchFamily="34" charset="0"/>
+                <a:cs typeface="Arial" pitchFamily="34" charset="0"/>
+              </a:rPr>
+            </a:br>
+            <a:endParaRPr kumimoji="0" lang="en-US" sz="1800" b="0" i="0" u="none" strike="noStrike" cap="none" normalizeH="0" baseline="0" smtClean="0">
+              <a:ln>
+                <a:noFill/>
+              </a:ln>
+              <a:solidFill>
+                <a:schemeClr val="tx1"/>
+              </a:solidFill>
+              <a:effectLst/>
+              <a:latin typeface="Arial" pitchFamily="34" charset="0"/>
+              <a:cs typeface="Arial" pitchFamily="34" charset="0"/>
+            </a:endParaRPr>
+          </a:p>
+        </p:txBody>
+      </p:sp>
       <p:pic>
         <p:nvPicPr>
-          <p:cNvPr id="1026" name="Picture 2"/>
+          <p:cNvPr id="5122" name="Picture 2" descr="https://lh3.googleusercontent.com/RRWLZMYVfWz0sWgzR2pPkf2ln978Sz-3v7hLt2_M4hJVmywZjovCj8GSrNjW5w5RsBg5VTBaHpqNz1aDuwbI7D_xfiKUHywSywSeYZwHZdmRZ3EryM-2vkVUR8W31gk72W5pSfgBA0X3zXECkQ"/>
           <p:cNvPicPr>
             <a:picLocks noChangeAspect="1" noChangeArrowheads="1"/>
           </p:cNvPicPr>
@@ -3040,25 +4264,19 @@
         </p:blipFill>
         <p:spPr bwMode="auto">
           <a:xfrm>
-            <a:off x="6185140" y="1959904"/>
-            <a:ext cx="5790481" cy="3267223"/>
+            <a:off x="5296619" y="1750796"/>
+            <a:ext cx="6353870" cy="3718018"/>
           </a:xfrm>
           <a:prstGeom prst="rect">
             <a:avLst/>
           </a:prstGeom>
           <a:noFill/>
-          <a:ln w="9525">
-            <a:noFill/>
-            <a:miter lim="800000"/>
-            <a:headEnd/>
-            <a:tailEnd/>
-          </a:ln>
         </p:spPr>
       </p:pic>
     </p:spTree>
     <p:extLst>
       <p:ext uri="{BB962C8B-B14F-4D97-AF65-F5344CB8AC3E}">
-        <p14:creationId xmlns:p14="http://schemas.microsoft.com/office/powerpoint/2010/main" xmlns="" val="2798779998"/>
+        <p14:creationId xmlns="" xmlns:p14="http://schemas.microsoft.com/office/powerpoint/2010/main" val="2798779998"/>
       </p:ext>
     </p:extLst>
   </p:cSld>
@@ -3090,7 +4308,7 @@
           <p:cNvPr id="2" name="Titel 1">
             <a:extLst>
               <a:ext uri="{FF2B5EF4-FFF2-40B4-BE49-F238E27FC236}">
-                <a16:creationId xmlns:a16="http://schemas.microsoft.com/office/drawing/2014/main" xmlns="" id="{B95BCD18-302D-4FB0-B92D-F59B773B6833}"/>
+                <a16:creationId xmlns="" xmlns:a16="http://schemas.microsoft.com/office/drawing/2014/main" id="{B95BCD18-302D-4FB0-B92D-F59B773B6833}"/>
               </a:ext>
             </a:extLst>
           </p:cNvPr>
@@ -3119,7 +4337,7 @@
           <p:cNvPr id="3" name="Inhaltsplatzhalter 2">
             <a:extLst>
               <a:ext uri="{FF2B5EF4-FFF2-40B4-BE49-F238E27FC236}">
-                <a16:creationId xmlns:a16="http://schemas.microsoft.com/office/drawing/2014/main" xmlns="" id="{E59E5E55-ADA9-4327-85CF-331D2393859F}"/>
+                <a16:creationId xmlns="" xmlns:a16="http://schemas.microsoft.com/office/drawing/2014/main" id="{E59E5E55-ADA9-4327-85CF-331D2393859F}"/>
               </a:ext>
             </a:extLst>
           </p:cNvPr>
@@ -3153,7 +4371,7 @@
           <p:cNvPr id="4" name="Grafik 3">
             <a:extLst>
               <a:ext uri="{FF2B5EF4-FFF2-40B4-BE49-F238E27FC236}">
-                <a16:creationId xmlns:a16="http://schemas.microsoft.com/office/drawing/2014/main" xmlns="" id="{300411DF-B2A6-4A2A-8E76-2F8AA3F86A8B}"/>
+                <a16:creationId xmlns="" xmlns:a16="http://schemas.microsoft.com/office/drawing/2014/main" id="{300411DF-B2A6-4A2A-8E76-2F8AA3F86A8B}"/>
               </a:ext>
             </a:extLst>
           </p:cNvPr>
@@ -3166,7 +4384,7 @@
           <a:blip r:embed="rId2" cstate="print">
             <a:extLst>
               <a:ext uri="{28A0092B-C50C-407E-A947-70E740481C1C}">
-                <a14:useLocalDpi xmlns:a14="http://schemas.microsoft.com/office/drawing/2010/main" xmlns="" val="0"/>
+                <a14:useLocalDpi xmlns="" xmlns:a14="http://schemas.microsoft.com/office/drawing/2010/main" val="0"/>
               </a:ext>
             </a:extLst>
           </a:blip>
@@ -3279,7 +4497,7 @@
     </p:spTree>
     <p:extLst>
       <p:ext uri="{BB962C8B-B14F-4D97-AF65-F5344CB8AC3E}">
-        <p14:creationId xmlns:p14="http://schemas.microsoft.com/office/powerpoint/2010/main" xmlns="" val="3829638140"/>
+        <p14:creationId xmlns="" xmlns:p14="http://schemas.microsoft.com/office/powerpoint/2010/main" val="3829638140"/>
       </p:ext>
     </p:extLst>
   </p:cSld>
@@ -3311,7 +4529,7 @@
           <p:cNvPr id="2" name="Titel 1">
             <a:extLst>
               <a:ext uri="{FF2B5EF4-FFF2-40B4-BE49-F238E27FC236}">
-                <a16:creationId xmlns:a16="http://schemas.microsoft.com/office/drawing/2014/main" xmlns="" id="{B95BCD18-302D-4FB0-B92D-F59B773B6833}"/>
+                <a16:creationId xmlns="" xmlns:a16="http://schemas.microsoft.com/office/drawing/2014/main" id="{B95BCD18-302D-4FB0-B92D-F59B773B6833}"/>
               </a:ext>
             </a:extLst>
           </p:cNvPr>
@@ -3340,7 +4558,7 @@
           <p:cNvPr id="3" name="Inhaltsplatzhalter 2">
             <a:extLst>
               <a:ext uri="{FF2B5EF4-FFF2-40B4-BE49-F238E27FC236}">
-                <a16:creationId xmlns:a16="http://schemas.microsoft.com/office/drawing/2014/main" xmlns="" id="{E59E5E55-ADA9-4327-85CF-331D2393859F}"/>
+                <a16:creationId xmlns="" xmlns:a16="http://schemas.microsoft.com/office/drawing/2014/main" id="{E59E5E55-ADA9-4327-85CF-331D2393859F}"/>
               </a:ext>
             </a:extLst>
           </p:cNvPr>
@@ -3399,23 +4617,7 @@
                   <a:srgbClr val="FFFFFF"/>
                 </a:solidFill>
               </a:rPr>
-              <a:t> Keyboard/Mouse Faster - </a:t>
-            </a:r>
-            <a:r>
-              <a:rPr lang="de-DE" b="1" dirty="0" smtClean="0">
-                <a:solidFill>
-                  <a:srgbClr val="FFFFFF"/>
-                </a:solidFill>
-              </a:rPr>
-              <a:t>Limits User </a:t>
-            </a:r>
-            <a:r>
-              <a:rPr lang="de-DE" b="1" dirty="0" smtClean="0">
-                <a:solidFill>
-                  <a:srgbClr val="FFFFFF"/>
-                </a:solidFill>
-              </a:rPr>
-              <a:t>Base</a:t>
+              <a:t> Keyboard/Mouse Faster - Limits User Base</a:t>
             </a:r>
           </a:p>
           <a:p>
@@ -3451,23 +4653,7 @@
                   <a:srgbClr val="FFFFFF"/>
                 </a:solidFill>
               </a:rPr>
-              <a:t>- Makes navigating/exploring </a:t>
-            </a:r>
-            <a:r>
-              <a:rPr lang="de-DE" b="1" dirty="0" smtClean="0">
-                <a:solidFill>
-                  <a:srgbClr val="FFFFFF"/>
-                </a:solidFill>
-              </a:rPr>
-              <a:t>UIs simpler </a:t>
-            </a:r>
-            <a:r>
-              <a:rPr lang="de-DE" b="1" dirty="0" smtClean="0">
-                <a:solidFill>
-                  <a:srgbClr val="FFFFFF"/>
-                </a:solidFill>
-              </a:rPr>
-              <a:t>from an input perspective</a:t>
+              <a:t>- Makes navigating/exploring UIs simpler from an input perspective</a:t>
             </a:r>
           </a:p>
           <a:p>
@@ -3517,15 +4703,7 @@
                   <a:srgbClr val="FFFFFF"/>
                 </a:solidFill>
               </a:rPr>
-              <a:t>Future Developments:</a:t>
-            </a:r>
-            <a:r>
-              <a:rPr lang="de-DE" b="1" dirty="0" smtClean="0">
-                <a:solidFill>
-                  <a:srgbClr val="FFFFFF"/>
-                </a:solidFill>
-              </a:rPr>
-              <a:t> </a:t>
+              <a:t>Future Developments: </a:t>
             </a:r>
           </a:p>
           <a:p>
@@ -3555,50 +4733,32 @@
               </a:rPr>
               <a:t> Make it possible to add new data by answering questions</a:t>
             </a:r>
+          </a:p>
+          <a:p>
+            <a:pPr marL="0" indent="0">
+              <a:buFontTx/>
+              <a:buChar char="-"/>
+            </a:pPr>
+            <a:r>
+              <a:rPr lang="de-DE" b="1" dirty="0" smtClean="0">
+                <a:solidFill>
+                  <a:srgbClr val="FFFFFF"/>
+                </a:solidFill>
+              </a:rPr>
+              <a:t> Adapt Model for Making Recommendations</a:t>
+            </a:r>
+          </a:p>
+          <a:p>
+            <a:pPr marL="0" indent="0">
+              <a:buFontTx/>
+              <a:buChar char="-"/>
+            </a:pPr>
             <a:endParaRPr lang="de-DE" b="1" dirty="0" smtClean="0">
               <a:solidFill>
                 <a:srgbClr val="FFFFFF"/>
               </a:solidFill>
             </a:endParaRPr>
           </a:p>
-          <a:p>
-            <a:pPr marL="0" indent="0">
-              <a:buFontTx/>
-              <a:buChar char="-"/>
-            </a:pPr>
-            <a:r>
-              <a:rPr lang="de-DE" b="1" dirty="0" smtClean="0">
-                <a:solidFill>
-                  <a:srgbClr val="FFFFFF"/>
-                </a:solidFill>
-              </a:rPr>
-              <a:t> </a:t>
-            </a:r>
-            <a:r>
-              <a:rPr lang="de-DE" b="1" dirty="0" smtClean="0">
-                <a:solidFill>
-                  <a:srgbClr val="FFFFFF"/>
-                </a:solidFill>
-              </a:rPr>
-              <a:t>Adapt Model for Making Recommendations</a:t>
-            </a:r>
-            <a:endParaRPr lang="de-DE" b="1" dirty="0" smtClean="0">
-              <a:solidFill>
-                <a:srgbClr val="FFFFFF"/>
-              </a:solidFill>
-            </a:endParaRPr>
-          </a:p>
-          <a:p>
-            <a:pPr marL="0" indent="0">
-              <a:buFontTx/>
-              <a:buChar char="-"/>
-            </a:pPr>
-            <a:endParaRPr lang="de-DE" b="1" dirty="0" smtClean="0">
-              <a:solidFill>
-                <a:srgbClr val="FFFFFF"/>
-              </a:solidFill>
-            </a:endParaRPr>
-          </a:p>
         </p:txBody>
       </p:sp>
       <p:pic>
@@ -3606,7 +4766,7 @@
           <p:cNvPr id="4" name="Grafik 3">
             <a:extLst>
               <a:ext uri="{FF2B5EF4-FFF2-40B4-BE49-F238E27FC236}">
-                <a16:creationId xmlns:a16="http://schemas.microsoft.com/office/drawing/2014/main" xmlns="" id="{300411DF-B2A6-4A2A-8E76-2F8AA3F86A8B}"/>
+                <a16:creationId xmlns="" xmlns:a16="http://schemas.microsoft.com/office/drawing/2014/main" id="{300411DF-B2A6-4A2A-8E76-2F8AA3F86A8B}"/>
               </a:ext>
             </a:extLst>
           </p:cNvPr>
@@ -3619,7 +4779,7 @@
           <a:blip r:embed="rId2" cstate="print">
             <a:extLst>
               <a:ext uri="{28A0092B-C50C-407E-A947-70E740481C1C}">
-                <a14:useLocalDpi xmlns:a14="http://schemas.microsoft.com/office/drawing/2010/main" xmlns="" val="0"/>
+                <a14:useLocalDpi xmlns="" xmlns:a14="http://schemas.microsoft.com/office/drawing/2010/main" val="0"/>
               </a:ext>
             </a:extLst>
           </a:blip>
@@ -3640,7 +4800,7 @@
     </p:spTree>
     <p:extLst>
       <p:ext uri="{BB962C8B-B14F-4D97-AF65-F5344CB8AC3E}">
-        <p14:creationId xmlns:p14="http://schemas.microsoft.com/office/powerpoint/2010/main" xmlns="" val="640049257"/>
+        <p14:creationId xmlns="" xmlns:p14="http://schemas.microsoft.com/office/powerpoint/2010/main" val="640049257"/>
       </p:ext>
     </p:extLst>
   </p:cSld>
@@ -3672,7 +4832,7 @@
           <p:cNvPr id="2" name="Titel 1">
             <a:extLst>
               <a:ext uri="{FF2B5EF4-FFF2-40B4-BE49-F238E27FC236}">
-                <a16:creationId xmlns:a16="http://schemas.microsoft.com/office/drawing/2014/main" xmlns="" id="{B95BCD18-302D-4FB0-B92D-F59B773B6833}"/>
+                <a16:creationId xmlns="" xmlns:a16="http://schemas.microsoft.com/office/drawing/2014/main" id="{B95BCD18-302D-4FB0-B92D-F59B773B6833}"/>
               </a:ext>
             </a:extLst>
           </p:cNvPr>
@@ -3708,7 +4868,7 @@
           <p:cNvPr id="3" name="Inhaltsplatzhalter 2">
             <a:extLst>
               <a:ext uri="{FF2B5EF4-FFF2-40B4-BE49-F238E27FC236}">
-                <a16:creationId xmlns:a16="http://schemas.microsoft.com/office/drawing/2014/main" xmlns="" id="{E59E5E55-ADA9-4327-85CF-331D2393859F}"/>
+                <a16:creationId xmlns="" xmlns:a16="http://schemas.microsoft.com/office/drawing/2014/main" id="{E59E5E55-ADA9-4327-85CF-331D2393859F}"/>
               </a:ext>
             </a:extLst>
           </p:cNvPr>
@@ -3742,7 +4902,7 @@
           <p:cNvPr id="4" name="Grafik 3">
             <a:extLst>
               <a:ext uri="{FF2B5EF4-FFF2-40B4-BE49-F238E27FC236}">
-                <a16:creationId xmlns:a16="http://schemas.microsoft.com/office/drawing/2014/main" xmlns="" id="{300411DF-B2A6-4A2A-8E76-2F8AA3F86A8B}"/>
+                <a16:creationId xmlns="" xmlns:a16="http://schemas.microsoft.com/office/drawing/2014/main" id="{300411DF-B2A6-4A2A-8E76-2F8AA3F86A8B}"/>
               </a:ext>
             </a:extLst>
           </p:cNvPr>
@@ -3755,7 +4915,7 @@
           <a:blip r:embed="rId2" cstate="print">
             <a:extLst>
               <a:ext uri="{28A0092B-C50C-407E-A947-70E740481C1C}">
-                <a14:useLocalDpi xmlns:a14="http://schemas.microsoft.com/office/drawing/2010/main" xmlns="" val="0"/>
+                <a14:useLocalDpi xmlns="" xmlns:a14="http://schemas.microsoft.com/office/drawing/2010/main" val="0"/>
               </a:ext>
             </a:extLst>
           </a:blip>
@@ -3776,7 +4936,7 @@
     </p:spTree>
     <p:extLst>
       <p:ext uri="{BB962C8B-B14F-4D97-AF65-F5344CB8AC3E}">
-        <p14:creationId xmlns:p14="http://schemas.microsoft.com/office/powerpoint/2010/main" xmlns="" val="606855018"/>
+        <p14:creationId xmlns="" xmlns:p14="http://schemas.microsoft.com/office/powerpoint/2010/main" val="606855018"/>
       </p:ext>
     </p:extLst>
   </p:cSld>
@@ -4075,7 +5235,7 @@
   <a:extraClrSchemeLst/>
   <a:extLst>
     <a:ext uri="{05A4C25C-085E-4340-85A3-A5531E510DB2}">
-      <thm15:themeFamily xmlns:thm15="http://schemas.microsoft.com/office/thememl/2012/main" xmlns="" name="Office Theme" id="{62F939B6-93AF-4DB8-9C6B-D6C7DFDC589F}" vid="{4A3C46E8-61CC-4603-A589-7422A47A8E4A}"/>
+      <thm15:themeFamily xmlns="" xmlns:thm15="http://schemas.microsoft.com/office/thememl/2012/main" name="Office Theme" id="{62F939B6-93AF-4DB8-9C6B-D6C7DFDC589F}" vid="{4A3C46E8-61CC-4603-A589-7422A47A8E4A}"/>
     </a:ext>
   </a:extLst>
 </a:theme>
@@ -4336,7 +5496,7 @@
   <a:extraClrSchemeLst/>
   <a:extLst>
     <a:ext uri="{05A4C25C-085E-4340-85A3-A5531E510DB2}">
-      <thm15:themeFamily xmlns:thm15="http://schemas.microsoft.com/office/thememl/2012/main" xmlns="" name="Office Theme" id="{62F939B6-93AF-4DB8-9C6B-D6C7DFDC589F}" vid="{4A3C46E8-61CC-4603-A589-7422A47A8E4A}"/>
+      <thm15:themeFamily xmlns="" xmlns:thm15="http://schemas.microsoft.com/office/thememl/2012/main" name="Office Theme" id="{62F939B6-93AF-4DB8-9C6B-D6C7DFDC589F}" vid="{4A3C46E8-61CC-4603-A589-7422A47A8E4A}"/>
     </a:ext>
   </a:extLst>
 </a:theme>

--- a/presentation/unibrowser-presentation.pptx
+++ b/presentation/unibrowser-presentation.pptx
@@ -118,7 +118,7 @@
   </p:defaultTextStyle>
   <p:extLst>
     <p:ext uri="{EFAFB233-063F-42B5-8137-9DF3F51BA10A}">
-      <p15:sldGuideLst xmlns="" xmlns:p15="http://schemas.microsoft.com/office/powerpoint/2012/main"/>
+      <p15:sldGuideLst xmlns:p15="http://schemas.microsoft.com/office/powerpoint/2012/main" xmlns=""/>
     </p:ext>
   </p:extLst>
 </p:presentation>
@@ -375,7 +375,7 @@
     </p:spTree>
     <p:extLst>
       <p:ext uri="{BB962C8B-B14F-4D97-AF65-F5344CB8AC3E}">
-        <p14:creationId xmlns="" xmlns:p14="http://schemas.microsoft.com/office/powerpoint/2010/main" val="709189723"/>
+        <p14:creationId xmlns:p14="http://schemas.microsoft.com/office/powerpoint/2010/main" xmlns="" val="709189723"/>
       </p:ext>
     </p:extLst>
   </p:cSld>
@@ -505,7 +505,7 @@
           <p:cNvPr id="2" name="Titel 1">
             <a:extLst>
               <a:ext uri="{FF2B5EF4-FFF2-40B4-BE49-F238E27FC236}">
-                <a16:creationId xmlns="" xmlns:a16="http://schemas.microsoft.com/office/drawing/2014/main" id="{C809B7F9-4F10-4592-8C6D-559EC9AFB7F3}"/>
+                <a16:creationId xmlns:a16="http://schemas.microsoft.com/office/drawing/2014/main" xmlns="" id="{C809B7F9-4F10-4592-8C6D-559EC9AFB7F3}"/>
               </a:ext>
             </a:extLst>
           </p:cNvPr>
@@ -543,7 +543,7 @@
           <p:cNvPr id="3" name="Untertitel 2">
             <a:extLst>
               <a:ext uri="{FF2B5EF4-FFF2-40B4-BE49-F238E27FC236}">
-                <a16:creationId xmlns="" xmlns:a16="http://schemas.microsoft.com/office/drawing/2014/main" id="{4BE7CFED-2918-4411-876A-1A61023A72BD}"/>
+                <a16:creationId xmlns:a16="http://schemas.microsoft.com/office/drawing/2014/main" xmlns="" id="{4BE7CFED-2918-4411-876A-1A61023A72BD}"/>
               </a:ext>
             </a:extLst>
           </p:cNvPr>
@@ -612,7 +612,7 @@
     </p:spTree>
     <p:extLst>
       <p:ext uri="{BB962C8B-B14F-4D97-AF65-F5344CB8AC3E}">
-        <p14:creationId xmlns="" xmlns:p14="http://schemas.microsoft.com/office/powerpoint/2010/main" val="3627766916"/>
+        <p14:creationId xmlns:p14="http://schemas.microsoft.com/office/powerpoint/2010/main" xmlns="" val="3627766916"/>
       </p:ext>
     </p:extLst>
   </p:cSld>
@@ -652,7 +652,7 @@
           <p:cNvPr id="2" name="Titel 1">
             <a:extLst>
               <a:ext uri="{FF2B5EF4-FFF2-40B4-BE49-F238E27FC236}">
-                <a16:creationId xmlns="" xmlns:a16="http://schemas.microsoft.com/office/drawing/2014/main" id="{310E1DF0-5330-4BFD-88E2-0B38EC1E4E57}"/>
+                <a16:creationId xmlns:a16="http://schemas.microsoft.com/office/drawing/2014/main" xmlns="" id="{310E1DF0-5330-4BFD-88E2-0B38EC1E4E57}"/>
               </a:ext>
             </a:extLst>
           </p:cNvPr>
@@ -681,7 +681,7 @@
           <p:cNvPr id="3" name="Inhaltsplatzhalter 2">
             <a:extLst>
               <a:ext uri="{FF2B5EF4-FFF2-40B4-BE49-F238E27FC236}">
-                <a16:creationId xmlns="" xmlns:a16="http://schemas.microsoft.com/office/drawing/2014/main" id="{8CBBD72A-6111-4CF1-BA2C-E718A94ECCDC}"/>
+                <a16:creationId xmlns:a16="http://schemas.microsoft.com/office/drawing/2014/main" xmlns="" id="{8CBBD72A-6111-4CF1-BA2C-E718A94ECCDC}"/>
               </a:ext>
             </a:extLst>
           </p:cNvPr>
@@ -737,7 +737,7 @@
     </p:spTree>
     <p:extLst>
       <p:ext uri="{BB962C8B-B14F-4D97-AF65-F5344CB8AC3E}">
-        <p14:creationId xmlns="" xmlns:p14="http://schemas.microsoft.com/office/powerpoint/2010/main" val="2109447741"/>
+        <p14:creationId xmlns:p14="http://schemas.microsoft.com/office/powerpoint/2010/main" xmlns="" val="2109447741"/>
       </p:ext>
     </p:extLst>
   </p:cSld>
@@ -777,7 +777,7 @@
           <p:cNvPr id="2" name="Titel 1">
             <a:extLst>
               <a:ext uri="{FF2B5EF4-FFF2-40B4-BE49-F238E27FC236}">
-                <a16:creationId xmlns="" xmlns:a16="http://schemas.microsoft.com/office/drawing/2014/main" id="{63E4985F-13D5-49BC-889F-73761FE13198}"/>
+                <a16:creationId xmlns:a16="http://schemas.microsoft.com/office/drawing/2014/main" xmlns="" id="{63E4985F-13D5-49BC-889F-73761FE13198}"/>
               </a:ext>
             </a:extLst>
           </p:cNvPr>
@@ -815,7 +815,7 @@
           <p:cNvPr id="3" name="Textplatzhalter 2">
             <a:extLst>
               <a:ext uri="{FF2B5EF4-FFF2-40B4-BE49-F238E27FC236}">
-                <a16:creationId xmlns="" xmlns:a16="http://schemas.microsoft.com/office/drawing/2014/main" id="{A0D6C83C-56BF-474C-8657-0BA3611D613C}"/>
+                <a16:creationId xmlns:a16="http://schemas.microsoft.com/office/drawing/2014/main" xmlns="" id="{A0D6C83C-56BF-474C-8657-0BA3611D613C}"/>
               </a:ext>
             </a:extLst>
           </p:cNvPr>
@@ -940,7 +940,7 @@
           <p:cNvPr id="4" name="Datumsplatzhalter 3">
             <a:extLst>
               <a:ext uri="{FF2B5EF4-FFF2-40B4-BE49-F238E27FC236}">
-                <a16:creationId xmlns="" xmlns:a16="http://schemas.microsoft.com/office/drawing/2014/main" id="{F16B5144-C347-497E-A9FE-8BBE7CE87B6A}"/>
+                <a16:creationId xmlns:a16="http://schemas.microsoft.com/office/drawing/2014/main" xmlns="" id="{F16B5144-C347-497E-A9FE-8BBE7CE87B6A}"/>
               </a:ext>
             </a:extLst>
           </p:cNvPr>
@@ -978,7 +978,7 @@
           <p:cNvPr id="5" name="Fußzeilenplatzhalter 4">
             <a:extLst>
               <a:ext uri="{FF2B5EF4-FFF2-40B4-BE49-F238E27FC236}">
-                <a16:creationId xmlns="" xmlns:a16="http://schemas.microsoft.com/office/drawing/2014/main" id="{0F507366-DE50-49F6-9EBE-7146FEE5D241}"/>
+                <a16:creationId xmlns:a16="http://schemas.microsoft.com/office/drawing/2014/main" xmlns="" id="{0F507366-DE50-49F6-9EBE-7146FEE5D241}"/>
               </a:ext>
             </a:extLst>
           </p:cNvPr>
@@ -1011,7 +1011,7 @@
           <p:cNvPr id="6" name="Foliennummernplatzhalter 5">
             <a:extLst>
               <a:ext uri="{FF2B5EF4-FFF2-40B4-BE49-F238E27FC236}">
-                <a16:creationId xmlns="" xmlns:a16="http://schemas.microsoft.com/office/drawing/2014/main" id="{D36ABCD9-777D-4B92-8F30-3FF548A238FC}"/>
+                <a16:creationId xmlns:a16="http://schemas.microsoft.com/office/drawing/2014/main" xmlns="" id="{D36ABCD9-777D-4B92-8F30-3FF548A238FC}"/>
               </a:ext>
             </a:extLst>
           </p:cNvPr>
@@ -1047,7 +1047,7 @@
     </p:spTree>
     <p:extLst>
       <p:ext uri="{BB962C8B-B14F-4D97-AF65-F5344CB8AC3E}">
-        <p14:creationId xmlns="" xmlns:p14="http://schemas.microsoft.com/office/powerpoint/2010/main" val="2038512978"/>
+        <p14:creationId xmlns:p14="http://schemas.microsoft.com/office/powerpoint/2010/main" xmlns="" val="2038512978"/>
       </p:ext>
     </p:extLst>
   </p:cSld>
@@ -1087,7 +1087,7 @@
           <p:cNvPr id="2" name="Titel 1">
             <a:extLst>
               <a:ext uri="{FF2B5EF4-FFF2-40B4-BE49-F238E27FC236}">
-                <a16:creationId xmlns="" xmlns:a16="http://schemas.microsoft.com/office/drawing/2014/main" id="{A30C2CED-11A1-497E-99AB-6D227123B117}"/>
+                <a16:creationId xmlns:a16="http://schemas.microsoft.com/office/drawing/2014/main" xmlns="" id="{A30C2CED-11A1-497E-99AB-6D227123B117}"/>
               </a:ext>
             </a:extLst>
           </p:cNvPr>
@@ -1125,7 +1125,7 @@
           <p:cNvPr id="3" name="Inhaltsplatzhalter 2">
             <a:extLst>
               <a:ext uri="{FF2B5EF4-FFF2-40B4-BE49-F238E27FC236}">
-                <a16:creationId xmlns="" xmlns:a16="http://schemas.microsoft.com/office/drawing/2014/main" id="{986E38F5-F409-48C9-B29B-969FE245AA45}"/>
+                <a16:creationId xmlns:a16="http://schemas.microsoft.com/office/drawing/2014/main" xmlns="" id="{986E38F5-F409-48C9-B29B-969FE245AA45}"/>
               </a:ext>
             </a:extLst>
           </p:cNvPr>
@@ -1216,7 +1216,7 @@
           <p:cNvPr id="4" name="Textplatzhalter 3">
             <a:extLst>
               <a:ext uri="{FF2B5EF4-FFF2-40B4-BE49-F238E27FC236}">
-                <a16:creationId xmlns="" xmlns:a16="http://schemas.microsoft.com/office/drawing/2014/main" id="{56CC2ABE-71CD-49F3-8C4D-E4ED1DA196B4}"/>
+                <a16:creationId xmlns:a16="http://schemas.microsoft.com/office/drawing/2014/main" xmlns="" id="{56CC2ABE-71CD-49F3-8C4D-E4ED1DA196B4}"/>
               </a:ext>
             </a:extLst>
           </p:cNvPr>
@@ -1285,7 +1285,7 @@
     </p:spTree>
     <p:extLst>
       <p:ext uri="{BB962C8B-B14F-4D97-AF65-F5344CB8AC3E}">
-        <p14:creationId xmlns="" xmlns:p14="http://schemas.microsoft.com/office/powerpoint/2010/main" val="277812240"/>
+        <p14:creationId xmlns:p14="http://schemas.microsoft.com/office/powerpoint/2010/main" xmlns="" val="277812240"/>
       </p:ext>
     </p:extLst>
   </p:cSld>
@@ -1325,7 +1325,7 @@
           <p:cNvPr id="2" name="Titelplatzhalter 1">
             <a:extLst>
               <a:ext uri="{FF2B5EF4-FFF2-40B4-BE49-F238E27FC236}">
-                <a16:creationId xmlns="" xmlns:a16="http://schemas.microsoft.com/office/drawing/2014/main" id="{881F9FD2-61D8-497C-B9D7-2514A8F14D65}"/>
+                <a16:creationId xmlns:a16="http://schemas.microsoft.com/office/drawing/2014/main" xmlns="" id="{881F9FD2-61D8-497C-B9D7-2514A8F14D65}"/>
               </a:ext>
             </a:extLst>
           </p:cNvPr>
@@ -1364,7 +1364,7 @@
           <p:cNvPr id="3" name="Textplatzhalter 2">
             <a:extLst>
               <a:ext uri="{FF2B5EF4-FFF2-40B4-BE49-F238E27FC236}">
-                <a16:creationId xmlns="" xmlns:a16="http://schemas.microsoft.com/office/drawing/2014/main" id="{7076A25D-6B07-459F-8705-679FD15E7C73}"/>
+                <a16:creationId xmlns:a16="http://schemas.microsoft.com/office/drawing/2014/main" xmlns="" id="{7076A25D-6B07-459F-8705-679FD15E7C73}"/>
               </a:ext>
             </a:extLst>
           </p:cNvPr>
@@ -1430,7 +1430,7 @@
     </p:spTree>
     <p:extLst>
       <p:ext uri="{BB962C8B-B14F-4D97-AF65-F5344CB8AC3E}">
-        <p14:creationId xmlns="" xmlns:p14="http://schemas.microsoft.com/office/powerpoint/2010/main" val="231580317"/>
+        <p14:creationId xmlns:p14="http://schemas.microsoft.com/office/powerpoint/2010/main" xmlns="" val="231580317"/>
       </p:ext>
     </p:extLst>
   </p:cSld>
@@ -1746,7 +1746,7 @@
           <p:cNvPr id="6" name="Grafik 5">
             <a:extLst>
               <a:ext uri="{FF2B5EF4-FFF2-40B4-BE49-F238E27FC236}">
-                <a16:creationId xmlns="" xmlns:a16="http://schemas.microsoft.com/office/drawing/2014/main" id="{E45AE606-05AD-4310-A9E7-58A3E4831537}"/>
+                <a16:creationId xmlns:a16="http://schemas.microsoft.com/office/drawing/2014/main" xmlns="" id="{E45AE606-05AD-4310-A9E7-58A3E4831537}"/>
               </a:ext>
             </a:extLst>
           </p:cNvPr>
@@ -1759,7 +1759,7 @@
           <a:blip r:embed="rId2" cstate="print">
             <a:extLst>
               <a:ext uri="{28A0092B-C50C-407E-A947-70E740481C1C}">
-                <a14:useLocalDpi xmlns="" xmlns:a14="http://schemas.microsoft.com/office/drawing/2010/main" val="0"/>
+                <a14:useLocalDpi xmlns:a14="http://schemas.microsoft.com/office/drawing/2010/main" xmlns="" val="0"/>
               </a:ext>
             </a:extLst>
           </a:blip>
@@ -1782,7 +1782,7 @@
           <p:cNvPr id="9" name="Grafik 8">
             <a:extLst>
               <a:ext uri="{FF2B5EF4-FFF2-40B4-BE49-F238E27FC236}">
-                <a16:creationId xmlns="" xmlns:a16="http://schemas.microsoft.com/office/drawing/2014/main" id="{BDE6BFD7-C3AF-4092-9CC3-B0309073A821}"/>
+                <a16:creationId xmlns:a16="http://schemas.microsoft.com/office/drawing/2014/main" xmlns="" id="{BDE6BFD7-C3AF-4092-9CC3-B0309073A821}"/>
               </a:ext>
             </a:extLst>
           </p:cNvPr>
@@ -1795,7 +1795,7 @@
           <a:blip r:embed="rId3" cstate="print">
             <a:extLst>
               <a:ext uri="{28A0092B-C50C-407E-A947-70E740481C1C}">
-                <a14:useLocalDpi xmlns="" xmlns:a14="http://schemas.microsoft.com/office/drawing/2010/main" val="0"/>
+                <a14:useLocalDpi xmlns:a14="http://schemas.microsoft.com/office/drawing/2010/main" xmlns="" val="0"/>
               </a:ext>
             </a:extLst>
           </a:blip>
@@ -1815,7 +1815,7 @@
     </p:spTree>
     <p:extLst>
       <p:ext uri="{BB962C8B-B14F-4D97-AF65-F5344CB8AC3E}">
-        <p14:creationId xmlns="" xmlns:p14="http://schemas.microsoft.com/office/powerpoint/2010/main" val="3514297850"/>
+        <p14:creationId xmlns:p14="http://schemas.microsoft.com/office/powerpoint/2010/main" xmlns="" val="3514297850"/>
       </p:ext>
     </p:extLst>
   </p:cSld>
@@ -1847,7 +1847,7 @@
           <p:cNvPr id="5" name="Grafik 4">
             <a:extLst>
               <a:ext uri="{FF2B5EF4-FFF2-40B4-BE49-F238E27FC236}">
-                <a16:creationId xmlns="" xmlns:a16="http://schemas.microsoft.com/office/drawing/2014/main" id="{59FD2549-F0A0-4ABD-9D12-AE6FE6FCB00F}"/>
+                <a16:creationId xmlns:a16="http://schemas.microsoft.com/office/drawing/2014/main" xmlns="" id="{59FD2549-F0A0-4ABD-9D12-AE6FE6FCB00F}"/>
               </a:ext>
             </a:extLst>
           </p:cNvPr>
@@ -1860,7 +1860,7 @@
           <a:blip r:embed="rId2" cstate="print">
             <a:extLst>
               <a:ext uri="{28A0092B-C50C-407E-A947-70E740481C1C}">
-                <a14:useLocalDpi xmlns="" xmlns:a14="http://schemas.microsoft.com/office/drawing/2010/main" val="0"/>
+                <a14:useLocalDpi xmlns:a14="http://schemas.microsoft.com/office/drawing/2010/main" xmlns="" val="0"/>
               </a:ext>
             </a:extLst>
           </a:blip>
@@ -1882,7 +1882,7 @@
           <p:cNvPr id="7" name="Grafik 6">
             <a:extLst>
               <a:ext uri="{FF2B5EF4-FFF2-40B4-BE49-F238E27FC236}">
-                <a16:creationId xmlns="" xmlns:a16="http://schemas.microsoft.com/office/drawing/2014/main" id="{44BE2D65-01C5-488E-9B3D-B9F150682BF7}"/>
+                <a16:creationId xmlns:a16="http://schemas.microsoft.com/office/drawing/2014/main" xmlns="" id="{44BE2D65-01C5-488E-9B3D-B9F150682BF7}"/>
               </a:ext>
             </a:extLst>
           </p:cNvPr>
@@ -1895,7 +1895,7 @@
           <a:blip r:embed="rId3" cstate="print">
             <a:extLst>
               <a:ext uri="{28A0092B-C50C-407E-A947-70E740481C1C}">
-                <a14:useLocalDpi xmlns="" xmlns:a14="http://schemas.microsoft.com/office/drawing/2010/main" val="0"/>
+                <a14:useLocalDpi xmlns:a14="http://schemas.microsoft.com/office/drawing/2010/main" xmlns="" val="0"/>
               </a:ext>
             </a:extLst>
           </a:blip>
@@ -1918,7 +1918,7 @@
           <p:cNvPr id="11" name="Titel 10">
             <a:extLst>
               <a:ext uri="{FF2B5EF4-FFF2-40B4-BE49-F238E27FC236}">
-                <a16:creationId xmlns="" xmlns:a16="http://schemas.microsoft.com/office/drawing/2014/main" id="{85220CF1-8FE4-4682-994B-810D27DEEEE1}"/>
+                <a16:creationId xmlns:a16="http://schemas.microsoft.com/office/drawing/2014/main" xmlns="" id="{85220CF1-8FE4-4682-994B-810D27DEEEE1}"/>
               </a:ext>
             </a:extLst>
           </p:cNvPr>
@@ -1960,7 +1960,7 @@
           <p:cNvPr id="12" name="Titel 10">
             <a:extLst>
               <a:ext uri="{FF2B5EF4-FFF2-40B4-BE49-F238E27FC236}">
-                <a16:creationId xmlns="" xmlns:a16="http://schemas.microsoft.com/office/drawing/2014/main" id="{46B7087B-F65C-4B3F-A506-3CE91575FA17}"/>
+                <a16:creationId xmlns:a16="http://schemas.microsoft.com/office/drawing/2014/main" xmlns="" id="{46B7087B-F65C-4B3F-A506-3CE91575FA17}"/>
               </a:ext>
             </a:extLst>
           </p:cNvPr>
@@ -2016,7 +2016,7 @@
     </p:spTree>
     <p:extLst>
       <p:ext uri="{BB962C8B-B14F-4D97-AF65-F5344CB8AC3E}">
-        <p14:creationId xmlns="" xmlns:p14="http://schemas.microsoft.com/office/powerpoint/2010/main" val="3489794051"/>
+        <p14:creationId xmlns:p14="http://schemas.microsoft.com/office/powerpoint/2010/main" xmlns="" val="3489794051"/>
       </p:ext>
     </p:extLst>
   </p:cSld>
@@ -2048,7 +2048,7 @@
           <p:cNvPr id="5" name="Grafik 4">
             <a:extLst>
               <a:ext uri="{FF2B5EF4-FFF2-40B4-BE49-F238E27FC236}">
-                <a16:creationId xmlns="" xmlns:a16="http://schemas.microsoft.com/office/drawing/2014/main" id="{59FD2549-F0A0-4ABD-9D12-AE6FE6FCB00F}"/>
+                <a16:creationId xmlns:a16="http://schemas.microsoft.com/office/drawing/2014/main" xmlns="" id="{59FD2549-F0A0-4ABD-9D12-AE6FE6FCB00F}"/>
               </a:ext>
             </a:extLst>
           </p:cNvPr>
@@ -2061,7 +2061,7 @@
           <a:blip r:embed="rId2" cstate="print">
             <a:extLst>
               <a:ext uri="{28A0092B-C50C-407E-A947-70E740481C1C}">
-                <a14:useLocalDpi xmlns="" xmlns:a14="http://schemas.microsoft.com/office/drawing/2010/main" val="0"/>
+                <a14:useLocalDpi xmlns:a14="http://schemas.microsoft.com/office/drawing/2010/main" xmlns="" val="0"/>
               </a:ext>
             </a:extLst>
           </a:blip>
@@ -2083,7 +2083,7 @@
           <p:cNvPr id="7" name="Grafik 6">
             <a:extLst>
               <a:ext uri="{FF2B5EF4-FFF2-40B4-BE49-F238E27FC236}">
-                <a16:creationId xmlns="" xmlns:a16="http://schemas.microsoft.com/office/drawing/2014/main" id="{44BE2D65-01C5-488E-9B3D-B9F150682BF7}"/>
+                <a16:creationId xmlns:a16="http://schemas.microsoft.com/office/drawing/2014/main" xmlns="" id="{44BE2D65-01C5-488E-9B3D-B9F150682BF7}"/>
               </a:ext>
             </a:extLst>
           </p:cNvPr>
@@ -2096,7 +2096,7 @@
           <a:blip r:embed="rId3" cstate="print">
             <a:extLst>
               <a:ext uri="{28A0092B-C50C-407E-A947-70E740481C1C}">
-                <a14:useLocalDpi xmlns="" xmlns:a14="http://schemas.microsoft.com/office/drawing/2010/main" val="0"/>
+                <a14:useLocalDpi xmlns:a14="http://schemas.microsoft.com/office/drawing/2010/main" xmlns="" val="0"/>
               </a:ext>
             </a:extLst>
           </a:blip>
@@ -2119,7 +2119,7 @@
           <p:cNvPr id="11" name="Titel 10">
             <a:extLst>
               <a:ext uri="{FF2B5EF4-FFF2-40B4-BE49-F238E27FC236}">
-                <a16:creationId xmlns="" xmlns:a16="http://schemas.microsoft.com/office/drawing/2014/main" id="{85220CF1-8FE4-4682-994B-810D27DEEEE1}"/>
+                <a16:creationId xmlns:a16="http://schemas.microsoft.com/office/drawing/2014/main" xmlns="" id="{85220CF1-8FE4-4682-994B-810D27DEEEE1}"/>
               </a:ext>
             </a:extLst>
           </p:cNvPr>
@@ -2161,7 +2161,7 @@
           <p:cNvPr id="12" name="Titel 10">
             <a:extLst>
               <a:ext uri="{FF2B5EF4-FFF2-40B4-BE49-F238E27FC236}">
-                <a16:creationId xmlns="" xmlns:a16="http://schemas.microsoft.com/office/drawing/2014/main" id="{46B7087B-F65C-4B3F-A506-3CE91575FA17}"/>
+                <a16:creationId xmlns:a16="http://schemas.microsoft.com/office/drawing/2014/main" xmlns="" id="{46B7087B-F65C-4B3F-A506-3CE91575FA17}"/>
               </a:ext>
             </a:extLst>
           </p:cNvPr>
@@ -2252,7 +2252,7 @@
     </p:spTree>
     <p:extLst>
       <p:ext uri="{BB962C8B-B14F-4D97-AF65-F5344CB8AC3E}">
-        <p14:creationId xmlns="" xmlns:p14="http://schemas.microsoft.com/office/powerpoint/2010/main" val="3751392105"/>
+        <p14:creationId xmlns:p14="http://schemas.microsoft.com/office/powerpoint/2010/main" xmlns="" val="3751392105"/>
       </p:ext>
     </p:extLst>
   </p:cSld>
@@ -2279,148 +2279,12 @@
           <a:chExt cx="0" cy="0"/>
         </a:xfrm>
       </p:grpSpPr>
-      <p:sp>
-        <p:nvSpPr>
-          <p:cNvPr id="2" name="Titel 1">
-            <a:extLst>
-              <a:ext uri="{FF2B5EF4-FFF2-40B4-BE49-F238E27FC236}">
-                <a16:creationId xmlns="" xmlns:a16="http://schemas.microsoft.com/office/drawing/2014/main" id="{B95BCD18-302D-4FB0-B92D-F59B773B6833}"/>
-              </a:ext>
-            </a:extLst>
-          </p:cNvPr>
-          <p:cNvSpPr>
-            <a:spLocks noGrp="1"/>
-          </p:cNvSpPr>
-          <p:nvPr>
-            <p:ph type="title"/>
-          </p:nvPr>
-        </p:nvSpPr>
-        <p:spPr/>
-        <p:txBody>
-          <a:bodyPr/>
-          <a:lstStyle/>
-          <a:p>
-            <a:r>
-              <a:rPr lang="en-GB" dirty="0"/>
-              <a:t>INTRODUCTION</a:t>
-            </a:r>
-            <a:endParaRPr lang="x-none" dirty="0"/>
-          </a:p>
-        </p:txBody>
-      </p:sp>
-      <p:sp>
-        <p:nvSpPr>
-          <p:cNvPr id="3" name="Inhaltsplatzhalter 2">
-            <a:extLst>
-              <a:ext uri="{FF2B5EF4-FFF2-40B4-BE49-F238E27FC236}">
-                <a16:creationId xmlns="" xmlns:a16="http://schemas.microsoft.com/office/drawing/2014/main" id="{E59E5E55-ADA9-4327-85CF-331D2393859F}"/>
-              </a:ext>
-            </a:extLst>
-          </p:cNvPr>
-          <p:cNvSpPr>
-            <a:spLocks noGrp="1"/>
-          </p:cNvSpPr>
-          <p:nvPr>
-            <p:ph idx="1"/>
-          </p:nvPr>
-        </p:nvSpPr>
-        <p:spPr/>
-        <p:txBody>
-          <a:bodyPr>
-            <a:normAutofit/>
-          </a:bodyPr>
-          <a:lstStyle/>
-          <a:p>
-            <a:pPr>
-              <a:buFontTx/>
-              <a:buChar char="-"/>
-            </a:pPr>
-            <a:r>
-              <a:rPr lang="de-DE" b="1" dirty="0">
-                <a:solidFill>
-                  <a:srgbClr val="FFFFFF"/>
-                </a:solidFill>
-              </a:rPr>
-              <a:t>Idea 1: </a:t>
-            </a:r>
-            <a:r>
-              <a:rPr lang="de-DE" b="1" dirty="0" smtClean="0">
-                <a:solidFill>
-                  <a:srgbClr val="FFFFFF"/>
-                </a:solidFill>
-              </a:rPr>
-              <a:t>Locked-in </a:t>
-            </a:r>
-            <a:r>
-              <a:rPr lang="de-DE" b="1" dirty="0">
-                <a:solidFill>
-                  <a:srgbClr val="FFFFFF"/>
-                </a:solidFill>
-              </a:rPr>
-              <a:t>dude wants to see movie/travel, forgot name. How vcould we help em? Ask cl;ever questions to narrow down quickly</a:t>
-            </a:r>
-          </a:p>
-          <a:p>
-            <a:pPr>
-              <a:buFontTx/>
-              <a:buChar char="-"/>
-            </a:pPr>
-            <a:r>
-              <a:rPr lang="de-DE" b="1" dirty="0">
-                <a:solidFill>
-                  <a:srgbClr val="FFFFFF"/>
-                </a:solidFill>
-              </a:rPr>
-              <a:t>Machine finds out wehat user wnat qwuickly</a:t>
-            </a:r>
-          </a:p>
-          <a:p>
-            <a:pPr>
-              <a:buFontTx/>
-              <a:buChar char="-"/>
-            </a:pPr>
-            <a:r>
-              <a:rPr lang="de-DE" b="1" dirty="0">
-                <a:solidFill>
-                  <a:srgbClr val="FFFFFF"/>
-                </a:solidFill>
-              </a:rPr>
-              <a:t>Needs two parts: question asking intell;igence, and readout.</a:t>
-            </a:r>
-          </a:p>
-          <a:p>
-            <a:pPr>
-              <a:buFontTx/>
-              <a:buChar char="-"/>
-            </a:pPr>
-            <a:endParaRPr lang="de-DE" b="1" dirty="0">
-              <a:solidFill>
-                <a:srgbClr val="FFFFFF"/>
-              </a:solidFill>
-            </a:endParaRPr>
-          </a:p>
-          <a:p>
-            <a:pPr>
-              <a:buFontTx/>
-              <a:buChar char="-"/>
-            </a:pPr>
-            <a:r>
-              <a:rPr lang="de-DE" b="1" dirty="0">
-                <a:solidFill>
-                  <a:srgbClr val="FFFFFF"/>
-                </a:solidFill>
-              </a:rPr>
-              <a:t>Idea 2: 20 questions?</a:t>
-            </a:r>
-          </a:p>
-        </p:txBody>
-      </p:sp>
       <p:pic>
         <p:nvPicPr>
           <p:cNvPr id="4" name="Grafik 3">
             <a:extLst>
               <a:ext uri="{FF2B5EF4-FFF2-40B4-BE49-F238E27FC236}">
-                <a16:creationId xmlns="" xmlns:a16="http://schemas.microsoft.com/office/drawing/2014/main" id="{300411DF-B2A6-4A2A-8E76-2F8AA3F86A8B}"/>
+                <a16:creationId xmlns:a16="http://schemas.microsoft.com/office/drawing/2014/main" xmlns="" id="{300411DF-B2A6-4A2A-8E76-2F8AA3F86A8B}"/>
               </a:ext>
             </a:extLst>
           </p:cNvPr>
@@ -2433,7 +2297,7 @@
           <a:blip r:embed="rId2" cstate="print">
             <a:extLst>
               <a:ext uri="{28A0092B-C50C-407E-A947-70E740481C1C}">
-                <a14:useLocalDpi xmlns="" xmlns:a14="http://schemas.microsoft.com/office/drawing/2010/main" val="0"/>
+                <a14:useLocalDpi xmlns:a14="http://schemas.microsoft.com/office/drawing/2010/main" xmlns="" val="0"/>
               </a:ext>
             </a:extLst>
           </a:blip>
@@ -2451,10 +2315,88 @@
           </a:prstGeom>
         </p:spPr>
       </p:pic>
+      <p:pic>
+        <p:nvPicPr>
+          <p:cNvPr id="2050" name="Picture 2" descr="C:\Users\Vilsnk\3D Objects\unibrowser\mo_ana\ai-artificial-intelligence-technology-robot-cartoon-001-vector.jpg"/>
+          <p:cNvPicPr>
+            <a:picLocks noChangeAspect="1" noChangeArrowheads="1"/>
+          </p:cNvPicPr>
+          <p:nvPr/>
+        </p:nvPicPr>
+        <p:blipFill>
+          <a:blip r:embed="rId3" cstate="print"/>
+          <a:srcRect/>
+          <a:stretch>
+            <a:fillRect/>
+          </a:stretch>
+        </p:blipFill>
+        <p:spPr bwMode="auto">
+          <a:xfrm>
+            <a:off x="1604424" y="4570473"/>
+            <a:ext cx="1493837" cy="1493837"/>
+          </a:xfrm>
+          <a:prstGeom prst="rect">
+            <a:avLst/>
+          </a:prstGeom>
+          <a:noFill/>
+        </p:spPr>
+      </p:pic>
+      <p:pic>
+        <p:nvPicPr>
+          <p:cNvPr id="2051" name="Picture 3" descr="C:\Users\Vilsnk\3D Objects\unibrowser\mo_ana\uniEEG.png"/>
+          <p:cNvPicPr>
+            <a:picLocks noChangeAspect="1" noChangeArrowheads="1"/>
+          </p:cNvPicPr>
+          <p:nvPr/>
+        </p:nvPicPr>
+        <p:blipFill>
+          <a:blip r:embed="rId4" cstate="print"/>
+          <a:srcRect/>
+          <a:stretch>
+            <a:fillRect/>
+          </a:stretch>
+        </p:blipFill>
+        <p:spPr bwMode="auto">
+          <a:xfrm>
+            <a:off x="3413125" y="3006725"/>
+            <a:ext cx="4819650" cy="4838700"/>
+          </a:xfrm>
+          <a:prstGeom prst="rect">
+            <a:avLst/>
+          </a:prstGeom>
+          <a:noFill/>
+        </p:spPr>
+      </p:pic>
+      <p:pic>
+        <p:nvPicPr>
+          <p:cNvPr id="2052" name="Picture 4" descr="C:\Users\Vilsnk\3D Objects\unibrowser\mo_ana\prime-video-fire-stick-screenshot-840x473.jpg"/>
+          <p:cNvPicPr>
+            <a:picLocks noChangeAspect="1" noChangeArrowheads="1"/>
+          </p:cNvPicPr>
+          <p:nvPr/>
+        </p:nvPicPr>
+        <p:blipFill>
+          <a:blip r:embed="rId5" cstate="print"/>
+          <a:srcRect/>
+          <a:stretch>
+            <a:fillRect/>
+          </a:stretch>
+        </p:blipFill>
+        <p:spPr bwMode="auto">
+          <a:xfrm>
+            <a:off x="-2197100" y="-320675"/>
+            <a:ext cx="8001000" cy="4505325"/>
+          </a:xfrm>
+          <a:prstGeom prst="rect">
+            <a:avLst/>
+          </a:prstGeom>
+          <a:noFill/>
+        </p:spPr>
+      </p:pic>
     </p:spTree>
     <p:extLst>
       <p:ext uri="{BB962C8B-B14F-4D97-AF65-F5344CB8AC3E}">
-        <p14:creationId xmlns="" xmlns:p14="http://schemas.microsoft.com/office/powerpoint/2010/main" val="2789252034"/>
+        <p14:creationId xmlns:p14="http://schemas.microsoft.com/office/powerpoint/2010/main" xmlns="" val="2789252034"/>
       </p:ext>
     </p:extLst>
   </p:cSld>
@@ -2481,162 +2423,12 @@
           <a:chExt cx="0" cy="0"/>
         </a:xfrm>
       </p:grpSpPr>
-      <p:sp>
-        <p:nvSpPr>
-          <p:cNvPr id="2" name="Titel 1">
+      <p:pic>
+        <p:nvPicPr>
+          <p:cNvPr id="7" name="Grafik 3">
             <a:extLst>
               <a:ext uri="{FF2B5EF4-FFF2-40B4-BE49-F238E27FC236}">
-                <a16:creationId xmlns="" xmlns:a16="http://schemas.microsoft.com/office/drawing/2014/main" id="{B95BCD18-302D-4FB0-B92D-F59B773B6833}"/>
-              </a:ext>
-            </a:extLst>
-          </p:cNvPr>
-          <p:cNvSpPr>
-            <a:spLocks noGrp="1"/>
-          </p:cNvSpPr>
-          <p:nvPr>
-            <p:ph type="title"/>
-          </p:nvPr>
-        </p:nvSpPr>
-        <p:spPr/>
-        <p:txBody>
-          <a:bodyPr/>
-          <a:lstStyle/>
-          <a:p>
-            <a:r>
-              <a:rPr lang="en-GB" dirty="0"/>
-              <a:t>IDEA/SOLUTION…</a:t>
-            </a:r>
-            <a:endParaRPr lang="x-none" dirty="0"/>
-          </a:p>
-        </p:txBody>
-      </p:sp>
-      <p:sp>
-        <p:nvSpPr>
-          <p:cNvPr id="3" name="Inhaltsplatzhalter 2">
-            <a:extLst>
-              <a:ext uri="{FF2B5EF4-FFF2-40B4-BE49-F238E27FC236}">
-                <a16:creationId xmlns="" xmlns:a16="http://schemas.microsoft.com/office/drawing/2014/main" id="{E59E5E55-ADA9-4327-85CF-331D2393859F}"/>
-              </a:ext>
-            </a:extLst>
-          </p:cNvPr>
-          <p:cNvSpPr>
-            <a:spLocks noGrp="1"/>
-          </p:cNvSpPr>
-          <p:nvPr>
-            <p:ph idx="1"/>
-          </p:nvPr>
-        </p:nvSpPr>
-        <p:spPr/>
-        <p:txBody>
-          <a:bodyPr>
-            <a:normAutofit lnSpcReduction="10000"/>
-          </a:bodyPr>
-          <a:lstStyle/>
-          <a:p>
-            <a:pPr>
-              <a:buFontTx/>
-              <a:buChar char="-"/>
-            </a:pPr>
-            <a:r>
-              <a:rPr lang="de-DE" b="1" dirty="0">
-                <a:solidFill>
-                  <a:srgbClr val="FFFFFF"/>
-                </a:solidFill>
-              </a:rPr>
-              <a:t>Questions such that they ,maximally reduce uncertainty (example, think number between 1 and 100. Then ask: below ett/c.)</a:t>
-            </a:r>
-          </a:p>
-          <a:p>
-            <a:pPr>
-              <a:buFontTx/>
-              <a:buChar char="-"/>
-            </a:pPr>
-            <a:r>
-              <a:rPr lang="de-DE" b="1" dirty="0">
-                <a:solidFill>
-                  <a:srgbClr val="FFFFFF"/>
-                </a:solidFill>
-              </a:rPr>
-              <a:t>Can generalise that to almost everything, using fancy ass [prob bayseian nn quantum model]</a:t>
-            </a:r>
-          </a:p>
-          <a:p>
-            <a:pPr>
-              <a:buFontTx/>
-              <a:buChar char="-"/>
-            </a:pPr>
-            <a:r>
-              <a:rPr lang="de-DE" b="1" dirty="0">
-                <a:solidFill>
-                  <a:srgbClr val="FFFFFF"/>
-                </a:solidFill>
-              </a:rPr>
-              <a:t>Hard to ask right questions, but also hard to interpret answerts! Users are ignoramnt, and eeg is noisy. </a:t>
-            </a:r>
-          </a:p>
-          <a:p>
-            <a:pPr>
-              <a:buFontTx/>
-              <a:buChar char="-"/>
-            </a:pPr>
-            <a:r>
-              <a:rPr lang="de-DE" b="1" dirty="0">
-                <a:solidFill>
-                  <a:srgbClr val="FFFFFF"/>
-                </a:solidFill>
-              </a:rPr>
-              <a:t>All this can be taken care of.</a:t>
-            </a:r>
-          </a:p>
-          <a:p>
-            <a:pPr>
-              <a:buFontTx/>
-              <a:buChar char="-"/>
-            </a:pPr>
-            <a:r>
-              <a:rPr lang="de-DE" b="1" dirty="0">
-                <a:solidFill>
-                  <a:srgbClr val="FFFFFF"/>
-                </a:solidFill>
-              </a:rPr>
-              <a:t>Secomndly, need read out answers using EEG. One=quick way to do it SSVEP.</a:t>
-            </a:r>
-          </a:p>
-          <a:p>
-            <a:pPr>
-              <a:buFontTx/>
-              <a:buChar char="-"/>
-            </a:pPr>
-            <a:r>
-              <a:rPr lang="de-DE" b="1" dirty="0">
-                <a:solidFill>
-                  <a:srgbClr val="FFFFFF"/>
-                </a:solidFill>
-              </a:rPr>
-              <a:t>Look at both </a:t>
-            </a:r>
-            <a:r>
-              <a:rPr lang="de-DE" b="1" dirty="0" smtClean="0">
-                <a:solidFill>
-                  <a:srgbClr val="FFFFFF"/>
-                </a:solidFill>
-              </a:rPr>
-              <a:t>things</a:t>
-            </a:r>
-            <a:endParaRPr lang="de-DE" b="1" dirty="0">
-              <a:solidFill>
-                <a:srgbClr val="FFFFFF"/>
-              </a:solidFill>
-            </a:endParaRPr>
-          </a:p>
-        </p:txBody>
-      </p:sp>
-      <p:pic>
-        <p:nvPicPr>
-          <p:cNvPr id="4" name="Grafik 3">
-            <a:extLst>
-              <a:ext uri="{FF2B5EF4-FFF2-40B4-BE49-F238E27FC236}">
-                <a16:creationId xmlns="" xmlns:a16="http://schemas.microsoft.com/office/drawing/2014/main" id="{300411DF-B2A6-4A2A-8E76-2F8AA3F86A8B}"/>
+                <a16:creationId xmlns:a16="http://schemas.microsoft.com/office/drawing/2014/main" xmlns="" id="{300411DF-B2A6-4A2A-8E76-2F8AA3F86A8B}"/>
               </a:ext>
             </a:extLst>
           </p:cNvPr>
@@ -2649,7 +2441,7 @@
           <a:blip r:embed="rId2" cstate="print">
             <a:extLst>
               <a:ext uri="{28A0092B-C50C-407E-A947-70E740481C1C}">
-                <a14:useLocalDpi xmlns="" xmlns:a14="http://schemas.microsoft.com/office/drawing/2010/main" val="0"/>
+                <a14:useLocalDpi xmlns:a14="http://schemas.microsoft.com/office/drawing/2010/main" xmlns="" val="0"/>
               </a:ext>
             </a:extLst>
           </a:blip>
@@ -2670,7 +2462,7 @@
     </p:spTree>
     <p:extLst>
       <p:ext uri="{BB962C8B-B14F-4D97-AF65-F5344CB8AC3E}">
-        <p14:creationId xmlns="" xmlns:p14="http://schemas.microsoft.com/office/powerpoint/2010/main" val="2600432059"/>
+        <p14:creationId xmlns:p14="http://schemas.microsoft.com/office/powerpoint/2010/main" xmlns="" val="2600432059"/>
       </p:ext>
     </p:extLst>
   </p:cSld>
@@ -2702,7 +2494,7 @@
           <p:cNvPr id="2" name="Titel 1">
             <a:extLst>
               <a:ext uri="{FF2B5EF4-FFF2-40B4-BE49-F238E27FC236}">
-                <a16:creationId xmlns="" xmlns:a16="http://schemas.microsoft.com/office/drawing/2014/main" id="{B95BCD18-302D-4FB0-B92D-F59B773B6833}"/>
+                <a16:creationId xmlns:a16="http://schemas.microsoft.com/office/drawing/2014/main" xmlns="" id="{B95BCD18-302D-4FB0-B92D-F59B773B6833}"/>
               </a:ext>
             </a:extLst>
           </p:cNvPr>
@@ -2739,7 +2531,7 @@
           <p:cNvPr id="4" name="Grafik 3">
             <a:extLst>
               <a:ext uri="{FF2B5EF4-FFF2-40B4-BE49-F238E27FC236}">
-                <a16:creationId xmlns="" xmlns:a16="http://schemas.microsoft.com/office/drawing/2014/main" id="{300411DF-B2A6-4A2A-8E76-2F8AA3F86A8B}"/>
+                <a16:creationId xmlns:a16="http://schemas.microsoft.com/office/drawing/2014/main" xmlns="" id="{300411DF-B2A6-4A2A-8E76-2F8AA3F86A8B}"/>
               </a:ext>
             </a:extLst>
           </p:cNvPr>
@@ -2752,7 +2544,7 @@
           <a:blip r:embed="rId2" cstate="print">
             <a:extLst>
               <a:ext uri="{28A0092B-C50C-407E-A947-70E740481C1C}">
-                <a14:useLocalDpi xmlns="" xmlns:a14="http://schemas.microsoft.com/office/drawing/2010/main" val="0"/>
+                <a14:useLocalDpi xmlns:a14="http://schemas.microsoft.com/office/drawing/2010/main" xmlns="" val="0"/>
               </a:ext>
             </a:extLst>
           </a:blip>
@@ -2817,10 +2609,42 @@
           </a:p>
         </p:txBody>
       </p:sp>
+      <p:pic>
+        <p:nvPicPr>
+          <p:cNvPr id="1026" name="Picture 2"/>
+          <p:cNvPicPr>
+            <a:picLocks noChangeAspect="1" noChangeArrowheads="1"/>
+          </p:cNvPicPr>
+          <p:nvPr/>
+        </p:nvPicPr>
+        <p:blipFill>
+          <a:blip r:embed="rId3" cstate="print"/>
+          <a:srcRect/>
+          <a:stretch>
+            <a:fillRect/>
+          </a:stretch>
+        </p:blipFill>
+        <p:spPr bwMode="auto">
+          <a:xfrm>
+            <a:off x="5253487" y="1295850"/>
+            <a:ext cx="6822596" cy="4656377"/>
+          </a:xfrm>
+          <a:prstGeom prst="rect">
+            <a:avLst/>
+          </a:prstGeom>
+          <a:noFill/>
+          <a:ln w="9525">
+            <a:noFill/>
+            <a:miter lim="800000"/>
+            <a:headEnd/>
+            <a:tailEnd/>
+          </a:ln>
+        </p:spPr>
+      </p:pic>
     </p:spTree>
     <p:extLst>
       <p:ext uri="{BB962C8B-B14F-4D97-AF65-F5344CB8AC3E}">
-        <p14:creationId xmlns="" xmlns:p14="http://schemas.microsoft.com/office/powerpoint/2010/main" val="2600432059"/>
+        <p14:creationId xmlns:p14="http://schemas.microsoft.com/office/powerpoint/2010/main" xmlns="" val="2600432059"/>
       </p:ext>
     </p:extLst>
   </p:cSld>
@@ -2852,7 +2676,7 @@
           <p:cNvPr id="2" name="Titel 1">
             <a:extLst>
               <a:ext uri="{FF2B5EF4-FFF2-40B4-BE49-F238E27FC236}">
-                <a16:creationId xmlns="" xmlns:a16="http://schemas.microsoft.com/office/drawing/2014/main" id="{B95BCD18-302D-4FB0-B92D-F59B773B6833}"/>
+                <a16:creationId xmlns:a16="http://schemas.microsoft.com/office/drawing/2014/main" xmlns="" id="{B95BCD18-302D-4FB0-B92D-F59B773B6833}"/>
               </a:ext>
             </a:extLst>
           </p:cNvPr>
@@ -2889,7 +2713,7 @@
           <p:cNvPr id="3" name="Inhaltsplatzhalter 2">
             <a:extLst>
               <a:ext uri="{FF2B5EF4-FFF2-40B4-BE49-F238E27FC236}">
-                <a16:creationId xmlns="" xmlns:a16="http://schemas.microsoft.com/office/drawing/2014/main" id="{E59E5E55-ADA9-4327-85CF-331D2393859F}"/>
+                <a16:creationId xmlns:a16="http://schemas.microsoft.com/office/drawing/2014/main" xmlns="" id="{E59E5E55-ADA9-4327-85CF-331D2393859F}"/>
               </a:ext>
             </a:extLst>
           </p:cNvPr>
@@ -2988,7 +2812,7 @@
           <p:cNvPr id="4" name="Grafik 3">
             <a:extLst>
               <a:ext uri="{FF2B5EF4-FFF2-40B4-BE49-F238E27FC236}">
-                <a16:creationId xmlns="" xmlns:a16="http://schemas.microsoft.com/office/drawing/2014/main" id="{300411DF-B2A6-4A2A-8E76-2F8AA3F86A8B}"/>
+                <a16:creationId xmlns:a16="http://schemas.microsoft.com/office/drawing/2014/main" xmlns="" id="{300411DF-B2A6-4A2A-8E76-2F8AA3F86A8B}"/>
               </a:ext>
             </a:extLst>
           </p:cNvPr>
@@ -3001,7 +2825,7 @@
           <a:blip r:embed="rId2" cstate="print">
             <a:extLst>
               <a:ext uri="{28A0092B-C50C-407E-A947-70E740481C1C}">
-                <a14:useLocalDpi xmlns="" xmlns:a14="http://schemas.microsoft.com/office/drawing/2010/main" val="0"/>
+                <a14:useLocalDpi xmlns:a14="http://schemas.microsoft.com/office/drawing/2010/main" xmlns="" val="0"/>
               </a:ext>
             </a:extLst>
           </a:blip>
@@ -4276,7 +4100,7 @@
     </p:spTree>
     <p:extLst>
       <p:ext uri="{BB962C8B-B14F-4D97-AF65-F5344CB8AC3E}">
-        <p14:creationId xmlns="" xmlns:p14="http://schemas.microsoft.com/office/powerpoint/2010/main" val="2798779998"/>
+        <p14:creationId xmlns:p14="http://schemas.microsoft.com/office/powerpoint/2010/main" xmlns="" val="2798779998"/>
       </p:ext>
     </p:extLst>
   </p:cSld>
@@ -4308,7 +4132,7 @@
           <p:cNvPr id="2" name="Titel 1">
             <a:extLst>
               <a:ext uri="{FF2B5EF4-FFF2-40B4-BE49-F238E27FC236}">
-                <a16:creationId xmlns="" xmlns:a16="http://schemas.microsoft.com/office/drawing/2014/main" id="{B95BCD18-302D-4FB0-B92D-F59B773B6833}"/>
+                <a16:creationId xmlns:a16="http://schemas.microsoft.com/office/drawing/2014/main" xmlns="" id="{B95BCD18-302D-4FB0-B92D-F59B773B6833}"/>
               </a:ext>
             </a:extLst>
           </p:cNvPr>
@@ -4337,7 +4161,7 @@
           <p:cNvPr id="3" name="Inhaltsplatzhalter 2">
             <a:extLst>
               <a:ext uri="{FF2B5EF4-FFF2-40B4-BE49-F238E27FC236}">
-                <a16:creationId xmlns="" xmlns:a16="http://schemas.microsoft.com/office/drawing/2014/main" id="{E59E5E55-ADA9-4327-85CF-331D2393859F}"/>
+                <a16:creationId xmlns:a16="http://schemas.microsoft.com/office/drawing/2014/main" xmlns="" id="{E59E5E55-ADA9-4327-85CF-331D2393859F}"/>
               </a:ext>
             </a:extLst>
           </p:cNvPr>
@@ -4371,7 +4195,7 @@
           <p:cNvPr id="4" name="Grafik 3">
             <a:extLst>
               <a:ext uri="{FF2B5EF4-FFF2-40B4-BE49-F238E27FC236}">
-                <a16:creationId xmlns="" xmlns:a16="http://schemas.microsoft.com/office/drawing/2014/main" id="{300411DF-B2A6-4A2A-8E76-2F8AA3F86A8B}"/>
+                <a16:creationId xmlns:a16="http://schemas.microsoft.com/office/drawing/2014/main" xmlns="" id="{300411DF-B2A6-4A2A-8E76-2F8AA3F86A8B}"/>
               </a:ext>
             </a:extLst>
           </p:cNvPr>
@@ -4384,7 +4208,7 @@
           <a:blip r:embed="rId2" cstate="print">
             <a:extLst>
               <a:ext uri="{28A0092B-C50C-407E-A947-70E740481C1C}">
-                <a14:useLocalDpi xmlns="" xmlns:a14="http://schemas.microsoft.com/office/drawing/2010/main" val="0"/>
+                <a14:useLocalDpi xmlns:a14="http://schemas.microsoft.com/office/drawing/2010/main" xmlns="" val="0"/>
               </a:ext>
             </a:extLst>
           </a:blip>
@@ -4497,7 +4321,7 @@
     </p:spTree>
     <p:extLst>
       <p:ext uri="{BB962C8B-B14F-4D97-AF65-F5344CB8AC3E}">
-        <p14:creationId xmlns="" xmlns:p14="http://schemas.microsoft.com/office/powerpoint/2010/main" val="3829638140"/>
+        <p14:creationId xmlns:p14="http://schemas.microsoft.com/office/powerpoint/2010/main" xmlns="" val="3829638140"/>
       </p:ext>
     </p:extLst>
   </p:cSld>
@@ -4529,7 +4353,7 @@
           <p:cNvPr id="2" name="Titel 1">
             <a:extLst>
               <a:ext uri="{FF2B5EF4-FFF2-40B4-BE49-F238E27FC236}">
-                <a16:creationId xmlns="" xmlns:a16="http://schemas.microsoft.com/office/drawing/2014/main" id="{B95BCD18-302D-4FB0-B92D-F59B773B6833}"/>
+                <a16:creationId xmlns:a16="http://schemas.microsoft.com/office/drawing/2014/main" xmlns="" id="{B95BCD18-302D-4FB0-B92D-F59B773B6833}"/>
               </a:ext>
             </a:extLst>
           </p:cNvPr>
@@ -4558,7 +4382,7 @@
           <p:cNvPr id="3" name="Inhaltsplatzhalter 2">
             <a:extLst>
               <a:ext uri="{FF2B5EF4-FFF2-40B4-BE49-F238E27FC236}">
-                <a16:creationId xmlns="" xmlns:a16="http://schemas.microsoft.com/office/drawing/2014/main" id="{E59E5E55-ADA9-4327-85CF-331D2393859F}"/>
+                <a16:creationId xmlns:a16="http://schemas.microsoft.com/office/drawing/2014/main" xmlns="" id="{E59E5E55-ADA9-4327-85CF-331D2393859F}"/>
               </a:ext>
             </a:extLst>
           </p:cNvPr>
@@ -4766,7 +4590,7 @@
           <p:cNvPr id="4" name="Grafik 3">
             <a:extLst>
               <a:ext uri="{FF2B5EF4-FFF2-40B4-BE49-F238E27FC236}">
-                <a16:creationId xmlns="" xmlns:a16="http://schemas.microsoft.com/office/drawing/2014/main" id="{300411DF-B2A6-4A2A-8E76-2F8AA3F86A8B}"/>
+                <a16:creationId xmlns:a16="http://schemas.microsoft.com/office/drawing/2014/main" xmlns="" id="{300411DF-B2A6-4A2A-8E76-2F8AA3F86A8B}"/>
               </a:ext>
             </a:extLst>
           </p:cNvPr>
@@ -4779,7 +4603,7 @@
           <a:blip r:embed="rId2" cstate="print">
             <a:extLst>
               <a:ext uri="{28A0092B-C50C-407E-A947-70E740481C1C}">
-                <a14:useLocalDpi xmlns="" xmlns:a14="http://schemas.microsoft.com/office/drawing/2010/main" val="0"/>
+                <a14:useLocalDpi xmlns:a14="http://schemas.microsoft.com/office/drawing/2010/main" xmlns="" val="0"/>
               </a:ext>
             </a:extLst>
           </a:blip>
@@ -4800,7 +4624,7 @@
     </p:spTree>
     <p:extLst>
       <p:ext uri="{BB962C8B-B14F-4D97-AF65-F5344CB8AC3E}">
-        <p14:creationId xmlns="" xmlns:p14="http://schemas.microsoft.com/office/powerpoint/2010/main" val="640049257"/>
+        <p14:creationId xmlns:p14="http://schemas.microsoft.com/office/powerpoint/2010/main" xmlns="" val="640049257"/>
       </p:ext>
     </p:extLst>
   </p:cSld>
@@ -4832,7 +4656,7 @@
           <p:cNvPr id="2" name="Titel 1">
             <a:extLst>
               <a:ext uri="{FF2B5EF4-FFF2-40B4-BE49-F238E27FC236}">
-                <a16:creationId xmlns="" xmlns:a16="http://schemas.microsoft.com/office/drawing/2014/main" id="{B95BCD18-302D-4FB0-B92D-F59B773B6833}"/>
+                <a16:creationId xmlns:a16="http://schemas.microsoft.com/office/drawing/2014/main" xmlns="" id="{B95BCD18-302D-4FB0-B92D-F59B773B6833}"/>
               </a:ext>
             </a:extLst>
           </p:cNvPr>
@@ -4868,7 +4692,7 @@
           <p:cNvPr id="3" name="Inhaltsplatzhalter 2">
             <a:extLst>
               <a:ext uri="{FF2B5EF4-FFF2-40B4-BE49-F238E27FC236}">
-                <a16:creationId xmlns="" xmlns:a16="http://schemas.microsoft.com/office/drawing/2014/main" id="{E59E5E55-ADA9-4327-85CF-331D2393859F}"/>
+                <a16:creationId xmlns:a16="http://schemas.microsoft.com/office/drawing/2014/main" xmlns="" id="{E59E5E55-ADA9-4327-85CF-331D2393859F}"/>
               </a:ext>
             </a:extLst>
           </p:cNvPr>
@@ -4902,7 +4726,7 @@
           <p:cNvPr id="4" name="Grafik 3">
             <a:extLst>
               <a:ext uri="{FF2B5EF4-FFF2-40B4-BE49-F238E27FC236}">
-                <a16:creationId xmlns="" xmlns:a16="http://schemas.microsoft.com/office/drawing/2014/main" id="{300411DF-B2A6-4A2A-8E76-2F8AA3F86A8B}"/>
+                <a16:creationId xmlns:a16="http://schemas.microsoft.com/office/drawing/2014/main" xmlns="" id="{300411DF-B2A6-4A2A-8E76-2F8AA3F86A8B}"/>
               </a:ext>
             </a:extLst>
           </p:cNvPr>
@@ -4915,7 +4739,7 @@
           <a:blip r:embed="rId2" cstate="print">
             <a:extLst>
               <a:ext uri="{28A0092B-C50C-407E-A947-70E740481C1C}">
-                <a14:useLocalDpi xmlns="" xmlns:a14="http://schemas.microsoft.com/office/drawing/2010/main" val="0"/>
+                <a14:useLocalDpi xmlns:a14="http://schemas.microsoft.com/office/drawing/2010/main" xmlns="" val="0"/>
               </a:ext>
             </a:extLst>
           </a:blip>
@@ -4936,7 +4760,7 @@
     </p:spTree>
     <p:extLst>
       <p:ext uri="{BB962C8B-B14F-4D97-AF65-F5344CB8AC3E}">
-        <p14:creationId xmlns="" xmlns:p14="http://schemas.microsoft.com/office/powerpoint/2010/main" val="606855018"/>
+        <p14:creationId xmlns:p14="http://schemas.microsoft.com/office/powerpoint/2010/main" xmlns="" val="606855018"/>
       </p:ext>
     </p:extLst>
   </p:cSld>
@@ -5235,7 +5059,7 @@
   <a:extraClrSchemeLst/>
   <a:extLst>
     <a:ext uri="{05A4C25C-085E-4340-85A3-A5531E510DB2}">
-      <thm15:themeFamily xmlns="" xmlns:thm15="http://schemas.microsoft.com/office/thememl/2012/main" name="Office Theme" id="{62F939B6-93AF-4DB8-9C6B-D6C7DFDC589F}" vid="{4A3C46E8-61CC-4603-A589-7422A47A8E4A}"/>
+      <thm15:themeFamily xmlns:thm15="http://schemas.microsoft.com/office/thememl/2012/main" xmlns="" name="Office Theme" id="{62F939B6-93AF-4DB8-9C6B-D6C7DFDC589F}" vid="{4A3C46E8-61CC-4603-A589-7422A47A8E4A}"/>
     </a:ext>
   </a:extLst>
 </a:theme>
@@ -5496,7 +5320,7 @@
   <a:extraClrSchemeLst/>
   <a:extLst>
     <a:ext uri="{05A4C25C-085E-4340-85A3-A5531E510DB2}">
-      <thm15:themeFamily xmlns="" xmlns:thm15="http://schemas.microsoft.com/office/thememl/2012/main" name="Office Theme" id="{62F939B6-93AF-4DB8-9C6B-D6C7DFDC589F}" vid="{4A3C46E8-61CC-4603-A589-7422A47A8E4A}"/>
+      <thm15:themeFamily xmlns:thm15="http://schemas.microsoft.com/office/thememl/2012/main" xmlns="" name="Office Theme" id="{62F939B6-93AF-4DB8-9C6B-D6C7DFDC589F}" vid="{4A3C46E8-61CC-4603-A589-7422A47A8E4A}"/>
     </a:ext>
   </a:extLst>
 </a:theme>
